--- a/Fifteen Puzzle Game Project.pptx
+++ b/Fifteen Puzzle Game Project.pptx
@@ -1,29 +1,30 @@
 
 <file path=ppt/presentation.xml><?xml version="1.0" encoding="utf-8"?>
-<p:presentation xmlns:a="http://schemas.openxmlformats.org/drawingml/2006/main" xmlns:r="http://schemas.openxmlformats.org/officeDocument/2006/relationships" xmlns:mc="http://schemas.openxmlformats.org/markup-compatibility/2006" xmlns:mv="urn:schemas-microsoft-com:mac:vml" xmlns:p="http://schemas.openxmlformats.org/presentationml/2006/main" xmlns:c="http://schemas.openxmlformats.org/drawingml/2006/chart" xmlns:dgm="http://schemas.openxmlformats.org/drawingml/2006/diagram" xmlns:o="urn:schemas-microsoft-com:office:office" xmlns:v="urn:schemas-microsoft-com:vml" xmlns:pvml="urn:schemas-microsoft-com:office:powerpoint" xmlns:com="http://schemas.openxmlformats.org/drawingml/2006/compatibility" xmlns:p14="http://schemas.microsoft.com/office/powerpoint/2010/main" xmlns:p15="http://schemas.microsoft.com/office/powerpoint/2012/main" xmlns:ahyp="http://schemas.microsoft.com/office/drawing/2018/hyperlinkcolor" autoCompressPictures="0" strictFirstAndLastChars="0" saveSubsetFonts="1">
+<p:presentation xmlns:a="http://schemas.openxmlformats.org/drawingml/2006/main" xmlns:r="http://schemas.openxmlformats.org/officeDocument/2006/relationships" xmlns:p="http://schemas.openxmlformats.org/presentationml/2006/main" strictFirstAndLastChars="0" saveSubsetFonts="1" autoCompressPictures="0">
   <p:sldMasterIdLst>
-    <p:sldMasterId id="2147483659" r:id="rId4"/>
+    <p:sldMasterId id="2147483659" r:id="rId1"/>
   </p:sldMasterIdLst>
   <p:notesMasterIdLst>
-    <p:notesMasterId r:id="rId5"/>
+    <p:notesMasterId r:id="rId14"/>
   </p:notesMasterIdLst>
   <p:sldIdLst>
-    <p:sldId id="256" r:id="rId6"/>
-    <p:sldId id="257" r:id="rId7"/>
-    <p:sldId id="258" r:id="rId8"/>
-    <p:sldId id="259" r:id="rId9"/>
-    <p:sldId id="260" r:id="rId10"/>
-    <p:sldId id="261" r:id="rId11"/>
-    <p:sldId id="262" r:id="rId12"/>
-    <p:sldId id="263" r:id="rId13"/>
-    <p:sldId id="264" r:id="rId14"/>
-    <p:sldId id="265" r:id="rId15"/>
-    <p:sldId id="266" r:id="rId16"/>
+    <p:sldId id="256" r:id="rId2"/>
+    <p:sldId id="267" r:id="rId3"/>
+    <p:sldId id="257" r:id="rId4"/>
+    <p:sldId id="258" r:id="rId5"/>
+    <p:sldId id="259" r:id="rId6"/>
+    <p:sldId id="260" r:id="rId7"/>
+    <p:sldId id="261" r:id="rId8"/>
+    <p:sldId id="262" r:id="rId9"/>
+    <p:sldId id="263" r:id="rId10"/>
+    <p:sldId id="264" r:id="rId11"/>
+    <p:sldId id="265" r:id="rId12"/>
+    <p:sldId id="266" r:id="rId13"/>
   </p:sldIdLst>
-  <p:sldSz cy="5143500" cx="9144000"/>
+  <p:sldSz cx="9144000" cy="5143500" type="screen16x9"/>
   <p:notesSz cx="6858000" cy="9144000"/>
   <p:defaultTextStyle>
-    <a:defPPr lvl="0" marR="0" rtl="0" algn="l">
+    <a:defPPr marR="0" lvl="0" algn="l" rtl="0">
       <a:lnSpc>
         <a:spcPct val="100000"/>
       </a:lnSpc>
@@ -34,7 +35,7 @@
         <a:spcPts val="0"/>
       </a:spcAft>
     </a:defPPr>
-    <a:lvl1pPr lvl="0" marR="0" rtl="0" algn="l">
+    <a:lvl1pPr marR="0" lvl="0" algn="l" rtl="0">
       <a:lnSpc>
         <a:spcPct val="100000"/>
       </a:lnSpc>
@@ -48,7 +49,7 @@
         <a:srgbClr val="000000"/>
       </a:buClr>
       <a:buFont typeface="Arial"/>
-      <a:defRPr b="0" i="0" sz="1400" u="none" cap="none" strike="noStrike">
+      <a:defRPr sz="1400" b="0" i="0" u="none" strike="noStrike" cap="none">
         <a:solidFill>
           <a:srgbClr val="000000"/>
         </a:solidFill>
@@ -58,7 +59,7 @@
         <a:sym typeface="Arial"/>
       </a:defRPr>
     </a:lvl1pPr>
-    <a:lvl2pPr lvl="1" marR="0" rtl="0" algn="l">
+    <a:lvl2pPr marR="0" lvl="1" algn="l" rtl="0">
       <a:lnSpc>
         <a:spcPct val="100000"/>
       </a:lnSpc>
@@ -72,7 +73,7 @@
         <a:srgbClr val="000000"/>
       </a:buClr>
       <a:buFont typeface="Arial"/>
-      <a:defRPr b="0" i="0" sz="1400" u="none" cap="none" strike="noStrike">
+      <a:defRPr sz="1400" b="0" i="0" u="none" strike="noStrike" cap="none">
         <a:solidFill>
           <a:srgbClr val="000000"/>
         </a:solidFill>
@@ -82,7 +83,7 @@
         <a:sym typeface="Arial"/>
       </a:defRPr>
     </a:lvl2pPr>
-    <a:lvl3pPr lvl="2" marR="0" rtl="0" algn="l">
+    <a:lvl3pPr marR="0" lvl="2" algn="l" rtl="0">
       <a:lnSpc>
         <a:spcPct val="100000"/>
       </a:lnSpc>
@@ -96,7 +97,7 @@
         <a:srgbClr val="000000"/>
       </a:buClr>
       <a:buFont typeface="Arial"/>
-      <a:defRPr b="0" i="0" sz="1400" u="none" cap="none" strike="noStrike">
+      <a:defRPr sz="1400" b="0" i="0" u="none" strike="noStrike" cap="none">
         <a:solidFill>
           <a:srgbClr val="000000"/>
         </a:solidFill>
@@ -106,7 +107,7 @@
         <a:sym typeface="Arial"/>
       </a:defRPr>
     </a:lvl3pPr>
-    <a:lvl4pPr lvl="3" marR="0" rtl="0" algn="l">
+    <a:lvl4pPr marR="0" lvl="3" algn="l" rtl="0">
       <a:lnSpc>
         <a:spcPct val="100000"/>
       </a:lnSpc>
@@ -120,7 +121,7 @@
         <a:srgbClr val="000000"/>
       </a:buClr>
       <a:buFont typeface="Arial"/>
-      <a:defRPr b="0" i="0" sz="1400" u="none" cap="none" strike="noStrike">
+      <a:defRPr sz="1400" b="0" i="0" u="none" strike="noStrike" cap="none">
         <a:solidFill>
           <a:srgbClr val="000000"/>
         </a:solidFill>
@@ -130,7 +131,7 @@
         <a:sym typeface="Arial"/>
       </a:defRPr>
     </a:lvl4pPr>
-    <a:lvl5pPr lvl="4" marR="0" rtl="0" algn="l">
+    <a:lvl5pPr marR="0" lvl="4" algn="l" rtl="0">
       <a:lnSpc>
         <a:spcPct val="100000"/>
       </a:lnSpc>
@@ -144,7 +145,7 @@
         <a:srgbClr val="000000"/>
       </a:buClr>
       <a:buFont typeface="Arial"/>
-      <a:defRPr b="0" i="0" sz="1400" u="none" cap="none" strike="noStrike">
+      <a:defRPr sz="1400" b="0" i="0" u="none" strike="noStrike" cap="none">
         <a:solidFill>
           <a:srgbClr val="000000"/>
         </a:solidFill>
@@ -154,7 +155,7 @@
         <a:sym typeface="Arial"/>
       </a:defRPr>
     </a:lvl5pPr>
-    <a:lvl6pPr lvl="5" marR="0" rtl="0" algn="l">
+    <a:lvl6pPr marR="0" lvl="5" algn="l" rtl="0">
       <a:lnSpc>
         <a:spcPct val="100000"/>
       </a:lnSpc>
@@ -168,7 +169,7 @@
         <a:srgbClr val="000000"/>
       </a:buClr>
       <a:buFont typeface="Arial"/>
-      <a:defRPr b="0" i="0" sz="1400" u="none" cap="none" strike="noStrike">
+      <a:defRPr sz="1400" b="0" i="0" u="none" strike="noStrike" cap="none">
         <a:solidFill>
           <a:srgbClr val="000000"/>
         </a:solidFill>
@@ -178,7 +179,7 @@
         <a:sym typeface="Arial"/>
       </a:defRPr>
     </a:lvl6pPr>
-    <a:lvl7pPr lvl="6" marR="0" rtl="0" algn="l">
+    <a:lvl7pPr marR="0" lvl="6" algn="l" rtl="0">
       <a:lnSpc>
         <a:spcPct val="100000"/>
       </a:lnSpc>
@@ -192,7 +193,7 @@
         <a:srgbClr val="000000"/>
       </a:buClr>
       <a:buFont typeface="Arial"/>
-      <a:defRPr b="0" i="0" sz="1400" u="none" cap="none" strike="noStrike">
+      <a:defRPr sz="1400" b="0" i="0" u="none" strike="noStrike" cap="none">
         <a:solidFill>
           <a:srgbClr val="000000"/>
         </a:solidFill>
@@ -202,7 +203,7 @@
         <a:sym typeface="Arial"/>
       </a:defRPr>
     </a:lvl7pPr>
-    <a:lvl8pPr lvl="7" marR="0" rtl="0" algn="l">
+    <a:lvl8pPr marR="0" lvl="7" algn="l" rtl="0">
       <a:lnSpc>
         <a:spcPct val="100000"/>
       </a:lnSpc>
@@ -216,7 +217,7 @@
         <a:srgbClr val="000000"/>
       </a:buClr>
       <a:buFont typeface="Arial"/>
-      <a:defRPr b="0" i="0" sz="1400" u="none" cap="none" strike="noStrike">
+      <a:defRPr sz="1400" b="0" i="0" u="none" strike="noStrike" cap="none">
         <a:solidFill>
           <a:srgbClr val="000000"/>
         </a:solidFill>
@@ -226,7 +227,7 @@
         <a:sym typeface="Arial"/>
       </a:defRPr>
     </a:lvl8pPr>
-    <a:lvl9pPr lvl="8" marR="0" rtl="0" algn="l">
+    <a:lvl9pPr marR="0" lvl="8" algn="l" rtl="0">
       <a:lnSpc>
         <a:spcPct val="100000"/>
       </a:lnSpc>
@@ -240,7 +241,7 @@
         <a:srgbClr val="000000"/>
       </a:buClr>
       <a:buFont typeface="Arial"/>
-      <a:defRPr b="0" i="0" sz="1400" u="none" cap="none" strike="noStrike">
+      <a:defRPr sz="1400" b="0" i="0" u="none" strike="noStrike" cap="none">
         <a:solidFill>
           <a:srgbClr val="000000"/>
         </a:solidFill>
@@ -253,7 +254,7 @@
   </p:defaultTextStyle>
   <p:extLst>
     <p:ext uri="{EFAFB233-063F-42B5-8137-9DF3F51BA10A}">
-      <p15:sldGuideLst>
+      <p15:sldGuideLst xmlns:p15="http://schemas.microsoft.com/office/powerpoint/2012/main">
         <p15:guide id="1" orient="horz" pos="1620">
           <p15:clr>
             <a:srgbClr val="747775"/>
@@ -271,11 +272,16 @@
 </file>
 
 <file path=ppt/notesMasters/notesMaster1.xml><?xml version="1.0" encoding="utf-8"?>
-<p:notesMaster xmlns:a="http://schemas.openxmlformats.org/drawingml/2006/main" xmlns:r="http://schemas.openxmlformats.org/officeDocument/2006/relationships" xmlns:mc="http://schemas.openxmlformats.org/markup-compatibility/2006" xmlns:mv="urn:schemas-microsoft-com:mac:vml" xmlns:p="http://schemas.openxmlformats.org/presentationml/2006/main" xmlns:c="http://schemas.openxmlformats.org/drawingml/2006/chart" xmlns:dgm="http://schemas.openxmlformats.org/drawingml/2006/diagram" xmlns:o="urn:schemas-microsoft-com:office:office" xmlns:v="urn:schemas-microsoft-com:vml" xmlns:pvml="urn:schemas-microsoft-com:office:powerpoint" xmlns:com="http://schemas.openxmlformats.org/drawingml/2006/compatibility" xmlns:p14="http://schemas.microsoft.com/office/powerpoint/2010/main" xmlns:p15="http://schemas.microsoft.com/office/powerpoint/2012/main" xmlns:ahyp="http://schemas.microsoft.com/office/drawing/2018/hyperlinkcolor">
+<p:notesMaster xmlns:a="http://schemas.openxmlformats.org/drawingml/2006/main" xmlns:r="http://schemas.openxmlformats.org/officeDocument/2006/relationships" xmlns:p="http://schemas.openxmlformats.org/presentationml/2006/main">
   <p:cSld>
+    <p:bg>
+      <p:bgRef idx="1001">
+        <a:schemeClr val="bg1"/>
+      </p:bgRef>
+    </p:bg>
     <p:spTree>
       <p:nvGrpSpPr>
-        <p:cNvPr id="2" name="Shape 2"/>
+        <p:cNvPr id="1" name="Shape 2"/>
         <p:cNvGrpSpPr/>
         <p:nvPr/>
       </p:nvGrpSpPr>
@@ -290,9 +296,11 @@
       <p:sp>
         <p:nvSpPr>
           <p:cNvPr id="3" name="Google Shape;3;n"/>
-          <p:cNvSpPr/>
+          <p:cNvSpPr>
+            <a:spLocks noGrp="1" noRot="1" noChangeAspect="1"/>
+          </p:cNvSpPr>
           <p:nvPr>
-            <p:ph idx="2" type="sldImg"/>
+            <p:ph type="sldImg" idx="2"/>
           </p:nvPr>
         </p:nvSpPr>
         <p:spPr>
@@ -301,9 +309,13 @@
             <a:ext cx="6096075" cy="3429000"/>
           </a:xfrm>
           <a:custGeom>
-            <a:rect b="b" l="l" r="r" t="t"/>
+            <a:avLst/>
+            <a:gdLst/>
+            <a:ahLst/>
+            <a:cxnLst/>
+            <a:rect l="l" t="t" r="r" b="b"/>
             <a:pathLst>
-              <a:path extrusionOk="0" h="120000" w="120000">
+              <a:path w="120000" h="120000" extrusionOk="0">
                 <a:moveTo>
                   <a:pt x="0" y="0"/>
                 </a:moveTo>
@@ -321,23 +333,25 @@
             </a:pathLst>
           </a:custGeom>
           <a:noFill/>
-          <a:ln cap="flat" cmpd="sng" w="9525">
+          <a:ln w="9525" cap="flat" cmpd="sng">
             <a:solidFill>
               <a:srgbClr val="000000"/>
             </a:solidFill>
             <a:prstDash val="solid"/>
             <a:round/>
-            <a:headEnd len="sm" w="sm" type="none"/>
-            <a:tailEnd len="sm" w="sm" type="none"/>
+            <a:headEnd type="none" w="sm" len="sm"/>
+            <a:tailEnd type="none" w="sm" len="sm"/>
           </a:ln>
         </p:spPr>
       </p:sp>
       <p:sp>
         <p:nvSpPr>
           <p:cNvPr id="4" name="Google Shape;4;n"/>
-          <p:cNvSpPr txBox="1"/>
+          <p:cNvSpPr txBox="1">
+            <a:spLocks noGrp="1"/>
+          </p:cNvSpPr>
           <p:nvPr>
-            <p:ph idx="1" type="body"/>
+            <p:ph type="body" idx="1"/>
           </p:nvPr>
         </p:nvSpPr>
         <p:spPr>
@@ -354,11 +368,11 @@
           </a:ln>
         </p:spPr>
         <p:txBody>
-          <a:bodyPr anchorCtr="0" anchor="t" bIns="91425" lIns="91425" spcFirstLastPara="1" rIns="91425" wrap="square" tIns="91425">
+          <a:bodyPr spcFirstLastPara="1" wrap="square" lIns="91425" tIns="91425" rIns="91425" bIns="91425" anchor="t" anchorCtr="0">
             <a:noAutofit/>
           </a:bodyPr>
           <a:lstStyle>
-            <a:lvl1pPr indent="-298450" lvl="0" marL="457200">
+            <a:lvl1pPr marL="457200" lvl="0" indent="-298450">
               <a:spcBef>
                 <a:spcPts val="0"/>
               </a:spcBef>
@@ -369,7 +383,7 @@
               <a:buChar char="●"/>
               <a:defRPr sz="1100"/>
             </a:lvl1pPr>
-            <a:lvl2pPr indent="-298450" lvl="1" marL="914400">
+            <a:lvl2pPr marL="914400" lvl="1" indent="-298450">
               <a:spcBef>
                 <a:spcPts val="0"/>
               </a:spcBef>
@@ -380,7 +394,7 @@
               <a:buChar char="○"/>
               <a:defRPr sz="1100"/>
             </a:lvl2pPr>
-            <a:lvl3pPr indent="-298450" lvl="2" marL="1371600">
+            <a:lvl3pPr marL="1371600" lvl="2" indent="-298450">
               <a:spcBef>
                 <a:spcPts val="0"/>
               </a:spcBef>
@@ -391,7 +405,7 @@
               <a:buChar char="■"/>
               <a:defRPr sz="1100"/>
             </a:lvl3pPr>
-            <a:lvl4pPr indent="-298450" lvl="3" marL="1828800">
+            <a:lvl4pPr marL="1828800" lvl="3" indent="-298450">
               <a:spcBef>
                 <a:spcPts val="0"/>
               </a:spcBef>
@@ -402,7 +416,7 @@
               <a:buChar char="●"/>
               <a:defRPr sz="1100"/>
             </a:lvl4pPr>
-            <a:lvl5pPr indent="-298450" lvl="4" marL="2286000">
+            <a:lvl5pPr marL="2286000" lvl="4" indent="-298450">
               <a:spcBef>
                 <a:spcPts val="0"/>
               </a:spcBef>
@@ -413,7 +427,7 @@
               <a:buChar char="○"/>
               <a:defRPr sz="1100"/>
             </a:lvl5pPr>
-            <a:lvl6pPr indent="-298450" lvl="5" marL="2743200">
+            <a:lvl6pPr marL="2743200" lvl="5" indent="-298450">
               <a:spcBef>
                 <a:spcPts val="0"/>
               </a:spcBef>
@@ -424,7 +438,7 @@
               <a:buChar char="■"/>
               <a:defRPr sz="1100"/>
             </a:lvl6pPr>
-            <a:lvl7pPr indent="-298450" lvl="6" marL="3200400">
+            <a:lvl7pPr marL="3200400" lvl="6" indent="-298450">
               <a:spcBef>
                 <a:spcPts val="0"/>
               </a:spcBef>
@@ -435,7 +449,7 @@
               <a:buChar char="●"/>
               <a:defRPr sz="1100"/>
             </a:lvl7pPr>
-            <a:lvl8pPr indent="-298450" lvl="7" marL="3657600">
+            <a:lvl8pPr marL="3657600" lvl="7" indent="-298450">
               <a:spcBef>
                 <a:spcPts val="0"/>
               </a:spcBef>
@@ -446,7 +460,7 @@
               <a:buChar char="○"/>
               <a:defRPr sz="1100"/>
             </a:lvl8pPr>
-            <a:lvl9pPr indent="-298450" lvl="8" marL="4114800">
+            <a:lvl9pPr marL="4114800" lvl="8" indent="-298450">
               <a:spcBef>
                 <a:spcPts val="0"/>
               </a:spcBef>
@@ -458,14 +472,16 @@
               <a:defRPr sz="1100"/>
             </a:lvl9pPr>
           </a:lstStyle>
-          <a:p/>
+          <a:p>
+            <a:endParaRPr/>
+          </a:p>
         </p:txBody>
       </p:sp>
     </p:spTree>
   </p:cSld>
-  <p:clrMap accent1="accent1" accent2="accent2" accent3="accent3" accent4="accent4" accent5="accent5" accent6="accent6" bg1="lt1" bg2="dk2" tx1="dk1" tx2="lt2" folHlink="folHlink" hlink="hlink"/>
+  <p:clrMap bg1="lt1" tx1="dk1" bg2="dk2" tx2="lt2" accent1="accent1" accent2="accent2" accent3="accent3" accent4="accent4" accent5="accent5" accent6="accent6" hlink="hlink" folHlink="folHlink"/>
   <p:notesStyle>
-    <a:defPPr lvl="0" marR="0" rtl="0" algn="l">
+    <a:defPPr marR="0" lvl="0" algn="l" rtl="0">
       <a:lnSpc>
         <a:spcPct val="100000"/>
       </a:lnSpc>
@@ -476,7 +492,7 @@
         <a:spcPts val="0"/>
       </a:spcAft>
     </a:defPPr>
-    <a:lvl1pPr lvl="0" marR="0" rtl="0" algn="l">
+    <a:lvl1pPr marR="0" lvl="0" algn="l" rtl="0">
       <a:lnSpc>
         <a:spcPct val="100000"/>
       </a:lnSpc>
@@ -490,7 +506,7 @@
         <a:srgbClr val="000000"/>
       </a:buClr>
       <a:buFont typeface="Arial"/>
-      <a:defRPr b="0" i="0" sz="1400" u="none" cap="none" strike="noStrike">
+      <a:defRPr sz="1400" b="0" i="0" u="none" strike="noStrike" cap="none">
         <a:solidFill>
           <a:srgbClr val="000000"/>
         </a:solidFill>
@@ -500,7 +516,7 @@
         <a:sym typeface="Arial"/>
       </a:defRPr>
     </a:lvl1pPr>
-    <a:lvl2pPr lvl="1" marR="0" rtl="0" algn="l">
+    <a:lvl2pPr marR="0" lvl="1" algn="l" rtl="0">
       <a:lnSpc>
         <a:spcPct val="100000"/>
       </a:lnSpc>
@@ -514,7 +530,7 @@
         <a:srgbClr val="000000"/>
       </a:buClr>
       <a:buFont typeface="Arial"/>
-      <a:defRPr b="0" i="0" sz="1400" u="none" cap="none" strike="noStrike">
+      <a:defRPr sz="1400" b="0" i="0" u="none" strike="noStrike" cap="none">
         <a:solidFill>
           <a:srgbClr val="000000"/>
         </a:solidFill>
@@ -524,7 +540,7 @@
         <a:sym typeface="Arial"/>
       </a:defRPr>
     </a:lvl2pPr>
-    <a:lvl3pPr lvl="2" marR="0" rtl="0" algn="l">
+    <a:lvl3pPr marR="0" lvl="2" algn="l" rtl="0">
       <a:lnSpc>
         <a:spcPct val="100000"/>
       </a:lnSpc>
@@ -538,7 +554,7 @@
         <a:srgbClr val="000000"/>
       </a:buClr>
       <a:buFont typeface="Arial"/>
-      <a:defRPr b="0" i="0" sz="1400" u="none" cap="none" strike="noStrike">
+      <a:defRPr sz="1400" b="0" i="0" u="none" strike="noStrike" cap="none">
         <a:solidFill>
           <a:srgbClr val="000000"/>
         </a:solidFill>
@@ -548,7 +564,7 @@
         <a:sym typeface="Arial"/>
       </a:defRPr>
     </a:lvl3pPr>
-    <a:lvl4pPr lvl="3" marR="0" rtl="0" algn="l">
+    <a:lvl4pPr marR="0" lvl="3" algn="l" rtl="0">
       <a:lnSpc>
         <a:spcPct val="100000"/>
       </a:lnSpc>
@@ -562,7 +578,7 @@
         <a:srgbClr val="000000"/>
       </a:buClr>
       <a:buFont typeface="Arial"/>
-      <a:defRPr b="0" i="0" sz="1400" u="none" cap="none" strike="noStrike">
+      <a:defRPr sz="1400" b="0" i="0" u="none" strike="noStrike" cap="none">
         <a:solidFill>
           <a:srgbClr val="000000"/>
         </a:solidFill>
@@ -572,7 +588,7 @@
         <a:sym typeface="Arial"/>
       </a:defRPr>
     </a:lvl4pPr>
-    <a:lvl5pPr lvl="4" marR="0" rtl="0" algn="l">
+    <a:lvl5pPr marR="0" lvl="4" algn="l" rtl="0">
       <a:lnSpc>
         <a:spcPct val="100000"/>
       </a:lnSpc>
@@ -586,7 +602,7 @@
         <a:srgbClr val="000000"/>
       </a:buClr>
       <a:buFont typeface="Arial"/>
-      <a:defRPr b="0" i="0" sz="1400" u="none" cap="none" strike="noStrike">
+      <a:defRPr sz="1400" b="0" i="0" u="none" strike="noStrike" cap="none">
         <a:solidFill>
           <a:srgbClr val="000000"/>
         </a:solidFill>
@@ -596,7 +612,7 @@
         <a:sym typeface="Arial"/>
       </a:defRPr>
     </a:lvl5pPr>
-    <a:lvl6pPr lvl="5" marR="0" rtl="0" algn="l">
+    <a:lvl6pPr marR="0" lvl="5" algn="l" rtl="0">
       <a:lnSpc>
         <a:spcPct val="100000"/>
       </a:lnSpc>
@@ -610,7 +626,7 @@
         <a:srgbClr val="000000"/>
       </a:buClr>
       <a:buFont typeface="Arial"/>
-      <a:defRPr b="0" i="0" sz="1400" u="none" cap="none" strike="noStrike">
+      <a:defRPr sz="1400" b="0" i="0" u="none" strike="noStrike" cap="none">
         <a:solidFill>
           <a:srgbClr val="000000"/>
         </a:solidFill>
@@ -620,7 +636,7 @@
         <a:sym typeface="Arial"/>
       </a:defRPr>
     </a:lvl6pPr>
-    <a:lvl7pPr lvl="6" marR="0" rtl="0" algn="l">
+    <a:lvl7pPr marR="0" lvl="6" algn="l" rtl="0">
       <a:lnSpc>
         <a:spcPct val="100000"/>
       </a:lnSpc>
@@ -634,7 +650,7 @@
         <a:srgbClr val="000000"/>
       </a:buClr>
       <a:buFont typeface="Arial"/>
-      <a:defRPr b="0" i="0" sz="1400" u="none" cap="none" strike="noStrike">
+      <a:defRPr sz="1400" b="0" i="0" u="none" strike="noStrike" cap="none">
         <a:solidFill>
           <a:srgbClr val="000000"/>
         </a:solidFill>
@@ -644,7 +660,7 @@
         <a:sym typeface="Arial"/>
       </a:defRPr>
     </a:lvl7pPr>
-    <a:lvl8pPr lvl="7" marR="0" rtl="0" algn="l">
+    <a:lvl8pPr marR="0" lvl="7" algn="l" rtl="0">
       <a:lnSpc>
         <a:spcPct val="100000"/>
       </a:lnSpc>
@@ -658,7 +674,7 @@
         <a:srgbClr val="000000"/>
       </a:buClr>
       <a:buFont typeface="Arial"/>
-      <a:defRPr b="0" i="0" sz="1400" u="none" cap="none" strike="noStrike">
+      <a:defRPr sz="1400" b="0" i="0" u="none" strike="noStrike" cap="none">
         <a:solidFill>
           <a:srgbClr val="000000"/>
         </a:solidFill>
@@ -668,7 +684,7 @@
         <a:sym typeface="Arial"/>
       </a:defRPr>
     </a:lvl8pPr>
-    <a:lvl9pPr lvl="8" marR="0" rtl="0" algn="l">
+    <a:lvl9pPr marR="0" lvl="8" algn="l" rtl="0">
       <a:lnSpc>
         <a:spcPct val="100000"/>
       </a:lnSpc>
@@ -682,7 +698,7 @@
         <a:srgbClr val="000000"/>
       </a:buClr>
       <a:buFont typeface="Arial"/>
-      <a:defRPr b="0" i="0" sz="1400" u="none" cap="none" strike="noStrike">
+      <a:defRPr sz="1400" b="0" i="0" u="none" strike="noStrike" cap="none">
         <a:solidFill>
           <a:srgbClr val="000000"/>
         </a:solidFill>
@@ -697,11 +713,11 @@
 </file>
 
 <file path=ppt/notesSlides/notesSlide1.xml><?xml version="1.0" encoding="utf-8"?>
-<p:notes xmlns:a="http://schemas.openxmlformats.org/drawingml/2006/main" xmlns:r="http://schemas.openxmlformats.org/officeDocument/2006/relationships" xmlns:mc="http://schemas.openxmlformats.org/markup-compatibility/2006" xmlns:mv="urn:schemas-microsoft-com:mac:vml" xmlns:p="http://schemas.openxmlformats.org/presentationml/2006/main" xmlns:c="http://schemas.openxmlformats.org/drawingml/2006/chart" xmlns:dgm="http://schemas.openxmlformats.org/drawingml/2006/diagram" xmlns:o="urn:schemas-microsoft-com:office:office" xmlns:v="urn:schemas-microsoft-com:vml" xmlns:pvml="urn:schemas-microsoft-com:office:powerpoint" xmlns:com="http://schemas.openxmlformats.org/drawingml/2006/compatibility" xmlns:p14="http://schemas.microsoft.com/office/powerpoint/2010/main" xmlns:p15="http://schemas.microsoft.com/office/powerpoint/2012/main" xmlns:ahyp="http://schemas.microsoft.com/office/drawing/2018/hyperlinkcolor" showMasterPhAnim="0" showMasterSp="0">
+<p:notes xmlns:a="http://schemas.openxmlformats.org/drawingml/2006/main" xmlns:r="http://schemas.openxmlformats.org/officeDocument/2006/relationships" xmlns:p="http://schemas.openxmlformats.org/presentationml/2006/main" showMasterSp="0" showMasterPhAnim="0">
   <p:cSld>
     <p:spTree>
       <p:nvGrpSpPr>
-        <p:cNvPr id="50" name="Shape 50"/>
+        <p:cNvPr id="1" name="Shape 50"/>
         <p:cNvGrpSpPr/>
         <p:nvPr/>
       </p:nvGrpSpPr>
@@ -716,9 +732,11 @@
       <p:sp>
         <p:nvSpPr>
           <p:cNvPr id="51" name="Google Shape;51;p:notes"/>
-          <p:cNvSpPr/>
+          <p:cNvSpPr>
+            <a:spLocks noGrp="1" noRot="1" noChangeAspect="1"/>
+          </p:cNvSpPr>
           <p:nvPr>
-            <p:ph idx="2" type="sldImg"/>
+            <p:ph type="sldImg" idx="2"/>
           </p:nvPr>
         </p:nvSpPr>
         <p:spPr>
@@ -727,9 +745,13 @@
             <a:ext cx="6096075" cy="3429000"/>
           </a:xfrm>
           <a:custGeom>
-            <a:rect b="b" l="l" r="r" t="t"/>
+            <a:avLst/>
+            <a:gdLst/>
+            <a:ahLst/>
+            <a:cxnLst/>
+            <a:rect l="l" t="t" r="r" b="b"/>
             <a:pathLst>
-              <a:path extrusionOk="0" h="120000" w="120000">
+              <a:path w="120000" h="120000" extrusionOk="0">
                 <a:moveTo>
                   <a:pt x="0" y="0"/>
                 </a:moveTo>
@@ -751,9 +773,11 @@
       <p:sp>
         <p:nvSpPr>
           <p:cNvPr id="52" name="Google Shape;52;p:notes"/>
-          <p:cNvSpPr txBox="1"/>
+          <p:cNvSpPr txBox="1">
+            <a:spLocks noGrp="1"/>
+          </p:cNvSpPr>
           <p:nvPr>
-            <p:ph idx="1" type="body"/>
+            <p:ph type="body" idx="1"/>
           </p:nvPr>
         </p:nvSpPr>
         <p:spPr>
@@ -766,12 +790,12 @@
           </a:prstGeom>
         </p:spPr>
         <p:txBody>
-          <a:bodyPr anchorCtr="0" anchor="t" bIns="91425" lIns="91425" spcFirstLastPara="1" rIns="91425" wrap="square" tIns="91425">
+          <a:bodyPr spcFirstLastPara="1" wrap="square" lIns="91425" tIns="91425" rIns="91425" bIns="91425" anchor="t" anchorCtr="0">
             <a:noAutofit/>
           </a:bodyPr>
           <a:lstStyle/>
           <a:p>
-            <a:pPr indent="0" lvl="0" marL="0" rtl="0" algn="l">
+            <a:pPr marL="0" lvl="0" indent="0" algn="l" rtl="0">
               <a:spcBef>
                 <a:spcPts val="0"/>
               </a:spcBef>
@@ -780,9 +804,6 @@
               </a:spcAft>
               <a:buNone/>
             </a:pPr>
-            <a:r>
-              <a:t/>
-            </a:r>
             <a:endParaRPr/>
           </a:p>
         </p:txBody>
@@ -796,11 +817,115 @@
 </file>
 
 <file path=ppt/notesSlides/notesSlide10.xml><?xml version="1.0" encoding="utf-8"?>
-<p:notes xmlns:a="http://schemas.openxmlformats.org/drawingml/2006/main" xmlns:r="http://schemas.openxmlformats.org/officeDocument/2006/relationships" xmlns:mc="http://schemas.openxmlformats.org/markup-compatibility/2006" xmlns:mv="urn:schemas-microsoft-com:mac:vml" xmlns:p="http://schemas.openxmlformats.org/presentationml/2006/main" xmlns:c="http://schemas.openxmlformats.org/drawingml/2006/chart" xmlns:dgm="http://schemas.openxmlformats.org/drawingml/2006/diagram" xmlns:o="urn:schemas-microsoft-com:office:office" xmlns:v="urn:schemas-microsoft-com:vml" xmlns:pvml="urn:schemas-microsoft-com:office:powerpoint" xmlns:com="http://schemas.openxmlformats.org/drawingml/2006/compatibility" xmlns:p14="http://schemas.microsoft.com/office/powerpoint/2010/main" xmlns:p15="http://schemas.microsoft.com/office/powerpoint/2012/main" xmlns:ahyp="http://schemas.microsoft.com/office/drawing/2018/hyperlinkcolor" showMasterPhAnim="0" showMasterSp="0">
+<p:notes xmlns:a="http://schemas.openxmlformats.org/drawingml/2006/main" xmlns:r="http://schemas.openxmlformats.org/officeDocument/2006/relationships" xmlns:p="http://schemas.openxmlformats.org/presentationml/2006/main" showMasterSp="0" showMasterPhAnim="0">
   <p:cSld>
     <p:spTree>
       <p:nvGrpSpPr>
-        <p:cNvPr id="104" name="Shape 104"/>
+        <p:cNvPr id="1" name="Shape 98"/>
+        <p:cNvGrpSpPr/>
+        <p:nvPr/>
+      </p:nvGrpSpPr>
+      <p:grpSpPr>
+        <a:xfrm>
+          <a:off x="0" y="0"/>
+          <a:ext cx="0" cy="0"/>
+          <a:chOff x="0" y="0"/>
+          <a:chExt cx="0" cy="0"/>
+        </a:xfrm>
+      </p:grpSpPr>
+      <p:sp>
+        <p:nvSpPr>
+          <p:cNvPr id="99" name="Google Shape;99;g31ab5136d0f_0_65:notes"/>
+          <p:cNvSpPr>
+            <a:spLocks noGrp="1" noRot="1" noChangeAspect="1"/>
+          </p:cNvSpPr>
+          <p:nvPr>
+            <p:ph type="sldImg" idx="2"/>
+          </p:nvPr>
+        </p:nvSpPr>
+        <p:spPr>
+          <a:xfrm>
+            <a:off x="381300" y="685800"/>
+            <a:ext cx="6096000" cy="3429000"/>
+          </a:xfrm>
+          <a:custGeom>
+            <a:avLst/>
+            <a:gdLst/>
+            <a:ahLst/>
+            <a:cxnLst/>
+            <a:rect l="l" t="t" r="r" b="b"/>
+            <a:pathLst>
+              <a:path w="120000" h="120000" extrusionOk="0">
+                <a:moveTo>
+                  <a:pt x="0" y="0"/>
+                </a:moveTo>
+                <a:lnTo>
+                  <a:pt x="120000" y="0"/>
+                </a:lnTo>
+                <a:lnTo>
+                  <a:pt x="120000" y="120000"/>
+                </a:lnTo>
+                <a:lnTo>
+                  <a:pt x="0" y="120000"/>
+                </a:lnTo>
+                <a:close/>
+              </a:path>
+            </a:pathLst>
+          </a:custGeom>
+        </p:spPr>
+      </p:sp>
+      <p:sp>
+        <p:nvSpPr>
+          <p:cNvPr id="100" name="Google Shape;100;g31ab5136d0f_0_65:notes"/>
+          <p:cNvSpPr txBox="1">
+            <a:spLocks noGrp="1"/>
+          </p:cNvSpPr>
+          <p:nvPr>
+            <p:ph type="body" idx="1"/>
+          </p:nvPr>
+        </p:nvSpPr>
+        <p:spPr>
+          <a:xfrm>
+            <a:off x="685800" y="4343400"/>
+            <a:ext cx="5486400" cy="4114800"/>
+          </a:xfrm>
+          <a:prstGeom prst="rect">
+            <a:avLst/>
+          </a:prstGeom>
+        </p:spPr>
+        <p:txBody>
+          <a:bodyPr spcFirstLastPara="1" wrap="square" lIns="91425" tIns="91425" rIns="91425" bIns="91425" anchor="t" anchorCtr="0">
+            <a:noAutofit/>
+          </a:bodyPr>
+          <a:lstStyle/>
+          <a:p>
+            <a:pPr marL="0" lvl="0" indent="0" algn="l" rtl="0">
+              <a:spcBef>
+                <a:spcPts val="0"/>
+              </a:spcBef>
+              <a:spcAft>
+                <a:spcPts val="0"/>
+              </a:spcAft>
+              <a:buNone/>
+            </a:pPr>
+            <a:endParaRPr/>
+          </a:p>
+        </p:txBody>
+      </p:sp>
+    </p:spTree>
+  </p:cSld>
+  <p:clrMapOvr>
+    <a:masterClrMapping/>
+  </p:clrMapOvr>
+</p:notes>
+</file>
+
+<file path=ppt/notesSlides/notesSlide11.xml><?xml version="1.0" encoding="utf-8"?>
+<p:notes xmlns:a="http://schemas.openxmlformats.org/drawingml/2006/main" xmlns:r="http://schemas.openxmlformats.org/officeDocument/2006/relationships" xmlns:p="http://schemas.openxmlformats.org/presentationml/2006/main" showMasterSp="0" showMasterPhAnim="0">
+  <p:cSld>
+    <p:spTree>
+      <p:nvGrpSpPr>
+        <p:cNvPr id="1" name="Shape 104"/>
         <p:cNvGrpSpPr/>
         <p:nvPr/>
       </p:nvGrpSpPr>
@@ -815,9 +940,11 @@
       <p:sp>
         <p:nvSpPr>
           <p:cNvPr id="105" name="Google Shape;105;g31ab5136d0f_0_51:notes"/>
-          <p:cNvSpPr/>
+          <p:cNvSpPr>
+            <a:spLocks noGrp="1" noRot="1" noChangeAspect="1"/>
+          </p:cNvSpPr>
           <p:nvPr>
-            <p:ph idx="2" type="sldImg"/>
+            <p:ph type="sldImg" idx="2"/>
           </p:nvPr>
         </p:nvSpPr>
         <p:spPr>
@@ -826,9 +953,13 @@
             <a:ext cx="6096000" cy="3429000"/>
           </a:xfrm>
           <a:custGeom>
-            <a:rect b="b" l="l" r="r" t="t"/>
+            <a:avLst/>
+            <a:gdLst/>
+            <a:ahLst/>
+            <a:cxnLst/>
+            <a:rect l="l" t="t" r="r" b="b"/>
             <a:pathLst>
-              <a:path extrusionOk="0" h="120000" w="120000">
+              <a:path w="120000" h="120000" extrusionOk="0">
                 <a:moveTo>
                   <a:pt x="0" y="0"/>
                 </a:moveTo>
@@ -850,9 +981,11 @@
       <p:sp>
         <p:nvSpPr>
           <p:cNvPr id="106" name="Google Shape;106;g31ab5136d0f_0_51:notes"/>
-          <p:cNvSpPr txBox="1"/>
+          <p:cNvSpPr txBox="1">
+            <a:spLocks noGrp="1"/>
+          </p:cNvSpPr>
           <p:nvPr>
-            <p:ph idx="1" type="body"/>
+            <p:ph type="body" idx="1"/>
           </p:nvPr>
         </p:nvSpPr>
         <p:spPr>
@@ -865,12 +998,12 @@
           </a:prstGeom>
         </p:spPr>
         <p:txBody>
-          <a:bodyPr anchorCtr="0" anchor="t" bIns="91425" lIns="91425" spcFirstLastPara="1" rIns="91425" wrap="square" tIns="91425">
+          <a:bodyPr spcFirstLastPara="1" wrap="square" lIns="91425" tIns="91425" rIns="91425" bIns="91425" anchor="t" anchorCtr="0">
             <a:noAutofit/>
           </a:bodyPr>
           <a:lstStyle/>
           <a:p>
-            <a:pPr indent="0" lvl="0" marL="0" rtl="0" algn="l">
+            <a:pPr marL="0" lvl="0" indent="0" algn="l" rtl="0">
               <a:spcBef>
                 <a:spcPts val="0"/>
               </a:spcBef>
@@ -879,9 +1012,6 @@
               </a:spcAft>
               <a:buNone/>
             </a:pPr>
-            <a:r>
-              <a:t/>
-            </a:r>
             <a:endParaRPr/>
           </a:p>
         </p:txBody>
@@ -894,12 +1024,12 @@
 </p:notes>
 </file>
 
-<file path=ppt/notesSlides/notesSlide11.xml><?xml version="1.0" encoding="utf-8"?>
-<p:notes xmlns:a="http://schemas.openxmlformats.org/drawingml/2006/main" xmlns:r="http://schemas.openxmlformats.org/officeDocument/2006/relationships" xmlns:mc="http://schemas.openxmlformats.org/markup-compatibility/2006" xmlns:mv="urn:schemas-microsoft-com:mac:vml" xmlns:p="http://schemas.openxmlformats.org/presentationml/2006/main" xmlns:c="http://schemas.openxmlformats.org/drawingml/2006/chart" xmlns:dgm="http://schemas.openxmlformats.org/drawingml/2006/diagram" xmlns:o="urn:schemas-microsoft-com:office:office" xmlns:v="urn:schemas-microsoft-com:vml" xmlns:pvml="urn:schemas-microsoft-com:office:powerpoint" xmlns:com="http://schemas.openxmlformats.org/drawingml/2006/compatibility" xmlns:p14="http://schemas.microsoft.com/office/powerpoint/2010/main" xmlns:p15="http://schemas.microsoft.com/office/powerpoint/2012/main" xmlns:ahyp="http://schemas.microsoft.com/office/drawing/2018/hyperlinkcolor" showMasterPhAnim="0" showMasterSp="0">
+<file path=ppt/notesSlides/notesSlide12.xml><?xml version="1.0" encoding="utf-8"?>
+<p:notes xmlns:a="http://schemas.openxmlformats.org/drawingml/2006/main" xmlns:r="http://schemas.openxmlformats.org/officeDocument/2006/relationships" xmlns:p="http://schemas.openxmlformats.org/presentationml/2006/main" showMasterSp="0" showMasterPhAnim="0">
   <p:cSld>
     <p:spTree>
       <p:nvGrpSpPr>
-        <p:cNvPr id="110" name="Shape 110"/>
+        <p:cNvPr id="1" name="Shape 110"/>
         <p:cNvGrpSpPr/>
         <p:nvPr/>
       </p:nvGrpSpPr>
@@ -914,9 +1044,11 @@
       <p:sp>
         <p:nvSpPr>
           <p:cNvPr id="111" name="Google Shape;111;g31ab5136d0f_0_58:notes"/>
-          <p:cNvSpPr/>
+          <p:cNvSpPr>
+            <a:spLocks noGrp="1" noRot="1" noChangeAspect="1"/>
+          </p:cNvSpPr>
           <p:nvPr>
-            <p:ph idx="2" type="sldImg"/>
+            <p:ph type="sldImg" idx="2"/>
           </p:nvPr>
         </p:nvSpPr>
         <p:spPr>
@@ -925,9 +1057,13 @@
             <a:ext cx="6096000" cy="3429000"/>
           </a:xfrm>
           <a:custGeom>
-            <a:rect b="b" l="l" r="r" t="t"/>
+            <a:avLst/>
+            <a:gdLst/>
+            <a:ahLst/>
+            <a:cxnLst/>
+            <a:rect l="l" t="t" r="r" b="b"/>
             <a:pathLst>
-              <a:path extrusionOk="0" h="120000" w="120000">
+              <a:path w="120000" h="120000" extrusionOk="0">
                 <a:moveTo>
                   <a:pt x="0" y="0"/>
                 </a:moveTo>
@@ -949,9 +1085,11 @@
       <p:sp>
         <p:nvSpPr>
           <p:cNvPr id="112" name="Google Shape;112;g31ab5136d0f_0_58:notes"/>
-          <p:cNvSpPr txBox="1"/>
+          <p:cNvSpPr txBox="1">
+            <a:spLocks noGrp="1"/>
+          </p:cNvSpPr>
           <p:nvPr>
-            <p:ph idx="1" type="body"/>
+            <p:ph type="body" idx="1"/>
           </p:nvPr>
         </p:nvSpPr>
         <p:spPr>
@@ -964,12 +1102,12 @@
           </a:prstGeom>
         </p:spPr>
         <p:txBody>
-          <a:bodyPr anchorCtr="0" anchor="t" bIns="91425" lIns="91425" spcFirstLastPara="1" rIns="91425" wrap="square" tIns="91425">
+          <a:bodyPr spcFirstLastPara="1" wrap="square" lIns="91425" tIns="91425" rIns="91425" bIns="91425" anchor="t" anchorCtr="0">
             <a:noAutofit/>
           </a:bodyPr>
           <a:lstStyle/>
           <a:p>
-            <a:pPr indent="0" lvl="0" marL="0" rtl="0" algn="l">
+            <a:pPr marL="0" lvl="0" indent="0" algn="l" rtl="0">
               <a:spcBef>
                 <a:spcPts val="0"/>
               </a:spcBef>
@@ -978,9 +1116,6 @@
               </a:spcAft>
               <a:buNone/>
             </a:pPr>
-            <a:r>
-              <a:t/>
-            </a:r>
             <a:endParaRPr/>
           </a:p>
         </p:txBody>
@@ -994,11 +1129,138 @@
 </file>
 
 <file path=ppt/notesSlides/notesSlide2.xml><?xml version="1.0" encoding="utf-8"?>
-<p:notes xmlns:a="http://schemas.openxmlformats.org/drawingml/2006/main" xmlns:r="http://schemas.openxmlformats.org/officeDocument/2006/relationships" xmlns:mc="http://schemas.openxmlformats.org/markup-compatibility/2006" xmlns:mv="urn:schemas-microsoft-com:mac:vml" xmlns:p="http://schemas.openxmlformats.org/presentationml/2006/main" xmlns:c="http://schemas.openxmlformats.org/drawingml/2006/chart" xmlns:dgm="http://schemas.openxmlformats.org/drawingml/2006/diagram" xmlns:o="urn:schemas-microsoft-com:office:office" xmlns:v="urn:schemas-microsoft-com:vml" xmlns:pvml="urn:schemas-microsoft-com:office:powerpoint" xmlns:com="http://schemas.openxmlformats.org/drawingml/2006/compatibility" xmlns:p14="http://schemas.microsoft.com/office/powerpoint/2010/main" xmlns:p15="http://schemas.microsoft.com/office/powerpoint/2012/main" xmlns:ahyp="http://schemas.microsoft.com/office/drawing/2018/hyperlinkcolor" showMasterPhAnim="0" showMasterSp="0">
+<p:notes xmlns:a="http://schemas.openxmlformats.org/drawingml/2006/main" xmlns:r="http://schemas.openxmlformats.org/officeDocument/2006/relationships" xmlns:p="http://schemas.openxmlformats.org/presentationml/2006/main" showMasterSp="0" showMasterPhAnim="0">
   <p:cSld>
     <p:spTree>
       <p:nvGrpSpPr>
-        <p:cNvPr id="56" name="Shape 56"/>
+        <p:cNvPr id="1" name="Shape 68">
+          <a:extLst>
+            <a:ext uri="{FF2B5EF4-FFF2-40B4-BE49-F238E27FC236}">
+              <a16:creationId xmlns:a16="http://schemas.microsoft.com/office/drawing/2014/main" id="{E071E2B9-77B6-0D20-2170-14F39DF349F3}"/>
+            </a:ext>
+          </a:extLst>
+        </p:cNvPr>
+        <p:cNvGrpSpPr/>
+        <p:nvPr/>
+      </p:nvGrpSpPr>
+      <p:grpSpPr>
+        <a:xfrm>
+          <a:off x="0" y="0"/>
+          <a:ext cx="0" cy="0"/>
+          <a:chOff x="0" y="0"/>
+          <a:chExt cx="0" cy="0"/>
+        </a:xfrm>
+      </p:grpSpPr>
+      <p:sp>
+        <p:nvSpPr>
+          <p:cNvPr id="69" name="Google Shape;69;g31ab5136d0f_0_15:notes">
+            <a:extLst>
+              <a:ext uri="{FF2B5EF4-FFF2-40B4-BE49-F238E27FC236}">
+                <a16:creationId xmlns:a16="http://schemas.microsoft.com/office/drawing/2014/main" id="{280692DA-1EE1-5614-6F95-DCEEAC8E0F3F}"/>
+              </a:ext>
+            </a:extLst>
+          </p:cNvPr>
+          <p:cNvSpPr>
+            <a:spLocks noGrp="1" noRot="1" noChangeAspect="1"/>
+          </p:cNvSpPr>
+          <p:nvPr>
+            <p:ph type="sldImg" idx="2"/>
+          </p:nvPr>
+        </p:nvSpPr>
+        <p:spPr>
+          <a:xfrm>
+            <a:off x="381000" y="685800"/>
+            <a:ext cx="6096000" cy="3429000"/>
+          </a:xfrm>
+          <a:custGeom>
+            <a:avLst/>
+            <a:gdLst/>
+            <a:ahLst/>
+            <a:cxnLst/>
+            <a:rect l="l" t="t" r="r" b="b"/>
+            <a:pathLst>
+              <a:path w="120000" h="120000" extrusionOk="0">
+                <a:moveTo>
+                  <a:pt x="0" y="0"/>
+                </a:moveTo>
+                <a:lnTo>
+                  <a:pt x="120000" y="0"/>
+                </a:lnTo>
+                <a:lnTo>
+                  <a:pt x="120000" y="120000"/>
+                </a:lnTo>
+                <a:lnTo>
+                  <a:pt x="0" y="120000"/>
+                </a:lnTo>
+                <a:close/>
+              </a:path>
+            </a:pathLst>
+          </a:custGeom>
+        </p:spPr>
+      </p:sp>
+      <p:sp>
+        <p:nvSpPr>
+          <p:cNvPr id="70" name="Google Shape;70;g31ab5136d0f_0_15:notes">
+            <a:extLst>
+              <a:ext uri="{FF2B5EF4-FFF2-40B4-BE49-F238E27FC236}">
+                <a16:creationId xmlns:a16="http://schemas.microsoft.com/office/drawing/2014/main" id="{CDCA81BE-4F4E-51A6-4101-C75897902EDA}"/>
+              </a:ext>
+            </a:extLst>
+          </p:cNvPr>
+          <p:cNvSpPr txBox="1">
+            <a:spLocks noGrp="1"/>
+          </p:cNvSpPr>
+          <p:nvPr>
+            <p:ph type="body" idx="1"/>
+          </p:nvPr>
+        </p:nvSpPr>
+        <p:spPr>
+          <a:xfrm>
+            <a:off x="685800" y="4343400"/>
+            <a:ext cx="5486400" cy="4114800"/>
+          </a:xfrm>
+          <a:prstGeom prst="rect">
+            <a:avLst/>
+          </a:prstGeom>
+        </p:spPr>
+        <p:txBody>
+          <a:bodyPr spcFirstLastPara="1" wrap="square" lIns="91425" tIns="91425" rIns="91425" bIns="91425" anchor="t" anchorCtr="0">
+            <a:noAutofit/>
+          </a:bodyPr>
+          <a:lstStyle/>
+          <a:p>
+            <a:pPr marL="0" lvl="0" indent="0" algn="l" rtl="0">
+              <a:spcBef>
+                <a:spcPts val="0"/>
+              </a:spcBef>
+              <a:spcAft>
+                <a:spcPts val="0"/>
+              </a:spcAft>
+              <a:buNone/>
+            </a:pPr>
+            <a:endParaRPr/>
+          </a:p>
+        </p:txBody>
+      </p:sp>
+    </p:spTree>
+    <p:extLst>
+      <p:ext uri="{BB962C8B-B14F-4D97-AF65-F5344CB8AC3E}">
+        <p14:creationId xmlns:p14="http://schemas.microsoft.com/office/powerpoint/2010/main" val="1141435011"/>
+      </p:ext>
+    </p:extLst>
+  </p:cSld>
+  <p:clrMapOvr>
+    <a:masterClrMapping/>
+  </p:clrMapOvr>
+</p:notes>
+</file>
+
+<file path=ppt/notesSlides/notesSlide3.xml><?xml version="1.0" encoding="utf-8"?>
+<p:notes xmlns:a="http://schemas.openxmlformats.org/drawingml/2006/main" xmlns:r="http://schemas.openxmlformats.org/officeDocument/2006/relationships" xmlns:p="http://schemas.openxmlformats.org/presentationml/2006/main" showMasterSp="0" showMasterPhAnim="0">
+  <p:cSld>
+    <p:spTree>
+      <p:nvGrpSpPr>
+        <p:cNvPr id="1" name="Shape 56"/>
         <p:cNvGrpSpPr/>
         <p:nvPr/>
       </p:nvGrpSpPr>
@@ -1013,20 +1275,26 @@
       <p:sp>
         <p:nvSpPr>
           <p:cNvPr id="57" name="Google Shape;57;g31ab5136d0f_0_2:notes"/>
-          <p:cNvSpPr/>
+          <p:cNvSpPr>
+            <a:spLocks noGrp="1" noRot="1" noChangeAspect="1"/>
+          </p:cNvSpPr>
           <p:nvPr>
-            <p:ph idx="2" type="sldImg"/>
+            <p:ph type="sldImg" idx="2"/>
           </p:nvPr>
         </p:nvSpPr>
         <p:spPr>
           <a:xfrm>
-            <a:off x="381300" y="685800"/>
+            <a:off x="381000" y="685800"/>
             <a:ext cx="6096000" cy="3429000"/>
           </a:xfrm>
           <a:custGeom>
-            <a:rect b="b" l="l" r="r" t="t"/>
+            <a:avLst/>
+            <a:gdLst/>
+            <a:ahLst/>
+            <a:cxnLst/>
+            <a:rect l="l" t="t" r="r" b="b"/>
             <a:pathLst>
-              <a:path extrusionOk="0" h="120000" w="120000">
+              <a:path w="120000" h="120000" extrusionOk="0">
                 <a:moveTo>
                   <a:pt x="0" y="0"/>
                 </a:moveTo>
@@ -1048,9 +1316,11 @@
       <p:sp>
         <p:nvSpPr>
           <p:cNvPr id="58" name="Google Shape;58;g31ab5136d0f_0_2:notes"/>
-          <p:cNvSpPr txBox="1"/>
+          <p:cNvSpPr txBox="1">
+            <a:spLocks noGrp="1"/>
+          </p:cNvSpPr>
           <p:nvPr>
-            <p:ph idx="1" type="body"/>
+            <p:ph type="body" idx="1"/>
           </p:nvPr>
         </p:nvSpPr>
         <p:spPr>
@@ -1063,12 +1333,12 @@
           </a:prstGeom>
         </p:spPr>
         <p:txBody>
-          <a:bodyPr anchorCtr="0" anchor="t" bIns="91425" lIns="91425" spcFirstLastPara="1" rIns="91425" wrap="square" tIns="91425">
+          <a:bodyPr spcFirstLastPara="1" wrap="square" lIns="91425" tIns="91425" rIns="91425" bIns="91425" anchor="t" anchorCtr="0">
             <a:noAutofit/>
           </a:bodyPr>
           <a:lstStyle/>
           <a:p>
-            <a:pPr indent="0" lvl="0" marL="0" rtl="0" algn="l">
+            <a:pPr marL="0" lvl="0" indent="0" algn="l" rtl="0">
               <a:spcBef>
                 <a:spcPts val="0"/>
               </a:spcBef>
@@ -1077,9 +1347,6 @@
               </a:spcAft>
               <a:buNone/>
             </a:pPr>
-            <a:r>
-              <a:t/>
-            </a:r>
             <a:endParaRPr/>
           </a:p>
         </p:txBody>
@@ -1092,12 +1359,12 @@
 </p:notes>
 </file>
 
-<file path=ppt/notesSlides/notesSlide3.xml><?xml version="1.0" encoding="utf-8"?>
-<p:notes xmlns:a="http://schemas.openxmlformats.org/drawingml/2006/main" xmlns:r="http://schemas.openxmlformats.org/officeDocument/2006/relationships" xmlns:mc="http://schemas.openxmlformats.org/markup-compatibility/2006" xmlns:mv="urn:schemas-microsoft-com:mac:vml" xmlns:p="http://schemas.openxmlformats.org/presentationml/2006/main" xmlns:c="http://schemas.openxmlformats.org/drawingml/2006/chart" xmlns:dgm="http://schemas.openxmlformats.org/drawingml/2006/diagram" xmlns:o="urn:schemas-microsoft-com:office:office" xmlns:v="urn:schemas-microsoft-com:vml" xmlns:pvml="urn:schemas-microsoft-com:office:powerpoint" xmlns:com="http://schemas.openxmlformats.org/drawingml/2006/compatibility" xmlns:p14="http://schemas.microsoft.com/office/powerpoint/2010/main" xmlns:p15="http://schemas.microsoft.com/office/powerpoint/2012/main" xmlns:ahyp="http://schemas.microsoft.com/office/drawing/2018/hyperlinkcolor" showMasterPhAnim="0" showMasterSp="0">
+<file path=ppt/notesSlides/notesSlide4.xml><?xml version="1.0" encoding="utf-8"?>
+<p:notes xmlns:a="http://schemas.openxmlformats.org/drawingml/2006/main" xmlns:r="http://schemas.openxmlformats.org/officeDocument/2006/relationships" xmlns:p="http://schemas.openxmlformats.org/presentationml/2006/main" showMasterSp="0" showMasterPhAnim="0">
   <p:cSld>
     <p:spTree>
       <p:nvGrpSpPr>
-        <p:cNvPr id="62" name="Shape 62"/>
+        <p:cNvPr id="1" name="Shape 62"/>
         <p:cNvGrpSpPr/>
         <p:nvPr/>
       </p:nvGrpSpPr>
@@ -1112,9 +1379,11 @@
       <p:sp>
         <p:nvSpPr>
           <p:cNvPr id="63" name="Google Shape;63;g31ab5136d0f_0_8:notes"/>
-          <p:cNvSpPr/>
+          <p:cNvSpPr>
+            <a:spLocks noGrp="1" noRot="1" noChangeAspect="1"/>
+          </p:cNvSpPr>
           <p:nvPr>
-            <p:ph idx="2" type="sldImg"/>
+            <p:ph type="sldImg" idx="2"/>
           </p:nvPr>
         </p:nvSpPr>
         <p:spPr>
@@ -1123,9 +1392,13 @@
             <a:ext cx="6096000" cy="3429000"/>
           </a:xfrm>
           <a:custGeom>
-            <a:rect b="b" l="l" r="r" t="t"/>
+            <a:avLst/>
+            <a:gdLst/>
+            <a:ahLst/>
+            <a:cxnLst/>
+            <a:rect l="l" t="t" r="r" b="b"/>
             <a:pathLst>
-              <a:path extrusionOk="0" h="120000" w="120000">
+              <a:path w="120000" h="120000" extrusionOk="0">
                 <a:moveTo>
                   <a:pt x="0" y="0"/>
                 </a:moveTo>
@@ -1147,9 +1420,11 @@
       <p:sp>
         <p:nvSpPr>
           <p:cNvPr id="64" name="Google Shape;64;g31ab5136d0f_0_8:notes"/>
-          <p:cNvSpPr txBox="1"/>
+          <p:cNvSpPr txBox="1">
+            <a:spLocks noGrp="1"/>
+          </p:cNvSpPr>
           <p:nvPr>
-            <p:ph idx="1" type="body"/>
+            <p:ph type="body" idx="1"/>
           </p:nvPr>
         </p:nvSpPr>
         <p:spPr>
@@ -1162,12 +1437,12 @@
           </a:prstGeom>
         </p:spPr>
         <p:txBody>
-          <a:bodyPr anchorCtr="0" anchor="t" bIns="91425" lIns="91425" spcFirstLastPara="1" rIns="91425" wrap="square" tIns="91425">
+          <a:bodyPr spcFirstLastPara="1" wrap="square" lIns="91425" tIns="91425" rIns="91425" bIns="91425" anchor="t" anchorCtr="0">
             <a:noAutofit/>
           </a:bodyPr>
           <a:lstStyle/>
           <a:p>
-            <a:pPr indent="0" lvl="0" marL="0" rtl="0" algn="l">
+            <a:pPr marL="0" lvl="0" indent="0" algn="l" rtl="0">
               <a:spcBef>
                 <a:spcPts val="0"/>
               </a:spcBef>
@@ -1176,9 +1451,6 @@
               </a:spcAft>
               <a:buNone/>
             </a:pPr>
-            <a:r>
-              <a:t/>
-            </a:r>
             <a:endParaRPr/>
           </a:p>
         </p:txBody>
@@ -1191,12 +1463,12 @@
 </p:notes>
 </file>
 
-<file path=ppt/notesSlides/notesSlide4.xml><?xml version="1.0" encoding="utf-8"?>
-<p:notes xmlns:a="http://schemas.openxmlformats.org/drawingml/2006/main" xmlns:r="http://schemas.openxmlformats.org/officeDocument/2006/relationships" xmlns:mc="http://schemas.openxmlformats.org/markup-compatibility/2006" xmlns:mv="urn:schemas-microsoft-com:mac:vml" xmlns:p="http://schemas.openxmlformats.org/presentationml/2006/main" xmlns:c="http://schemas.openxmlformats.org/drawingml/2006/chart" xmlns:dgm="http://schemas.openxmlformats.org/drawingml/2006/diagram" xmlns:o="urn:schemas-microsoft-com:office:office" xmlns:v="urn:schemas-microsoft-com:vml" xmlns:pvml="urn:schemas-microsoft-com:office:powerpoint" xmlns:com="http://schemas.openxmlformats.org/drawingml/2006/compatibility" xmlns:p14="http://schemas.microsoft.com/office/powerpoint/2010/main" xmlns:p15="http://schemas.microsoft.com/office/powerpoint/2012/main" xmlns:ahyp="http://schemas.microsoft.com/office/drawing/2018/hyperlinkcolor" showMasterPhAnim="0" showMasterSp="0">
+<file path=ppt/notesSlides/notesSlide5.xml><?xml version="1.0" encoding="utf-8"?>
+<p:notes xmlns:a="http://schemas.openxmlformats.org/drawingml/2006/main" xmlns:r="http://schemas.openxmlformats.org/officeDocument/2006/relationships" xmlns:p="http://schemas.openxmlformats.org/presentationml/2006/main" showMasterSp="0" showMasterPhAnim="0">
   <p:cSld>
     <p:spTree>
       <p:nvGrpSpPr>
-        <p:cNvPr id="68" name="Shape 68"/>
+        <p:cNvPr id="1" name="Shape 68"/>
         <p:cNvGrpSpPr/>
         <p:nvPr/>
       </p:nvGrpSpPr>
@@ -1211,9 +1483,11 @@
       <p:sp>
         <p:nvSpPr>
           <p:cNvPr id="69" name="Google Shape;69;g31ab5136d0f_0_15:notes"/>
-          <p:cNvSpPr/>
+          <p:cNvSpPr>
+            <a:spLocks noGrp="1" noRot="1" noChangeAspect="1"/>
+          </p:cNvSpPr>
           <p:nvPr>
-            <p:ph idx="2" type="sldImg"/>
+            <p:ph type="sldImg" idx="2"/>
           </p:nvPr>
         </p:nvSpPr>
         <p:spPr>
@@ -1222,9 +1496,13 @@
             <a:ext cx="6096000" cy="3429000"/>
           </a:xfrm>
           <a:custGeom>
-            <a:rect b="b" l="l" r="r" t="t"/>
+            <a:avLst/>
+            <a:gdLst/>
+            <a:ahLst/>
+            <a:cxnLst/>
+            <a:rect l="l" t="t" r="r" b="b"/>
             <a:pathLst>
-              <a:path extrusionOk="0" h="120000" w="120000">
+              <a:path w="120000" h="120000" extrusionOk="0">
                 <a:moveTo>
                   <a:pt x="0" y="0"/>
                 </a:moveTo>
@@ -1246,9 +1524,11 @@
       <p:sp>
         <p:nvSpPr>
           <p:cNvPr id="70" name="Google Shape;70;g31ab5136d0f_0_15:notes"/>
-          <p:cNvSpPr txBox="1"/>
+          <p:cNvSpPr txBox="1">
+            <a:spLocks noGrp="1"/>
+          </p:cNvSpPr>
           <p:nvPr>
-            <p:ph idx="1" type="body"/>
+            <p:ph type="body" idx="1"/>
           </p:nvPr>
         </p:nvSpPr>
         <p:spPr>
@@ -1261,12 +1541,12 @@
           </a:prstGeom>
         </p:spPr>
         <p:txBody>
-          <a:bodyPr anchorCtr="0" anchor="t" bIns="91425" lIns="91425" spcFirstLastPara="1" rIns="91425" wrap="square" tIns="91425">
+          <a:bodyPr spcFirstLastPara="1" wrap="square" lIns="91425" tIns="91425" rIns="91425" bIns="91425" anchor="t" anchorCtr="0">
             <a:noAutofit/>
           </a:bodyPr>
           <a:lstStyle/>
           <a:p>
-            <a:pPr indent="0" lvl="0" marL="0" rtl="0" algn="l">
+            <a:pPr marL="0" lvl="0" indent="0" algn="l" rtl="0">
               <a:spcBef>
                 <a:spcPts val="0"/>
               </a:spcBef>
@@ -1275,9 +1555,6 @@
               </a:spcAft>
               <a:buNone/>
             </a:pPr>
-            <a:r>
-              <a:t/>
-            </a:r>
             <a:endParaRPr/>
           </a:p>
         </p:txBody>
@@ -1290,12 +1567,12 @@
 </p:notes>
 </file>
 
-<file path=ppt/notesSlides/notesSlide5.xml><?xml version="1.0" encoding="utf-8"?>
-<p:notes xmlns:a="http://schemas.openxmlformats.org/drawingml/2006/main" xmlns:r="http://schemas.openxmlformats.org/officeDocument/2006/relationships" xmlns:mc="http://schemas.openxmlformats.org/markup-compatibility/2006" xmlns:mv="urn:schemas-microsoft-com:mac:vml" xmlns:p="http://schemas.openxmlformats.org/presentationml/2006/main" xmlns:c="http://schemas.openxmlformats.org/drawingml/2006/chart" xmlns:dgm="http://schemas.openxmlformats.org/drawingml/2006/diagram" xmlns:o="urn:schemas-microsoft-com:office:office" xmlns:v="urn:schemas-microsoft-com:vml" xmlns:pvml="urn:schemas-microsoft-com:office:powerpoint" xmlns:com="http://schemas.openxmlformats.org/drawingml/2006/compatibility" xmlns:p14="http://schemas.microsoft.com/office/powerpoint/2010/main" xmlns:p15="http://schemas.microsoft.com/office/powerpoint/2012/main" xmlns:ahyp="http://schemas.microsoft.com/office/drawing/2018/hyperlinkcolor" showMasterPhAnim="0" showMasterSp="0">
+<file path=ppt/notesSlides/notesSlide6.xml><?xml version="1.0" encoding="utf-8"?>
+<p:notes xmlns:a="http://schemas.openxmlformats.org/drawingml/2006/main" xmlns:r="http://schemas.openxmlformats.org/officeDocument/2006/relationships" xmlns:p="http://schemas.openxmlformats.org/presentationml/2006/main" showMasterSp="0" showMasterPhAnim="0">
   <p:cSld>
     <p:spTree>
       <p:nvGrpSpPr>
-        <p:cNvPr id="74" name="Shape 74"/>
+        <p:cNvPr id="1" name="Shape 74"/>
         <p:cNvGrpSpPr/>
         <p:nvPr/>
       </p:nvGrpSpPr>
@@ -1310,9 +1587,11 @@
       <p:sp>
         <p:nvSpPr>
           <p:cNvPr id="75" name="Google Shape;75;g31ab5136d0f_0_23:notes"/>
-          <p:cNvSpPr/>
+          <p:cNvSpPr>
+            <a:spLocks noGrp="1" noRot="1" noChangeAspect="1"/>
+          </p:cNvSpPr>
           <p:nvPr>
-            <p:ph idx="2" type="sldImg"/>
+            <p:ph type="sldImg" idx="2"/>
           </p:nvPr>
         </p:nvSpPr>
         <p:spPr>
@@ -1321,9 +1600,13 @@
             <a:ext cx="6096000" cy="3429000"/>
           </a:xfrm>
           <a:custGeom>
-            <a:rect b="b" l="l" r="r" t="t"/>
+            <a:avLst/>
+            <a:gdLst/>
+            <a:ahLst/>
+            <a:cxnLst/>
+            <a:rect l="l" t="t" r="r" b="b"/>
             <a:pathLst>
-              <a:path extrusionOk="0" h="120000" w="120000">
+              <a:path w="120000" h="120000" extrusionOk="0">
                 <a:moveTo>
                   <a:pt x="0" y="0"/>
                 </a:moveTo>
@@ -1345,9 +1628,11 @@
       <p:sp>
         <p:nvSpPr>
           <p:cNvPr id="76" name="Google Shape;76;g31ab5136d0f_0_23:notes"/>
-          <p:cNvSpPr txBox="1"/>
+          <p:cNvSpPr txBox="1">
+            <a:spLocks noGrp="1"/>
+          </p:cNvSpPr>
           <p:nvPr>
-            <p:ph idx="1" type="body"/>
+            <p:ph type="body" idx="1"/>
           </p:nvPr>
         </p:nvSpPr>
         <p:spPr>
@@ -1360,12 +1645,12 @@
           </a:prstGeom>
         </p:spPr>
         <p:txBody>
-          <a:bodyPr anchorCtr="0" anchor="t" bIns="91425" lIns="91425" spcFirstLastPara="1" rIns="91425" wrap="square" tIns="91425">
+          <a:bodyPr spcFirstLastPara="1" wrap="square" lIns="91425" tIns="91425" rIns="91425" bIns="91425" anchor="t" anchorCtr="0">
             <a:noAutofit/>
           </a:bodyPr>
           <a:lstStyle/>
           <a:p>
-            <a:pPr indent="0" lvl="0" marL="0" rtl="0" algn="l">
+            <a:pPr marL="0" lvl="0" indent="0" algn="l" rtl="0">
               <a:spcBef>
                 <a:spcPts val="0"/>
               </a:spcBef>
@@ -1374,9 +1659,6 @@
               </a:spcAft>
               <a:buNone/>
             </a:pPr>
-            <a:r>
-              <a:t/>
-            </a:r>
             <a:endParaRPr/>
           </a:p>
         </p:txBody>
@@ -1389,12 +1671,12 @@
 </p:notes>
 </file>
 
-<file path=ppt/notesSlides/notesSlide6.xml><?xml version="1.0" encoding="utf-8"?>
-<p:notes xmlns:a="http://schemas.openxmlformats.org/drawingml/2006/main" xmlns:r="http://schemas.openxmlformats.org/officeDocument/2006/relationships" xmlns:mc="http://schemas.openxmlformats.org/markup-compatibility/2006" xmlns:mv="urn:schemas-microsoft-com:mac:vml" xmlns:p="http://schemas.openxmlformats.org/presentationml/2006/main" xmlns:c="http://schemas.openxmlformats.org/drawingml/2006/chart" xmlns:dgm="http://schemas.openxmlformats.org/drawingml/2006/diagram" xmlns:o="urn:schemas-microsoft-com:office:office" xmlns:v="urn:schemas-microsoft-com:vml" xmlns:pvml="urn:schemas-microsoft-com:office:powerpoint" xmlns:com="http://schemas.openxmlformats.org/drawingml/2006/compatibility" xmlns:p14="http://schemas.microsoft.com/office/powerpoint/2010/main" xmlns:p15="http://schemas.microsoft.com/office/powerpoint/2012/main" xmlns:ahyp="http://schemas.microsoft.com/office/drawing/2018/hyperlinkcolor" showMasterPhAnim="0" showMasterSp="0">
+<file path=ppt/notesSlides/notesSlide7.xml><?xml version="1.0" encoding="utf-8"?>
+<p:notes xmlns:a="http://schemas.openxmlformats.org/drawingml/2006/main" xmlns:r="http://schemas.openxmlformats.org/officeDocument/2006/relationships" xmlns:p="http://schemas.openxmlformats.org/presentationml/2006/main" showMasterSp="0" showMasterPhAnim="0">
   <p:cSld>
     <p:spTree>
       <p:nvGrpSpPr>
-        <p:cNvPr id="80" name="Shape 80"/>
+        <p:cNvPr id="1" name="Shape 80"/>
         <p:cNvGrpSpPr/>
         <p:nvPr/>
       </p:nvGrpSpPr>
@@ -1409,9 +1691,11 @@
       <p:sp>
         <p:nvSpPr>
           <p:cNvPr id="81" name="Google Shape;81;g31ab5136d0f_0_30:notes"/>
-          <p:cNvSpPr/>
+          <p:cNvSpPr>
+            <a:spLocks noGrp="1" noRot="1" noChangeAspect="1"/>
+          </p:cNvSpPr>
           <p:nvPr>
-            <p:ph idx="2" type="sldImg"/>
+            <p:ph type="sldImg" idx="2"/>
           </p:nvPr>
         </p:nvSpPr>
         <p:spPr>
@@ -1420,9 +1704,13 @@
             <a:ext cx="6096000" cy="3429000"/>
           </a:xfrm>
           <a:custGeom>
-            <a:rect b="b" l="l" r="r" t="t"/>
+            <a:avLst/>
+            <a:gdLst/>
+            <a:ahLst/>
+            <a:cxnLst/>
+            <a:rect l="l" t="t" r="r" b="b"/>
             <a:pathLst>
-              <a:path extrusionOk="0" h="120000" w="120000">
+              <a:path w="120000" h="120000" extrusionOk="0">
                 <a:moveTo>
                   <a:pt x="0" y="0"/>
                 </a:moveTo>
@@ -1444,9 +1732,11 @@
       <p:sp>
         <p:nvSpPr>
           <p:cNvPr id="82" name="Google Shape;82;g31ab5136d0f_0_30:notes"/>
-          <p:cNvSpPr txBox="1"/>
+          <p:cNvSpPr txBox="1">
+            <a:spLocks noGrp="1"/>
+          </p:cNvSpPr>
           <p:nvPr>
-            <p:ph idx="1" type="body"/>
+            <p:ph type="body" idx="1"/>
           </p:nvPr>
         </p:nvSpPr>
         <p:spPr>
@@ -1459,12 +1749,12 @@
           </a:prstGeom>
         </p:spPr>
         <p:txBody>
-          <a:bodyPr anchorCtr="0" anchor="t" bIns="91425" lIns="91425" spcFirstLastPara="1" rIns="91425" wrap="square" tIns="91425">
+          <a:bodyPr spcFirstLastPara="1" wrap="square" lIns="91425" tIns="91425" rIns="91425" bIns="91425" anchor="t" anchorCtr="0">
             <a:noAutofit/>
           </a:bodyPr>
           <a:lstStyle/>
           <a:p>
-            <a:pPr indent="0" lvl="0" marL="0" rtl="0" algn="l">
+            <a:pPr marL="0" lvl="0" indent="0" algn="l" rtl="0">
               <a:spcBef>
                 <a:spcPts val="0"/>
               </a:spcBef>
@@ -1473,9 +1763,6 @@
               </a:spcAft>
               <a:buNone/>
             </a:pPr>
-            <a:r>
-              <a:t/>
-            </a:r>
             <a:endParaRPr/>
           </a:p>
         </p:txBody>
@@ -1488,12 +1775,12 @@
 </p:notes>
 </file>
 
-<file path=ppt/notesSlides/notesSlide7.xml><?xml version="1.0" encoding="utf-8"?>
-<p:notes xmlns:a="http://schemas.openxmlformats.org/drawingml/2006/main" xmlns:r="http://schemas.openxmlformats.org/officeDocument/2006/relationships" xmlns:mc="http://schemas.openxmlformats.org/markup-compatibility/2006" xmlns:mv="urn:schemas-microsoft-com:mac:vml" xmlns:p="http://schemas.openxmlformats.org/presentationml/2006/main" xmlns:c="http://schemas.openxmlformats.org/drawingml/2006/chart" xmlns:dgm="http://schemas.openxmlformats.org/drawingml/2006/diagram" xmlns:o="urn:schemas-microsoft-com:office:office" xmlns:v="urn:schemas-microsoft-com:vml" xmlns:pvml="urn:schemas-microsoft-com:office:powerpoint" xmlns:com="http://schemas.openxmlformats.org/drawingml/2006/compatibility" xmlns:p14="http://schemas.microsoft.com/office/powerpoint/2010/main" xmlns:p15="http://schemas.microsoft.com/office/powerpoint/2012/main" xmlns:ahyp="http://schemas.microsoft.com/office/drawing/2018/hyperlinkcolor" showMasterPhAnim="0" showMasterSp="0">
+<file path=ppt/notesSlides/notesSlide8.xml><?xml version="1.0" encoding="utf-8"?>
+<p:notes xmlns:a="http://schemas.openxmlformats.org/drawingml/2006/main" xmlns:r="http://schemas.openxmlformats.org/officeDocument/2006/relationships" xmlns:p="http://schemas.openxmlformats.org/presentationml/2006/main" showMasterSp="0" showMasterPhAnim="0">
   <p:cSld>
     <p:spTree>
       <p:nvGrpSpPr>
-        <p:cNvPr id="86" name="Shape 86"/>
+        <p:cNvPr id="1" name="Shape 86"/>
         <p:cNvGrpSpPr/>
         <p:nvPr/>
       </p:nvGrpSpPr>
@@ -1508,9 +1795,11 @@
       <p:sp>
         <p:nvSpPr>
           <p:cNvPr id="87" name="Google Shape;87;g31ab5136d0f_0_37:notes"/>
-          <p:cNvSpPr/>
+          <p:cNvSpPr>
+            <a:spLocks noGrp="1" noRot="1" noChangeAspect="1"/>
+          </p:cNvSpPr>
           <p:nvPr>
-            <p:ph idx="2" type="sldImg"/>
+            <p:ph type="sldImg" idx="2"/>
           </p:nvPr>
         </p:nvSpPr>
         <p:spPr>
@@ -1519,9 +1808,13 @@
             <a:ext cx="6096000" cy="3429000"/>
           </a:xfrm>
           <a:custGeom>
-            <a:rect b="b" l="l" r="r" t="t"/>
+            <a:avLst/>
+            <a:gdLst/>
+            <a:ahLst/>
+            <a:cxnLst/>
+            <a:rect l="l" t="t" r="r" b="b"/>
             <a:pathLst>
-              <a:path extrusionOk="0" h="120000" w="120000">
+              <a:path w="120000" h="120000" extrusionOk="0">
                 <a:moveTo>
                   <a:pt x="0" y="0"/>
                 </a:moveTo>
@@ -1543,9 +1836,11 @@
       <p:sp>
         <p:nvSpPr>
           <p:cNvPr id="88" name="Google Shape;88;g31ab5136d0f_0_37:notes"/>
-          <p:cNvSpPr txBox="1"/>
+          <p:cNvSpPr txBox="1">
+            <a:spLocks noGrp="1"/>
+          </p:cNvSpPr>
           <p:nvPr>
-            <p:ph idx="1" type="body"/>
+            <p:ph type="body" idx="1"/>
           </p:nvPr>
         </p:nvSpPr>
         <p:spPr>
@@ -1558,12 +1853,12 @@
           </a:prstGeom>
         </p:spPr>
         <p:txBody>
-          <a:bodyPr anchorCtr="0" anchor="t" bIns="91425" lIns="91425" spcFirstLastPara="1" rIns="91425" wrap="square" tIns="91425">
+          <a:bodyPr spcFirstLastPara="1" wrap="square" lIns="91425" tIns="91425" rIns="91425" bIns="91425" anchor="t" anchorCtr="0">
             <a:noAutofit/>
           </a:bodyPr>
           <a:lstStyle/>
           <a:p>
-            <a:pPr indent="0" lvl="0" marL="0" rtl="0" algn="l">
+            <a:pPr marL="0" lvl="0" indent="0" algn="l" rtl="0">
               <a:spcBef>
                 <a:spcPts val="0"/>
               </a:spcBef>
@@ -1572,9 +1867,6 @@
               </a:spcAft>
               <a:buNone/>
             </a:pPr>
-            <a:r>
-              <a:t/>
-            </a:r>
             <a:endParaRPr/>
           </a:p>
         </p:txBody>
@@ -1587,12 +1879,12 @@
 </p:notes>
 </file>
 
-<file path=ppt/notesSlides/notesSlide8.xml><?xml version="1.0" encoding="utf-8"?>
-<p:notes xmlns:a="http://schemas.openxmlformats.org/drawingml/2006/main" xmlns:r="http://schemas.openxmlformats.org/officeDocument/2006/relationships" xmlns:mc="http://schemas.openxmlformats.org/markup-compatibility/2006" xmlns:mv="urn:schemas-microsoft-com:mac:vml" xmlns:p="http://schemas.openxmlformats.org/presentationml/2006/main" xmlns:c="http://schemas.openxmlformats.org/drawingml/2006/chart" xmlns:dgm="http://schemas.openxmlformats.org/drawingml/2006/diagram" xmlns:o="urn:schemas-microsoft-com:office:office" xmlns:v="urn:schemas-microsoft-com:vml" xmlns:pvml="urn:schemas-microsoft-com:office:powerpoint" xmlns:com="http://schemas.openxmlformats.org/drawingml/2006/compatibility" xmlns:p14="http://schemas.microsoft.com/office/powerpoint/2010/main" xmlns:p15="http://schemas.microsoft.com/office/powerpoint/2012/main" xmlns:ahyp="http://schemas.microsoft.com/office/drawing/2018/hyperlinkcolor" showMasterPhAnim="0" showMasterSp="0">
+<file path=ppt/notesSlides/notesSlide9.xml><?xml version="1.0" encoding="utf-8"?>
+<p:notes xmlns:a="http://schemas.openxmlformats.org/drawingml/2006/main" xmlns:r="http://schemas.openxmlformats.org/officeDocument/2006/relationships" xmlns:p="http://schemas.openxmlformats.org/presentationml/2006/main" showMasterSp="0" showMasterPhAnim="0">
   <p:cSld>
     <p:spTree>
       <p:nvGrpSpPr>
-        <p:cNvPr id="92" name="Shape 92"/>
+        <p:cNvPr id="1" name="Shape 92"/>
         <p:cNvGrpSpPr/>
         <p:nvPr/>
       </p:nvGrpSpPr>
@@ -1607,9 +1899,11 @@
       <p:sp>
         <p:nvSpPr>
           <p:cNvPr id="93" name="Google Shape;93;g31ab5136d0f_0_44:notes"/>
-          <p:cNvSpPr/>
+          <p:cNvSpPr>
+            <a:spLocks noGrp="1" noRot="1" noChangeAspect="1"/>
+          </p:cNvSpPr>
           <p:nvPr>
-            <p:ph idx="2" type="sldImg"/>
+            <p:ph type="sldImg" idx="2"/>
           </p:nvPr>
         </p:nvSpPr>
         <p:spPr>
@@ -1618,9 +1912,13 @@
             <a:ext cx="6096000" cy="3429000"/>
           </a:xfrm>
           <a:custGeom>
-            <a:rect b="b" l="l" r="r" t="t"/>
+            <a:avLst/>
+            <a:gdLst/>
+            <a:ahLst/>
+            <a:cxnLst/>
+            <a:rect l="l" t="t" r="r" b="b"/>
             <a:pathLst>
-              <a:path extrusionOk="0" h="120000" w="120000">
+              <a:path w="120000" h="120000" extrusionOk="0">
                 <a:moveTo>
                   <a:pt x="0" y="0"/>
                 </a:moveTo>
@@ -1642,9 +1940,11 @@
       <p:sp>
         <p:nvSpPr>
           <p:cNvPr id="94" name="Google Shape;94;g31ab5136d0f_0_44:notes"/>
-          <p:cNvSpPr txBox="1"/>
+          <p:cNvSpPr txBox="1">
+            <a:spLocks noGrp="1"/>
+          </p:cNvSpPr>
           <p:nvPr>
-            <p:ph idx="1" type="body"/>
+            <p:ph type="body" idx="1"/>
           </p:nvPr>
         </p:nvSpPr>
         <p:spPr>
@@ -1657,12 +1957,12 @@
           </a:prstGeom>
         </p:spPr>
         <p:txBody>
-          <a:bodyPr anchorCtr="0" anchor="t" bIns="91425" lIns="91425" spcFirstLastPara="1" rIns="91425" wrap="square" tIns="91425">
+          <a:bodyPr spcFirstLastPara="1" wrap="square" lIns="91425" tIns="91425" rIns="91425" bIns="91425" anchor="t" anchorCtr="0">
             <a:noAutofit/>
           </a:bodyPr>
           <a:lstStyle/>
           <a:p>
-            <a:pPr indent="0" lvl="0" marL="0" rtl="0" algn="l">
+            <a:pPr marL="0" lvl="0" indent="0" algn="l" rtl="0">
               <a:spcBef>
                 <a:spcPts val="0"/>
               </a:spcBef>
@@ -1671,108 +1971,6 @@
               </a:spcAft>
               <a:buNone/>
             </a:pPr>
-            <a:r>
-              <a:t/>
-            </a:r>
-            <a:endParaRPr/>
-          </a:p>
-        </p:txBody>
-      </p:sp>
-    </p:spTree>
-  </p:cSld>
-  <p:clrMapOvr>
-    <a:masterClrMapping/>
-  </p:clrMapOvr>
-</p:notes>
-</file>
-
-<file path=ppt/notesSlides/notesSlide9.xml><?xml version="1.0" encoding="utf-8"?>
-<p:notes xmlns:a="http://schemas.openxmlformats.org/drawingml/2006/main" xmlns:r="http://schemas.openxmlformats.org/officeDocument/2006/relationships" xmlns:mc="http://schemas.openxmlformats.org/markup-compatibility/2006" xmlns:mv="urn:schemas-microsoft-com:mac:vml" xmlns:p="http://schemas.openxmlformats.org/presentationml/2006/main" xmlns:c="http://schemas.openxmlformats.org/drawingml/2006/chart" xmlns:dgm="http://schemas.openxmlformats.org/drawingml/2006/diagram" xmlns:o="urn:schemas-microsoft-com:office:office" xmlns:v="urn:schemas-microsoft-com:vml" xmlns:pvml="urn:schemas-microsoft-com:office:powerpoint" xmlns:com="http://schemas.openxmlformats.org/drawingml/2006/compatibility" xmlns:p14="http://schemas.microsoft.com/office/powerpoint/2010/main" xmlns:p15="http://schemas.microsoft.com/office/powerpoint/2012/main" xmlns:ahyp="http://schemas.microsoft.com/office/drawing/2018/hyperlinkcolor" showMasterPhAnim="0" showMasterSp="0">
-  <p:cSld>
-    <p:spTree>
-      <p:nvGrpSpPr>
-        <p:cNvPr id="98" name="Shape 98"/>
-        <p:cNvGrpSpPr/>
-        <p:nvPr/>
-      </p:nvGrpSpPr>
-      <p:grpSpPr>
-        <a:xfrm>
-          <a:off x="0" y="0"/>
-          <a:ext cx="0" cy="0"/>
-          <a:chOff x="0" y="0"/>
-          <a:chExt cx="0" cy="0"/>
-        </a:xfrm>
-      </p:grpSpPr>
-      <p:sp>
-        <p:nvSpPr>
-          <p:cNvPr id="99" name="Google Shape;99;g31ab5136d0f_0_65:notes"/>
-          <p:cNvSpPr/>
-          <p:nvPr>
-            <p:ph idx="2" type="sldImg"/>
-          </p:nvPr>
-        </p:nvSpPr>
-        <p:spPr>
-          <a:xfrm>
-            <a:off x="381300" y="685800"/>
-            <a:ext cx="6096000" cy="3429000"/>
-          </a:xfrm>
-          <a:custGeom>
-            <a:rect b="b" l="l" r="r" t="t"/>
-            <a:pathLst>
-              <a:path extrusionOk="0" h="120000" w="120000">
-                <a:moveTo>
-                  <a:pt x="0" y="0"/>
-                </a:moveTo>
-                <a:lnTo>
-                  <a:pt x="120000" y="0"/>
-                </a:lnTo>
-                <a:lnTo>
-                  <a:pt x="120000" y="120000"/>
-                </a:lnTo>
-                <a:lnTo>
-                  <a:pt x="0" y="120000"/>
-                </a:lnTo>
-                <a:close/>
-              </a:path>
-            </a:pathLst>
-          </a:custGeom>
-        </p:spPr>
-      </p:sp>
-      <p:sp>
-        <p:nvSpPr>
-          <p:cNvPr id="100" name="Google Shape;100;g31ab5136d0f_0_65:notes"/>
-          <p:cNvSpPr txBox="1"/>
-          <p:nvPr>
-            <p:ph idx="1" type="body"/>
-          </p:nvPr>
-        </p:nvSpPr>
-        <p:spPr>
-          <a:xfrm>
-            <a:off x="685800" y="4343400"/>
-            <a:ext cx="5486400" cy="4114800"/>
-          </a:xfrm>
-          <a:prstGeom prst="rect">
-            <a:avLst/>
-          </a:prstGeom>
-        </p:spPr>
-        <p:txBody>
-          <a:bodyPr anchorCtr="0" anchor="t" bIns="91425" lIns="91425" spcFirstLastPara="1" rIns="91425" wrap="square" tIns="91425">
-            <a:noAutofit/>
-          </a:bodyPr>
-          <a:lstStyle/>
-          <a:p>
-            <a:pPr indent="0" lvl="0" marL="0" rtl="0" algn="l">
-              <a:spcBef>
-                <a:spcPts val="0"/>
-              </a:spcBef>
-              <a:spcAft>
-                <a:spcPts val="0"/>
-              </a:spcAft>
-              <a:buNone/>
-            </a:pPr>
-            <a:r>
-              <a:t/>
-            </a:r>
             <a:endParaRPr/>
           </a:p>
         </p:txBody>
@@ -1786,11 +1984,11 @@
 </file>
 
 <file path=ppt/slideLayouts/slideLayout1.xml><?xml version="1.0" encoding="utf-8"?>
-<p:sldLayout xmlns:a="http://schemas.openxmlformats.org/drawingml/2006/main" xmlns:r="http://schemas.openxmlformats.org/officeDocument/2006/relationships" xmlns:mc="http://schemas.openxmlformats.org/markup-compatibility/2006" xmlns:mv="urn:schemas-microsoft-com:mac:vml" xmlns:p="http://schemas.openxmlformats.org/presentationml/2006/main" xmlns:c="http://schemas.openxmlformats.org/drawingml/2006/chart" xmlns:dgm="http://schemas.openxmlformats.org/drawingml/2006/diagram" xmlns:o="urn:schemas-microsoft-com:office:office" xmlns:v="urn:schemas-microsoft-com:vml" xmlns:pvml="urn:schemas-microsoft-com:office:powerpoint" xmlns:com="http://schemas.openxmlformats.org/drawingml/2006/compatibility" xmlns:p14="http://schemas.microsoft.com/office/powerpoint/2010/main" xmlns:p15="http://schemas.microsoft.com/office/powerpoint/2012/main" xmlns:ahyp="http://schemas.microsoft.com/office/drawing/2018/hyperlinkcolor" matchingName="Title slide" type="title">
+<p:sldLayout xmlns:a="http://schemas.openxmlformats.org/drawingml/2006/main" xmlns:r="http://schemas.openxmlformats.org/officeDocument/2006/relationships" xmlns:p="http://schemas.openxmlformats.org/presentationml/2006/main" matchingName="Title slide" type="title">
   <p:cSld name="TITLE">
     <p:spTree>
       <p:nvGrpSpPr>
-        <p:cNvPr id="9" name="Shape 9"/>
+        <p:cNvPr id="1" name="Shape 9"/>
         <p:cNvGrpSpPr/>
         <p:nvPr/>
       </p:nvGrpSpPr>
@@ -1805,7 +2003,9 @@
       <p:sp>
         <p:nvSpPr>
           <p:cNvPr id="10" name="Google Shape;10;p2"/>
-          <p:cNvSpPr txBox="1"/>
+          <p:cNvSpPr txBox="1">
+            <a:spLocks noGrp="1"/>
+          </p:cNvSpPr>
           <p:nvPr>
             <p:ph type="ctrTitle"/>
           </p:nvPr>
@@ -1820,7 +2020,7 @@
           </a:prstGeom>
         </p:spPr>
         <p:txBody>
-          <a:bodyPr anchorCtr="0" anchor="b" bIns="91425" lIns="91425" spcFirstLastPara="1" rIns="91425" wrap="square" tIns="91425">
+          <a:bodyPr spcFirstLastPara="1" wrap="square" lIns="91425" tIns="91425" rIns="91425" bIns="91425" anchor="b" anchorCtr="0">
             <a:normAutofit/>
           </a:bodyPr>
           <a:lstStyle>
@@ -1924,15 +2124,19 @@
               <a:defRPr sz="5200"/>
             </a:lvl9pPr>
           </a:lstStyle>
-          <a:p/>
+          <a:p>
+            <a:endParaRPr/>
+          </a:p>
         </p:txBody>
       </p:sp>
       <p:sp>
         <p:nvSpPr>
           <p:cNvPr id="11" name="Google Shape;11;p2"/>
-          <p:cNvSpPr txBox="1"/>
+          <p:cNvSpPr txBox="1">
+            <a:spLocks noGrp="1"/>
+          </p:cNvSpPr>
           <p:nvPr>
-            <p:ph idx="1" type="subTitle"/>
+            <p:ph type="subTitle" idx="1"/>
           </p:nvPr>
         </p:nvSpPr>
         <p:spPr>
@@ -1945,7 +2149,7 @@
           </a:prstGeom>
         </p:spPr>
         <p:txBody>
-          <a:bodyPr anchorCtr="0" anchor="t" bIns="91425" lIns="91425" spcFirstLastPara="1" rIns="91425" wrap="square" tIns="91425">
+          <a:bodyPr spcFirstLastPara="1" wrap="square" lIns="91425" tIns="91425" rIns="91425" bIns="91425" anchor="t" anchorCtr="0">
             <a:normAutofit/>
           </a:bodyPr>
           <a:lstStyle>
@@ -2076,15 +2280,19 @@
               <a:defRPr sz="2800"/>
             </a:lvl9pPr>
           </a:lstStyle>
-          <a:p/>
+          <a:p>
+            <a:endParaRPr/>
+          </a:p>
         </p:txBody>
       </p:sp>
       <p:sp>
         <p:nvSpPr>
           <p:cNvPr id="12" name="Google Shape;12;p2"/>
-          <p:cNvSpPr txBox="1"/>
+          <p:cNvSpPr txBox="1">
+            <a:spLocks noGrp="1"/>
+          </p:cNvSpPr>
           <p:nvPr>
-            <p:ph idx="12" type="sldNum"/>
+            <p:ph type="sldNum" idx="12"/>
           </p:nvPr>
         </p:nvSpPr>
         <p:spPr>
@@ -2097,7 +2305,7 @@
           </a:prstGeom>
         </p:spPr>
         <p:txBody>
-          <a:bodyPr anchorCtr="0" anchor="ctr" bIns="91425" lIns="91425" spcFirstLastPara="1" rIns="91425" wrap="square" tIns="91425">
+          <a:bodyPr spcFirstLastPara="1" wrap="square" lIns="91425" tIns="91425" rIns="91425" bIns="91425" anchor="ctr" anchorCtr="0">
             <a:normAutofit/>
           </a:bodyPr>
           <a:lstStyle>
@@ -2139,7 +2347,7 @@
             </a:lvl9pPr>
           </a:lstStyle>
           <a:p>
-            <a:pPr indent="0" lvl="0" marL="0" rtl="0" algn="r">
+            <a:pPr marL="0" lvl="0" indent="0" algn="r" rtl="0">
               <a:spcBef>
                 <a:spcPts val="0"/>
               </a:spcBef>
@@ -2165,11 +2373,11 @@
 </file>
 
 <file path=ppt/slideLayouts/slideLayout10.xml><?xml version="1.0" encoding="utf-8"?>
-<p:sldLayout xmlns:a="http://schemas.openxmlformats.org/drawingml/2006/main" xmlns:r="http://schemas.openxmlformats.org/officeDocument/2006/relationships" xmlns:mc="http://schemas.openxmlformats.org/markup-compatibility/2006" xmlns:mv="urn:schemas-microsoft-com:mac:vml" xmlns:p="http://schemas.openxmlformats.org/presentationml/2006/main" xmlns:c="http://schemas.openxmlformats.org/drawingml/2006/chart" xmlns:dgm="http://schemas.openxmlformats.org/drawingml/2006/diagram" xmlns:o="urn:schemas-microsoft-com:office:office" xmlns:v="urn:schemas-microsoft-com:vml" xmlns:pvml="urn:schemas-microsoft-com:office:powerpoint" xmlns:com="http://schemas.openxmlformats.org/drawingml/2006/compatibility" xmlns:p14="http://schemas.microsoft.com/office/powerpoint/2010/main" xmlns:p15="http://schemas.microsoft.com/office/powerpoint/2012/main" xmlns:ahyp="http://schemas.microsoft.com/office/drawing/2018/hyperlinkcolor" matchingName="Big number">
+<p:sldLayout xmlns:a="http://schemas.openxmlformats.org/drawingml/2006/main" xmlns:r="http://schemas.openxmlformats.org/officeDocument/2006/relationships" xmlns:p="http://schemas.openxmlformats.org/presentationml/2006/main" matchingName="Big number">
   <p:cSld name="BIG_NUMBER">
     <p:spTree>
       <p:nvGrpSpPr>
-        <p:cNvPr id="44" name="Shape 44"/>
+        <p:cNvPr id="1" name="Shape 44"/>
         <p:cNvGrpSpPr/>
         <p:nvPr/>
       </p:nvGrpSpPr>
@@ -2184,9 +2392,11 @@
       <p:sp>
         <p:nvSpPr>
           <p:cNvPr id="45" name="Google Shape;45;p11"/>
-          <p:cNvSpPr txBox="1"/>
+          <p:cNvSpPr txBox="1">
+            <a:spLocks noGrp="1"/>
+          </p:cNvSpPr>
           <p:nvPr>
-            <p:ph hasCustomPrompt="1" type="title"/>
+            <p:ph type="title" hasCustomPrompt="1"/>
           </p:nvPr>
         </p:nvSpPr>
         <p:spPr>
@@ -2199,7 +2409,7 @@
           </a:prstGeom>
         </p:spPr>
         <p:txBody>
-          <a:bodyPr anchorCtr="0" anchor="b" bIns="91425" lIns="91425" spcFirstLastPara="1" rIns="91425" wrap="square" tIns="91425">
+          <a:bodyPr spcFirstLastPara="1" wrap="square" lIns="91425" tIns="91425" rIns="91425" bIns="91425" anchor="b" anchorCtr="0">
             <a:normAutofit/>
           </a:bodyPr>
           <a:lstStyle>
@@ -2313,9 +2523,11 @@
       <p:sp>
         <p:nvSpPr>
           <p:cNvPr id="46" name="Google Shape;46;p11"/>
-          <p:cNvSpPr txBox="1"/>
+          <p:cNvSpPr txBox="1">
+            <a:spLocks noGrp="1"/>
+          </p:cNvSpPr>
           <p:nvPr>
-            <p:ph idx="1" type="body"/>
+            <p:ph type="body" idx="1"/>
           </p:nvPr>
         </p:nvSpPr>
         <p:spPr>
@@ -2328,11 +2540,11 @@
           </a:prstGeom>
         </p:spPr>
         <p:txBody>
-          <a:bodyPr anchorCtr="0" anchor="t" bIns="91425" lIns="91425" spcFirstLastPara="1" rIns="91425" wrap="square" tIns="91425">
+          <a:bodyPr spcFirstLastPara="1" wrap="square" lIns="91425" tIns="91425" rIns="91425" bIns="91425" anchor="t" anchorCtr="0">
             <a:normAutofit/>
           </a:bodyPr>
           <a:lstStyle>
-            <a:lvl1pPr indent="-342900" lvl="0" marL="457200" algn="ctr">
+            <a:lvl1pPr marL="457200" lvl="0" indent="-342900" algn="ctr">
               <a:spcBef>
                 <a:spcPts val="0"/>
               </a:spcBef>
@@ -2343,7 +2555,7 @@
               <a:buChar char="●"/>
               <a:defRPr/>
             </a:lvl1pPr>
-            <a:lvl2pPr indent="-317500" lvl="1" marL="914400" algn="ctr">
+            <a:lvl2pPr marL="914400" lvl="1" indent="-317500" algn="ctr">
               <a:spcBef>
                 <a:spcPts val="0"/>
               </a:spcBef>
@@ -2354,7 +2566,7 @@
               <a:buChar char="○"/>
               <a:defRPr/>
             </a:lvl2pPr>
-            <a:lvl3pPr indent="-317500" lvl="2" marL="1371600" algn="ctr">
+            <a:lvl3pPr marL="1371600" lvl="2" indent="-317500" algn="ctr">
               <a:spcBef>
                 <a:spcPts val="0"/>
               </a:spcBef>
@@ -2365,7 +2577,7 @@
               <a:buChar char="■"/>
               <a:defRPr/>
             </a:lvl3pPr>
-            <a:lvl4pPr indent="-317500" lvl="3" marL="1828800" algn="ctr">
+            <a:lvl4pPr marL="1828800" lvl="3" indent="-317500" algn="ctr">
               <a:spcBef>
                 <a:spcPts val="0"/>
               </a:spcBef>
@@ -2376,7 +2588,7 @@
               <a:buChar char="●"/>
               <a:defRPr/>
             </a:lvl4pPr>
-            <a:lvl5pPr indent="-317500" lvl="4" marL="2286000" algn="ctr">
+            <a:lvl5pPr marL="2286000" lvl="4" indent="-317500" algn="ctr">
               <a:spcBef>
                 <a:spcPts val="0"/>
               </a:spcBef>
@@ -2387,7 +2599,7 @@
               <a:buChar char="○"/>
               <a:defRPr/>
             </a:lvl5pPr>
-            <a:lvl6pPr indent="-317500" lvl="5" marL="2743200" algn="ctr">
+            <a:lvl6pPr marL="2743200" lvl="5" indent="-317500" algn="ctr">
               <a:spcBef>
                 <a:spcPts val="0"/>
               </a:spcBef>
@@ -2398,7 +2610,7 @@
               <a:buChar char="■"/>
               <a:defRPr/>
             </a:lvl6pPr>
-            <a:lvl7pPr indent="-317500" lvl="6" marL="3200400" algn="ctr">
+            <a:lvl7pPr marL="3200400" lvl="6" indent="-317500" algn="ctr">
               <a:spcBef>
                 <a:spcPts val="0"/>
               </a:spcBef>
@@ -2409,7 +2621,7 @@
               <a:buChar char="●"/>
               <a:defRPr/>
             </a:lvl7pPr>
-            <a:lvl8pPr indent="-317500" lvl="7" marL="3657600" algn="ctr">
+            <a:lvl8pPr marL="3657600" lvl="7" indent="-317500" algn="ctr">
               <a:spcBef>
                 <a:spcPts val="0"/>
               </a:spcBef>
@@ -2420,7 +2632,7 @@
               <a:buChar char="○"/>
               <a:defRPr/>
             </a:lvl8pPr>
-            <a:lvl9pPr indent="-317500" lvl="8" marL="4114800" algn="ctr">
+            <a:lvl9pPr marL="4114800" lvl="8" indent="-317500" algn="ctr">
               <a:spcBef>
                 <a:spcPts val="0"/>
               </a:spcBef>
@@ -2432,15 +2644,19 @@
               <a:defRPr/>
             </a:lvl9pPr>
           </a:lstStyle>
-          <a:p/>
+          <a:p>
+            <a:endParaRPr/>
+          </a:p>
         </p:txBody>
       </p:sp>
       <p:sp>
         <p:nvSpPr>
           <p:cNvPr id="47" name="Google Shape;47;p11"/>
-          <p:cNvSpPr txBox="1"/>
+          <p:cNvSpPr txBox="1">
+            <a:spLocks noGrp="1"/>
+          </p:cNvSpPr>
           <p:nvPr>
-            <p:ph idx="12" type="sldNum"/>
+            <p:ph type="sldNum" idx="12"/>
           </p:nvPr>
         </p:nvSpPr>
         <p:spPr>
@@ -2453,7 +2669,7 @@
           </a:prstGeom>
         </p:spPr>
         <p:txBody>
-          <a:bodyPr anchorCtr="0" anchor="ctr" bIns="91425" lIns="91425" spcFirstLastPara="1" rIns="91425" wrap="square" tIns="91425">
+          <a:bodyPr spcFirstLastPara="1" wrap="square" lIns="91425" tIns="91425" rIns="91425" bIns="91425" anchor="ctr" anchorCtr="0">
             <a:normAutofit/>
           </a:bodyPr>
           <a:lstStyle>
@@ -2495,7 +2711,7 @@
             </a:lvl9pPr>
           </a:lstStyle>
           <a:p>
-            <a:pPr indent="0" lvl="0" marL="0" rtl="0" algn="r">
+            <a:pPr marL="0" lvl="0" indent="0" algn="r" rtl="0">
               <a:spcBef>
                 <a:spcPts val="0"/>
               </a:spcBef>
@@ -2521,11 +2737,11 @@
 </file>
 
 <file path=ppt/slideLayouts/slideLayout11.xml><?xml version="1.0" encoding="utf-8"?>
-<p:sldLayout xmlns:a="http://schemas.openxmlformats.org/drawingml/2006/main" xmlns:r="http://schemas.openxmlformats.org/officeDocument/2006/relationships" xmlns:mc="http://schemas.openxmlformats.org/markup-compatibility/2006" xmlns:mv="urn:schemas-microsoft-com:mac:vml" xmlns:p="http://schemas.openxmlformats.org/presentationml/2006/main" xmlns:c="http://schemas.openxmlformats.org/drawingml/2006/chart" xmlns:dgm="http://schemas.openxmlformats.org/drawingml/2006/diagram" xmlns:o="urn:schemas-microsoft-com:office:office" xmlns:v="urn:schemas-microsoft-com:vml" xmlns:pvml="urn:schemas-microsoft-com:office:powerpoint" xmlns:com="http://schemas.openxmlformats.org/drawingml/2006/compatibility" xmlns:p14="http://schemas.microsoft.com/office/powerpoint/2010/main" xmlns:p15="http://schemas.microsoft.com/office/powerpoint/2012/main" xmlns:ahyp="http://schemas.microsoft.com/office/drawing/2018/hyperlinkcolor" matchingName="Blank" type="blank">
+<p:sldLayout xmlns:a="http://schemas.openxmlformats.org/drawingml/2006/main" xmlns:r="http://schemas.openxmlformats.org/officeDocument/2006/relationships" xmlns:p="http://schemas.openxmlformats.org/presentationml/2006/main" matchingName="Blank" type="blank">
   <p:cSld name="BLANK">
     <p:spTree>
       <p:nvGrpSpPr>
-        <p:cNvPr id="48" name="Shape 48"/>
+        <p:cNvPr id="1" name="Shape 48"/>
         <p:cNvGrpSpPr/>
         <p:nvPr/>
       </p:nvGrpSpPr>
@@ -2540,9 +2756,11 @@
       <p:sp>
         <p:nvSpPr>
           <p:cNvPr id="49" name="Google Shape;49;p12"/>
-          <p:cNvSpPr txBox="1"/>
+          <p:cNvSpPr txBox="1">
+            <a:spLocks noGrp="1"/>
+          </p:cNvSpPr>
           <p:nvPr>
-            <p:ph idx="12" type="sldNum"/>
+            <p:ph type="sldNum" idx="12"/>
           </p:nvPr>
         </p:nvSpPr>
         <p:spPr>
@@ -2555,7 +2773,7 @@
           </a:prstGeom>
         </p:spPr>
         <p:txBody>
-          <a:bodyPr anchorCtr="0" anchor="ctr" bIns="91425" lIns="91425" spcFirstLastPara="1" rIns="91425" wrap="square" tIns="91425">
+          <a:bodyPr spcFirstLastPara="1" wrap="square" lIns="91425" tIns="91425" rIns="91425" bIns="91425" anchor="ctr" anchorCtr="0">
             <a:normAutofit/>
           </a:bodyPr>
           <a:lstStyle>
@@ -2597,7 +2815,7 @@
             </a:lvl9pPr>
           </a:lstStyle>
           <a:p>
-            <a:pPr indent="0" lvl="0" marL="0" rtl="0" algn="r">
+            <a:pPr marL="0" lvl="0" indent="0" algn="r" rtl="0">
               <a:spcBef>
                 <a:spcPts val="0"/>
               </a:spcBef>
@@ -2623,11 +2841,11 @@
 </file>
 
 <file path=ppt/slideLayouts/slideLayout2.xml><?xml version="1.0" encoding="utf-8"?>
-<p:sldLayout xmlns:a="http://schemas.openxmlformats.org/drawingml/2006/main" xmlns:r="http://schemas.openxmlformats.org/officeDocument/2006/relationships" xmlns:mc="http://schemas.openxmlformats.org/markup-compatibility/2006" xmlns:mv="urn:schemas-microsoft-com:mac:vml" xmlns:p="http://schemas.openxmlformats.org/presentationml/2006/main" xmlns:c="http://schemas.openxmlformats.org/drawingml/2006/chart" xmlns:dgm="http://schemas.openxmlformats.org/drawingml/2006/diagram" xmlns:o="urn:schemas-microsoft-com:office:office" xmlns:v="urn:schemas-microsoft-com:vml" xmlns:pvml="urn:schemas-microsoft-com:office:powerpoint" xmlns:com="http://schemas.openxmlformats.org/drawingml/2006/compatibility" xmlns:p14="http://schemas.microsoft.com/office/powerpoint/2010/main" xmlns:p15="http://schemas.microsoft.com/office/powerpoint/2012/main" xmlns:ahyp="http://schemas.microsoft.com/office/drawing/2018/hyperlinkcolor" matchingName="Section header" type="secHead">
+<p:sldLayout xmlns:a="http://schemas.openxmlformats.org/drawingml/2006/main" xmlns:r="http://schemas.openxmlformats.org/officeDocument/2006/relationships" xmlns:p="http://schemas.openxmlformats.org/presentationml/2006/main" matchingName="Section header" type="secHead">
   <p:cSld name="SECTION_HEADER">
     <p:spTree>
       <p:nvGrpSpPr>
-        <p:cNvPr id="13" name="Shape 13"/>
+        <p:cNvPr id="1" name="Shape 13"/>
         <p:cNvGrpSpPr/>
         <p:nvPr/>
       </p:nvGrpSpPr>
@@ -2642,7 +2860,9 @@
       <p:sp>
         <p:nvSpPr>
           <p:cNvPr id="14" name="Google Shape;14;p3"/>
-          <p:cNvSpPr txBox="1"/>
+          <p:cNvSpPr txBox="1">
+            <a:spLocks noGrp="1"/>
+          </p:cNvSpPr>
           <p:nvPr>
             <p:ph type="title"/>
           </p:nvPr>
@@ -2657,7 +2877,7 @@
           </a:prstGeom>
         </p:spPr>
         <p:txBody>
-          <a:bodyPr anchorCtr="0" anchor="ctr" bIns="91425" lIns="91425" spcFirstLastPara="1" rIns="91425" wrap="square" tIns="91425">
+          <a:bodyPr spcFirstLastPara="1" wrap="square" lIns="91425" tIns="91425" rIns="91425" bIns="91425" anchor="ctr" anchorCtr="0">
             <a:normAutofit/>
           </a:bodyPr>
           <a:lstStyle>
@@ -2761,15 +2981,19 @@
               <a:defRPr sz="3600"/>
             </a:lvl9pPr>
           </a:lstStyle>
-          <a:p/>
+          <a:p>
+            <a:endParaRPr/>
+          </a:p>
         </p:txBody>
       </p:sp>
       <p:sp>
         <p:nvSpPr>
           <p:cNvPr id="15" name="Google Shape;15;p3"/>
-          <p:cNvSpPr txBox="1"/>
+          <p:cNvSpPr txBox="1">
+            <a:spLocks noGrp="1"/>
+          </p:cNvSpPr>
           <p:nvPr>
-            <p:ph idx="12" type="sldNum"/>
+            <p:ph type="sldNum" idx="12"/>
           </p:nvPr>
         </p:nvSpPr>
         <p:spPr>
@@ -2782,7 +3006,7 @@
           </a:prstGeom>
         </p:spPr>
         <p:txBody>
-          <a:bodyPr anchorCtr="0" anchor="ctr" bIns="91425" lIns="91425" spcFirstLastPara="1" rIns="91425" wrap="square" tIns="91425">
+          <a:bodyPr spcFirstLastPara="1" wrap="square" lIns="91425" tIns="91425" rIns="91425" bIns="91425" anchor="ctr" anchorCtr="0">
             <a:normAutofit/>
           </a:bodyPr>
           <a:lstStyle>
@@ -2824,7 +3048,7 @@
             </a:lvl9pPr>
           </a:lstStyle>
           <a:p>
-            <a:pPr indent="0" lvl="0" marL="0" rtl="0" algn="r">
+            <a:pPr marL="0" lvl="0" indent="0" algn="r" rtl="0">
               <a:spcBef>
                 <a:spcPts val="0"/>
               </a:spcBef>
@@ -2850,11 +3074,11 @@
 </file>
 
 <file path=ppt/slideLayouts/slideLayout3.xml><?xml version="1.0" encoding="utf-8"?>
-<p:sldLayout xmlns:a="http://schemas.openxmlformats.org/drawingml/2006/main" xmlns:r="http://schemas.openxmlformats.org/officeDocument/2006/relationships" xmlns:mc="http://schemas.openxmlformats.org/markup-compatibility/2006" xmlns:mv="urn:schemas-microsoft-com:mac:vml" xmlns:p="http://schemas.openxmlformats.org/presentationml/2006/main" xmlns:c="http://schemas.openxmlformats.org/drawingml/2006/chart" xmlns:dgm="http://schemas.openxmlformats.org/drawingml/2006/diagram" xmlns:o="urn:schemas-microsoft-com:office:office" xmlns:v="urn:schemas-microsoft-com:vml" xmlns:pvml="urn:schemas-microsoft-com:office:powerpoint" xmlns:com="http://schemas.openxmlformats.org/drawingml/2006/compatibility" xmlns:p14="http://schemas.microsoft.com/office/powerpoint/2010/main" xmlns:p15="http://schemas.microsoft.com/office/powerpoint/2012/main" xmlns:ahyp="http://schemas.microsoft.com/office/drawing/2018/hyperlinkcolor" matchingName="Title and body" type="tx">
+<p:sldLayout xmlns:a="http://schemas.openxmlformats.org/drawingml/2006/main" xmlns:r="http://schemas.openxmlformats.org/officeDocument/2006/relationships" xmlns:p="http://schemas.openxmlformats.org/presentationml/2006/main" matchingName="Title and body" type="tx">
   <p:cSld name="TITLE_AND_BODY">
     <p:spTree>
       <p:nvGrpSpPr>
-        <p:cNvPr id="16" name="Shape 16"/>
+        <p:cNvPr id="1" name="Shape 16"/>
         <p:cNvGrpSpPr/>
         <p:nvPr/>
       </p:nvGrpSpPr>
@@ -2869,7 +3093,9 @@
       <p:sp>
         <p:nvSpPr>
           <p:cNvPr id="17" name="Google Shape;17;p4"/>
-          <p:cNvSpPr txBox="1"/>
+          <p:cNvSpPr txBox="1">
+            <a:spLocks noGrp="1"/>
+          </p:cNvSpPr>
           <p:nvPr>
             <p:ph type="title"/>
           </p:nvPr>
@@ -2884,7 +3110,7 @@
           </a:prstGeom>
         </p:spPr>
         <p:txBody>
-          <a:bodyPr anchorCtr="0" anchor="t" bIns="91425" lIns="91425" spcFirstLastPara="1" rIns="91425" wrap="square" tIns="91425">
+          <a:bodyPr spcFirstLastPara="1" wrap="square" lIns="91425" tIns="91425" rIns="91425" bIns="91425" anchor="t" anchorCtr="0">
             <a:normAutofit/>
           </a:bodyPr>
           <a:lstStyle>
@@ -2988,15 +3214,19 @@
               <a:defRPr/>
             </a:lvl9pPr>
           </a:lstStyle>
-          <a:p/>
+          <a:p>
+            <a:endParaRPr/>
+          </a:p>
         </p:txBody>
       </p:sp>
       <p:sp>
         <p:nvSpPr>
           <p:cNvPr id="18" name="Google Shape;18;p4"/>
-          <p:cNvSpPr txBox="1"/>
+          <p:cNvSpPr txBox="1">
+            <a:spLocks noGrp="1"/>
+          </p:cNvSpPr>
           <p:nvPr>
-            <p:ph idx="1" type="body"/>
+            <p:ph type="body" idx="1"/>
           </p:nvPr>
         </p:nvSpPr>
         <p:spPr>
@@ -3009,11 +3239,11 @@
           </a:prstGeom>
         </p:spPr>
         <p:txBody>
-          <a:bodyPr anchorCtr="0" anchor="t" bIns="91425" lIns="91425" spcFirstLastPara="1" rIns="91425" wrap="square" tIns="91425">
+          <a:bodyPr spcFirstLastPara="1" wrap="square" lIns="91425" tIns="91425" rIns="91425" bIns="91425" anchor="t" anchorCtr="0">
             <a:normAutofit/>
           </a:bodyPr>
           <a:lstStyle>
-            <a:lvl1pPr indent="-342900" lvl="0" marL="457200">
+            <a:lvl1pPr marL="457200" lvl="0" indent="-342900">
               <a:spcBef>
                 <a:spcPts val="0"/>
               </a:spcBef>
@@ -3024,7 +3254,7 @@
               <a:buChar char="●"/>
               <a:defRPr/>
             </a:lvl1pPr>
-            <a:lvl2pPr indent="-317500" lvl="1" marL="914400">
+            <a:lvl2pPr marL="914400" lvl="1" indent="-317500">
               <a:spcBef>
                 <a:spcPts val="0"/>
               </a:spcBef>
@@ -3035,7 +3265,7 @@
               <a:buChar char="○"/>
               <a:defRPr/>
             </a:lvl2pPr>
-            <a:lvl3pPr indent="-317500" lvl="2" marL="1371600">
+            <a:lvl3pPr marL="1371600" lvl="2" indent="-317500">
               <a:spcBef>
                 <a:spcPts val="0"/>
               </a:spcBef>
@@ -3046,7 +3276,7 @@
               <a:buChar char="■"/>
               <a:defRPr/>
             </a:lvl3pPr>
-            <a:lvl4pPr indent="-317500" lvl="3" marL="1828800">
+            <a:lvl4pPr marL="1828800" lvl="3" indent="-317500">
               <a:spcBef>
                 <a:spcPts val="0"/>
               </a:spcBef>
@@ -3057,7 +3287,7 @@
               <a:buChar char="●"/>
               <a:defRPr/>
             </a:lvl4pPr>
-            <a:lvl5pPr indent="-317500" lvl="4" marL="2286000">
+            <a:lvl5pPr marL="2286000" lvl="4" indent="-317500">
               <a:spcBef>
                 <a:spcPts val="0"/>
               </a:spcBef>
@@ -3068,7 +3298,7 @@
               <a:buChar char="○"/>
               <a:defRPr/>
             </a:lvl5pPr>
-            <a:lvl6pPr indent="-317500" lvl="5" marL="2743200">
+            <a:lvl6pPr marL="2743200" lvl="5" indent="-317500">
               <a:spcBef>
                 <a:spcPts val="0"/>
               </a:spcBef>
@@ -3079,7 +3309,7 @@
               <a:buChar char="■"/>
               <a:defRPr/>
             </a:lvl6pPr>
-            <a:lvl7pPr indent="-317500" lvl="6" marL="3200400">
+            <a:lvl7pPr marL="3200400" lvl="6" indent="-317500">
               <a:spcBef>
                 <a:spcPts val="0"/>
               </a:spcBef>
@@ -3090,7 +3320,7 @@
               <a:buChar char="●"/>
               <a:defRPr/>
             </a:lvl7pPr>
-            <a:lvl8pPr indent="-317500" lvl="7" marL="3657600">
+            <a:lvl8pPr marL="3657600" lvl="7" indent="-317500">
               <a:spcBef>
                 <a:spcPts val="0"/>
               </a:spcBef>
@@ -3101,7 +3331,7 @@
               <a:buChar char="○"/>
               <a:defRPr/>
             </a:lvl8pPr>
-            <a:lvl9pPr indent="-317500" lvl="8" marL="4114800">
+            <a:lvl9pPr marL="4114800" lvl="8" indent="-317500">
               <a:spcBef>
                 <a:spcPts val="0"/>
               </a:spcBef>
@@ -3113,15 +3343,19 @@
               <a:defRPr/>
             </a:lvl9pPr>
           </a:lstStyle>
-          <a:p/>
+          <a:p>
+            <a:endParaRPr/>
+          </a:p>
         </p:txBody>
       </p:sp>
       <p:sp>
         <p:nvSpPr>
           <p:cNvPr id="19" name="Google Shape;19;p4"/>
-          <p:cNvSpPr txBox="1"/>
+          <p:cNvSpPr txBox="1">
+            <a:spLocks noGrp="1"/>
+          </p:cNvSpPr>
           <p:nvPr>
-            <p:ph idx="12" type="sldNum"/>
+            <p:ph type="sldNum" idx="12"/>
           </p:nvPr>
         </p:nvSpPr>
         <p:spPr>
@@ -3134,7 +3368,7 @@
           </a:prstGeom>
         </p:spPr>
         <p:txBody>
-          <a:bodyPr anchorCtr="0" anchor="ctr" bIns="91425" lIns="91425" spcFirstLastPara="1" rIns="91425" wrap="square" tIns="91425">
+          <a:bodyPr spcFirstLastPara="1" wrap="square" lIns="91425" tIns="91425" rIns="91425" bIns="91425" anchor="ctr" anchorCtr="0">
             <a:normAutofit/>
           </a:bodyPr>
           <a:lstStyle>
@@ -3176,7 +3410,7 @@
             </a:lvl9pPr>
           </a:lstStyle>
           <a:p>
-            <a:pPr indent="0" lvl="0" marL="0" rtl="0" algn="r">
+            <a:pPr marL="0" lvl="0" indent="0" algn="r" rtl="0">
               <a:spcBef>
                 <a:spcPts val="0"/>
               </a:spcBef>
@@ -3202,11 +3436,11 @@
 </file>
 
 <file path=ppt/slideLayouts/slideLayout4.xml><?xml version="1.0" encoding="utf-8"?>
-<p:sldLayout xmlns:a="http://schemas.openxmlformats.org/drawingml/2006/main" xmlns:r="http://schemas.openxmlformats.org/officeDocument/2006/relationships" xmlns:mc="http://schemas.openxmlformats.org/markup-compatibility/2006" xmlns:mv="urn:schemas-microsoft-com:mac:vml" xmlns:p="http://schemas.openxmlformats.org/presentationml/2006/main" xmlns:c="http://schemas.openxmlformats.org/drawingml/2006/chart" xmlns:dgm="http://schemas.openxmlformats.org/drawingml/2006/diagram" xmlns:o="urn:schemas-microsoft-com:office:office" xmlns:v="urn:schemas-microsoft-com:vml" xmlns:pvml="urn:schemas-microsoft-com:office:powerpoint" xmlns:com="http://schemas.openxmlformats.org/drawingml/2006/compatibility" xmlns:p14="http://schemas.microsoft.com/office/powerpoint/2010/main" xmlns:p15="http://schemas.microsoft.com/office/powerpoint/2012/main" xmlns:ahyp="http://schemas.microsoft.com/office/drawing/2018/hyperlinkcolor" matchingName="Title and two columns" type="twoColTx">
+<p:sldLayout xmlns:a="http://schemas.openxmlformats.org/drawingml/2006/main" xmlns:r="http://schemas.openxmlformats.org/officeDocument/2006/relationships" xmlns:p="http://schemas.openxmlformats.org/presentationml/2006/main" matchingName="Title and two columns" type="twoColTx">
   <p:cSld name="TITLE_AND_TWO_COLUMNS">
     <p:spTree>
       <p:nvGrpSpPr>
-        <p:cNvPr id="20" name="Shape 20"/>
+        <p:cNvPr id="1" name="Shape 20"/>
         <p:cNvGrpSpPr/>
         <p:nvPr/>
       </p:nvGrpSpPr>
@@ -3221,7 +3455,9 @@
       <p:sp>
         <p:nvSpPr>
           <p:cNvPr id="21" name="Google Shape;21;p5"/>
-          <p:cNvSpPr txBox="1"/>
+          <p:cNvSpPr txBox="1">
+            <a:spLocks noGrp="1"/>
+          </p:cNvSpPr>
           <p:nvPr>
             <p:ph type="title"/>
           </p:nvPr>
@@ -3236,7 +3472,7 @@
           </a:prstGeom>
         </p:spPr>
         <p:txBody>
-          <a:bodyPr anchorCtr="0" anchor="t" bIns="91425" lIns="91425" spcFirstLastPara="1" rIns="91425" wrap="square" tIns="91425">
+          <a:bodyPr spcFirstLastPara="1" wrap="square" lIns="91425" tIns="91425" rIns="91425" bIns="91425" anchor="t" anchorCtr="0">
             <a:normAutofit/>
           </a:bodyPr>
           <a:lstStyle>
@@ -3340,15 +3576,19 @@
               <a:defRPr/>
             </a:lvl9pPr>
           </a:lstStyle>
-          <a:p/>
+          <a:p>
+            <a:endParaRPr/>
+          </a:p>
         </p:txBody>
       </p:sp>
       <p:sp>
         <p:nvSpPr>
           <p:cNvPr id="22" name="Google Shape;22;p5"/>
-          <p:cNvSpPr txBox="1"/>
+          <p:cNvSpPr txBox="1">
+            <a:spLocks noGrp="1"/>
+          </p:cNvSpPr>
           <p:nvPr>
-            <p:ph idx="1" type="body"/>
+            <p:ph type="body" idx="1"/>
           </p:nvPr>
         </p:nvSpPr>
         <p:spPr>
@@ -3361,11 +3601,11 @@
           </a:prstGeom>
         </p:spPr>
         <p:txBody>
-          <a:bodyPr anchorCtr="0" anchor="t" bIns="91425" lIns="91425" spcFirstLastPara="1" rIns="91425" wrap="square" tIns="91425">
+          <a:bodyPr spcFirstLastPara="1" wrap="square" lIns="91425" tIns="91425" rIns="91425" bIns="91425" anchor="t" anchorCtr="0">
             <a:normAutofit/>
           </a:bodyPr>
           <a:lstStyle>
-            <a:lvl1pPr indent="-317500" lvl="0" marL="457200">
+            <a:lvl1pPr marL="457200" lvl="0" indent="-317500">
               <a:spcBef>
                 <a:spcPts val="0"/>
               </a:spcBef>
@@ -3376,7 +3616,7 @@
               <a:buChar char="●"/>
               <a:defRPr sz="1400"/>
             </a:lvl1pPr>
-            <a:lvl2pPr indent="-304800" lvl="1" marL="914400">
+            <a:lvl2pPr marL="914400" lvl="1" indent="-304800">
               <a:spcBef>
                 <a:spcPts val="0"/>
               </a:spcBef>
@@ -3387,7 +3627,7 @@
               <a:buChar char="○"/>
               <a:defRPr sz="1200"/>
             </a:lvl2pPr>
-            <a:lvl3pPr indent="-304800" lvl="2" marL="1371600">
+            <a:lvl3pPr marL="1371600" lvl="2" indent="-304800">
               <a:spcBef>
                 <a:spcPts val="0"/>
               </a:spcBef>
@@ -3398,7 +3638,7 @@
               <a:buChar char="■"/>
               <a:defRPr sz="1200"/>
             </a:lvl3pPr>
-            <a:lvl4pPr indent="-304800" lvl="3" marL="1828800">
+            <a:lvl4pPr marL="1828800" lvl="3" indent="-304800">
               <a:spcBef>
                 <a:spcPts val="0"/>
               </a:spcBef>
@@ -3409,7 +3649,7 @@
               <a:buChar char="●"/>
               <a:defRPr sz="1200"/>
             </a:lvl4pPr>
-            <a:lvl5pPr indent="-304800" lvl="4" marL="2286000">
+            <a:lvl5pPr marL="2286000" lvl="4" indent="-304800">
               <a:spcBef>
                 <a:spcPts val="0"/>
               </a:spcBef>
@@ -3420,7 +3660,7 @@
               <a:buChar char="○"/>
               <a:defRPr sz="1200"/>
             </a:lvl5pPr>
-            <a:lvl6pPr indent="-304800" lvl="5" marL="2743200">
+            <a:lvl6pPr marL="2743200" lvl="5" indent="-304800">
               <a:spcBef>
                 <a:spcPts val="0"/>
               </a:spcBef>
@@ -3431,7 +3671,7 @@
               <a:buChar char="■"/>
               <a:defRPr sz="1200"/>
             </a:lvl6pPr>
-            <a:lvl7pPr indent="-304800" lvl="6" marL="3200400">
+            <a:lvl7pPr marL="3200400" lvl="6" indent="-304800">
               <a:spcBef>
                 <a:spcPts val="0"/>
               </a:spcBef>
@@ -3442,7 +3682,7 @@
               <a:buChar char="●"/>
               <a:defRPr sz="1200"/>
             </a:lvl7pPr>
-            <a:lvl8pPr indent="-304800" lvl="7" marL="3657600">
+            <a:lvl8pPr marL="3657600" lvl="7" indent="-304800">
               <a:spcBef>
                 <a:spcPts val="0"/>
               </a:spcBef>
@@ -3453,7 +3693,7 @@
               <a:buChar char="○"/>
               <a:defRPr sz="1200"/>
             </a:lvl8pPr>
-            <a:lvl9pPr indent="-304800" lvl="8" marL="4114800">
+            <a:lvl9pPr marL="4114800" lvl="8" indent="-304800">
               <a:spcBef>
                 <a:spcPts val="0"/>
               </a:spcBef>
@@ -3465,15 +3705,19 @@
               <a:defRPr sz="1200"/>
             </a:lvl9pPr>
           </a:lstStyle>
-          <a:p/>
+          <a:p>
+            <a:endParaRPr/>
+          </a:p>
         </p:txBody>
       </p:sp>
       <p:sp>
         <p:nvSpPr>
           <p:cNvPr id="23" name="Google Shape;23;p5"/>
-          <p:cNvSpPr txBox="1"/>
+          <p:cNvSpPr txBox="1">
+            <a:spLocks noGrp="1"/>
+          </p:cNvSpPr>
           <p:nvPr>
-            <p:ph idx="2" type="body"/>
+            <p:ph type="body" idx="2"/>
           </p:nvPr>
         </p:nvSpPr>
         <p:spPr>
@@ -3486,11 +3730,11 @@
           </a:prstGeom>
         </p:spPr>
         <p:txBody>
-          <a:bodyPr anchorCtr="0" anchor="t" bIns="91425" lIns="91425" spcFirstLastPara="1" rIns="91425" wrap="square" tIns="91425">
+          <a:bodyPr spcFirstLastPara="1" wrap="square" lIns="91425" tIns="91425" rIns="91425" bIns="91425" anchor="t" anchorCtr="0">
             <a:normAutofit/>
           </a:bodyPr>
           <a:lstStyle>
-            <a:lvl1pPr indent="-317500" lvl="0" marL="457200">
+            <a:lvl1pPr marL="457200" lvl="0" indent="-317500">
               <a:spcBef>
                 <a:spcPts val="0"/>
               </a:spcBef>
@@ -3501,7 +3745,7 @@
               <a:buChar char="●"/>
               <a:defRPr sz="1400"/>
             </a:lvl1pPr>
-            <a:lvl2pPr indent="-304800" lvl="1" marL="914400">
+            <a:lvl2pPr marL="914400" lvl="1" indent="-304800">
               <a:spcBef>
                 <a:spcPts val="0"/>
               </a:spcBef>
@@ -3512,7 +3756,7 @@
               <a:buChar char="○"/>
               <a:defRPr sz="1200"/>
             </a:lvl2pPr>
-            <a:lvl3pPr indent="-304800" lvl="2" marL="1371600">
+            <a:lvl3pPr marL="1371600" lvl="2" indent="-304800">
               <a:spcBef>
                 <a:spcPts val="0"/>
               </a:spcBef>
@@ -3523,7 +3767,7 @@
               <a:buChar char="■"/>
               <a:defRPr sz="1200"/>
             </a:lvl3pPr>
-            <a:lvl4pPr indent="-304800" lvl="3" marL="1828800">
+            <a:lvl4pPr marL="1828800" lvl="3" indent="-304800">
               <a:spcBef>
                 <a:spcPts val="0"/>
               </a:spcBef>
@@ -3534,7 +3778,7 @@
               <a:buChar char="●"/>
               <a:defRPr sz="1200"/>
             </a:lvl4pPr>
-            <a:lvl5pPr indent="-304800" lvl="4" marL="2286000">
+            <a:lvl5pPr marL="2286000" lvl="4" indent="-304800">
               <a:spcBef>
                 <a:spcPts val="0"/>
               </a:spcBef>
@@ -3545,7 +3789,7 @@
               <a:buChar char="○"/>
               <a:defRPr sz="1200"/>
             </a:lvl5pPr>
-            <a:lvl6pPr indent="-304800" lvl="5" marL="2743200">
+            <a:lvl6pPr marL="2743200" lvl="5" indent="-304800">
               <a:spcBef>
                 <a:spcPts val="0"/>
               </a:spcBef>
@@ -3556,7 +3800,7 @@
               <a:buChar char="■"/>
               <a:defRPr sz="1200"/>
             </a:lvl6pPr>
-            <a:lvl7pPr indent="-304800" lvl="6" marL="3200400">
+            <a:lvl7pPr marL="3200400" lvl="6" indent="-304800">
               <a:spcBef>
                 <a:spcPts val="0"/>
               </a:spcBef>
@@ -3567,7 +3811,7 @@
               <a:buChar char="●"/>
               <a:defRPr sz="1200"/>
             </a:lvl7pPr>
-            <a:lvl8pPr indent="-304800" lvl="7" marL="3657600">
+            <a:lvl8pPr marL="3657600" lvl="7" indent="-304800">
               <a:spcBef>
                 <a:spcPts val="0"/>
               </a:spcBef>
@@ -3578,7 +3822,7 @@
               <a:buChar char="○"/>
               <a:defRPr sz="1200"/>
             </a:lvl8pPr>
-            <a:lvl9pPr indent="-304800" lvl="8" marL="4114800">
+            <a:lvl9pPr marL="4114800" lvl="8" indent="-304800">
               <a:spcBef>
                 <a:spcPts val="0"/>
               </a:spcBef>
@@ -3590,15 +3834,19 @@
               <a:defRPr sz="1200"/>
             </a:lvl9pPr>
           </a:lstStyle>
-          <a:p/>
+          <a:p>
+            <a:endParaRPr/>
+          </a:p>
         </p:txBody>
       </p:sp>
       <p:sp>
         <p:nvSpPr>
           <p:cNvPr id="24" name="Google Shape;24;p5"/>
-          <p:cNvSpPr txBox="1"/>
+          <p:cNvSpPr txBox="1">
+            <a:spLocks noGrp="1"/>
+          </p:cNvSpPr>
           <p:nvPr>
-            <p:ph idx="12" type="sldNum"/>
+            <p:ph type="sldNum" idx="12"/>
           </p:nvPr>
         </p:nvSpPr>
         <p:spPr>
@@ -3611,7 +3859,7 @@
           </a:prstGeom>
         </p:spPr>
         <p:txBody>
-          <a:bodyPr anchorCtr="0" anchor="ctr" bIns="91425" lIns="91425" spcFirstLastPara="1" rIns="91425" wrap="square" tIns="91425">
+          <a:bodyPr spcFirstLastPara="1" wrap="square" lIns="91425" tIns="91425" rIns="91425" bIns="91425" anchor="ctr" anchorCtr="0">
             <a:normAutofit/>
           </a:bodyPr>
           <a:lstStyle>
@@ -3653,7 +3901,7 @@
             </a:lvl9pPr>
           </a:lstStyle>
           <a:p>
-            <a:pPr indent="0" lvl="0" marL="0" rtl="0" algn="r">
+            <a:pPr marL="0" lvl="0" indent="0" algn="r" rtl="0">
               <a:spcBef>
                 <a:spcPts val="0"/>
               </a:spcBef>
@@ -3679,11 +3927,11 @@
 </file>
 
 <file path=ppt/slideLayouts/slideLayout5.xml><?xml version="1.0" encoding="utf-8"?>
-<p:sldLayout xmlns:a="http://schemas.openxmlformats.org/drawingml/2006/main" xmlns:r="http://schemas.openxmlformats.org/officeDocument/2006/relationships" xmlns:mc="http://schemas.openxmlformats.org/markup-compatibility/2006" xmlns:mv="urn:schemas-microsoft-com:mac:vml" xmlns:p="http://schemas.openxmlformats.org/presentationml/2006/main" xmlns:c="http://schemas.openxmlformats.org/drawingml/2006/chart" xmlns:dgm="http://schemas.openxmlformats.org/drawingml/2006/diagram" xmlns:o="urn:schemas-microsoft-com:office:office" xmlns:v="urn:schemas-microsoft-com:vml" xmlns:pvml="urn:schemas-microsoft-com:office:powerpoint" xmlns:com="http://schemas.openxmlformats.org/drawingml/2006/compatibility" xmlns:p14="http://schemas.microsoft.com/office/powerpoint/2010/main" xmlns:p15="http://schemas.microsoft.com/office/powerpoint/2012/main" xmlns:ahyp="http://schemas.microsoft.com/office/drawing/2018/hyperlinkcolor" matchingName="Title only" type="titleOnly">
+<p:sldLayout xmlns:a="http://schemas.openxmlformats.org/drawingml/2006/main" xmlns:r="http://schemas.openxmlformats.org/officeDocument/2006/relationships" xmlns:p="http://schemas.openxmlformats.org/presentationml/2006/main" matchingName="Title only" type="titleOnly">
   <p:cSld name="TITLE_ONLY">
     <p:spTree>
       <p:nvGrpSpPr>
-        <p:cNvPr id="25" name="Shape 25"/>
+        <p:cNvPr id="1" name="Shape 25"/>
         <p:cNvGrpSpPr/>
         <p:nvPr/>
       </p:nvGrpSpPr>
@@ -3698,7 +3946,9 @@
       <p:sp>
         <p:nvSpPr>
           <p:cNvPr id="26" name="Google Shape;26;p6"/>
-          <p:cNvSpPr txBox="1"/>
+          <p:cNvSpPr txBox="1">
+            <a:spLocks noGrp="1"/>
+          </p:cNvSpPr>
           <p:nvPr>
             <p:ph type="title"/>
           </p:nvPr>
@@ -3713,7 +3963,7 @@
           </a:prstGeom>
         </p:spPr>
         <p:txBody>
-          <a:bodyPr anchorCtr="0" anchor="t" bIns="91425" lIns="91425" spcFirstLastPara="1" rIns="91425" wrap="square" tIns="91425">
+          <a:bodyPr spcFirstLastPara="1" wrap="square" lIns="91425" tIns="91425" rIns="91425" bIns="91425" anchor="t" anchorCtr="0">
             <a:normAutofit/>
           </a:bodyPr>
           <a:lstStyle>
@@ -3817,15 +4067,19 @@
               <a:defRPr/>
             </a:lvl9pPr>
           </a:lstStyle>
-          <a:p/>
+          <a:p>
+            <a:endParaRPr/>
+          </a:p>
         </p:txBody>
       </p:sp>
       <p:sp>
         <p:nvSpPr>
           <p:cNvPr id="27" name="Google Shape;27;p6"/>
-          <p:cNvSpPr txBox="1"/>
+          <p:cNvSpPr txBox="1">
+            <a:spLocks noGrp="1"/>
+          </p:cNvSpPr>
           <p:nvPr>
-            <p:ph idx="12" type="sldNum"/>
+            <p:ph type="sldNum" idx="12"/>
           </p:nvPr>
         </p:nvSpPr>
         <p:spPr>
@@ -3838,7 +4092,7 @@
           </a:prstGeom>
         </p:spPr>
         <p:txBody>
-          <a:bodyPr anchorCtr="0" anchor="ctr" bIns="91425" lIns="91425" spcFirstLastPara="1" rIns="91425" wrap="square" tIns="91425">
+          <a:bodyPr spcFirstLastPara="1" wrap="square" lIns="91425" tIns="91425" rIns="91425" bIns="91425" anchor="ctr" anchorCtr="0">
             <a:normAutofit/>
           </a:bodyPr>
           <a:lstStyle>
@@ -3880,7 +4134,7 @@
             </a:lvl9pPr>
           </a:lstStyle>
           <a:p>
-            <a:pPr indent="0" lvl="0" marL="0" rtl="0" algn="r">
+            <a:pPr marL="0" lvl="0" indent="0" algn="r" rtl="0">
               <a:spcBef>
                 <a:spcPts val="0"/>
               </a:spcBef>
@@ -3906,11 +4160,11 @@
 </file>
 
 <file path=ppt/slideLayouts/slideLayout6.xml><?xml version="1.0" encoding="utf-8"?>
-<p:sldLayout xmlns:a="http://schemas.openxmlformats.org/drawingml/2006/main" xmlns:r="http://schemas.openxmlformats.org/officeDocument/2006/relationships" xmlns:mc="http://schemas.openxmlformats.org/markup-compatibility/2006" xmlns:mv="urn:schemas-microsoft-com:mac:vml" xmlns:p="http://schemas.openxmlformats.org/presentationml/2006/main" xmlns:c="http://schemas.openxmlformats.org/drawingml/2006/chart" xmlns:dgm="http://schemas.openxmlformats.org/drawingml/2006/diagram" xmlns:o="urn:schemas-microsoft-com:office:office" xmlns:v="urn:schemas-microsoft-com:vml" xmlns:pvml="urn:schemas-microsoft-com:office:powerpoint" xmlns:com="http://schemas.openxmlformats.org/drawingml/2006/compatibility" xmlns:p14="http://schemas.microsoft.com/office/powerpoint/2010/main" xmlns:p15="http://schemas.microsoft.com/office/powerpoint/2012/main" xmlns:ahyp="http://schemas.microsoft.com/office/drawing/2018/hyperlinkcolor" matchingName="One column text">
+<p:sldLayout xmlns:a="http://schemas.openxmlformats.org/drawingml/2006/main" xmlns:r="http://schemas.openxmlformats.org/officeDocument/2006/relationships" xmlns:p="http://schemas.openxmlformats.org/presentationml/2006/main" matchingName="One column text">
   <p:cSld name="ONE_COLUMN_TEXT">
     <p:spTree>
       <p:nvGrpSpPr>
-        <p:cNvPr id="28" name="Shape 28"/>
+        <p:cNvPr id="1" name="Shape 28"/>
         <p:cNvGrpSpPr/>
         <p:nvPr/>
       </p:nvGrpSpPr>
@@ -3925,7 +4179,9 @@
       <p:sp>
         <p:nvSpPr>
           <p:cNvPr id="29" name="Google Shape;29;p7"/>
-          <p:cNvSpPr txBox="1"/>
+          <p:cNvSpPr txBox="1">
+            <a:spLocks noGrp="1"/>
+          </p:cNvSpPr>
           <p:nvPr>
             <p:ph type="title"/>
           </p:nvPr>
@@ -3940,7 +4196,7 @@
           </a:prstGeom>
         </p:spPr>
         <p:txBody>
-          <a:bodyPr anchorCtr="0" anchor="b" bIns="91425" lIns="91425" spcFirstLastPara="1" rIns="91425" wrap="square" tIns="91425">
+          <a:bodyPr spcFirstLastPara="1" wrap="square" lIns="91425" tIns="91425" rIns="91425" bIns="91425" anchor="b" anchorCtr="0">
             <a:normAutofit/>
           </a:bodyPr>
           <a:lstStyle>
@@ -4044,15 +4300,19 @@
               <a:defRPr sz="2400"/>
             </a:lvl9pPr>
           </a:lstStyle>
-          <a:p/>
+          <a:p>
+            <a:endParaRPr/>
+          </a:p>
         </p:txBody>
       </p:sp>
       <p:sp>
         <p:nvSpPr>
           <p:cNvPr id="30" name="Google Shape;30;p7"/>
-          <p:cNvSpPr txBox="1"/>
+          <p:cNvSpPr txBox="1">
+            <a:spLocks noGrp="1"/>
+          </p:cNvSpPr>
           <p:nvPr>
-            <p:ph idx="1" type="body"/>
+            <p:ph type="body" idx="1"/>
           </p:nvPr>
         </p:nvSpPr>
         <p:spPr>
@@ -4065,11 +4325,11 @@
           </a:prstGeom>
         </p:spPr>
         <p:txBody>
-          <a:bodyPr anchorCtr="0" anchor="t" bIns="91425" lIns="91425" spcFirstLastPara="1" rIns="91425" wrap="square" tIns="91425">
+          <a:bodyPr spcFirstLastPara="1" wrap="square" lIns="91425" tIns="91425" rIns="91425" bIns="91425" anchor="t" anchorCtr="0">
             <a:normAutofit/>
           </a:bodyPr>
           <a:lstStyle>
-            <a:lvl1pPr indent="-304800" lvl="0" marL="457200">
+            <a:lvl1pPr marL="457200" lvl="0" indent="-304800">
               <a:spcBef>
                 <a:spcPts val="0"/>
               </a:spcBef>
@@ -4080,7 +4340,7 @@
               <a:buChar char="●"/>
               <a:defRPr sz="1200"/>
             </a:lvl1pPr>
-            <a:lvl2pPr indent="-304800" lvl="1" marL="914400">
+            <a:lvl2pPr marL="914400" lvl="1" indent="-304800">
               <a:spcBef>
                 <a:spcPts val="0"/>
               </a:spcBef>
@@ -4091,7 +4351,7 @@
               <a:buChar char="○"/>
               <a:defRPr sz="1200"/>
             </a:lvl2pPr>
-            <a:lvl3pPr indent="-304800" lvl="2" marL="1371600">
+            <a:lvl3pPr marL="1371600" lvl="2" indent="-304800">
               <a:spcBef>
                 <a:spcPts val="0"/>
               </a:spcBef>
@@ -4102,7 +4362,7 @@
               <a:buChar char="■"/>
               <a:defRPr sz="1200"/>
             </a:lvl3pPr>
-            <a:lvl4pPr indent="-304800" lvl="3" marL="1828800">
+            <a:lvl4pPr marL="1828800" lvl="3" indent="-304800">
               <a:spcBef>
                 <a:spcPts val="0"/>
               </a:spcBef>
@@ -4113,7 +4373,7 @@
               <a:buChar char="●"/>
               <a:defRPr sz="1200"/>
             </a:lvl4pPr>
-            <a:lvl5pPr indent="-304800" lvl="4" marL="2286000">
+            <a:lvl5pPr marL="2286000" lvl="4" indent="-304800">
               <a:spcBef>
                 <a:spcPts val="0"/>
               </a:spcBef>
@@ -4124,7 +4384,7 @@
               <a:buChar char="○"/>
               <a:defRPr sz="1200"/>
             </a:lvl5pPr>
-            <a:lvl6pPr indent="-304800" lvl="5" marL="2743200">
+            <a:lvl6pPr marL="2743200" lvl="5" indent="-304800">
               <a:spcBef>
                 <a:spcPts val="0"/>
               </a:spcBef>
@@ -4135,7 +4395,7 @@
               <a:buChar char="■"/>
               <a:defRPr sz="1200"/>
             </a:lvl6pPr>
-            <a:lvl7pPr indent="-304800" lvl="6" marL="3200400">
+            <a:lvl7pPr marL="3200400" lvl="6" indent="-304800">
               <a:spcBef>
                 <a:spcPts val="0"/>
               </a:spcBef>
@@ -4146,7 +4406,7 @@
               <a:buChar char="●"/>
               <a:defRPr sz="1200"/>
             </a:lvl7pPr>
-            <a:lvl8pPr indent="-304800" lvl="7" marL="3657600">
+            <a:lvl8pPr marL="3657600" lvl="7" indent="-304800">
               <a:spcBef>
                 <a:spcPts val="0"/>
               </a:spcBef>
@@ -4157,7 +4417,7 @@
               <a:buChar char="○"/>
               <a:defRPr sz="1200"/>
             </a:lvl8pPr>
-            <a:lvl9pPr indent="-304800" lvl="8" marL="4114800">
+            <a:lvl9pPr marL="4114800" lvl="8" indent="-304800">
               <a:spcBef>
                 <a:spcPts val="0"/>
               </a:spcBef>
@@ -4169,15 +4429,19 @@
               <a:defRPr sz="1200"/>
             </a:lvl9pPr>
           </a:lstStyle>
-          <a:p/>
+          <a:p>
+            <a:endParaRPr/>
+          </a:p>
         </p:txBody>
       </p:sp>
       <p:sp>
         <p:nvSpPr>
           <p:cNvPr id="31" name="Google Shape;31;p7"/>
-          <p:cNvSpPr txBox="1"/>
+          <p:cNvSpPr txBox="1">
+            <a:spLocks noGrp="1"/>
+          </p:cNvSpPr>
           <p:nvPr>
-            <p:ph idx="12" type="sldNum"/>
+            <p:ph type="sldNum" idx="12"/>
           </p:nvPr>
         </p:nvSpPr>
         <p:spPr>
@@ -4190,7 +4454,7 @@
           </a:prstGeom>
         </p:spPr>
         <p:txBody>
-          <a:bodyPr anchorCtr="0" anchor="ctr" bIns="91425" lIns="91425" spcFirstLastPara="1" rIns="91425" wrap="square" tIns="91425">
+          <a:bodyPr spcFirstLastPara="1" wrap="square" lIns="91425" tIns="91425" rIns="91425" bIns="91425" anchor="ctr" anchorCtr="0">
             <a:normAutofit/>
           </a:bodyPr>
           <a:lstStyle>
@@ -4232,7 +4496,7 @@
             </a:lvl9pPr>
           </a:lstStyle>
           <a:p>
-            <a:pPr indent="0" lvl="0" marL="0" rtl="0" algn="r">
+            <a:pPr marL="0" lvl="0" indent="0" algn="r" rtl="0">
               <a:spcBef>
                 <a:spcPts val="0"/>
               </a:spcBef>
@@ -4258,11 +4522,11 @@
 </file>
 
 <file path=ppt/slideLayouts/slideLayout7.xml><?xml version="1.0" encoding="utf-8"?>
-<p:sldLayout xmlns:a="http://schemas.openxmlformats.org/drawingml/2006/main" xmlns:r="http://schemas.openxmlformats.org/officeDocument/2006/relationships" xmlns:mc="http://schemas.openxmlformats.org/markup-compatibility/2006" xmlns:mv="urn:schemas-microsoft-com:mac:vml" xmlns:p="http://schemas.openxmlformats.org/presentationml/2006/main" xmlns:c="http://schemas.openxmlformats.org/drawingml/2006/chart" xmlns:dgm="http://schemas.openxmlformats.org/drawingml/2006/diagram" xmlns:o="urn:schemas-microsoft-com:office:office" xmlns:v="urn:schemas-microsoft-com:vml" xmlns:pvml="urn:schemas-microsoft-com:office:powerpoint" xmlns:com="http://schemas.openxmlformats.org/drawingml/2006/compatibility" xmlns:p14="http://schemas.microsoft.com/office/powerpoint/2010/main" xmlns:p15="http://schemas.microsoft.com/office/powerpoint/2012/main" xmlns:ahyp="http://schemas.microsoft.com/office/drawing/2018/hyperlinkcolor" matchingName="Main point">
+<p:sldLayout xmlns:a="http://schemas.openxmlformats.org/drawingml/2006/main" xmlns:r="http://schemas.openxmlformats.org/officeDocument/2006/relationships" xmlns:p="http://schemas.openxmlformats.org/presentationml/2006/main" matchingName="Main point">
   <p:cSld name="MAIN_POINT">
     <p:spTree>
       <p:nvGrpSpPr>
-        <p:cNvPr id="32" name="Shape 32"/>
+        <p:cNvPr id="1" name="Shape 32"/>
         <p:cNvGrpSpPr/>
         <p:nvPr/>
       </p:nvGrpSpPr>
@@ -4277,7 +4541,9 @@
       <p:sp>
         <p:nvSpPr>
           <p:cNvPr id="33" name="Google Shape;33;p8"/>
-          <p:cNvSpPr txBox="1"/>
+          <p:cNvSpPr txBox="1">
+            <a:spLocks noGrp="1"/>
+          </p:cNvSpPr>
           <p:nvPr>
             <p:ph type="title"/>
           </p:nvPr>
@@ -4292,7 +4558,7 @@
           </a:prstGeom>
         </p:spPr>
         <p:txBody>
-          <a:bodyPr anchorCtr="0" anchor="ctr" bIns="91425" lIns="91425" spcFirstLastPara="1" rIns="91425" wrap="square" tIns="91425">
+          <a:bodyPr spcFirstLastPara="1" wrap="square" lIns="91425" tIns="91425" rIns="91425" bIns="91425" anchor="ctr" anchorCtr="0">
             <a:normAutofit/>
           </a:bodyPr>
           <a:lstStyle>
@@ -4396,15 +4662,19 @@
               <a:defRPr sz="4800"/>
             </a:lvl9pPr>
           </a:lstStyle>
-          <a:p/>
+          <a:p>
+            <a:endParaRPr/>
+          </a:p>
         </p:txBody>
       </p:sp>
       <p:sp>
         <p:nvSpPr>
           <p:cNvPr id="34" name="Google Shape;34;p8"/>
-          <p:cNvSpPr txBox="1"/>
+          <p:cNvSpPr txBox="1">
+            <a:spLocks noGrp="1"/>
+          </p:cNvSpPr>
           <p:nvPr>
-            <p:ph idx="12" type="sldNum"/>
+            <p:ph type="sldNum" idx="12"/>
           </p:nvPr>
         </p:nvSpPr>
         <p:spPr>
@@ -4417,7 +4687,7 @@
           </a:prstGeom>
         </p:spPr>
         <p:txBody>
-          <a:bodyPr anchorCtr="0" anchor="ctr" bIns="91425" lIns="91425" spcFirstLastPara="1" rIns="91425" wrap="square" tIns="91425">
+          <a:bodyPr spcFirstLastPara="1" wrap="square" lIns="91425" tIns="91425" rIns="91425" bIns="91425" anchor="ctr" anchorCtr="0">
             <a:normAutofit/>
           </a:bodyPr>
           <a:lstStyle>
@@ -4459,7 +4729,7 @@
             </a:lvl9pPr>
           </a:lstStyle>
           <a:p>
-            <a:pPr indent="0" lvl="0" marL="0" rtl="0" algn="r">
+            <a:pPr marL="0" lvl="0" indent="0" algn="r" rtl="0">
               <a:spcBef>
                 <a:spcPts val="0"/>
               </a:spcBef>
@@ -4485,11 +4755,11 @@
 </file>
 
 <file path=ppt/slideLayouts/slideLayout8.xml><?xml version="1.0" encoding="utf-8"?>
-<p:sldLayout xmlns:a="http://schemas.openxmlformats.org/drawingml/2006/main" xmlns:r="http://schemas.openxmlformats.org/officeDocument/2006/relationships" xmlns:mc="http://schemas.openxmlformats.org/markup-compatibility/2006" xmlns:mv="urn:schemas-microsoft-com:mac:vml" xmlns:p="http://schemas.openxmlformats.org/presentationml/2006/main" xmlns:c="http://schemas.openxmlformats.org/drawingml/2006/chart" xmlns:dgm="http://schemas.openxmlformats.org/drawingml/2006/diagram" xmlns:o="urn:schemas-microsoft-com:office:office" xmlns:v="urn:schemas-microsoft-com:vml" xmlns:pvml="urn:schemas-microsoft-com:office:powerpoint" xmlns:com="http://schemas.openxmlformats.org/drawingml/2006/compatibility" xmlns:p14="http://schemas.microsoft.com/office/powerpoint/2010/main" xmlns:p15="http://schemas.microsoft.com/office/powerpoint/2012/main" xmlns:ahyp="http://schemas.microsoft.com/office/drawing/2018/hyperlinkcolor" matchingName="Section title and description">
+<p:sldLayout xmlns:a="http://schemas.openxmlformats.org/drawingml/2006/main" xmlns:r="http://schemas.openxmlformats.org/officeDocument/2006/relationships" xmlns:p="http://schemas.openxmlformats.org/presentationml/2006/main" matchingName="Section title and description">
   <p:cSld name="SECTION_TITLE_AND_DESCRIPTION">
     <p:spTree>
       <p:nvGrpSpPr>
-        <p:cNvPr id="35" name="Shape 35"/>
+        <p:cNvPr id="1" name="Shape 35"/>
         <p:cNvGrpSpPr/>
         <p:nvPr/>
       </p:nvGrpSpPr>
@@ -4523,12 +4793,12 @@
           </a:ln>
         </p:spPr>
         <p:txBody>
-          <a:bodyPr anchorCtr="0" anchor="ctr" bIns="91425" lIns="91425" spcFirstLastPara="1" rIns="91425" wrap="square" tIns="91425">
+          <a:bodyPr spcFirstLastPara="1" wrap="square" lIns="91425" tIns="91425" rIns="91425" bIns="91425" anchor="ctr" anchorCtr="0">
             <a:noAutofit/>
           </a:bodyPr>
           <a:lstStyle/>
           <a:p>
-            <a:pPr indent="0" lvl="0" marL="0" rtl="0" algn="l">
+            <a:pPr marL="0" lvl="0" indent="0" algn="l" rtl="0">
               <a:spcBef>
                 <a:spcPts val="0"/>
               </a:spcBef>
@@ -4537,9 +4807,6 @@
               </a:spcAft>
               <a:buNone/>
             </a:pPr>
-            <a:r>
-              <a:t/>
-            </a:r>
             <a:endParaRPr/>
           </a:p>
         </p:txBody>
@@ -4547,7 +4814,9 @@
       <p:sp>
         <p:nvSpPr>
           <p:cNvPr id="37" name="Google Shape;37;p9"/>
-          <p:cNvSpPr txBox="1"/>
+          <p:cNvSpPr txBox="1">
+            <a:spLocks noGrp="1"/>
+          </p:cNvSpPr>
           <p:nvPr>
             <p:ph type="title"/>
           </p:nvPr>
@@ -4562,7 +4831,7 @@
           </a:prstGeom>
         </p:spPr>
         <p:txBody>
-          <a:bodyPr anchorCtr="0" anchor="b" bIns="91425" lIns="91425" spcFirstLastPara="1" rIns="91425" wrap="square" tIns="91425">
+          <a:bodyPr spcFirstLastPara="1" wrap="square" lIns="91425" tIns="91425" rIns="91425" bIns="91425" anchor="b" anchorCtr="0">
             <a:normAutofit/>
           </a:bodyPr>
           <a:lstStyle>
@@ -4666,15 +4935,19 @@
               <a:defRPr sz="4200"/>
             </a:lvl9pPr>
           </a:lstStyle>
-          <a:p/>
+          <a:p>
+            <a:endParaRPr/>
+          </a:p>
         </p:txBody>
       </p:sp>
       <p:sp>
         <p:nvSpPr>
           <p:cNvPr id="38" name="Google Shape;38;p9"/>
-          <p:cNvSpPr txBox="1"/>
+          <p:cNvSpPr txBox="1">
+            <a:spLocks noGrp="1"/>
+          </p:cNvSpPr>
           <p:nvPr>
-            <p:ph idx="1" type="subTitle"/>
+            <p:ph type="subTitle" idx="1"/>
           </p:nvPr>
         </p:nvSpPr>
         <p:spPr>
@@ -4687,7 +4960,7 @@
           </a:prstGeom>
         </p:spPr>
         <p:txBody>
-          <a:bodyPr anchorCtr="0" anchor="t" bIns="91425" lIns="91425" spcFirstLastPara="1" rIns="91425" wrap="square" tIns="91425">
+          <a:bodyPr spcFirstLastPara="1" wrap="square" lIns="91425" tIns="91425" rIns="91425" bIns="91425" anchor="t" anchorCtr="0">
             <a:normAutofit/>
           </a:bodyPr>
           <a:lstStyle>
@@ -4818,15 +5091,19 @@
               <a:defRPr sz="2100"/>
             </a:lvl9pPr>
           </a:lstStyle>
-          <a:p/>
+          <a:p>
+            <a:endParaRPr/>
+          </a:p>
         </p:txBody>
       </p:sp>
       <p:sp>
         <p:nvSpPr>
           <p:cNvPr id="39" name="Google Shape;39;p9"/>
-          <p:cNvSpPr txBox="1"/>
+          <p:cNvSpPr txBox="1">
+            <a:spLocks noGrp="1"/>
+          </p:cNvSpPr>
           <p:nvPr>
-            <p:ph idx="2" type="body"/>
+            <p:ph type="body" idx="2"/>
           </p:nvPr>
         </p:nvSpPr>
         <p:spPr>
@@ -4839,11 +5116,11 @@
           </a:prstGeom>
         </p:spPr>
         <p:txBody>
-          <a:bodyPr anchorCtr="0" anchor="ctr" bIns="91425" lIns="91425" spcFirstLastPara="1" rIns="91425" wrap="square" tIns="91425">
+          <a:bodyPr spcFirstLastPara="1" wrap="square" lIns="91425" tIns="91425" rIns="91425" bIns="91425" anchor="ctr" anchorCtr="0">
             <a:normAutofit/>
           </a:bodyPr>
           <a:lstStyle>
-            <a:lvl1pPr indent="-342900" lvl="0" marL="457200">
+            <a:lvl1pPr marL="457200" lvl="0" indent="-342900">
               <a:spcBef>
                 <a:spcPts val="0"/>
               </a:spcBef>
@@ -4854,7 +5131,7 @@
               <a:buChar char="●"/>
               <a:defRPr/>
             </a:lvl1pPr>
-            <a:lvl2pPr indent="-317500" lvl="1" marL="914400">
+            <a:lvl2pPr marL="914400" lvl="1" indent="-317500">
               <a:spcBef>
                 <a:spcPts val="0"/>
               </a:spcBef>
@@ -4865,7 +5142,7 @@
               <a:buChar char="○"/>
               <a:defRPr/>
             </a:lvl2pPr>
-            <a:lvl3pPr indent="-317500" lvl="2" marL="1371600">
+            <a:lvl3pPr marL="1371600" lvl="2" indent="-317500">
               <a:spcBef>
                 <a:spcPts val="0"/>
               </a:spcBef>
@@ -4876,7 +5153,7 @@
               <a:buChar char="■"/>
               <a:defRPr/>
             </a:lvl3pPr>
-            <a:lvl4pPr indent="-317500" lvl="3" marL="1828800">
+            <a:lvl4pPr marL="1828800" lvl="3" indent="-317500">
               <a:spcBef>
                 <a:spcPts val="0"/>
               </a:spcBef>
@@ -4887,7 +5164,7 @@
               <a:buChar char="●"/>
               <a:defRPr/>
             </a:lvl4pPr>
-            <a:lvl5pPr indent="-317500" lvl="4" marL="2286000">
+            <a:lvl5pPr marL="2286000" lvl="4" indent="-317500">
               <a:spcBef>
                 <a:spcPts val="0"/>
               </a:spcBef>
@@ -4898,7 +5175,7 @@
               <a:buChar char="○"/>
               <a:defRPr/>
             </a:lvl5pPr>
-            <a:lvl6pPr indent="-317500" lvl="5" marL="2743200">
+            <a:lvl6pPr marL="2743200" lvl="5" indent="-317500">
               <a:spcBef>
                 <a:spcPts val="0"/>
               </a:spcBef>
@@ -4909,7 +5186,7 @@
               <a:buChar char="■"/>
               <a:defRPr/>
             </a:lvl6pPr>
-            <a:lvl7pPr indent="-317500" lvl="6" marL="3200400">
+            <a:lvl7pPr marL="3200400" lvl="6" indent="-317500">
               <a:spcBef>
                 <a:spcPts val="0"/>
               </a:spcBef>
@@ -4920,7 +5197,7 @@
               <a:buChar char="●"/>
               <a:defRPr/>
             </a:lvl7pPr>
-            <a:lvl8pPr indent="-317500" lvl="7" marL="3657600">
+            <a:lvl8pPr marL="3657600" lvl="7" indent="-317500">
               <a:spcBef>
                 <a:spcPts val="0"/>
               </a:spcBef>
@@ -4931,7 +5208,7 @@
               <a:buChar char="○"/>
               <a:defRPr/>
             </a:lvl8pPr>
-            <a:lvl9pPr indent="-317500" lvl="8" marL="4114800">
+            <a:lvl9pPr marL="4114800" lvl="8" indent="-317500">
               <a:spcBef>
                 <a:spcPts val="0"/>
               </a:spcBef>
@@ -4943,15 +5220,19 @@
               <a:defRPr/>
             </a:lvl9pPr>
           </a:lstStyle>
-          <a:p/>
+          <a:p>
+            <a:endParaRPr/>
+          </a:p>
         </p:txBody>
       </p:sp>
       <p:sp>
         <p:nvSpPr>
           <p:cNvPr id="40" name="Google Shape;40;p9"/>
-          <p:cNvSpPr txBox="1"/>
+          <p:cNvSpPr txBox="1">
+            <a:spLocks noGrp="1"/>
+          </p:cNvSpPr>
           <p:nvPr>
-            <p:ph idx="12" type="sldNum"/>
+            <p:ph type="sldNum" idx="12"/>
           </p:nvPr>
         </p:nvSpPr>
         <p:spPr>
@@ -4964,7 +5245,7 @@
           </a:prstGeom>
         </p:spPr>
         <p:txBody>
-          <a:bodyPr anchorCtr="0" anchor="ctr" bIns="91425" lIns="91425" spcFirstLastPara="1" rIns="91425" wrap="square" tIns="91425">
+          <a:bodyPr spcFirstLastPara="1" wrap="square" lIns="91425" tIns="91425" rIns="91425" bIns="91425" anchor="ctr" anchorCtr="0">
             <a:normAutofit/>
           </a:bodyPr>
           <a:lstStyle>
@@ -5006,7 +5287,7 @@
             </a:lvl9pPr>
           </a:lstStyle>
           <a:p>
-            <a:pPr indent="0" lvl="0" marL="0" rtl="0" algn="r">
+            <a:pPr marL="0" lvl="0" indent="0" algn="r" rtl="0">
               <a:spcBef>
                 <a:spcPts val="0"/>
               </a:spcBef>
@@ -5032,11 +5313,11 @@
 </file>
 
 <file path=ppt/slideLayouts/slideLayout9.xml><?xml version="1.0" encoding="utf-8"?>
-<p:sldLayout xmlns:a="http://schemas.openxmlformats.org/drawingml/2006/main" xmlns:r="http://schemas.openxmlformats.org/officeDocument/2006/relationships" xmlns:mc="http://schemas.openxmlformats.org/markup-compatibility/2006" xmlns:mv="urn:schemas-microsoft-com:mac:vml" xmlns:p="http://schemas.openxmlformats.org/presentationml/2006/main" xmlns:c="http://schemas.openxmlformats.org/drawingml/2006/chart" xmlns:dgm="http://schemas.openxmlformats.org/drawingml/2006/diagram" xmlns:o="urn:schemas-microsoft-com:office:office" xmlns:v="urn:schemas-microsoft-com:vml" xmlns:pvml="urn:schemas-microsoft-com:office:powerpoint" xmlns:com="http://schemas.openxmlformats.org/drawingml/2006/compatibility" xmlns:p14="http://schemas.microsoft.com/office/powerpoint/2010/main" xmlns:p15="http://schemas.microsoft.com/office/powerpoint/2012/main" xmlns:ahyp="http://schemas.microsoft.com/office/drawing/2018/hyperlinkcolor" matchingName="Caption">
+<p:sldLayout xmlns:a="http://schemas.openxmlformats.org/drawingml/2006/main" xmlns:r="http://schemas.openxmlformats.org/officeDocument/2006/relationships" xmlns:p="http://schemas.openxmlformats.org/presentationml/2006/main" matchingName="Caption">
   <p:cSld name="CAPTION_ONLY">
     <p:spTree>
       <p:nvGrpSpPr>
-        <p:cNvPr id="41" name="Shape 41"/>
+        <p:cNvPr id="1" name="Shape 41"/>
         <p:cNvGrpSpPr/>
         <p:nvPr/>
       </p:nvGrpSpPr>
@@ -5051,9 +5332,11 @@
       <p:sp>
         <p:nvSpPr>
           <p:cNvPr id="42" name="Google Shape;42;p10"/>
-          <p:cNvSpPr txBox="1"/>
+          <p:cNvSpPr txBox="1">
+            <a:spLocks noGrp="1"/>
+          </p:cNvSpPr>
           <p:nvPr>
-            <p:ph idx="1" type="body"/>
+            <p:ph type="body" idx="1"/>
           </p:nvPr>
         </p:nvSpPr>
         <p:spPr>
@@ -5066,11 +5349,11 @@
           </a:prstGeom>
         </p:spPr>
         <p:txBody>
-          <a:bodyPr anchorCtr="0" anchor="ctr" bIns="91425" lIns="91425" spcFirstLastPara="1" rIns="91425" wrap="square" tIns="91425">
+          <a:bodyPr spcFirstLastPara="1" wrap="square" lIns="91425" tIns="91425" rIns="91425" bIns="91425" anchor="ctr" anchorCtr="0">
             <a:normAutofit/>
           </a:bodyPr>
           <a:lstStyle>
-            <a:lvl1pPr indent="-228600" lvl="0" marL="457200">
+            <a:lvl1pPr marL="457200" lvl="0" indent="-228600">
               <a:lnSpc>
                 <a:spcPct val="100000"/>
               </a:lnSpc>
@@ -5085,15 +5368,19 @@
               <a:defRPr/>
             </a:lvl1pPr>
           </a:lstStyle>
-          <a:p/>
+          <a:p>
+            <a:endParaRPr/>
+          </a:p>
         </p:txBody>
       </p:sp>
       <p:sp>
         <p:nvSpPr>
           <p:cNvPr id="43" name="Google Shape;43;p10"/>
-          <p:cNvSpPr txBox="1"/>
+          <p:cNvSpPr txBox="1">
+            <a:spLocks noGrp="1"/>
+          </p:cNvSpPr>
           <p:nvPr>
-            <p:ph idx="12" type="sldNum"/>
+            <p:ph type="sldNum" idx="12"/>
           </p:nvPr>
         </p:nvSpPr>
         <p:spPr>
@@ -5106,7 +5393,7 @@
           </a:prstGeom>
         </p:spPr>
         <p:txBody>
-          <a:bodyPr anchorCtr="0" anchor="ctr" bIns="91425" lIns="91425" spcFirstLastPara="1" rIns="91425" wrap="square" tIns="91425">
+          <a:bodyPr spcFirstLastPara="1" wrap="square" lIns="91425" tIns="91425" rIns="91425" bIns="91425" anchor="ctr" anchorCtr="0">
             <a:normAutofit/>
           </a:bodyPr>
           <a:lstStyle>
@@ -5148,7 +5435,7 @@
             </a:lvl9pPr>
           </a:lstStyle>
           <a:p>
-            <a:pPr indent="0" lvl="0" marL="0" rtl="0" algn="r">
+            <a:pPr marL="0" lvl="0" indent="0" algn="r" rtl="0">
               <a:spcBef>
                 <a:spcPts val="0"/>
               </a:spcBef>
@@ -5174,18 +5461,19 @@
 </file>
 
 <file path=ppt/slideMasters/slideMaster1.xml><?xml version="1.0" encoding="utf-8"?>
-<p:sldMaster xmlns:a="http://schemas.openxmlformats.org/drawingml/2006/main" xmlns:r="http://schemas.openxmlformats.org/officeDocument/2006/relationships" xmlns:mc="http://schemas.openxmlformats.org/markup-compatibility/2006" xmlns:mv="urn:schemas-microsoft-com:mac:vml" xmlns:p="http://schemas.openxmlformats.org/presentationml/2006/main" xmlns:c="http://schemas.openxmlformats.org/drawingml/2006/chart" xmlns:dgm="http://schemas.openxmlformats.org/drawingml/2006/diagram" xmlns:o="urn:schemas-microsoft-com:office:office" xmlns:v="urn:schemas-microsoft-com:vml" xmlns:pvml="urn:schemas-microsoft-com:office:powerpoint" xmlns:com="http://schemas.openxmlformats.org/drawingml/2006/compatibility" xmlns:p14="http://schemas.microsoft.com/office/powerpoint/2010/main" xmlns:p15="http://schemas.microsoft.com/office/powerpoint/2012/main" xmlns:ahyp="http://schemas.microsoft.com/office/drawing/2018/hyperlinkcolor">
+<p:sldMaster xmlns:a="http://schemas.openxmlformats.org/drawingml/2006/main" xmlns:r="http://schemas.openxmlformats.org/officeDocument/2006/relationships" xmlns:p="http://schemas.openxmlformats.org/presentationml/2006/main">
   <p:cSld name="simple-light-2">
     <p:bg>
       <p:bgPr>
         <a:solidFill>
           <a:schemeClr val="lt1"/>
         </a:solidFill>
+        <a:effectLst/>
       </p:bgPr>
     </p:bg>
     <p:spTree>
       <p:nvGrpSpPr>
-        <p:cNvPr id="5" name="Shape 5"/>
+        <p:cNvPr id="1" name="Shape 5"/>
         <p:cNvGrpSpPr/>
         <p:nvPr/>
       </p:nvGrpSpPr>
@@ -5200,7 +5488,9 @@
       <p:sp>
         <p:nvSpPr>
           <p:cNvPr id="6" name="Google Shape;6;p1"/>
-          <p:cNvSpPr txBox="1"/>
+          <p:cNvSpPr txBox="1">
+            <a:spLocks noGrp="1"/>
+          </p:cNvSpPr>
           <p:nvPr>
             <p:ph type="title"/>
           </p:nvPr>
@@ -5219,7 +5509,7 @@
           </a:ln>
         </p:spPr>
         <p:txBody>
-          <a:bodyPr anchorCtr="0" anchor="t" bIns="91425" lIns="91425" spcFirstLastPara="1" rIns="91425" wrap="square" tIns="91425">
+          <a:bodyPr spcFirstLastPara="1" wrap="square" lIns="91425" tIns="91425" rIns="91425" bIns="91425" anchor="t" anchorCtr="0">
             <a:normAutofit/>
           </a:bodyPr>
           <a:lstStyle>
@@ -5386,15 +5676,19 @@
               </a:defRPr>
             </a:lvl9pPr>
           </a:lstStyle>
-          <a:p/>
+          <a:p>
+            <a:endParaRPr/>
+          </a:p>
         </p:txBody>
       </p:sp>
       <p:sp>
         <p:nvSpPr>
           <p:cNvPr id="7" name="Google Shape;7;p1"/>
-          <p:cNvSpPr txBox="1"/>
+          <p:cNvSpPr txBox="1">
+            <a:spLocks noGrp="1"/>
+          </p:cNvSpPr>
           <p:nvPr>
-            <p:ph idx="1" type="body"/>
+            <p:ph type="body" idx="1"/>
           </p:nvPr>
         </p:nvSpPr>
         <p:spPr>
@@ -5411,11 +5705,11 @@
           </a:ln>
         </p:spPr>
         <p:txBody>
-          <a:bodyPr anchorCtr="0" anchor="t" bIns="91425" lIns="91425" spcFirstLastPara="1" rIns="91425" wrap="square" tIns="91425">
+          <a:bodyPr spcFirstLastPara="1" wrap="square" lIns="91425" tIns="91425" rIns="91425" bIns="91425" anchor="t" anchorCtr="0">
             <a:normAutofit/>
           </a:bodyPr>
           <a:lstStyle>
-            <a:lvl1pPr indent="-342900" lvl="0" marL="457200">
+            <a:lvl1pPr marL="457200" lvl="0" indent="-342900">
               <a:lnSpc>
                 <a:spcPct val="115000"/>
               </a:lnSpc>
@@ -5436,7 +5730,7 @@
                 </a:solidFill>
               </a:defRPr>
             </a:lvl1pPr>
-            <a:lvl2pPr indent="-317500" lvl="1" marL="914400">
+            <a:lvl2pPr marL="914400" lvl="1" indent="-317500">
               <a:lnSpc>
                 <a:spcPct val="115000"/>
               </a:lnSpc>
@@ -5457,7 +5751,7 @@
                 </a:solidFill>
               </a:defRPr>
             </a:lvl2pPr>
-            <a:lvl3pPr indent="-317500" lvl="2" marL="1371600">
+            <a:lvl3pPr marL="1371600" lvl="2" indent="-317500">
               <a:lnSpc>
                 <a:spcPct val="115000"/>
               </a:lnSpc>
@@ -5478,7 +5772,7 @@
                 </a:solidFill>
               </a:defRPr>
             </a:lvl3pPr>
-            <a:lvl4pPr indent="-317500" lvl="3" marL="1828800">
+            <a:lvl4pPr marL="1828800" lvl="3" indent="-317500">
               <a:lnSpc>
                 <a:spcPct val="115000"/>
               </a:lnSpc>
@@ -5499,7 +5793,7 @@
                 </a:solidFill>
               </a:defRPr>
             </a:lvl4pPr>
-            <a:lvl5pPr indent="-317500" lvl="4" marL="2286000">
+            <a:lvl5pPr marL="2286000" lvl="4" indent="-317500">
               <a:lnSpc>
                 <a:spcPct val="115000"/>
               </a:lnSpc>
@@ -5520,7 +5814,7 @@
                 </a:solidFill>
               </a:defRPr>
             </a:lvl5pPr>
-            <a:lvl6pPr indent="-317500" lvl="5" marL="2743200">
+            <a:lvl6pPr marL="2743200" lvl="5" indent="-317500">
               <a:lnSpc>
                 <a:spcPct val="115000"/>
               </a:lnSpc>
@@ -5541,7 +5835,7 @@
                 </a:solidFill>
               </a:defRPr>
             </a:lvl6pPr>
-            <a:lvl7pPr indent="-317500" lvl="6" marL="3200400">
+            <a:lvl7pPr marL="3200400" lvl="6" indent="-317500">
               <a:lnSpc>
                 <a:spcPct val="115000"/>
               </a:lnSpc>
@@ -5562,7 +5856,7 @@
                 </a:solidFill>
               </a:defRPr>
             </a:lvl7pPr>
-            <a:lvl8pPr indent="-317500" lvl="7" marL="3657600">
+            <a:lvl8pPr marL="3657600" lvl="7" indent="-317500">
               <a:lnSpc>
                 <a:spcPct val="115000"/>
               </a:lnSpc>
@@ -5583,7 +5877,7 @@
                 </a:solidFill>
               </a:defRPr>
             </a:lvl8pPr>
-            <a:lvl9pPr indent="-317500" lvl="8" marL="4114800">
+            <a:lvl9pPr marL="4114800" lvl="8" indent="-317500">
               <a:lnSpc>
                 <a:spcPct val="115000"/>
               </a:lnSpc>
@@ -5605,15 +5899,19 @@
               </a:defRPr>
             </a:lvl9pPr>
           </a:lstStyle>
-          <a:p/>
+          <a:p>
+            <a:endParaRPr/>
+          </a:p>
         </p:txBody>
       </p:sp>
       <p:sp>
         <p:nvSpPr>
           <p:cNvPr id="8" name="Google Shape;8;p1"/>
-          <p:cNvSpPr txBox="1"/>
+          <p:cNvSpPr txBox="1">
+            <a:spLocks noGrp="1"/>
+          </p:cNvSpPr>
           <p:nvPr>
-            <p:ph idx="12" type="sldNum"/>
+            <p:ph type="sldNum" idx="12"/>
           </p:nvPr>
         </p:nvSpPr>
         <p:spPr>
@@ -5630,7 +5928,7 @@
           </a:ln>
         </p:spPr>
         <p:txBody>
-          <a:bodyPr anchorCtr="0" anchor="ctr" bIns="91425" lIns="91425" spcFirstLastPara="1" rIns="91425" wrap="square" tIns="91425">
+          <a:bodyPr spcFirstLastPara="1" wrap="square" lIns="91425" tIns="91425" rIns="91425" bIns="91425" anchor="ctr" anchorCtr="0">
             <a:normAutofit/>
           </a:bodyPr>
           <a:lstStyle>
@@ -5708,7 +6006,7 @@
             </a:lvl9pPr>
           </a:lstStyle>
           <a:p>
-            <a:pPr indent="0" lvl="0" marL="0" rtl="0" algn="r">
+            <a:pPr marL="0" lvl="0" indent="0" algn="r" rtl="0">
               <a:spcBef>
                 <a:spcPts val="0"/>
               </a:spcBef>
@@ -5727,7 +6025,7 @@
       </p:sp>
     </p:spTree>
   </p:cSld>
-  <p:clrMap accent1="accent1" accent2="accent2" accent3="accent3" accent4="accent4" accent5="accent5" accent6="accent6" bg1="lt1" bg2="dk2" tx1="dk1" tx2="lt2" folHlink="folHlink" hlink="hlink"/>
+  <p:clrMap bg1="lt1" tx1="dk1" bg2="dk2" tx2="lt2" accent1="accent1" accent2="accent2" accent3="accent3" accent4="accent4" accent5="accent5" accent6="accent6" hlink="hlink" folHlink="folHlink"/>
   <p:sldLayoutIdLst>
     <p:sldLayoutId id="2147483648" r:id="rId1"/>
     <p:sldLayoutId id="2147483649" r:id="rId2"/>
@@ -5741,10 +6039,10 @@
     <p:sldLayoutId id="2147483657" r:id="rId10"/>
     <p:sldLayoutId id="2147483658" r:id="rId11"/>
   </p:sldLayoutIdLst>
-  <p:hf dt="0" ftr="0" hdr="0" sldNum="0"/>
+  <p:hf sldNum="0" hdr="0" ftr="0" dt="0"/>
   <p:txStyles>
     <p:titleStyle>
-      <a:defPPr lvl="0" marR="0" rtl="0" algn="l">
+      <a:defPPr marR="0" lvl="0" algn="l" rtl="0">
         <a:lnSpc>
           <a:spcPct val="100000"/>
         </a:lnSpc>
@@ -5755,7 +6053,7 @@
           <a:spcPts val="0"/>
         </a:spcAft>
       </a:defPPr>
-      <a:lvl1pPr lvl="0" marR="0" rtl="0" algn="l">
+      <a:lvl1pPr marR="0" lvl="0" algn="l" rtl="0">
         <a:lnSpc>
           <a:spcPct val="100000"/>
         </a:lnSpc>
@@ -5769,7 +6067,7 @@
           <a:srgbClr val="000000"/>
         </a:buClr>
         <a:buFont typeface="Arial"/>
-        <a:defRPr b="0" i="0" sz="1400" u="none" cap="none" strike="noStrike">
+        <a:defRPr sz="1400" b="0" i="0" u="none" strike="noStrike" cap="none">
           <a:solidFill>
             <a:srgbClr val="000000"/>
           </a:solidFill>
@@ -5779,7 +6077,7 @@
           <a:sym typeface="Arial"/>
         </a:defRPr>
       </a:lvl1pPr>
-      <a:lvl2pPr lvl="1" marR="0" rtl="0" algn="l">
+      <a:lvl2pPr marR="0" lvl="1" algn="l" rtl="0">
         <a:lnSpc>
           <a:spcPct val="100000"/>
         </a:lnSpc>
@@ -5793,7 +6091,7 @@
           <a:srgbClr val="000000"/>
         </a:buClr>
         <a:buFont typeface="Arial"/>
-        <a:defRPr b="0" i="0" sz="1400" u="none" cap="none" strike="noStrike">
+        <a:defRPr sz="1400" b="0" i="0" u="none" strike="noStrike" cap="none">
           <a:solidFill>
             <a:srgbClr val="000000"/>
           </a:solidFill>
@@ -5803,7 +6101,7 @@
           <a:sym typeface="Arial"/>
         </a:defRPr>
       </a:lvl2pPr>
-      <a:lvl3pPr lvl="2" marR="0" rtl="0" algn="l">
+      <a:lvl3pPr marR="0" lvl="2" algn="l" rtl="0">
         <a:lnSpc>
           <a:spcPct val="100000"/>
         </a:lnSpc>
@@ -5817,7 +6115,7 @@
           <a:srgbClr val="000000"/>
         </a:buClr>
         <a:buFont typeface="Arial"/>
-        <a:defRPr b="0" i="0" sz="1400" u="none" cap="none" strike="noStrike">
+        <a:defRPr sz="1400" b="0" i="0" u="none" strike="noStrike" cap="none">
           <a:solidFill>
             <a:srgbClr val="000000"/>
           </a:solidFill>
@@ -5827,7 +6125,7 @@
           <a:sym typeface="Arial"/>
         </a:defRPr>
       </a:lvl3pPr>
-      <a:lvl4pPr lvl="3" marR="0" rtl="0" algn="l">
+      <a:lvl4pPr marR="0" lvl="3" algn="l" rtl="0">
         <a:lnSpc>
           <a:spcPct val="100000"/>
         </a:lnSpc>
@@ -5841,7 +6139,7 @@
           <a:srgbClr val="000000"/>
         </a:buClr>
         <a:buFont typeface="Arial"/>
-        <a:defRPr b="0" i="0" sz="1400" u="none" cap="none" strike="noStrike">
+        <a:defRPr sz="1400" b="0" i="0" u="none" strike="noStrike" cap="none">
           <a:solidFill>
             <a:srgbClr val="000000"/>
           </a:solidFill>
@@ -5851,7 +6149,7 @@
           <a:sym typeface="Arial"/>
         </a:defRPr>
       </a:lvl4pPr>
-      <a:lvl5pPr lvl="4" marR="0" rtl="0" algn="l">
+      <a:lvl5pPr marR="0" lvl="4" algn="l" rtl="0">
         <a:lnSpc>
           <a:spcPct val="100000"/>
         </a:lnSpc>
@@ -5865,7 +6163,7 @@
           <a:srgbClr val="000000"/>
         </a:buClr>
         <a:buFont typeface="Arial"/>
-        <a:defRPr b="0" i="0" sz="1400" u="none" cap="none" strike="noStrike">
+        <a:defRPr sz="1400" b="0" i="0" u="none" strike="noStrike" cap="none">
           <a:solidFill>
             <a:srgbClr val="000000"/>
           </a:solidFill>
@@ -5875,7 +6173,7 @@
           <a:sym typeface="Arial"/>
         </a:defRPr>
       </a:lvl5pPr>
-      <a:lvl6pPr lvl="5" marR="0" rtl="0" algn="l">
+      <a:lvl6pPr marR="0" lvl="5" algn="l" rtl="0">
         <a:lnSpc>
           <a:spcPct val="100000"/>
         </a:lnSpc>
@@ -5889,7 +6187,7 @@
           <a:srgbClr val="000000"/>
         </a:buClr>
         <a:buFont typeface="Arial"/>
-        <a:defRPr b="0" i="0" sz="1400" u="none" cap="none" strike="noStrike">
+        <a:defRPr sz="1400" b="0" i="0" u="none" strike="noStrike" cap="none">
           <a:solidFill>
             <a:srgbClr val="000000"/>
           </a:solidFill>
@@ -5899,7 +6197,7 @@
           <a:sym typeface="Arial"/>
         </a:defRPr>
       </a:lvl6pPr>
-      <a:lvl7pPr lvl="6" marR="0" rtl="0" algn="l">
+      <a:lvl7pPr marR="0" lvl="6" algn="l" rtl="0">
         <a:lnSpc>
           <a:spcPct val="100000"/>
         </a:lnSpc>
@@ -5913,7 +6211,7 @@
           <a:srgbClr val="000000"/>
         </a:buClr>
         <a:buFont typeface="Arial"/>
-        <a:defRPr b="0" i="0" sz="1400" u="none" cap="none" strike="noStrike">
+        <a:defRPr sz="1400" b="0" i="0" u="none" strike="noStrike" cap="none">
           <a:solidFill>
             <a:srgbClr val="000000"/>
           </a:solidFill>
@@ -5923,7 +6221,7 @@
           <a:sym typeface="Arial"/>
         </a:defRPr>
       </a:lvl7pPr>
-      <a:lvl8pPr lvl="7" marR="0" rtl="0" algn="l">
+      <a:lvl8pPr marR="0" lvl="7" algn="l" rtl="0">
         <a:lnSpc>
           <a:spcPct val="100000"/>
         </a:lnSpc>
@@ -5937,7 +6235,7 @@
           <a:srgbClr val="000000"/>
         </a:buClr>
         <a:buFont typeface="Arial"/>
-        <a:defRPr b="0" i="0" sz="1400" u="none" cap="none" strike="noStrike">
+        <a:defRPr sz="1400" b="0" i="0" u="none" strike="noStrike" cap="none">
           <a:solidFill>
             <a:srgbClr val="000000"/>
           </a:solidFill>
@@ -5947,7 +6245,7 @@
           <a:sym typeface="Arial"/>
         </a:defRPr>
       </a:lvl8pPr>
-      <a:lvl9pPr lvl="8" marR="0" rtl="0" algn="l">
+      <a:lvl9pPr marR="0" lvl="8" algn="l" rtl="0">
         <a:lnSpc>
           <a:spcPct val="100000"/>
         </a:lnSpc>
@@ -5961,7 +6259,7 @@
           <a:srgbClr val="000000"/>
         </a:buClr>
         <a:buFont typeface="Arial"/>
-        <a:defRPr b="0" i="0" sz="1400" u="none" cap="none" strike="noStrike">
+        <a:defRPr sz="1400" b="0" i="0" u="none" strike="noStrike" cap="none">
           <a:solidFill>
             <a:srgbClr val="000000"/>
           </a:solidFill>
@@ -5973,7 +6271,7 @@
       </a:lvl9pPr>
     </p:titleStyle>
     <p:bodyStyle>
-      <a:defPPr lvl="0" marR="0" rtl="0" algn="l">
+      <a:defPPr marR="0" lvl="0" algn="l" rtl="0">
         <a:lnSpc>
           <a:spcPct val="100000"/>
         </a:lnSpc>
@@ -5984,7 +6282,7 @@
           <a:spcPts val="0"/>
         </a:spcAft>
       </a:defPPr>
-      <a:lvl1pPr lvl="0" marR="0" rtl="0" algn="l">
+      <a:lvl1pPr marR="0" lvl="0" algn="l" rtl="0">
         <a:lnSpc>
           <a:spcPct val="100000"/>
         </a:lnSpc>
@@ -5998,7 +6296,7 @@
           <a:srgbClr val="000000"/>
         </a:buClr>
         <a:buFont typeface="Arial"/>
-        <a:defRPr b="0" i="0" sz="1400" u="none" cap="none" strike="noStrike">
+        <a:defRPr sz="1400" b="0" i="0" u="none" strike="noStrike" cap="none">
           <a:solidFill>
             <a:srgbClr val="000000"/>
           </a:solidFill>
@@ -6008,7 +6306,7 @@
           <a:sym typeface="Arial"/>
         </a:defRPr>
       </a:lvl1pPr>
-      <a:lvl2pPr lvl="1" marR="0" rtl="0" algn="l">
+      <a:lvl2pPr marR="0" lvl="1" algn="l" rtl="0">
         <a:lnSpc>
           <a:spcPct val="100000"/>
         </a:lnSpc>
@@ -6022,7 +6320,7 @@
           <a:srgbClr val="000000"/>
         </a:buClr>
         <a:buFont typeface="Arial"/>
-        <a:defRPr b="0" i="0" sz="1400" u="none" cap="none" strike="noStrike">
+        <a:defRPr sz="1400" b="0" i="0" u="none" strike="noStrike" cap="none">
           <a:solidFill>
             <a:srgbClr val="000000"/>
           </a:solidFill>
@@ -6032,7 +6330,7 @@
           <a:sym typeface="Arial"/>
         </a:defRPr>
       </a:lvl2pPr>
-      <a:lvl3pPr lvl="2" marR="0" rtl="0" algn="l">
+      <a:lvl3pPr marR="0" lvl="2" algn="l" rtl="0">
         <a:lnSpc>
           <a:spcPct val="100000"/>
         </a:lnSpc>
@@ -6046,7 +6344,7 @@
           <a:srgbClr val="000000"/>
         </a:buClr>
         <a:buFont typeface="Arial"/>
-        <a:defRPr b="0" i="0" sz="1400" u="none" cap="none" strike="noStrike">
+        <a:defRPr sz="1400" b="0" i="0" u="none" strike="noStrike" cap="none">
           <a:solidFill>
             <a:srgbClr val="000000"/>
           </a:solidFill>
@@ -6056,7 +6354,7 @@
           <a:sym typeface="Arial"/>
         </a:defRPr>
       </a:lvl3pPr>
-      <a:lvl4pPr lvl="3" marR="0" rtl="0" algn="l">
+      <a:lvl4pPr marR="0" lvl="3" algn="l" rtl="0">
         <a:lnSpc>
           <a:spcPct val="100000"/>
         </a:lnSpc>
@@ -6070,7 +6368,7 @@
           <a:srgbClr val="000000"/>
         </a:buClr>
         <a:buFont typeface="Arial"/>
-        <a:defRPr b="0" i="0" sz="1400" u="none" cap="none" strike="noStrike">
+        <a:defRPr sz="1400" b="0" i="0" u="none" strike="noStrike" cap="none">
           <a:solidFill>
             <a:srgbClr val="000000"/>
           </a:solidFill>
@@ -6080,7 +6378,7 @@
           <a:sym typeface="Arial"/>
         </a:defRPr>
       </a:lvl4pPr>
-      <a:lvl5pPr lvl="4" marR="0" rtl="0" algn="l">
+      <a:lvl5pPr marR="0" lvl="4" algn="l" rtl="0">
         <a:lnSpc>
           <a:spcPct val="100000"/>
         </a:lnSpc>
@@ -6094,7 +6392,7 @@
           <a:srgbClr val="000000"/>
         </a:buClr>
         <a:buFont typeface="Arial"/>
-        <a:defRPr b="0" i="0" sz="1400" u="none" cap="none" strike="noStrike">
+        <a:defRPr sz="1400" b="0" i="0" u="none" strike="noStrike" cap="none">
           <a:solidFill>
             <a:srgbClr val="000000"/>
           </a:solidFill>
@@ -6104,7 +6402,7 @@
           <a:sym typeface="Arial"/>
         </a:defRPr>
       </a:lvl5pPr>
-      <a:lvl6pPr lvl="5" marR="0" rtl="0" algn="l">
+      <a:lvl6pPr marR="0" lvl="5" algn="l" rtl="0">
         <a:lnSpc>
           <a:spcPct val="100000"/>
         </a:lnSpc>
@@ -6118,7 +6416,7 @@
           <a:srgbClr val="000000"/>
         </a:buClr>
         <a:buFont typeface="Arial"/>
-        <a:defRPr b="0" i="0" sz="1400" u="none" cap="none" strike="noStrike">
+        <a:defRPr sz="1400" b="0" i="0" u="none" strike="noStrike" cap="none">
           <a:solidFill>
             <a:srgbClr val="000000"/>
           </a:solidFill>
@@ -6128,7 +6426,7 @@
           <a:sym typeface="Arial"/>
         </a:defRPr>
       </a:lvl6pPr>
-      <a:lvl7pPr lvl="6" marR="0" rtl="0" algn="l">
+      <a:lvl7pPr marR="0" lvl="6" algn="l" rtl="0">
         <a:lnSpc>
           <a:spcPct val="100000"/>
         </a:lnSpc>
@@ -6142,7 +6440,7 @@
           <a:srgbClr val="000000"/>
         </a:buClr>
         <a:buFont typeface="Arial"/>
-        <a:defRPr b="0" i="0" sz="1400" u="none" cap="none" strike="noStrike">
+        <a:defRPr sz="1400" b="0" i="0" u="none" strike="noStrike" cap="none">
           <a:solidFill>
             <a:srgbClr val="000000"/>
           </a:solidFill>
@@ -6152,7 +6450,7 @@
           <a:sym typeface="Arial"/>
         </a:defRPr>
       </a:lvl7pPr>
-      <a:lvl8pPr lvl="7" marR="0" rtl="0" algn="l">
+      <a:lvl8pPr marR="0" lvl="7" algn="l" rtl="0">
         <a:lnSpc>
           <a:spcPct val="100000"/>
         </a:lnSpc>
@@ -6166,7 +6464,7 @@
           <a:srgbClr val="000000"/>
         </a:buClr>
         <a:buFont typeface="Arial"/>
-        <a:defRPr b="0" i="0" sz="1400" u="none" cap="none" strike="noStrike">
+        <a:defRPr sz="1400" b="0" i="0" u="none" strike="noStrike" cap="none">
           <a:solidFill>
             <a:srgbClr val="000000"/>
           </a:solidFill>
@@ -6176,7 +6474,7 @@
           <a:sym typeface="Arial"/>
         </a:defRPr>
       </a:lvl8pPr>
-      <a:lvl9pPr lvl="8" marR="0" rtl="0" algn="l">
+      <a:lvl9pPr marR="0" lvl="8" algn="l" rtl="0">
         <a:lnSpc>
           <a:spcPct val="100000"/>
         </a:lnSpc>
@@ -6190,7 +6488,7 @@
           <a:srgbClr val="000000"/>
         </a:buClr>
         <a:buFont typeface="Arial"/>
-        <a:defRPr b="0" i="0" sz="1400" u="none" cap="none" strike="noStrike">
+        <a:defRPr sz="1400" b="0" i="0" u="none" strike="noStrike" cap="none">
           <a:solidFill>
             <a:srgbClr val="000000"/>
           </a:solidFill>
@@ -6202,7 +6500,7 @@
       </a:lvl9pPr>
     </p:bodyStyle>
     <p:otherStyle>
-      <a:defPPr lvl="0" marR="0" rtl="0" algn="l">
+      <a:defPPr marR="0" lvl="0" algn="l" rtl="0">
         <a:lnSpc>
           <a:spcPct val="100000"/>
         </a:lnSpc>
@@ -6213,7 +6511,7 @@
           <a:spcPts val="0"/>
         </a:spcAft>
       </a:defPPr>
-      <a:lvl1pPr lvl="0" marR="0" rtl="0" algn="l">
+      <a:lvl1pPr marR="0" lvl="0" algn="l" rtl="0">
         <a:lnSpc>
           <a:spcPct val="100000"/>
         </a:lnSpc>
@@ -6227,7 +6525,7 @@
           <a:srgbClr val="000000"/>
         </a:buClr>
         <a:buFont typeface="Arial"/>
-        <a:defRPr b="0" i="0" sz="1400" u="none" cap="none" strike="noStrike">
+        <a:defRPr sz="1400" b="0" i="0" u="none" strike="noStrike" cap="none">
           <a:solidFill>
             <a:srgbClr val="000000"/>
           </a:solidFill>
@@ -6237,7 +6535,7 @@
           <a:sym typeface="Arial"/>
         </a:defRPr>
       </a:lvl1pPr>
-      <a:lvl2pPr lvl="1" marR="0" rtl="0" algn="l">
+      <a:lvl2pPr marR="0" lvl="1" algn="l" rtl="0">
         <a:lnSpc>
           <a:spcPct val="100000"/>
         </a:lnSpc>
@@ -6251,7 +6549,7 @@
           <a:srgbClr val="000000"/>
         </a:buClr>
         <a:buFont typeface="Arial"/>
-        <a:defRPr b="0" i="0" sz="1400" u="none" cap="none" strike="noStrike">
+        <a:defRPr sz="1400" b="0" i="0" u="none" strike="noStrike" cap="none">
           <a:solidFill>
             <a:srgbClr val="000000"/>
           </a:solidFill>
@@ -6261,7 +6559,7 @@
           <a:sym typeface="Arial"/>
         </a:defRPr>
       </a:lvl2pPr>
-      <a:lvl3pPr lvl="2" marR="0" rtl="0" algn="l">
+      <a:lvl3pPr marR="0" lvl="2" algn="l" rtl="0">
         <a:lnSpc>
           <a:spcPct val="100000"/>
         </a:lnSpc>
@@ -6275,7 +6573,7 @@
           <a:srgbClr val="000000"/>
         </a:buClr>
         <a:buFont typeface="Arial"/>
-        <a:defRPr b="0" i="0" sz="1400" u="none" cap="none" strike="noStrike">
+        <a:defRPr sz="1400" b="0" i="0" u="none" strike="noStrike" cap="none">
           <a:solidFill>
             <a:srgbClr val="000000"/>
           </a:solidFill>
@@ -6285,7 +6583,7 @@
           <a:sym typeface="Arial"/>
         </a:defRPr>
       </a:lvl3pPr>
-      <a:lvl4pPr lvl="3" marR="0" rtl="0" algn="l">
+      <a:lvl4pPr marR="0" lvl="3" algn="l" rtl="0">
         <a:lnSpc>
           <a:spcPct val="100000"/>
         </a:lnSpc>
@@ -6299,7 +6597,7 @@
           <a:srgbClr val="000000"/>
         </a:buClr>
         <a:buFont typeface="Arial"/>
-        <a:defRPr b="0" i="0" sz="1400" u="none" cap="none" strike="noStrike">
+        <a:defRPr sz="1400" b="0" i="0" u="none" strike="noStrike" cap="none">
           <a:solidFill>
             <a:srgbClr val="000000"/>
           </a:solidFill>
@@ -6309,7 +6607,7 @@
           <a:sym typeface="Arial"/>
         </a:defRPr>
       </a:lvl4pPr>
-      <a:lvl5pPr lvl="4" marR="0" rtl="0" algn="l">
+      <a:lvl5pPr marR="0" lvl="4" algn="l" rtl="0">
         <a:lnSpc>
           <a:spcPct val="100000"/>
         </a:lnSpc>
@@ -6323,7 +6621,7 @@
           <a:srgbClr val="000000"/>
         </a:buClr>
         <a:buFont typeface="Arial"/>
-        <a:defRPr b="0" i="0" sz="1400" u="none" cap="none" strike="noStrike">
+        <a:defRPr sz="1400" b="0" i="0" u="none" strike="noStrike" cap="none">
           <a:solidFill>
             <a:srgbClr val="000000"/>
           </a:solidFill>
@@ -6333,7 +6631,7 @@
           <a:sym typeface="Arial"/>
         </a:defRPr>
       </a:lvl5pPr>
-      <a:lvl6pPr lvl="5" marR="0" rtl="0" algn="l">
+      <a:lvl6pPr marR="0" lvl="5" algn="l" rtl="0">
         <a:lnSpc>
           <a:spcPct val="100000"/>
         </a:lnSpc>
@@ -6347,7 +6645,7 @@
           <a:srgbClr val="000000"/>
         </a:buClr>
         <a:buFont typeface="Arial"/>
-        <a:defRPr b="0" i="0" sz="1400" u="none" cap="none" strike="noStrike">
+        <a:defRPr sz="1400" b="0" i="0" u="none" strike="noStrike" cap="none">
           <a:solidFill>
             <a:srgbClr val="000000"/>
           </a:solidFill>
@@ -6357,7 +6655,7 @@
           <a:sym typeface="Arial"/>
         </a:defRPr>
       </a:lvl6pPr>
-      <a:lvl7pPr lvl="6" marR="0" rtl="0" algn="l">
+      <a:lvl7pPr marR="0" lvl="6" algn="l" rtl="0">
         <a:lnSpc>
           <a:spcPct val="100000"/>
         </a:lnSpc>
@@ -6371,7 +6669,7 @@
           <a:srgbClr val="000000"/>
         </a:buClr>
         <a:buFont typeface="Arial"/>
-        <a:defRPr b="0" i="0" sz="1400" u="none" cap="none" strike="noStrike">
+        <a:defRPr sz="1400" b="0" i="0" u="none" strike="noStrike" cap="none">
           <a:solidFill>
             <a:srgbClr val="000000"/>
           </a:solidFill>
@@ -6381,7 +6679,7 @@
           <a:sym typeface="Arial"/>
         </a:defRPr>
       </a:lvl7pPr>
-      <a:lvl8pPr lvl="7" marR="0" rtl="0" algn="l">
+      <a:lvl8pPr marR="0" lvl="7" algn="l" rtl="0">
         <a:lnSpc>
           <a:spcPct val="100000"/>
         </a:lnSpc>
@@ -6395,7 +6693,7 @@
           <a:srgbClr val="000000"/>
         </a:buClr>
         <a:buFont typeface="Arial"/>
-        <a:defRPr b="0" i="0" sz="1400" u="none" cap="none" strike="noStrike">
+        <a:defRPr sz="1400" b="0" i="0" u="none" strike="noStrike" cap="none">
           <a:solidFill>
             <a:srgbClr val="000000"/>
           </a:solidFill>
@@ -6405,7 +6703,7 @@
           <a:sym typeface="Arial"/>
         </a:defRPr>
       </a:lvl8pPr>
-      <a:lvl9pPr lvl="8" marR="0" rtl="0" algn="l">
+      <a:lvl9pPr marR="0" lvl="8" algn="l" rtl="0">
         <a:lnSpc>
           <a:spcPct val="100000"/>
         </a:lnSpc>
@@ -6419,7 +6717,7 @@
           <a:srgbClr val="000000"/>
         </a:buClr>
         <a:buFont typeface="Arial"/>
-        <a:defRPr b="0" i="0" sz="1400" u="none" cap="none" strike="noStrike">
+        <a:defRPr sz="1400" b="0" i="0" u="none" strike="noStrike" cap="none">
           <a:solidFill>
             <a:srgbClr val="000000"/>
           </a:solidFill>
@@ -6435,11 +6733,11 @@
 </file>
 
 <file path=ppt/slides/slide1.xml><?xml version="1.0" encoding="utf-8"?>
-<p:sld xmlns:a="http://schemas.openxmlformats.org/drawingml/2006/main" xmlns:r="http://schemas.openxmlformats.org/officeDocument/2006/relationships" xmlns:mc="http://schemas.openxmlformats.org/markup-compatibility/2006" xmlns:mv="urn:schemas-microsoft-com:mac:vml" xmlns:p="http://schemas.openxmlformats.org/presentationml/2006/main" xmlns:c="http://schemas.openxmlformats.org/drawingml/2006/chart" xmlns:dgm="http://schemas.openxmlformats.org/drawingml/2006/diagram" xmlns:o="urn:schemas-microsoft-com:office:office" xmlns:v="urn:schemas-microsoft-com:vml" xmlns:pvml="urn:schemas-microsoft-com:office:powerpoint" xmlns:com="http://schemas.openxmlformats.org/drawingml/2006/compatibility" xmlns:p14="http://schemas.microsoft.com/office/powerpoint/2010/main" xmlns:p15="http://schemas.microsoft.com/office/powerpoint/2012/main" xmlns:ahyp="http://schemas.microsoft.com/office/drawing/2018/hyperlinkcolor">
+<p:sld xmlns:a="http://schemas.openxmlformats.org/drawingml/2006/main" xmlns:r="http://schemas.openxmlformats.org/officeDocument/2006/relationships" xmlns:p="http://schemas.openxmlformats.org/presentationml/2006/main">
   <p:cSld>
     <p:spTree>
       <p:nvGrpSpPr>
-        <p:cNvPr id="53" name="Shape 53"/>
+        <p:cNvPr id="1" name="Shape 53"/>
         <p:cNvGrpSpPr/>
         <p:nvPr/>
       </p:nvGrpSpPr>
@@ -6454,7 +6752,9 @@
       <p:sp>
         <p:nvSpPr>
           <p:cNvPr id="54" name="Google Shape;54;p13"/>
-          <p:cNvSpPr txBox="1"/>
+          <p:cNvSpPr txBox="1">
+            <a:spLocks noGrp="1"/>
+          </p:cNvSpPr>
           <p:nvPr>
             <p:ph type="ctrTitle"/>
           </p:nvPr>
@@ -6469,12 +6769,12 @@
           </a:prstGeom>
         </p:spPr>
         <p:txBody>
-          <a:bodyPr anchorCtr="0" anchor="b" bIns="91425" lIns="91425" spcFirstLastPara="1" rIns="91425" wrap="square" tIns="91425">
+          <a:bodyPr spcFirstLastPara="1" wrap="square" lIns="91425" tIns="91425" rIns="91425" bIns="91425" anchor="b" anchorCtr="0">
             <a:normAutofit/>
           </a:bodyPr>
           <a:lstStyle/>
           <a:p>
-            <a:pPr indent="0" lvl="0" marL="0" rtl="0" algn="ctr">
+            <a:pPr marL="0" lvl="0" indent="0" algn="ctr" rtl="0">
               <a:spcBef>
                 <a:spcPts val="0"/>
               </a:spcBef>
@@ -6504,9 +6804,11 @@
       <p:sp>
         <p:nvSpPr>
           <p:cNvPr id="55" name="Google Shape;55;p13"/>
-          <p:cNvSpPr txBox="1"/>
+          <p:cNvSpPr txBox="1">
+            <a:spLocks noGrp="1"/>
+          </p:cNvSpPr>
           <p:nvPr>
-            <p:ph idx="1" type="subTitle"/>
+            <p:ph type="subTitle" idx="1"/>
           </p:nvPr>
         </p:nvSpPr>
         <p:spPr>
@@ -6519,12 +6821,12 @@
           </a:prstGeom>
         </p:spPr>
         <p:txBody>
-          <a:bodyPr anchorCtr="0" anchor="t" bIns="91425" lIns="91425" spcFirstLastPara="1" rIns="91425" wrap="square" tIns="91425">
+          <a:bodyPr spcFirstLastPara="1" wrap="square" lIns="91425" tIns="91425" rIns="91425" bIns="91425" anchor="t" anchorCtr="0">
             <a:normAutofit/>
           </a:bodyPr>
           <a:lstStyle/>
           <a:p>
-            <a:pPr indent="0" lvl="0" marL="0" rtl="0" algn="ctr">
+            <a:pPr marL="0" lvl="0" indent="0" algn="ctr" rtl="0">
               <a:spcBef>
                 <a:spcPts val="0"/>
               </a:spcBef>
@@ -6560,11 +6862,274 @@
 </file>
 
 <file path=ppt/slides/slide10.xml><?xml version="1.0" encoding="utf-8"?>
-<p:sld xmlns:a="http://schemas.openxmlformats.org/drawingml/2006/main" xmlns:r="http://schemas.openxmlformats.org/officeDocument/2006/relationships" xmlns:mc="http://schemas.openxmlformats.org/markup-compatibility/2006" xmlns:mv="urn:schemas-microsoft-com:mac:vml" xmlns:p="http://schemas.openxmlformats.org/presentationml/2006/main" xmlns:c="http://schemas.openxmlformats.org/drawingml/2006/chart" xmlns:dgm="http://schemas.openxmlformats.org/drawingml/2006/diagram" xmlns:o="urn:schemas-microsoft-com:office:office" xmlns:v="urn:schemas-microsoft-com:vml" xmlns:pvml="urn:schemas-microsoft-com:office:powerpoint" xmlns:com="http://schemas.openxmlformats.org/drawingml/2006/compatibility" xmlns:p14="http://schemas.microsoft.com/office/powerpoint/2010/main" xmlns:p15="http://schemas.microsoft.com/office/powerpoint/2012/main" xmlns:ahyp="http://schemas.microsoft.com/office/drawing/2018/hyperlinkcolor">
+<p:sld xmlns:a="http://schemas.openxmlformats.org/drawingml/2006/main" xmlns:r="http://schemas.openxmlformats.org/officeDocument/2006/relationships" xmlns:p="http://schemas.openxmlformats.org/presentationml/2006/main">
   <p:cSld>
     <p:spTree>
       <p:nvGrpSpPr>
-        <p:cNvPr id="107" name="Shape 107"/>
+        <p:cNvPr id="1" name="Shape 101"/>
+        <p:cNvGrpSpPr/>
+        <p:nvPr/>
+      </p:nvGrpSpPr>
+      <p:grpSpPr>
+        <a:xfrm>
+          <a:off x="0" y="0"/>
+          <a:ext cx="0" cy="0"/>
+          <a:chOff x="0" y="0"/>
+          <a:chExt cx="0" cy="0"/>
+        </a:xfrm>
+      </p:grpSpPr>
+      <p:sp>
+        <p:nvSpPr>
+          <p:cNvPr id="102" name="Google Shape;102;p21"/>
+          <p:cNvSpPr txBox="1">
+            <a:spLocks noGrp="1"/>
+          </p:cNvSpPr>
+          <p:nvPr>
+            <p:ph type="title"/>
+          </p:nvPr>
+        </p:nvSpPr>
+        <p:spPr>
+          <a:xfrm>
+            <a:off x="311700" y="445025"/>
+            <a:ext cx="8520600" cy="572700"/>
+          </a:xfrm>
+          <a:prstGeom prst="rect">
+            <a:avLst/>
+          </a:prstGeom>
+        </p:spPr>
+        <p:txBody>
+          <a:bodyPr spcFirstLastPara="1" wrap="square" lIns="91425" tIns="91425" rIns="91425" bIns="91425" anchor="t" anchorCtr="0">
+            <a:normAutofit/>
+          </a:bodyPr>
+          <a:lstStyle/>
+          <a:p>
+            <a:pPr marL="0" lvl="0" indent="0" algn="l" rtl="0">
+              <a:spcBef>
+                <a:spcPts val="0"/>
+              </a:spcBef>
+              <a:spcAft>
+                <a:spcPts val="0"/>
+              </a:spcAft>
+              <a:buNone/>
+            </a:pPr>
+            <a:r>
+              <a:rPr lang="en-GB" sz="2500">
+                <a:latin typeface="Calibri"/>
+                <a:ea typeface="Calibri"/>
+                <a:cs typeface="Calibri"/>
+                <a:sym typeface="Calibri"/>
+              </a:rPr>
+              <a:t>Summary and Future Work</a:t>
+            </a:r>
+            <a:endParaRPr sz="2500">
+              <a:latin typeface="Calibri"/>
+              <a:ea typeface="Calibri"/>
+              <a:cs typeface="Calibri"/>
+              <a:sym typeface="Calibri"/>
+            </a:endParaRPr>
+          </a:p>
+        </p:txBody>
+      </p:sp>
+      <p:sp>
+        <p:nvSpPr>
+          <p:cNvPr id="103" name="Google Shape;103;p21"/>
+          <p:cNvSpPr txBox="1">
+            <a:spLocks noGrp="1"/>
+          </p:cNvSpPr>
+          <p:nvPr>
+            <p:ph type="body" idx="1"/>
+          </p:nvPr>
+        </p:nvSpPr>
+        <p:spPr>
+          <a:xfrm>
+            <a:off x="311700" y="1152475"/>
+            <a:ext cx="8520600" cy="3416400"/>
+          </a:xfrm>
+          <a:prstGeom prst="rect">
+            <a:avLst/>
+          </a:prstGeom>
+        </p:spPr>
+        <p:txBody>
+          <a:bodyPr spcFirstLastPara="1" wrap="square" lIns="91425" tIns="91425" rIns="91425" bIns="91425" anchor="t" anchorCtr="0">
+            <a:normAutofit/>
+          </a:bodyPr>
+          <a:lstStyle/>
+          <a:p>
+            <a:pPr marL="0" lvl="0" indent="0" algn="l" rtl="0">
+              <a:spcBef>
+                <a:spcPts val="800"/>
+              </a:spcBef>
+              <a:spcAft>
+                <a:spcPts val="0"/>
+              </a:spcAft>
+              <a:buClr>
+                <a:schemeClr val="dk1"/>
+              </a:buClr>
+              <a:buSzPts val="1100"/>
+              <a:buFont typeface="Arial"/>
+              <a:buNone/>
+            </a:pPr>
+            <a:r>
+              <a:rPr lang="en-GB" sz="2200">
+                <a:solidFill>
+                  <a:schemeClr val="dk1"/>
+                </a:solidFill>
+                <a:latin typeface="Calibri"/>
+                <a:ea typeface="Calibri"/>
+                <a:cs typeface="Calibri"/>
+                <a:sym typeface="Calibri"/>
+              </a:rPr>
+              <a:t>•Successfully implemented a functional fifteen puzzle.</a:t>
+            </a:r>
+            <a:endParaRPr sz="2200">
+              <a:solidFill>
+                <a:schemeClr val="dk1"/>
+              </a:solidFill>
+              <a:latin typeface="Calibri"/>
+              <a:ea typeface="Calibri"/>
+              <a:cs typeface="Calibri"/>
+              <a:sym typeface="Calibri"/>
+            </a:endParaRPr>
+          </a:p>
+          <a:p>
+            <a:pPr marL="0" lvl="0" indent="0" algn="l" rtl="0">
+              <a:spcBef>
+                <a:spcPts val="800"/>
+              </a:spcBef>
+              <a:spcAft>
+                <a:spcPts val="0"/>
+              </a:spcAft>
+              <a:buClr>
+                <a:schemeClr val="dk1"/>
+              </a:buClr>
+              <a:buSzPts val="1100"/>
+              <a:buFont typeface="Arial"/>
+              <a:buNone/>
+            </a:pPr>
+            <a:r>
+              <a:rPr lang="en-GB" sz="2200">
+                <a:solidFill>
+                  <a:schemeClr val="dk1"/>
+                </a:solidFill>
+                <a:latin typeface="Calibri"/>
+                <a:ea typeface="Calibri"/>
+                <a:cs typeface="Calibri"/>
+                <a:sym typeface="Calibri"/>
+              </a:rPr>
+              <a:t>•Future plans:</a:t>
+            </a:r>
+            <a:endParaRPr sz="2200">
+              <a:solidFill>
+                <a:schemeClr val="dk1"/>
+              </a:solidFill>
+              <a:latin typeface="Calibri"/>
+              <a:ea typeface="Calibri"/>
+              <a:cs typeface="Calibri"/>
+              <a:sym typeface="Calibri"/>
+            </a:endParaRPr>
+          </a:p>
+          <a:p>
+            <a:pPr marL="0" lvl="0" indent="0" algn="l" rtl="0">
+              <a:spcBef>
+                <a:spcPts val="800"/>
+              </a:spcBef>
+              <a:spcAft>
+                <a:spcPts val="0"/>
+              </a:spcAft>
+              <a:buClr>
+                <a:schemeClr val="dk1"/>
+              </a:buClr>
+              <a:buSzPts val="1100"/>
+              <a:buFont typeface="Arial"/>
+              <a:buNone/>
+            </a:pPr>
+            <a:r>
+              <a:rPr lang="en-GB" sz="2200">
+                <a:solidFill>
+                  <a:schemeClr val="dk1"/>
+                </a:solidFill>
+                <a:latin typeface="Calibri"/>
+                <a:ea typeface="Calibri"/>
+                <a:cs typeface="Calibri"/>
+                <a:sym typeface="Calibri"/>
+              </a:rPr>
+              <a:t>•Add leaderboard integration.</a:t>
+            </a:r>
+            <a:endParaRPr sz="2200">
+              <a:solidFill>
+                <a:schemeClr val="dk1"/>
+              </a:solidFill>
+              <a:latin typeface="Calibri"/>
+              <a:ea typeface="Calibri"/>
+              <a:cs typeface="Calibri"/>
+              <a:sym typeface="Calibri"/>
+            </a:endParaRPr>
+          </a:p>
+          <a:p>
+            <a:pPr marL="0" lvl="0" indent="0" algn="l" rtl="0">
+              <a:spcBef>
+                <a:spcPts val="800"/>
+              </a:spcBef>
+              <a:spcAft>
+                <a:spcPts val="0"/>
+              </a:spcAft>
+              <a:buClr>
+                <a:schemeClr val="dk1"/>
+              </a:buClr>
+              <a:buSzPts val="1100"/>
+              <a:buFont typeface="Arial"/>
+              <a:buNone/>
+            </a:pPr>
+            <a:r>
+              <a:rPr lang="en-GB" sz="2200">
+                <a:solidFill>
+                  <a:schemeClr val="dk1"/>
+                </a:solidFill>
+                <a:latin typeface="Calibri"/>
+                <a:ea typeface="Calibri"/>
+                <a:cs typeface="Calibri"/>
+                <a:sym typeface="Calibri"/>
+              </a:rPr>
+              <a:t>•Mobile-friendly enhancements.</a:t>
+            </a:r>
+            <a:endParaRPr sz="2200">
+              <a:solidFill>
+                <a:schemeClr val="dk1"/>
+              </a:solidFill>
+              <a:latin typeface="Calibri"/>
+              <a:ea typeface="Calibri"/>
+              <a:cs typeface="Calibri"/>
+              <a:sym typeface="Calibri"/>
+            </a:endParaRPr>
+          </a:p>
+          <a:p>
+            <a:pPr marL="0" lvl="0" indent="0" algn="l" rtl="0">
+              <a:spcBef>
+                <a:spcPts val="0"/>
+              </a:spcBef>
+              <a:spcAft>
+                <a:spcPts val="1200"/>
+              </a:spcAft>
+              <a:buNone/>
+            </a:pPr>
+            <a:endParaRPr/>
+          </a:p>
+        </p:txBody>
+      </p:sp>
+    </p:spTree>
+  </p:cSld>
+  <p:clrMapOvr>
+    <a:masterClrMapping/>
+  </p:clrMapOvr>
+</p:sld>
+</file>
+
+<file path=ppt/slides/slide11.xml><?xml version="1.0" encoding="utf-8"?>
+<p:sld xmlns:a="http://schemas.openxmlformats.org/drawingml/2006/main" xmlns:r="http://schemas.openxmlformats.org/officeDocument/2006/relationships" xmlns:p="http://schemas.openxmlformats.org/presentationml/2006/main">
+  <p:cSld>
+    <p:spTree>
+      <p:nvGrpSpPr>
+        <p:cNvPr id="1" name="Shape 107"/>
         <p:cNvGrpSpPr/>
         <p:nvPr/>
       </p:nvGrpSpPr>
@@ -6579,7 +7144,9 @@
       <p:sp>
         <p:nvSpPr>
           <p:cNvPr id="108" name="Google Shape;108;p22"/>
-          <p:cNvSpPr txBox="1"/>
+          <p:cNvSpPr txBox="1">
+            <a:spLocks noGrp="1"/>
+          </p:cNvSpPr>
           <p:nvPr>
             <p:ph type="title"/>
           </p:nvPr>
@@ -6594,12 +7161,12 @@
           </a:prstGeom>
         </p:spPr>
         <p:txBody>
-          <a:bodyPr anchorCtr="0" anchor="t" bIns="91425" lIns="91425" spcFirstLastPara="1" rIns="91425" wrap="square" tIns="91425">
+          <a:bodyPr spcFirstLastPara="1" wrap="square" lIns="91425" tIns="91425" rIns="91425" bIns="91425" anchor="t" anchorCtr="0">
             <a:noAutofit/>
           </a:bodyPr>
           <a:lstStyle/>
           <a:p>
-            <a:pPr indent="0" lvl="0" marL="0" rtl="0" algn="l">
+            <a:pPr marL="0" lvl="0" indent="0" algn="l" rtl="0">
               <a:spcBef>
                 <a:spcPts val="0"/>
               </a:spcBef>
@@ -6630,9 +7197,11 @@
       <p:sp>
         <p:nvSpPr>
           <p:cNvPr id="109" name="Google Shape;109;p22"/>
-          <p:cNvSpPr txBox="1"/>
+          <p:cNvSpPr txBox="1">
+            <a:spLocks noGrp="1"/>
+          </p:cNvSpPr>
           <p:nvPr>
-            <p:ph idx="1" type="body"/>
+            <p:ph type="body" idx="1"/>
           </p:nvPr>
         </p:nvSpPr>
         <p:spPr>
@@ -6645,12 +7214,12 @@
           </a:prstGeom>
         </p:spPr>
         <p:txBody>
-          <a:bodyPr anchorCtr="0" anchor="t" bIns="91425" lIns="91425" spcFirstLastPara="1" rIns="91425" wrap="square" tIns="91425">
+          <a:bodyPr spcFirstLastPara="1" wrap="square" lIns="91425" tIns="91425" rIns="91425" bIns="91425" anchor="t" anchorCtr="0">
             <a:normAutofit/>
           </a:bodyPr>
           <a:lstStyle/>
           <a:p>
-            <a:pPr indent="0" lvl="0" marL="0" rtl="0" algn="l">
+            <a:pPr marL="0" lvl="0" indent="0" algn="l" rtl="0">
               <a:spcBef>
                 <a:spcPts val="800"/>
               </a:spcBef>
@@ -6687,7 +7256,7 @@
             </a:endParaRPr>
           </a:p>
           <a:p>
-            <a:pPr indent="0" lvl="0" marL="0" rtl="0" algn="l">
+            <a:pPr marL="0" lvl="0" indent="0" algn="l" rtl="0">
               <a:spcBef>
                 <a:spcPts val="800"/>
               </a:spcBef>
@@ -6711,19 +7280,7 @@
                 <a:cs typeface="Calibri"/>
                 <a:sym typeface="Calibri"/>
               </a:rPr>
-              <a:t>•</a:t>
-            </a:r>
-            <a:r>
-              <a:rPr lang="en-GB" sz="2200">
-                <a:solidFill>
-                  <a:schemeClr val="dk1"/>
-                </a:solidFill>
-                <a:latin typeface="Calibri"/>
-                <a:ea typeface="Calibri"/>
-                <a:cs typeface="Calibri"/>
-                <a:sym typeface="Calibri"/>
-              </a:rPr>
-              <a:t>Highlights best performance with saved metrics for moves and time.</a:t>
+              <a:t>•Highlights best performance with saved metrics for moves and time.</a:t>
             </a:r>
             <a:endParaRPr sz="2200">
               <a:solidFill>
@@ -6736,7 +7293,7 @@
             </a:endParaRPr>
           </a:p>
           <a:p>
-            <a:pPr indent="0" lvl="0" marL="0" rtl="0" algn="l">
+            <a:pPr marL="0" lvl="0" indent="0" algn="l" rtl="0">
               <a:spcBef>
                 <a:spcPts val="0"/>
               </a:spcBef>
@@ -6745,9 +7302,6 @@
               </a:spcAft>
               <a:buNone/>
             </a:pPr>
-            <a:r>
-              <a:t/>
-            </a:r>
             <a:endParaRPr/>
           </a:p>
         </p:txBody>
@@ -6760,12 +7314,12 @@
 </p:sld>
 </file>
 
-<file path=ppt/slides/slide11.xml><?xml version="1.0" encoding="utf-8"?>
-<p:sld xmlns:a="http://schemas.openxmlformats.org/drawingml/2006/main" xmlns:r="http://schemas.openxmlformats.org/officeDocument/2006/relationships" xmlns:mc="http://schemas.openxmlformats.org/markup-compatibility/2006" xmlns:mv="urn:schemas-microsoft-com:mac:vml" xmlns:p="http://schemas.openxmlformats.org/presentationml/2006/main" xmlns:c="http://schemas.openxmlformats.org/drawingml/2006/chart" xmlns:dgm="http://schemas.openxmlformats.org/drawingml/2006/diagram" xmlns:o="urn:schemas-microsoft-com:office:office" xmlns:v="urn:schemas-microsoft-com:vml" xmlns:pvml="urn:schemas-microsoft-com:office:powerpoint" xmlns:com="http://schemas.openxmlformats.org/drawingml/2006/compatibility" xmlns:p14="http://schemas.microsoft.com/office/powerpoint/2010/main" xmlns:p15="http://schemas.microsoft.com/office/powerpoint/2012/main" xmlns:ahyp="http://schemas.microsoft.com/office/drawing/2018/hyperlinkcolor">
+<file path=ppt/slides/slide12.xml><?xml version="1.0" encoding="utf-8"?>
+<p:sld xmlns:a="http://schemas.openxmlformats.org/drawingml/2006/main" xmlns:r="http://schemas.openxmlformats.org/officeDocument/2006/relationships" xmlns:p="http://schemas.openxmlformats.org/presentationml/2006/main">
   <p:cSld>
     <p:spTree>
       <p:nvGrpSpPr>
-        <p:cNvPr id="113" name="Shape 113"/>
+        <p:cNvPr id="1" name="Shape 113"/>
         <p:cNvGrpSpPr/>
         <p:nvPr/>
       </p:nvGrpSpPr>
@@ -6780,7 +7334,9 @@
       <p:sp>
         <p:nvSpPr>
           <p:cNvPr id="114" name="Google Shape;114;p23"/>
-          <p:cNvSpPr txBox="1"/>
+          <p:cNvSpPr txBox="1">
+            <a:spLocks noGrp="1"/>
+          </p:cNvSpPr>
           <p:nvPr>
             <p:ph type="title"/>
           </p:nvPr>
@@ -6795,12 +7351,12 @@
           </a:prstGeom>
         </p:spPr>
         <p:txBody>
-          <a:bodyPr anchorCtr="0" anchor="t" bIns="91425" lIns="91425" spcFirstLastPara="1" rIns="91425" wrap="square" tIns="91425">
+          <a:bodyPr spcFirstLastPara="1" wrap="square" lIns="91425" tIns="91425" rIns="91425" bIns="91425" anchor="t" anchorCtr="0">
             <a:normAutofit/>
           </a:bodyPr>
           <a:lstStyle/>
           <a:p>
-            <a:pPr indent="0" lvl="0" marL="0" rtl="0" algn="l">
+            <a:pPr marL="0" lvl="0" indent="0" algn="l" rtl="0">
               <a:spcBef>
                 <a:spcPts val="0"/>
               </a:spcBef>
@@ -6830,9 +7386,11 @@
       <p:sp>
         <p:nvSpPr>
           <p:cNvPr id="115" name="Google Shape;115;p23"/>
-          <p:cNvSpPr txBox="1"/>
+          <p:cNvSpPr txBox="1">
+            <a:spLocks noGrp="1"/>
+          </p:cNvSpPr>
           <p:nvPr>
-            <p:ph idx="1" type="body"/>
+            <p:ph type="body" idx="1"/>
           </p:nvPr>
         </p:nvSpPr>
         <p:spPr>
@@ -6845,12 +7403,12 @@
           </a:prstGeom>
         </p:spPr>
         <p:txBody>
-          <a:bodyPr anchorCtr="0" anchor="t" bIns="91425" lIns="91425" spcFirstLastPara="1" rIns="91425" wrap="square" tIns="91425">
+          <a:bodyPr spcFirstLastPara="1" wrap="square" lIns="91425" tIns="91425" rIns="91425" bIns="91425" anchor="t" anchorCtr="0">
             <a:normAutofit/>
           </a:bodyPr>
           <a:lstStyle/>
           <a:p>
-            <a:pPr indent="0" lvl="0" marL="0" rtl="0" algn="l">
+            <a:pPr marL="0" lvl="0" indent="0" algn="l" rtl="0">
               <a:spcBef>
                 <a:spcPts val="800"/>
               </a:spcBef>
@@ -6887,7 +7445,7 @@
             </a:endParaRPr>
           </a:p>
           <a:p>
-            <a:pPr indent="0" lvl="0" marL="0" rtl="0" algn="l">
+            <a:pPr marL="0" lvl="0" indent="0" algn="l" rtl="0">
               <a:spcBef>
                 <a:spcPts val="800"/>
               </a:spcBef>
@@ -6924,7 +7482,7 @@
             </a:endParaRPr>
           </a:p>
           <a:p>
-            <a:pPr indent="0" lvl="0" marL="0" rtl="0" algn="l">
+            <a:pPr marL="0" lvl="0" indent="0" algn="l" rtl="0">
               <a:spcBef>
                 <a:spcPts val="800"/>
               </a:spcBef>
@@ -6961,7 +7519,7 @@
             </a:endParaRPr>
           </a:p>
           <a:p>
-            <a:pPr indent="0" lvl="0" marL="0" rtl="0" algn="l">
+            <a:pPr marL="0" lvl="0" indent="0" algn="l" rtl="0">
               <a:spcBef>
                 <a:spcPts val="800"/>
               </a:spcBef>
@@ -6998,7 +7556,7 @@
             </a:endParaRPr>
           </a:p>
           <a:p>
-            <a:pPr indent="0" lvl="0" marL="0" rtl="0" algn="l">
+            <a:pPr marL="0" lvl="0" indent="0" algn="l" rtl="0">
               <a:spcBef>
                 <a:spcPts val="0"/>
               </a:spcBef>
@@ -7007,9 +7565,6 @@
               </a:spcAft>
               <a:buNone/>
             </a:pPr>
-            <a:r>
-              <a:t/>
-            </a:r>
             <a:endParaRPr/>
           </a:p>
         </p:txBody>
@@ -7023,11 +7578,231 @@
 </file>
 
 <file path=ppt/slides/slide2.xml><?xml version="1.0" encoding="utf-8"?>
-<p:sld xmlns:a="http://schemas.openxmlformats.org/drawingml/2006/main" xmlns:r="http://schemas.openxmlformats.org/officeDocument/2006/relationships" xmlns:mc="http://schemas.openxmlformats.org/markup-compatibility/2006" xmlns:mv="urn:schemas-microsoft-com:mac:vml" xmlns:p="http://schemas.openxmlformats.org/presentationml/2006/main" xmlns:c="http://schemas.openxmlformats.org/drawingml/2006/chart" xmlns:dgm="http://schemas.openxmlformats.org/drawingml/2006/diagram" xmlns:o="urn:schemas-microsoft-com:office:office" xmlns:v="urn:schemas-microsoft-com:vml" xmlns:pvml="urn:schemas-microsoft-com:office:powerpoint" xmlns:com="http://schemas.openxmlformats.org/drawingml/2006/compatibility" xmlns:p14="http://schemas.microsoft.com/office/powerpoint/2010/main" xmlns:p15="http://schemas.microsoft.com/office/powerpoint/2012/main" xmlns:ahyp="http://schemas.microsoft.com/office/drawing/2018/hyperlinkcolor">
+<p:sld xmlns:a="http://schemas.openxmlformats.org/drawingml/2006/main" xmlns:r="http://schemas.openxmlformats.org/officeDocument/2006/relationships" xmlns:p="http://schemas.openxmlformats.org/presentationml/2006/main">
   <p:cSld>
     <p:spTree>
       <p:nvGrpSpPr>
-        <p:cNvPr id="59" name="Shape 59"/>
+        <p:cNvPr id="1" name="Shape 71">
+          <a:extLst>
+            <a:ext uri="{FF2B5EF4-FFF2-40B4-BE49-F238E27FC236}">
+              <a16:creationId xmlns:a16="http://schemas.microsoft.com/office/drawing/2014/main" id="{C8A9A09C-8208-230E-8D6B-1CC44B8517ED}"/>
+            </a:ext>
+          </a:extLst>
+        </p:cNvPr>
+        <p:cNvGrpSpPr/>
+        <p:nvPr/>
+      </p:nvGrpSpPr>
+      <p:grpSpPr>
+        <a:xfrm>
+          <a:off x="0" y="0"/>
+          <a:ext cx="0" cy="0"/>
+          <a:chOff x="0" y="0"/>
+          <a:chExt cx="0" cy="0"/>
+        </a:xfrm>
+      </p:grpSpPr>
+      <p:sp>
+        <p:nvSpPr>
+          <p:cNvPr id="72" name="Google Shape;72;p16">
+            <a:extLst>
+              <a:ext uri="{FF2B5EF4-FFF2-40B4-BE49-F238E27FC236}">
+                <a16:creationId xmlns:a16="http://schemas.microsoft.com/office/drawing/2014/main" id="{C240F059-AEA4-0025-48BB-D8E5960714DF}"/>
+              </a:ext>
+            </a:extLst>
+          </p:cNvPr>
+          <p:cNvSpPr txBox="1">
+            <a:spLocks noGrp="1"/>
+          </p:cNvSpPr>
+          <p:nvPr>
+            <p:ph type="title"/>
+          </p:nvPr>
+        </p:nvSpPr>
+        <p:spPr>
+          <a:xfrm>
+            <a:off x="311700" y="445025"/>
+            <a:ext cx="8520600" cy="572700"/>
+          </a:xfrm>
+          <a:prstGeom prst="rect">
+            <a:avLst/>
+          </a:prstGeom>
+        </p:spPr>
+        <p:txBody>
+          <a:bodyPr spcFirstLastPara="1" wrap="square" lIns="91425" tIns="91425" rIns="91425" bIns="91425" anchor="t" anchorCtr="0">
+            <a:noAutofit/>
+          </a:bodyPr>
+          <a:lstStyle/>
+          <a:p>
+            <a:pPr marL="0" lvl="0" indent="0" algn="l" rtl="0">
+              <a:spcBef>
+                <a:spcPts val="0"/>
+              </a:spcBef>
+              <a:spcAft>
+                <a:spcPts val="0"/>
+              </a:spcAft>
+              <a:buSzPts val="990"/>
+              <a:buNone/>
+            </a:pPr>
+            <a:r>
+              <a:rPr lang="en-GB" sz="2500" dirty="0">
+                <a:latin typeface="Calibri"/>
+                <a:ea typeface="Calibri"/>
+                <a:cs typeface="Calibri"/>
+                <a:sym typeface="Calibri"/>
+              </a:rPr>
+              <a:t>Codd Link</a:t>
+            </a:r>
+            <a:endParaRPr sz="2500" dirty="0">
+              <a:latin typeface="Calibri"/>
+              <a:ea typeface="Calibri"/>
+              <a:cs typeface="Calibri"/>
+              <a:sym typeface="Calibri"/>
+            </a:endParaRPr>
+          </a:p>
+        </p:txBody>
+      </p:sp>
+      <p:sp>
+        <p:nvSpPr>
+          <p:cNvPr id="73" name="Google Shape;73;p16">
+            <a:extLst>
+              <a:ext uri="{FF2B5EF4-FFF2-40B4-BE49-F238E27FC236}">
+                <a16:creationId xmlns:a16="http://schemas.microsoft.com/office/drawing/2014/main" id="{78E1B82E-B746-9D56-06EF-C0C63E61BEFA}"/>
+              </a:ext>
+            </a:extLst>
+          </p:cNvPr>
+          <p:cNvSpPr txBox="1">
+            <a:spLocks noGrp="1"/>
+          </p:cNvSpPr>
+          <p:nvPr>
+            <p:ph type="body" idx="1"/>
+          </p:nvPr>
+        </p:nvSpPr>
+        <p:spPr>
+          <a:xfrm>
+            <a:off x="311700" y="1152475"/>
+            <a:ext cx="8520600" cy="3416400"/>
+          </a:xfrm>
+          <a:prstGeom prst="rect">
+            <a:avLst/>
+          </a:prstGeom>
+        </p:spPr>
+        <p:txBody>
+          <a:bodyPr spcFirstLastPara="1" wrap="square" lIns="91425" tIns="91425" rIns="91425" bIns="91425" anchor="t" anchorCtr="0">
+            <a:normAutofit/>
+          </a:bodyPr>
+          <a:lstStyle/>
+          <a:p>
+            <a:pPr marL="342900">
+              <a:spcBef>
+                <a:spcPts val="800"/>
+              </a:spcBef>
+              <a:buClr>
+                <a:schemeClr val="dk1"/>
+              </a:buClr>
+              <a:buSzPts val="1100"/>
+            </a:pPr>
+            <a:r>
+              <a:rPr lang="en-GB" sz="2200" dirty="0">
+                <a:solidFill>
+                  <a:schemeClr val="dk1"/>
+                </a:solidFill>
+                <a:latin typeface="Calibri"/>
+                <a:ea typeface="Calibri"/>
+                <a:cs typeface="Calibri"/>
+                <a:sym typeface="Calibri"/>
+              </a:rPr>
+              <a:t>https://</a:t>
+            </a:r>
+            <a:r>
+              <a:rPr lang="en-GB" sz="2200" dirty="0" err="1">
+                <a:solidFill>
+                  <a:schemeClr val="dk1"/>
+                </a:solidFill>
+                <a:latin typeface="Calibri"/>
+                <a:ea typeface="Calibri"/>
+                <a:cs typeface="Calibri"/>
+                <a:sym typeface="Calibri"/>
+              </a:rPr>
+              <a:t>codd.cs.gsu.edu</a:t>
+            </a:r>
+            <a:r>
+              <a:rPr lang="en-GB" sz="2200" dirty="0">
+                <a:solidFill>
+                  <a:schemeClr val="dk1"/>
+                </a:solidFill>
+                <a:latin typeface="Calibri"/>
+                <a:ea typeface="Calibri"/>
+                <a:cs typeface="Calibri"/>
+                <a:sym typeface="Calibri"/>
+              </a:rPr>
+              <a:t>/~kle53/WP/PW/PW3/web_pro_project3_ammarteam/</a:t>
+            </a:r>
+            <a:r>
+              <a:rPr lang="en-GB" sz="2200" dirty="0" err="1">
+                <a:solidFill>
+                  <a:schemeClr val="dk1"/>
+                </a:solidFill>
+                <a:latin typeface="Calibri"/>
+                <a:ea typeface="Calibri"/>
+                <a:cs typeface="Calibri"/>
+                <a:sym typeface="Calibri"/>
+              </a:rPr>
+              <a:t>fifteen.html</a:t>
+            </a:r>
+            <a:endParaRPr lang="en-GB" sz="2200" dirty="0">
+              <a:solidFill>
+                <a:schemeClr val="dk1"/>
+              </a:solidFill>
+              <a:latin typeface="Calibri"/>
+              <a:ea typeface="Calibri"/>
+              <a:cs typeface="Calibri"/>
+              <a:sym typeface="Calibri"/>
+            </a:endParaRPr>
+          </a:p>
+          <a:p>
+            <a:pPr marL="0" lvl="0" indent="0" algn="l" rtl="0">
+              <a:spcBef>
+                <a:spcPts val="800"/>
+              </a:spcBef>
+              <a:spcAft>
+                <a:spcPts val="0"/>
+              </a:spcAft>
+              <a:buClr>
+                <a:schemeClr val="dk1"/>
+              </a:buClr>
+              <a:buSzPts val="1100"/>
+              <a:buFont typeface="Arial"/>
+              <a:buNone/>
+            </a:pPr>
+            <a:endParaRPr sz="3200" dirty="0">
+              <a:solidFill>
+                <a:schemeClr val="dk1"/>
+              </a:solidFill>
+              <a:latin typeface="Calibri"/>
+              <a:ea typeface="Calibri"/>
+              <a:cs typeface="Calibri"/>
+              <a:sym typeface="Calibri"/>
+            </a:endParaRPr>
+          </a:p>
+        </p:txBody>
+      </p:sp>
+    </p:spTree>
+    <p:extLst>
+      <p:ext uri="{BB962C8B-B14F-4D97-AF65-F5344CB8AC3E}">
+        <p14:creationId xmlns:p14="http://schemas.microsoft.com/office/powerpoint/2010/main" val="96541249"/>
+      </p:ext>
+    </p:extLst>
+  </p:cSld>
+  <p:clrMapOvr>
+    <a:masterClrMapping/>
+  </p:clrMapOvr>
+</p:sld>
+</file>
+
+<file path=ppt/slides/slide3.xml><?xml version="1.0" encoding="utf-8"?>
+<p:sld xmlns:a="http://schemas.openxmlformats.org/drawingml/2006/main" xmlns:r="http://schemas.openxmlformats.org/officeDocument/2006/relationships" xmlns:p="http://schemas.openxmlformats.org/presentationml/2006/main">
+  <p:cSld>
+    <p:spTree>
+      <p:nvGrpSpPr>
+        <p:cNvPr id="1" name="Shape 59"/>
         <p:cNvGrpSpPr/>
         <p:nvPr/>
       </p:nvGrpSpPr>
@@ -7042,7 +7817,9 @@
       <p:sp>
         <p:nvSpPr>
           <p:cNvPr id="60" name="Google Shape;60;p14"/>
-          <p:cNvSpPr txBox="1"/>
+          <p:cNvSpPr txBox="1">
+            <a:spLocks noGrp="1"/>
+          </p:cNvSpPr>
           <p:nvPr>
             <p:ph type="title"/>
           </p:nvPr>
@@ -7057,33 +7834,27 @@
           </a:prstGeom>
         </p:spPr>
         <p:txBody>
-          <a:bodyPr anchorCtr="0" anchor="t" bIns="91425" lIns="91425" spcFirstLastPara="1" rIns="91425" wrap="square" tIns="91425">
+          <a:bodyPr spcFirstLastPara="1" wrap="square" lIns="91425" tIns="91425" rIns="91425" bIns="91425" anchor="t" anchorCtr="0">
             <a:normAutofit fontScale="90000"/>
           </a:bodyPr>
           <a:lstStyle/>
           <a:p>
-            <a:pPr indent="0" lvl="0" marL="0" rtl="0" algn="l">
-              <a:spcBef>
-                <a:spcPts val="0"/>
-              </a:spcBef>
-              <a:spcAft>
-                <a:spcPts val="0"/>
-              </a:spcAft>
-              <a:buNone/>
-            </a:pPr>
             <a:r>
-              <a:t/>
+              <a:rPr lang="en-US" dirty="0"/>
+              <a:t>Problem &amp; Objectives</a:t>
             </a:r>
-            <a:endParaRPr/>
+            <a:endParaRPr dirty="0"/>
           </a:p>
         </p:txBody>
       </p:sp>
       <p:sp>
         <p:nvSpPr>
           <p:cNvPr id="61" name="Google Shape;61;p14"/>
-          <p:cNvSpPr txBox="1"/>
+          <p:cNvSpPr txBox="1">
+            <a:spLocks noGrp="1"/>
+          </p:cNvSpPr>
           <p:nvPr>
-            <p:ph idx="1" type="body"/>
+            <p:ph type="body" idx="1"/>
           </p:nvPr>
         </p:nvSpPr>
         <p:spPr>
@@ -7096,12 +7867,12 @@
           </a:prstGeom>
         </p:spPr>
         <p:txBody>
-          <a:bodyPr anchorCtr="0" anchor="t" bIns="91425" lIns="91425" spcFirstLastPara="1" rIns="91425" wrap="square" tIns="91425">
+          <a:bodyPr spcFirstLastPara="1" wrap="square" lIns="91425" tIns="91425" rIns="91425" bIns="91425" anchor="t" anchorCtr="0">
             <a:normAutofit fontScale="77500" lnSpcReduction="20000"/>
           </a:bodyPr>
           <a:lstStyle/>
           <a:p>
-            <a:pPr indent="0" lvl="0" marL="0" rtl="0" algn="l">
+            <a:pPr marL="0" lvl="0" indent="0" algn="l" rtl="0">
               <a:spcBef>
                 <a:spcPts val="800"/>
               </a:spcBef>
@@ -7138,7 +7909,7 @@
             </a:endParaRPr>
           </a:p>
           <a:p>
-            <a:pPr indent="0" lvl="0" marL="0" rtl="0" algn="l">
+            <a:pPr marL="0" lvl="0" indent="0" algn="l" rtl="0">
               <a:spcBef>
                 <a:spcPts val="800"/>
               </a:spcBef>
@@ -7175,7 +7946,7 @@
             </a:endParaRPr>
           </a:p>
           <a:p>
-            <a:pPr indent="0" lvl="0" marL="0" rtl="0" algn="l">
+            <a:pPr marL="0" lvl="0" indent="0" algn="l" rtl="0">
               <a:spcBef>
                 <a:spcPts val="800"/>
               </a:spcBef>
@@ -7212,7 +7983,7 @@
             </a:endParaRPr>
           </a:p>
           <a:p>
-            <a:pPr indent="0" lvl="0" marL="0" rtl="0" algn="l">
+            <a:pPr marL="0" lvl="0" indent="0" algn="l" rtl="0">
               <a:spcBef>
                 <a:spcPts val="800"/>
               </a:spcBef>
@@ -7249,7 +8020,7 @@
             </a:endParaRPr>
           </a:p>
           <a:p>
-            <a:pPr indent="0" lvl="0" marL="0" rtl="0" algn="l">
+            <a:pPr marL="0" lvl="0" indent="0" algn="l" rtl="0">
               <a:spcBef>
                 <a:spcPts val="800"/>
               </a:spcBef>
@@ -7286,7 +8057,7 @@
             </a:endParaRPr>
           </a:p>
           <a:p>
-            <a:pPr indent="0" lvl="0" marL="0" rtl="0" algn="l">
+            <a:pPr marL="0" lvl="0" indent="0" algn="l" rtl="0">
               <a:spcBef>
                 <a:spcPts val="0"/>
               </a:spcBef>
@@ -7295,9 +8066,6 @@
               </a:spcAft>
               <a:buNone/>
             </a:pPr>
-            <a:r>
-              <a:t/>
-            </a:r>
             <a:endParaRPr/>
           </a:p>
         </p:txBody>
@@ -7310,12 +8078,12 @@
 </p:sld>
 </file>
 
-<file path=ppt/slides/slide3.xml><?xml version="1.0" encoding="utf-8"?>
-<p:sld xmlns:a="http://schemas.openxmlformats.org/drawingml/2006/main" xmlns:r="http://schemas.openxmlformats.org/officeDocument/2006/relationships" xmlns:mc="http://schemas.openxmlformats.org/markup-compatibility/2006" xmlns:mv="urn:schemas-microsoft-com:mac:vml" xmlns:p="http://schemas.openxmlformats.org/presentationml/2006/main" xmlns:c="http://schemas.openxmlformats.org/drawingml/2006/chart" xmlns:dgm="http://schemas.openxmlformats.org/drawingml/2006/diagram" xmlns:o="urn:schemas-microsoft-com:office:office" xmlns:v="urn:schemas-microsoft-com:vml" xmlns:pvml="urn:schemas-microsoft-com:office:powerpoint" xmlns:com="http://schemas.openxmlformats.org/drawingml/2006/compatibility" xmlns:p14="http://schemas.microsoft.com/office/powerpoint/2010/main" xmlns:p15="http://schemas.microsoft.com/office/powerpoint/2012/main" xmlns:ahyp="http://schemas.microsoft.com/office/drawing/2018/hyperlinkcolor">
+<file path=ppt/slides/slide4.xml><?xml version="1.0" encoding="utf-8"?>
+<p:sld xmlns:a="http://schemas.openxmlformats.org/drawingml/2006/main" xmlns:r="http://schemas.openxmlformats.org/officeDocument/2006/relationships" xmlns:p="http://schemas.openxmlformats.org/presentationml/2006/main">
   <p:cSld>
     <p:spTree>
       <p:nvGrpSpPr>
-        <p:cNvPr id="65" name="Shape 65"/>
+        <p:cNvPr id="1" name="Shape 65"/>
         <p:cNvGrpSpPr/>
         <p:nvPr/>
       </p:nvGrpSpPr>
@@ -7330,7 +8098,9 @@
       <p:sp>
         <p:nvSpPr>
           <p:cNvPr id="66" name="Google Shape;66;p15"/>
-          <p:cNvSpPr txBox="1"/>
+          <p:cNvSpPr txBox="1">
+            <a:spLocks noGrp="1"/>
+          </p:cNvSpPr>
           <p:nvPr>
             <p:ph type="title"/>
           </p:nvPr>
@@ -7345,12 +8115,12 @@
           </a:prstGeom>
         </p:spPr>
         <p:txBody>
-          <a:bodyPr anchorCtr="0" anchor="t" bIns="91425" lIns="91425" spcFirstLastPara="1" rIns="91425" wrap="square" tIns="91425">
+          <a:bodyPr spcFirstLastPara="1" wrap="square" lIns="91425" tIns="91425" rIns="91425" bIns="91425" anchor="t" anchorCtr="0">
             <a:normAutofit/>
           </a:bodyPr>
           <a:lstStyle/>
           <a:p>
-            <a:pPr indent="0" lvl="0" marL="0" rtl="0" algn="l">
+            <a:pPr marL="0" lvl="0" indent="0" algn="l" rtl="0">
               <a:spcBef>
                 <a:spcPts val="0"/>
               </a:spcBef>
@@ -7380,9 +8150,11 @@
       <p:sp>
         <p:nvSpPr>
           <p:cNvPr id="67" name="Google Shape;67;p15"/>
-          <p:cNvSpPr txBox="1"/>
+          <p:cNvSpPr txBox="1">
+            <a:spLocks noGrp="1"/>
+          </p:cNvSpPr>
           <p:nvPr>
-            <p:ph idx="1" type="body"/>
+            <p:ph type="body" idx="1"/>
           </p:nvPr>
         </p:nvSpPr>
         <p:spPr>
@@ -7395,12 +8167,12 @@
           </a:prstGeom>
         </p:spPr>
         <p:txBody>
-          <a:bodyPr anchorCtr="0" anchor="t" bIns="91425" lIns="91425" spcFirstLastPara="1" rIns="91425" wrap="square" tIns="91425">
+          <a:bodyPr spcFirstLastPara="1" wrap="square" lIns="91425" tIns="91425" rIns="91425" bIns="91425" anchor="t" anchorCtr="0">
             <a:normAutofit/>
           </a:bodyPr>
           <a:lstStyle/>
           <a:p>
-            <a:pPr indent="0" lvl="0" marL="0" rtl="0" algn="l">
+            <a:pPr marL="0" lvl="0" indent="0" algn="l" rtl="0">
               <a:spcBef>
                 <a:spcPts val="800"/>
               </a:spcBef>
@@ -7437,7 +8209,7 @@
             </a:endParaRPr>
           </a:p>
           <a:p>
-            <a:pPr indent="0" lvl="0" marL="0" rtl="0" algn="l">
+            <a:pPr marL="0" lvl="0" indent="0" algn="l" rtl="0">
               <a:spcBef>
                 <a:spcPts val="800"/>
               </a:spcBef>
@@ -7474,7 +8246,7 @@
             </a:endParaRPr>
           </a:p>
           <a:p>
-            <a:pPr indent="0" lvl="0" marL="0" rtl="0" algn="l">
+            <a:pPr marL="0" lvl="0" indent="0" algn="l" rtl="0">
               <a:spcBef>
                 <a:spcPts val="800"/>
               </a:spcBef>
@@ -7506,7 +8278,7 @@
             </a:endParaRPr>
           </a:p>
           <a:p>
-            <a:pPr indent="0" lvl="0" marL="0" rtl="0" algn="l">
+            <a:pPr marL="0" lvl="0" indent="0" algn="l" rtl="0">
               <a:spcBef>
                 <a:spcPts val="0"/>
               </a:spcBef>
@@ -7515,9 +8287,6 @@
               </a:spcAft>
               <a:buNone/>
             </a:pPr>
-            <a:r>
-              <a:t/>
-            </a:r>
             <a:endParaRPr/>
           </a:p>
         </p:txBody>
@@ -7530,12 +8299,12 @@
 </p:sld>
 </file>
 
-<file path=ppt/slides/slide4.xml><?xml version="1.0" encoding="utf-8"?>
-<p:sld xmlns:a="http://schemas.openxmlformats.org/drawingml/2006/main" xmlns:r="http://schemas.openxmlformats.org/officeDocument/2006/relationships" xmlns:mc="http://schemas.openxmlformats.org/markup-compatibility/2006" xmlns:mv="urn:schemas-microsoft-com:mac:vml" xmlns:p="http://schemas.openxmlformats.org/presentationml/2006/main" xmlns:c="http://schemas.openxmlformats.org/drawingml/2006/chart" xmlns:dgm="http://schemas.openxmlformats.org/drawingml/2006/diagram" xmlns:o="urn:schemas-microsoft-com:office:office" xmlns:v="urn:schemas-microsoft-com:vml" xmlns:pvml="urn:schemas-microsoft-com:office:powerpoint" xmlns:com="http://schemas.openxmlformats.org/drawingml/2006/compatibility" xmlns:p14="http://schemas.microsoft.com/office/powerpoint/2010/main" xmlns:p15="http://schemas.microsoft.com/office/powerpoint/2012/main" xmlns:ahyp="http://schemas.microsoft.com/office/drawing/2018/hyperlinkcolor">
+<file path=ppt/slides/slide5.xml><?xml version="1.0" encoding="utf-8"?>
+<p:sld xmlns:a="http://schemas.openxmlformats.org/drawingml/2006/main" xmlns:r="http://schemas.openxmlformats.org/officeDocument/2006/relationships" xmlns:p="http://schemas.openxmlformats.org/presentationml/2006/main">
   <p:cSld>
     <p:spTree>
       <p:nvGrpSpPr>
-        <p:cNvPr id="71" name="Shape 71"/>
+        <p:cNvPr id="1" name="Shape 71"/>
         <p:cNvGrpSpPr/>
         <p:nvPr/>
       </p:nvGrpSpPr>
@@ -7550,7 +8319,9 @@
       <p:sp>
         <p:nvSpPr>
           <p:cNvPr id="72" name="Google Shape;72;p16"/>
-          <p:cNvSpPr txBox="1"/>
+          <p:cNvSpPr txBox="1">
+            <a:spLocks noGrp="1"/>
+          </p:cNvSpPr>
           <p:nvPr>
             <p:ph type="title"/>
           </p:nvPr>
@@ -7565,12 +8336,12 @@
           </a:prstGeom>
         </p:spPr>
         <p:txBody>
-          <a:bodyPr anchorCtr="0" anchor="t" bIns="91425" lIns="91425" spcFirstLastPara="1" rIns="91425" wrap="square" tIns="91425">
+          <a:bodyPr spcFirstLastPara="1" wrap="square" lIns="91425" tIns="91425" rIns="91425" bIns="91425" anchor="t" anchorCtr="0">
             <a:noAutofit/>
           </a:bodyPr>
           <a:lstStyle/>
           <a:p>
-            <a:pPr indent="0" lvl="0" marL="0" rtl="0" algn="l">
+            <a:pPr marL="0" lvl="0" indent="0" algn="l" rtl="0">
               <a:spcBef>
                 <a:spcPts val="0"/>
               </a:spcBef>
@@ -7581,7 +8352,7 @@
               <a:buNone/>
             </a:pPr>
             <a:r>
-              <a:rPr lang="en-GB" sz="2500">
+              <a:rPr lang="en-GB" sz="2500" dirty="0">
                 <a:latin typeface="Calibri"/>
                 <a:ea typeface="Calibri"/>
                 <a:cs typeface="Calibri"/>
@@ -7589,7 +8360,7 @@
               </a:rPr>
               <a:t>Project Challenges</a:t>
             </a:r>
-            <a:endParaRPr sz="2500">
+            <a:endParaRPr sz="2500" dirty="0">
               <a:latin typeface="Calibri"/>
               <a:ea typeface="Calibri"/>
               <a:cs typeface="Calibri"/>
@@ -7601,9 +8372,11 @@
       <p:sp>
         <p:nvSpPr>
           <p:cNvPr id="73" name="Google Shape;73;p16"/>
-          <p:cNvSpPr txBox="1"/>
+          <p:cNvSpPr txBox="1">
+            <a:spLocks noGrp="1"/>
+          </p:cNvSpPr>
           <p:nvPr>
-            <p:ph idx="1" type="body"/>
+            <p:ph type="body" idx="1"/>
           </p:nvPr>
         </p:nvSpPr>
         <p:spPr>
@@ -7616,12 +8389,12 @@
           </a:prstGeom>
         </p:spPr>
         <p:txBody>
-          <a:bodyPr anchorCtr="0" anchor="t" bIns="91425" lIns="91425" spcFirstLastPara="1" rIns="91425" wrap="square" tIns="91425">
+          <a:bodyPr spcFirstLastPara="1" wrap="square" lIns="91425" tIns="91425" rIns="91425" bIns="91425" anchor="t" anchorCtr="0">
             <a:normAutofit/>
           </a:bodyPr>
           <a:lstStyle/>
           <a:p>
-            <a:pPr indent="0" lvl="0" marL="0" rtl="0" algn="l">
+            <a:pPr marL="0" lvl="0" indent="0" algn="l" rtl="0">
               <a:spcBef>
                 <a:spcPts val="800"/>
               </a:spcBef>
@@ -7636,7 +8409,7 @@
               <a:buNone/>
             </a:pPr>
             <a:r>
-              <a:rPr lang="en-GB" sz="2200">
+              <a:rPr lang="en-GB" sz="2200" dirty="0">
                 <a:solidFill>
                   <a:schemeClr val="dk1"/>
                 </a:solidFill>
@@ -7647,7 +8420,7 @@
               </a:rPr>
               <a:t>•Optimizing the tile movement animations for performance.</a:t>
             </a:r>
-            <a:endParaRPr sz="2200">
+            <a:endParaRPr sz="2200" dirty="0">
               <a:solidFill>
                 <a:schemeClr val="dk1"/>
               </a:solidFill>
@@ -7658,7 +8431,7 @@
             </a:endParaRPr>
           </a:p>
           <a:p>
-            <a:pPr indent="0" lvl="0" marL="0" rtl="0" algn="l">
+            <a:pPr marL="0" lvl="0" indent="0" algn="l" rtl="0">
               <a:spcBef>
                 <a:spcPts val="800"/>
               </a:spcBef>
@@ -7673,7 +8446,7 @@
               <a:buNone/>
             </a:pPr>
             <a:r>
-              <a:rPr lang="en-GB" sz="2200">
+              <a:rPr lang="en-GB" sz="2200" dirty="0">
                 <a:solidFill>
                   <a:schemeClr val="dk1"/>
                 </a:solidFill>
@@ -7684,7 +8457,7 @@
               </a:rPr>
               <a:t>•Preventing edge-case bugs in tile movement logic.</a:t>
             </a:r>
-            <a:endParaRPr sz="2200">
+            <a:endParaRPr sz="2200" dirty="0">
               <a:solidFill>
                 <a:schemeClr val="dk1"/>
               </a:solidFill>
@@ -7695,7 +8468,7 @@
             </a:endParaRPr>
           </a:p>
           <a:p>
-            <a:pPr indent="0" lvl="0" marL="0" rtl="0" algn="l">
+            <a:pPr marL="0" lvl="0" indent="0" algn="l" rtl="0">
               <a:spcBef>
                 <a:spcPts val="800"/>
               </a:spcBef>
@@ -7710,7 +8483,7 @@
               <a:buNone/>
             </a:pPr>
             <a:r>
-              <a:rPr lang="en-GB" sz="2200">
+              <a:rPr lang="en-GB" sz="2200" dirty="0">
                 <a:solidFill>
                   <a:schemeClr val="dk1"/>
                 </a:solidFill>
@@ -7721,7 +8494,7 @@
               </a:rPr>
               <a:t>•Achieving cross-browser compatibility.</a:t>
             </a:r>
-            <a:endParaRPr sz="2200">
+            <a:endParaRPr sz="2200" dirty="0">
               <a:solidFill>
                 <a:schemeClr val="dk1"/>
               </a:solidFill>
@@ -7732,7 +8505,7 @@
             </a:endParaRPr>
           </a:p>
           <a:p>
-            <a:pPr indent="0" lvl="0" marL="0" rtl="0" algn="l">
+            <a:pPr marL="0" lvl="0" indent="0" algn="l" rtl="0">
               <a:spcBef>
                 <a:spcPts val="0"/>
               </a:spcBef>
@@ -7741,10 +8514,7 @@
               </a:spcAft>
               <a:buNone/>
             </a:pPr>
-            <a:r>
-              <a:t/>
-            </a:r>
-            <a:endParaRPr sz="3200">
+            <a:endParaRPr sz="3200" dirty="0">
               <a:solidFill>
                 <a:schemeClr val="dk1"/>
               </a:solidFill>
@@ -7764,12 +8534,12 @@
 </p:sld>
 </file>
 
-<file path=ppt/slides/slide5.xml><?xml version="1.0" encoding="utf-8"?>
-<p:sld xmlns:a="http://schemas.openxmlformats.org/drawingml/2006/main" xmlns:r="http://schemas.openxmlformats.org/officeDocument/2006/relationships" xmlns:mc="http://schemas.openxmlformats.org/markup-compatibility/2006" xmlns:mv="urn:schemas-microsoft-com:mac:vml" xmlns:p="http://schemas.openxmlformats.org/presentationml/2006/main" xmlns:c="http://schemas.openxmlformats.org/drawingml/2006/chart" xmlns:dgm="http://schemas.openxmlformats.org/drawingml/2006/diagram" xmlns:o="urn:schemas-microsoft-com:office:office" xmlns:v="urn:schemas-microsoft-com:vml" xmlns:pvml="urn:schemas-microsoft-com:office:powerpoint" xmlns:com="http://schemas.openxmlformats.org/drawingml/2006/compatibility" xmlns:p14="http://schemas.microsoft.com/office/powerpoint/2010/main" xmlns:p15="http://schemas.microsoft.com/office/powerpoint/2012/main" xmlns:ahyp="http://schemas.microsoft.com/office/drawing/2018/hyperlinkcolor">
+<file path=ppt/slides/slide6.xml><?xml version="1.0" encoding="utf-8"?>
+<p:sld xmlns:a="http://schemas.openxmlformats.org/drawingml/2006/main" xmlns:r="http://schemas.openxmlformats.org/officeDocument/2006/relationships" xmlns:p="http://schemas.openxmlformats.org/presentationml/2006/main">
   <p:cSld>
     <p:spTree>
       <p:nvGrpSpPr>
-        <p:cNvPr id="77" name="Shape 77"/>
+        <p:cNvPr id="1" name="Shape 77"/>
         <p:cNvGrpSpPr/>
         <p:nvPr/>
       </p:nvGrpSpPr>
@@ -7784,7 +8554,9 @@
       <p:sp>
         <p:nvSpPr>
           <p:cNvPr id="78" name="Google Shape;78;p17"/>
-          <p:cNvSpPr txBox="1"/>
+          <p:cNvSpPr txBox="1">
+            <a:spLocks noGrp="1"/>
+          </p:cNvSpPr>
           <p:nvPr>
             <p:ph type="title"/>
           </p:nvPr>
@@ -7799,12 +8571,12 @@
           </a:prstGeom>
         </p:spPr>
         <p:txBody>
-          <a:bodyPr anchorCtr="0" anchor="t" bIns="91425" lIns="91425" spcFirstLastPara="1" rIns="91425" wrap="square" tIns="91425">
+          <a:bodyPr spcFirstLastPara="1" wrap="square" lIns="91425" tIns="91425" rIns="91425" bIns="91425" anchor="t" anchorCtr="0">
             <a:normAutofit/>
           </a:bodyPr>
           <a:lstStyle/>
           <a:p>
-            <a:pPr indent="0" lvl="0" marL="0" rtl="0" algn="l">
+            <a:pPr marL="0" lvl="0" indent="0" algn="l" rtl="0">
               <a:spcBef>
                 <a:spcPts val="0"/>
               </a:spcBef>
@@ -7834,9 +8606,11 @@
       <p:sp>
         <p:nvSpPr>
           <p:cNvPr id="79" name="Google Shape;79;p17"/>
-          <p:cNvSpPr txBox="1"/>
+          <p:cNvSpPr txBox="1">
+            <a:spLocks noGrp="1"/>
+          </p:cNvSpPr>
           <p:nvPr>
-            <p:ph idx="1" type="body"/>
+            <p:ph type="body" idx="1"/>
           </p:nvPr>
         </p:nvSpPr>
         <p:spPr>
@@ -7849,12 +8623,12 @@
           </a:prstGeom>
         </p:spPr>
         <p:txBody>
-          <a:bodyPr anchorCtr="0" anchor="t" bIns="91425" lIns="91425" spcFirstLastPara="1" rIns="91425" wrap="square" tIns="91425">
+          <a:bodyPr spcFirstLastPara="1" wrap="square" lIns="91425" tIns="91425" rIns="91425" bIns="91425" anchor="t" anchorCtr="0">
             <a:normAutofit/>
           </a:bodyPr>
           <a:lstStyle/>
           <a:p>
-            <a:pPr indent="0" lvl="0" marL="0" rtl="0" algn="l">
+            <a:pPr marL="0" lvl="0" indent="0" algn="l" rtl="0">
               <a:spcBef>
                 <a:spcPts val="800"/>
               </a:spcBef>
@@ -7891,7 +8665,7 @@
             </a:endParaRPr>
           </a:p>
           <a:p>
-            <a:pPr indent="0" lvl="0" marL="0" rtl="0" algn="l">
+            <a:pPr marL="0" lvl="0" indent="0" algn="l" rtl="0">
               <a:spcBef>
                 <a:spcPts val="800"/>
               </a:spcBef>
@@ -7928,7 +8702,7 @@
             </a:endParaRPr>
           </a:p>
           <a:p>
-            <a:pPr indent="0" lvl="0" marL="0" rtl="0" algn="l">
+            <a:pPr marL="0" lvl="0" indent="0" algn="l" rtl="0">
               <a:spcBef>
                 <a:spcPts val="800"/>
               </a:spcBef>
@@ -7965,7 +8739,7 @@
             </a:endParaRPr>
           </a:p>
           <a:p>
-            <a:pPr indent="0" lvl="0" marL="0" rtl="0" algn="l">
+            <a:pPr marL="0" lvl="0" indent="0" algn="l" rtl="0">
               <a:spcBef>
                 <a:spcPts val="0"/>
               </a:spcBef>
@@ -7974,9 +8748,6 @@
               </a:spcAft>
               <a:buNone/>
             </a:pPr>
-            <a:r>
-              <a:t/>
-            </a:r>
             <a:endParaRPr/>
           </a:p>
         </p:txBody>
@@ -7989,12 +8760,12 @@
 </p:sld>
 </file>
 
-<file path=ppt/slides/slide6.xml><?xml version="1.0" encoding="utf-8"?>
-<p:sld xmlns:a="http://schemas.openxmlformats.org/drawingml/2006/main" xmlns:r="http://schemas.openxmlformats.org/officeDocument/2006/relationships" xmlns:mc="http://schemas.openxmlformats.org/markup-compatibility/2006" xmlns:mv="urn:schemas-microsoft-com:mac:vml" xmlns:p="http://schemas.openxmlformats.org/presentationml/2006/main" xmlns:c="http://schemas.openxmlformats.org/drawingml/2006/chart" xmlns:dgm="http://schemas.openxmlformats.org/drawingml/2006/diagram" xmlns:o="urn:schemas-microsoft-com:office:office" xmlns:v="urn:schemas-microsoft-com:vml" xmlns:pvml="urn:schemas-microsoft-com:office:powerpoint" xmlns:com="http://schemas.openxmlformats.org/drawingml/2006/compatibility" xmlns:p14="http://schemas.microsoft.com/office/powerpoint/2010/main" xmlns:p15="http://schemas.microsoft.com/office/powerpoint/2012/main" xmlns:ahyp="http://schemas.microsoft.com/office/drawing/2018/hyperlinkcolor">
+<file path=ppt/slides/slide7.xml><?xml version="1.0" encoding="utf-8"?>
+<p:sld xmlns:a="http://schemas.openxmlformats.org/drawingml/2006/main" xmlns:r="http://schemas.openxmlformats.org/officeDocument/2006/relationships" xmlns:p="http://schemas.openxmlformats.org/presentationml/2006/main">
   <p:cSld>
     <p:spTree>
       <p:nvGrpSpPr>
-        <p:cNvPr id="83" name="Shape 83"/>
+        <p:cNvPr id="1" name="Shape 83"/>
         <p:cNvGrpSpPr/>
         <p:nvPr/>
       </p:nvGrpSpPr>
@@ -8009,7 +8780,9 @@
       <p:sp>
         <p:nvSpPr>
           <p:cNvPr id="84" name="Google Shape;84;p18"/>
-          <p:cNvSpPr txBox="1"/>
+          <p:cNvSpPr txBox="1">
+            <a:spLocks noGrp="1"/>
+          </p:cNvSpPr>
           <p:nvPr>
             <p:ph type="title"/>
           </p:nvPr>
@@ -8024,12 +8797,12 @@
           </a:prstGeom>
         </p:spPr>
         <p:txBody>
-          <a:bodyPr anchorCtr="0" anchor="t" bIns="91425" lIns="91425" spcFirstLastPara="1" rIns="91425" wrap="square" tIns="91425">
+          <a:bodyPr spcFirstLastPara="1" wrap="square" lIns="91425" tIns="91425" rIns="91425" bIns="91425" anchor="t" anchorCtr="0">
             <a:normAutofit/>
           </a:bodyPr>
           <a:lstStyle/>
           <a:p>
-            <a:pPr indent="0" lvl="0" marL="0" rtl="0" algn="l">
+            <a:pPr marL="0" lvl="0" indent="0" algn="l" rtl="0">
               <a:spcBef>
                 <a:spcPts val="0"/>
               </a:spcBef>
@@ -8059,9 +8832,11 @@
       <p:sp>
         <p:nvSpPr>
           <p:cNvPr id="85" name="Google Shape;85;p18"/>
-          <p:cNvSpPr txBox="1"/>
+          <p:cNvSpPr txBox="1">
+            <a:spLocks noGrp="1"/>
+          </p:cNvSpPr>
           <p:nvPr>
-            <p:ph idx="1" type="body"/>
+            <p:ph type="body" idx="1"/>
           </p:nvPr>
         </p:nvSpPr>
         <p:spPr>
@@ -8074,12 +8849,12 @@
           </a:prstGeom>
         </p:spPr>
         <p:txBody>
-          <a:bodyPr anchorCtr="0" anchor="t" bIns="91425" lIns="91425" spcFirstLastPara="1" rIns="91425" wrap="square" tIns="91425">
+          <a:bodyPr spcFirstLastPara="1" wrap="square" lIns="91425" tIns="91425" rIns="91425" bIns="91425" anchor="t" anchorCtr="0">
             <a:normAutofit fontScale="85000" lnSpcReduction="20000"/>
           </a:bodyPr>
           <a:lstStyle/>
           <a:p>
-            <a:pPr indent="0" lvl="0" marL="0" rtl="0" algn="l">
+            <a:pPr marL="0" lvl="0" indent="0" algn="l" rtl="0">
               <a:spcBef>
                 <a:spcPts val="800"/>
               </a:spcBef>
@@ -8116,7 +8891,7 @@
             </a:endParaRPr>
           </a:p>
           <a:p>
-            <a:pPr indent="0" lvl="0" marL="0" rtl="0" algn="l">
+            <a:pPr marL="0" lvl="0" indent="0" algn="l" rtl="0">
               <a:spcBef>
                 <a:spcPts val="800"/>
               </a:spcBef>
@@ -8153,7 +8928,7 @@
             </a:endParaRPr>
           </a:p>
           <a:p>
-            <a:pPr indent="0" lvl="0" marL="0" rtl="0" algn="l">
+            <a:pPr marL="0" lvl="0" indent="0" algn="l" rtl="0">
               <a:spcBef>
                 <a:spcPts val="800"/>
               </a:spcBef>
@@ -8190,7 +8965,7 @@
             </a:endParaRPr>
           </a:p>
           <a:p>
-            <a:pPr indent="0" lvl="0" marL="0" rtl="0" algn="l">
+            <a:pPr marL="0" lvl="0" indent="0" algn="l" rtl="0">
               <a:spcBef>
                 <a:spcPts val="800"/>
               </a:spcBef>
@@ -8227,7 +9002,7 @@
             </a:endParaRPr>
           </a:p>
           <a:p>
-            <a:pPr indent="0" lvl="0" marL="0" rtl="0" algn="l">
+            <a:pPr marL="0" lvl="0" indent="0" algn="l" rtl="0">
               <a:spcBef>
                 <a:spcPts val="800"/>
               </a:spcBef>
@@ -8264,7 +9039,7 @@
             </a:endParaRPr>
           </a:p>
           <a:p>
-            <a:pPr indent="0" lvl="0" marL="0" rtl="0" algn="l">
+            <a:pPr marL="0" lvl="0" indent="0" algn="l" rtl="0">
               <a:spcBef>
                 <a:spcPts val="800"/>
               </a:spcBef>
@@ -8301,7 +9076,7 @@
             </a:endParaRPr>
           </a:p>
           <a:p>
-            <a:pPr indent="0" lvl="0" marL="0" rtl="0" algn="l">
+            <a:pPr marL="0" lvl="0" indent="0" algn="l" rtl="0">
               <a:spcBef>
                 <a:spcPts val="0"/>
               </a:spcBef>
@@ -8310,9 +9085,6 @@
               </a:spcAft>
               <a:buNone/>
             </a:pPr>
-            <a:r>
-              <a:t/>
-            </a:r>
             <a:endParaRPr/>
           </a:p>
         </p:txBody>
@@ -8325,12 +9097,12 @@
 </p:sld>
 </file>
 
-<file path=ppt/slides/slide7.xml><?xml version="1.0" encoding="utf-8"?>
-<p:sld xmlns:a="http://schemas.openxmlformats.org/drawingml/2006/main" xmlns:r="http://schemas.openxmlformats.org/officeDocument/2006/relationships" xmlns:mc="http://schemas.openxmlformats.org/markup-compatibility/2006" xmlns:mv="urn:schemas-microsoft-com:mac:vml" xmlns:p="http://schemas.openxmlformats.org/presentationml/2006/main" xmlns:c="http://schemas.openxmlformats.org/drawingml/2006/chart" xmlns:dgm="http://schemas.openxmlformats.org/drawingml/2006/diagram" xmlns:o="urn:schemas-microsoft-com:office:office" xmlns:v="urn:schemas-microsoft-com:vml" xmlns:pvml="urn:schemas-microsoft-com:office:powerpoint" xmlns:com="http://schemas.openxmlformats.org/drawingml/2006/compatibility" xmlns:p14="http://schemas.microsoft.com/office/powerpoint/2010/main" xmlns:p15="http://schemas.microsoft.com/office/powerpoint/2012/main" xmlns:ahyp="http://schemas.microsoft.com/office/drawing/2018/hyperlinkcolor">
+<file path=ppt/slides/slide8.xml><?xml version="1.0" encoding="utf-8"?>
+<p:sld xmlns:a="http://schemas.openxmlformats.org/drawingml/2006/main" xmlns:r="http://schemas.openxmlformats.org/officeDocument/2006/relationships" xmlns:p="http://schemas.openxmlformats.org/presentationml/2006/main">
   <p:cSld>
     <p:spTree>
       <p:nvGrpSpPr>
-        <p:cNvPr id="89" name="Shape 89"/>
+        <p:cNvPr id="1" name="Shape 89"/>
         <p:cNvGrpSpPr/>
         <p:nvPr/>
       </p:nvGrpSpPr>
@@ -8345,7 +9117,9 @@
       <p:sp>
         <p:nvSpPr>
           <p:cNvPr id="90" name="Google Shape;90;p19"/>
-          <p:cNvSpPr txBox="1"/>
+          <p:cNvSpPr txBox="1">
+            <a:spLocks noGrp="1"/>
+          </p:cNvSpPr>
           <p:nvPr>
             <p:ph type="title"/>
           </p:nvPr>
@@ -8360,12 +9134,12 @@
           </a:prstGeom>
         </p:spPr>
         <p:txBody>
-          <a:bodyPr anchorCtr="0" anchor="t" bIns="91425" lIns="91425" spcFirstLastPara="1" rIns="91425" wrap="square" tIns="91425">
+          <a:bodyPr spcFirstLastPara="1" wrap="square" lIns="91425" tIns="91425" rIns="91425" bIns="91425" anchor="t" anchorCtr="0">
             <a:normAutofit/>
           </a:bodyPr>
           <a:lstStyle/>
           <a:p>
-            <a:pPr indent="0" lvl="0" marL="0" rtl="0" algn="l">
+            <a:pPr marL="0" lvl="0" indent="0" algn="l" rtl="0">
               <a:spcBef>
                 <a:spcPts val="0"/>
               </a:spcBef>
@@ -8395,9 +9169,11 @@
       <p:sp>
         <p:nvSpPr>
           <p:cNvPr id="91" name="Google Shape;91;p19"/>
-          <p:cNvSpPr txBox="1"/>
+          <p:cNvSpPr txBox="1">
+            <a:spLocks noGrp="1"/>
+          </p:cNvSpPr>
           <p:nvPr>
-            <p:ph idx="1" type="body"/>
+            <p:ph type="body" idx="1"/>
           </p:nvPr>
         </p:nvSpPr>
         <p:spPr>
@@ -8410,12 +9186,12 @@
           </a:prstGeom>
         </p:spPr>
         <p:txBody>
-          <a:bodyPr anchorCtr="0" anchor="t" bIns="91425" lIns="91425" spcFirstLastPara="1" rIns="91425" wrap="square" tIns="91425">
+          <a:bodyPr spcFirstLastPara="1" wrap="square" lIns="91425" tIns="91425" rIns="91425" bIns="91425" anchor="t" anchorCtr="0">
             <a:normAutofit fontScale="47500" lnSpcReduction="20000"/>
           </a:bodyPr>
           <a:lstStyle/>
           <a:p>
-            <a:pPr indent="0" lvl="0" marL="0" rtl="0" algn="l">
+            <a:pPr marL="0" lvl="0" indent="0" algn="l" rtl="0">
               <a:spcBef>
                 <a:spcPts val="800"/>
               </a:spcBef>
@@ -8452,7 +9228,7 @@
             </a:endParaRPr>
           </a:p>
           <a:p>
-            <a:pPr indent="0" lvl="0" marL="0" rtl="0" algn="l">
+            <a:pPr marL="0" lvl="0" indent="0" algn="l" rtl="0">
               <a:spcBef>
                 <a:spcPts val="800"/>
               </a:spcBef>
@@ -8489,7 +9265,7 @@
             </a:endParaRPr>
           </a:p>
           <a:p>
-            <a:pPr indent="0" lvl="0" marL="0" rtl="0" algn="l">
+            <a:pPr marL="0" lvl="0" indent="0" algn="l" rtl="0">
               <a:spcBef>
                 <a:spcPts val="800"/>
               </a:spcBef>
@@ -8526,7 +9302,7 @@
             </a:endParaRPr>
           </a:p>
           <a:p>
-            <a:pPr indent="0" lvl="0" marL="0" rtl="0" algn="l">
+            <a:pPr marL="0" lvl="0" indent="0" algn="l" rtl="0">
               <a:spcBef>
                 <a:spcPts val="800"/>
               </a:spcBef>
@@ -8563,7 +9339,7 @@
             </a:endParaRPr>
           </a:p>
           <a:p>
-            <a:pPr indent="0" lvl="0" marL="0" rtl="0" algn="l">
+            <a:pPr marL="0" lvl="0" indent="0" algn="l" rtl="0">
               <a:spcBef>
                 <a:spcPts val="800"/>
               </a:spcBef>
@@ -8600,7 +9376,7 @@
             </a:endParaRPr>
           </a:p>
           <a:p>
-            <a:pPr indent="0" lvl="0" marL="0" rtl="0" algn="l">
+            <a:pPr marL="0" lvl="0" indent="0" algn="l" rtl="0">
               <a:spcBef>
                 <a:spcPts val="800"/>
               </a:spcBef>
@@ -8637,7 +9413,7 @@
             </a:endParaRPr>
           </a:p>
           <a:p>
-            <a:pPr indent="0" lvl="0" marL="0" rtl="0" algn="l">
+            <a:pPr marL="0" lvl="0" indent="0" algn="l" rtl="0">
               <a:spcBef>
                 <a:spcPts val="800"/>
               </a:spcBef>
@@ -8674,7 +9450,7 @@
             </a:endParaRPr>
           </a:p>
           <a:p>
-            <a:pPr indent="0" lvl="0" marL="0" rtl="0" algn="l">
+            <a:pPr marL="0" lvl="0" indent="0" algn="l" rtl="0">
               <a:spcBef>
                 <a:spcPts val="800"/>
               </a:spcBef>
@@ -8711,7 +9487,7 @@
             </a:endParaRPr>
           </a:p>
           <a:p>
-            <a:pPr indent="0" lvl="0" marL="0" rtl="0" algn="l">
+            <a:pPr marL="0" lvl="0" indent="0" algn="l" rtl="0">
               <a:spcBef>
                 <a:spcPts val="0"/>
               </a:spcBef>
@@ -8720,9 +9496,6 @@
               </a:spcAft>
               <a:buNone/>
             </a:pPr>
-            <a:r>
-              <a:t/>
-            </a:r>
             <a:endParaRPr/>
           </a:p>
         </p:txBody>
@@ -8735,12 +9508,12 @@
 </p:sld>
 </file>
 
-<file path=ppt/slides/slide8.xml><?xml version="1.0" encoding="utf-8"?>
-<p:sld xmlns:a="http://schemas.openxmlformats.org/drawingml/2006/main" xmlns:r="http://schemas.openxmlformats.org/officeDocument/2006/relationships" xmlns:mc="http://schemas.openxmlformats.org/markup-compatibility/2006" xmlns:mv="urn:schemas-microsoft-com:mac:vml" xmlns:p="http://schemas.openxmlformats.org/presentationml/2006/main" xmlns:c="http://schemas.openxmlformats.org/drawingml/2006/chart" xmlns:dgm="http://schemas.openxmlformats.org/drawingml/2006/diagram" xmlns:o="urn:schemas-microsoft-com:office:office" xmlns:v="urn:schemas-microsoft-com:vml" xmlns:pvml="urn:schemas-microsoft-com:office:powerpoint" xmlns:com="http://schemas.openxmlformats.org/drawingml/2006/compatibility" xmlns:p14="http://schemas.microsoft.com/office/powerpoint/2010/main" xmlns:p15="http://schemas.microsoft.com/office/powerpoint/2012/main" xmlns:ahyp="http://schemas.microsoft.com/office/drawing/2018/hyperlinkcolor">
+<file path=ppt/slides/slide9.xml><?xml version="1.0" encoding="utf-8"?>
+<p:sld xmlns:a="http://schemas.openxmlformats.org/drawingml/2006/main" xmlns:r="http://schemas.openxmlformats.org/officeDocument/2006/relationships" xmlns:p="http://schemas.openxmlformats.org/presentationml/2006/main">
   <p:cSld>
     <p:spTree>
       <p:nvGrpSpPr>
-        <p:cNvPr id="95" name="Shape 95"/>
+        <p:cNvPr id="1" name="Shape 95"/>
         <p:cNvGrpSpPr/>
         <p:nvPr/>
       </p:nvGrpSpPr>
@@ -8755,7 +9528,9 @@
       <p:sp>
         <p:nvSpPr>
           <p:cNvPr id="96" name="Google Shape;96;p20"/>
-          <p:cNvSpPr txBox="1"/>
+          <p:cNvSpPr txBox="1">
+            <a:spLocks noGrp="1"/>
+          </p:cNvSpPr>
           <p:nvPr>
             <p:ph type="title"/>
           </p:nvPr>
@@ -8770,12 +9545,12 @@
           </a:prstGeom>
         </p:spPr>
         <p:txBody>
-          <a:bodyPr anchorCtr="0" anchor="t" bIns="91425" lIns="91425" spcFirstLastPara="1" rIns="91425" wrap="square" tIns="91425">
+          <a:bodyPr spcFirstLastPara="1" wrap="square" lIns="91425" tIns="91425" rIns="91425" bIns="91425" anchor="t" anchorCtr="0">
             <a:normAutofit/>
           </a:bodyPr>
           <a:lstStyle/>
           <a:p>
-            <a:pPr indent="0" lvl="0" marL="0" rtl="0" algn="l">
+            <a:pPr marL="0" lvl="0" indent="0" algn="l" rtl="0">
               <a:spcBef>
                 <a:spcPts val="0"/>
               </a:spcBef>
@@ -8805,9 +9580,11 @@
       <p:sp>
         <p:nvSpPr>
           <p:cNvPr id="97" name="Google Shape;97;p20"/>
-          <p:cNvSpPr txBox="1"/>
+          <p:cNvSpPr txBox="1">
+            <a:spLocks noGrp="1"/>
+          </p:cNvSpPr>
           <p:nvPr>
-            <p:ph idx="1" type="body"/>
+            <p:ph type="body" idx="1"/>
           </p:nvPr>
         </p:nvSpPr>
         <p:spPr>
@@ -8820,12 +9597,12 @@
           </a:prstGeom>
         </p:spPr>
         <p:txBody>
-          <a:bodyPr anchorCtr="0" anchor="t" bIns="91425" lIns="91425" spcFirstLastPara="1" rIns="91425" wrap="square" tIns="91425">
+          <a:bodyPr spcFirstLastPara="1" wrap="square" lIns="91425" tIns="91425" rIns="91425" bIns="91425" anchor="t" anchorCtr="0">
             <a:normAutofit fontScale="70000" lnSpcReduction="20000"/>
           </a:bodyPr>
           <a:lstStyle/>
           <a:p>
-            <a:pPr indent="0" lvl="0" marL="0" rtl="0" algn="l">
+            <a:pPr marL="0" lvl="0" indent="0" algn="l" rtl="0">
               <a:spcBef>
                 <a:spcPts val="800"/>
               </a:spcBef>
@@ -8862,7 +9639,7 @@
             </a:endParaRPr>
           </a:p>
           <a:p>
-            <a:pPr indent="0" lvl="0" marL="0" rtl="0" algn="l">
+            <a:pPr marL="0" lvl="0" indent="0" algn="l" rtl="0">
               <a:spcBef>
                 <a:spcPts val="800"/>
               </a:spcBef>
@@ -8899,7 +9676,7 @@
             </a:endParaRPr>
           </a:p>
           <a:p>
-            <a:pPr indent="0" lvl="0" marL="0" rtl="0" algn="l">
+            <a:pPr marL="0" lvl="0" indent="0" algn="l" rtl="0">
               <a:spcBef>
                 <a:spcPts val="800"/>
               </a:spcBef>
@@ -8936,7 +9713,7 @@
             </a:endParaRPr>
           </a:p>
           <a:p>
-            <a:pPr indent="0" lvl="0" marL="0" rtl="0" algn="l">
+            <a:pPr marL="0" lvl="0" indent="0" algn="l" rtl="0">
               <a:spcBef>
                 <a:spcPts val="800"/>
               </a:spcBef>
@@ -8973,7 +9750,7 @@
             </a:endParaRPr>
           </a:p>
           <a:p>
-            <a:pPr indent="0" lvl="0" marL="0" rtl="0" algn="l">
+            <a:pPr marL="0" lvl="0" indent="0" algn="l" rtl="0">
               <a:spcBef>
                 <a:spcPts val="800"/>
               </a:spcBef>
@@ -9010,7 +9787,7 @@
             </a:endParaRPr>
           </a:p>
           <a:p>
-            <a:pPr indent="0" lvl="0" marL="0" rtl="0" algn="l">
+            <a:pPr marL="0" lvl="0" indent="0" algn="l" rtl="0">
               <a:spcBef>
                 <a:spcPts val="800"/>
               </a:spcBef>
@@ -9047,7 +9824,7 @@
             </a:endParaRPr>
           </a:p>
           <a:p>
-            <a:pPr indent="0" lvl="0" marL="0" rtl="0" algn="l">
+            <a:pPr marL="0" lvl="0" indent="0" algn="l" rtl="0">
               <a:spcBef>
                 <a:spcPts val="800"/>
               </a:spcBef>
@@ -9071,19 +9848,7 @@
                 <a:cs typeface="Calibri"/>
                 <a:sym typeface="Calibri"/>
               </a:rPr>
-              <a:t>•</a:t>
-            </a:r>
-            <a:r>
-              <a:rPr lang="en-GB" sz="3200">
-                <a:solidFill>
-                  <a:schemeClr val="dk1"/>
-                </a:solidFill>
-                <a:latin typeface="Calibri"/>
-                <a:ea typeface="Calibri"/>
-                <a:cs typeface="Calibri"/>
-                <a:sym typeface="Calibri"/>
-              </a:rPr>
-              <a:t>board[emptyTile.row][emptyTile.col] = value;</a:t>
+              <a:t>•board[emptyTile.row][emptyTile.col] = value;</a:t>
             </a:r>
             <a:endParaRPr sz="3200">
               <a:solidFill>
@@ -9096,7 +9861,7 @@
             </a:endParaRPr>
           </a:p>
           <a:p>
-            <a:pPr indent="0" lvl="0" marL="0" rtl="0" algn="l">
+            <a:pPr marL="0" lvl="0" indent="0" algn="l" rtl="0">
               <a:spcBef>
                 <a:spcPts val="0"/>
               </a:spcBef>
@@ -9105,271 +9870,6 @@
               </a:spcAft>
               <a:buNone/>
             </a:pPr>
-            <a:r>
-              <a:t/>
-            </a:r>
-            <a:endParaRPr/>
-          </a:p>
-        </p:txBody>
-      </p:sp>
-    </p:spTree>
-  </p:cSld>
-  <p:clrMapOvr>
-    <a:masterClrMapping/>
-  </p:clrMapOvr>
-</p:sld>
-</file>
-
-<file path=ppt/slides/slide9.xml><?xml version="1.0" encoding="utf-8"?>
-<p:sld xmlns:a="http://schemas.openxmlformats.org/drawingml/2006/main" xmlns:r="http://schemas.openxmlformats.org/officeDocument/2006/relationships" xmlns:mc="http://schemas.openxmlformats.org/markup-compatibility/2006" xmlns:mv="urn:schemas-microsoft-com:mac:vml" xmlns:p="http://schemas.openxmlformats.org/presentationml/2006/main" xmlns:c="http://schemas.openxmlformats.org/drawingml/2006/chart" xmlns:dgm="http://schemas.openxmlformats.org/drawingml/2006/diagram" xmlns:o="urn:schemas-microsoft-com:office:office" xmlns:v="urn:schemas-microsoft-com:vml" xmlns:pvml="urn:schemas-microsoft-com:office:powerpoint" xmlns:com="http://schemas.openxmlformats.org/drawingml/2006/compatibility" xmlns:p14="http://schemas.microsoft.com/office/powerpoint/2010/main" xmlns:p15="http://schemas.microsoft.com/office/powerpoint/2012/main" xmlns:ahyp="http://schemas.microsoft.com/office/drawing/2018/hyperlinkcolor">
-  <p:cSld>
-    <p:spTree>
-      <p:nvGrpSpPr>
-        <p:cNvPr id="101" name="Shape 101"/>
-        <p:cNvGrpSpPr/>
-        <p:nvPr/>
-      </p:nvGrpSpPr>
-      <p:grpSpPr>
-        <a:xfrm>
-          <a:off x="0" y="0"/>
-          <a:ext cx="0" cy="0"/>
-          <a:chOff x="0" y="0"/>
-          <a:chExt cx="0" cy="0"/>
-        </a:xfrm>
-      </p:grpSpPr>
-      <p:sp>
-        <p:nvSpPr>
-          <p:cNvPr id="102" name="Google Shape;102;p21"/>
-          <p:cNvSpPr txBox="1"/>
-          <p:nvPr>
-            <p:ph type="title"/>
-          </p:nvPr>
-        </p:nvSpPr>
-        <p:spPr>
-          <a:xfrm>
-            <a:off x="311700" y="445025"/>
-            <a:ext cx="8520600" cy="572700"/>
-          </a:xfrm>
-          <a:prstGeom prst="rect">
-            <a:avLst/>
-          </a:prstGeom>
-        </p:spPr>
-        <p:txBody>
-          <a:bodyPr anchorCtr="0" anchor="t" bIns="91425" lIns="91425" spcFirstLastPara="1" rIns="91425" wrap="square" tIns="91425">
-            <a:normAutofit/>
-          </a:bodyPr>
-          <a:lstStyle/>
-          <a:p>
-            <a:pPr indent="0" lvl="0" marL="0" rtl="0" algn="l">
-              <a:spcBef>
-                <a:spcPts val="0"/>
-              </a:spcBef>
-              <a:spcAft>
-                <a:spcPts val="0"/>
-              </a:spcAft>
-              <a:buNone/>
-            </a:pPr>
-            <a:r>
-              <a:rPr lang="en-GB" sz="2500">
-                <a:latin typeface="Calibri"/>
-                <a:ea typeface="Calibri"/>
-                <a:cs typeface="Calibri"/>
-                <a:sym typeface="Calibri"/>
-              </a:rPr>
-              <a:t>Summary and Future Work</a:t>
-            </a:r>
-            <a:endParaRPr sz="2500">
-              <a:latin typeface="Calibri"/>
-              <a:ea typeface="Calibri"/>
-              <a:cs typeface="Calibri"/>
-              <a:sym typeface="Calibri"/>
-            </a:endParaRPr>
-          </a:p>
-        </p:txBody>
-      </p:sp>
-      <p:sp>
-        <p:nvSpPr>
-          <p:cNvPr id="103" name="Google Shape;103;p21"/>
-          <p:cNvSpPr txBox="1"/>
-          <p:nvPr>
-            <p:ph idx="1" type="body"/>
-          </p:nvPr>
-        </p:nvSpPr>
-        <p:spPr>
-          <a:xfrm>
-            <a:off x="311700" y="1152475"/>
-            <a:ext cx="8520600" cy="3416400"/>
-          </a:xfrm>
-          <a:prstGeom prst="rect">
-            <a:avLst/>
-          </a:prstGeom>
-        </p:spPr>
-        <p:txBody>
-          <a:bodyPr anchorCtr="0" anchor="t" bIns="91425" lIns="91425" spcFirstLastPara="1" rIns="91425" wrap="square" tIns="91425">
-            <a:normAutofit/>
-          </a:bodyPr>
-          <a:lstStyle/>
-          <a:p>
-            <a:pPr indent="0" lvl="0" marL="0" rtl="0" algn="l">
-              <a:spcBef>
-                <a:spcPts val="800"/>
-              </a:spcBef>
-              <a:spcAft>
-                <a:spcPts val="0"/>
-              </a:spcAft>
-              <a:buClr>
-                <a:schemeClr val="dk1"/>
-              </a:buClr>
-              <a:buSzPts val="1100"/>
-              <a:buFont typeface="Arial"/>
-              <a:buNone/>
-            </a:pPr>
-            <a:r>
-              <a:rPr lang="en-GB" sz="2200">
-                <a:solidFill>
-                  <a:schemeClr val="dk1"/>
-                </a:solidFill>
-                <a:latin typeface="Calibri"/>
-                <a:ea typeface="Calibri"/>
-                <a:cs typeface="Calibri"/>
-                <a:sym typeface="Calibri"/>
-              </a:rPr>
-              <a:t>•Successfully implemented a functional fifteen puzzle.</a:t>
-            </a:r>
-            <a:endParaRPr sz="2200">
-              <a:solidFill>
-                <a:schemeClr val="dk1"/>
-              </a:solidFill>
-              <a:latin typeface="Calibri"/>
-              <a:ea typeface="Calibri"/>
-              <a:cs typeface="Calibri"/>
-              <a:sym typeface="Calibri"/>
-            </a:endParaRPr>
-          </a:p>
-          <a:p>
-            <a:pPr indent="0" lvl="0" marL="0" rtl="0" algn="l">
-              <a:spcBef>
-                <a:spcPts val="800"/>
-              </a:spcBef>
-              <a:spcAft>
-                <a:spcPts val="0"/>
-              </a:spcAft>
-              <a:buClr>
-                <a:schemeClr val="dk1"/>
-              </a:buClr>
-              <a:buSzPts val="1100"/>
-              <a:buFont typeface="Arial"/>
-              <a:buNone/>
-            </a:pPr>
-            <a:r>
-              <a:rPr lang="en-GB" sz="2200">
-                <a:solidFill>
-                  <a:schemeClr val="dk1"/>
-                </a:solidFill>
-                <a:latin typeface="Calibri"/>
-                <a:ea typeface="Calibri"/>
-                <a:cs typeface="Calibri"/>
-                <a:sym typeface="Calibri"/>
-              </a:rPr>
-              <a:t>•Future plans:</a:t>
-            </a:r>
-            <a:endParaRPr sz="2200">
-              <a:solidFill>
-                <a:schemeClr val="dk1"/>
-              </a:solidFill>
-              <a:latin typeface="Calibri"/>
-              <a:ea typeface="Calibri"/>
-              <a:cs typeface="Calibri"/>
-              <a:sym typeface="Calibri"/>
-            </a:endParaRPr>
-          </a:p>
-          <a:p>
-            <a:pPr indent="0" lvl="0" marL="0" rtl="0" algn="l">
-              <a:spcBef>
-                <a:spcPts val="800"/>
-              </a:spcBef>
-              <a:spcAft>
-                <a:spcPts val="0"/>
-              </a:spcAft>
-              <a:buClr>
-                <a:schemeClr val="dk1"/>
-              </a:buClr>
-              <a:buSzPts val="1100"/>
-              <a:buFont typeface="Arial"/>
-              <a:buNone/>
-            </a:pPr>
-            <a:r>
-              <a:rPr lang="en-GB" sz="2200">
-                <a:solidFill>
-                  <a:schemeClr val="dk1"/>
-                </a:solidFill>
-                <a:latin typeface="Calibri"/>
-                <a:ea typeface="Calibri"/>
-                <a:cs typeface="Calibri"/>
-                <a:sym typeface="Calibri"/>
-              </a:rPr>
-              <a:t>•Add leaderboard integration.</a:t>
-            </a:r>
-            <a:endParaRPr sz="2200">
-              <a:solidFill>
-                <a:schemeClr val="dk1"/>
-              </a:solidFill>
-              <a:latin typeface="Calibri"/>
-              <a:ea typeface="Calibri"/>
-              <a:cs typeface="Calibri"/>
-              <a:sym typeface="Calibri"/>
-            </a:endParaRPr>
-          </a:p>
-          <a:p>
-            <a:pPr indent="0" lvl="0" marL="0" rtl="0" algn="l">
-              <a:spcBef>
-                <a:spcPts val="800"/>
-              </a:spcBef>
-              <a:spcAft>
-                <a:spcPts val="0"/>
-              </a:spcAft>
-              <a:buClr>
-                <a:schemeClr val="dk1"/>
-              </a:buClr>
-              <a:buSzPts val="1100"/>
-              <a:buFont typeface="Arial"/>
-              <a:buNone/>
-            </a:pPr>
-            <a:r>
-              <a:rPr lang="en-GB" sz="2200">
-                <a:solidFill>
-                  <a:schemeClr val="dk1"/>
-                </a:solidFill>
-                <a:latin typeface="Calibri"/>
-                <a:ea typeface="Calibri"/>
-                <a:cs typeface="Calibri"/>
-                <a:sym typeface="Calibri"/>
-              </a:rPr>
-              <a:t>•Mobile-friendly enhancements.</a:t>
-            </a:r>
-            <a:endParaRPr sz="2200">
-              <a:solidFill>
-                <a:schemeClr val="dk1"/>
-              </a:solidFill>
-              <a:latin typeface="Calibri"/>
-              <a:ea typeface="Calibri"/>
-              <a:cs typeface="Calibri"/>
-              <a:sym typeface="Calibri"/>
-            </a:endParaRPr>
-          </a:p>
-          <a:p>
-            <a:pPr indent="0" lvl="0" marL="0" rtl="0" algn="l">
-              <a:spcBef>
-                <a:spcPts val="0"/>
-              </a:spcBef>
-              <a:spcAft>
-                <a:spcPts val="1200"/>
-              </a:spcAft>
-              <a:buNone/>
-            </a:pPr>
-            <a:r>
-              <a:t/>
-            </a:r>
             <a:endParaRPr/>
           </a:p>
         </p:txBody>
@@ -9383,7 +9883,7 @@
 </file>
 
 <file path=ppt/theme/theme1.xml><?xml version="1.0" encoding="utf-8"?>
-<a:theme xmlns:a="http://schemas.openxmlformats.org/drawingml/2006/main" xmlns:r="http://schemas.openxmlformats.org/officeDocument/2006/relationships" name="Simple Light">
+<a:theme xmlns:a="http://schemas.openxmlformats.org/drawingml/2006/main" name="Simple Light">
   <a:themeElements>
     <a:clrScheme name="Simple Light">
       <a:dk1>
@@ -9658,11 +10158,13 @@
       </a:bgFillStyleLst>
     </a:fmtScheme>
   </a:themeElements>
+  <a:objectDefaults/>
+  <a:extraClrSchemeLst/>
 </a:theme>
 </file>
 
 <file path=ppt/theme/theme2.xml><?xml version="1.0" encoding="utf-8"?>
-<a:theme xmlns:a="http://schemas.openxmlformats.org/drawingml/2006/main" xmlns:r="http://schemas.openxmlformats.org/officeDocument/2006/relationships">
+<a:theme xmlns:a="http://schemas.openxmlformats.org/drawingml/2006/main">
   <a:themeElements>
     <a:clrScheme name="Default">
       <a:dk1>
@@ -9937,5 +10439,7 @@
       </a:bgFillStyleLst>
     </a:fmtScheme>
   </a:themeElements>
+  <a:objectDefaults/>
+  <a:extraClrSchemeLst/>
 </a:theme>
 </file>
--- a/Fifteen Puzzle Game Project.pptx
+++ b/Fifteen Puzzle Game Project.pptx
@@ -5,21 +5,20 @@
     <p:sldMasterId id="2147483659" r:id="rId1"/>
   </p:sldMasterIdLst>
   <p:notesMasterIdLst>
-    <p:notesMasterId r:id="rId14"/>
+    <p:notesMasterId r:id="rId13"/>
   </p:notesMasterIdLst>
   <p:sldIdLst>
     <p:sldId id="256" r:id="rId2"/>
-    <p:sldId id="267" r:id="rId3"/>
-    <p:sldId id="257" r:id="rId4"/>
-    <p:sldId id="258" r:id="rId5"/>
-    <p:sldId id="259" r:id="rId6"/>
-    <p:sldId id="260" r:id="rId7"/>
-    <p:sldId id="261" r:id="rId8"/>
-    <p:sldId id="262" r:id="rId9"/>
-    <p:sldId id="263" r:id="rId10"/>
-    <p:sldId id="264" r:id="rId11"/>
-    <p:sldId id="265" r:id="rId12"/>
-    <p:sldId id="266" r:id="rId13"/>
+    <p:sldId id="257" r:id="rId3"/>
+    <p:sldId id="258" r:id="rId4"/>
+    <p:sldId id="259" r:id="rId5"/>
+    <p:sldId id="260" r:id="rId6"/>
+    <p:sldId id="261" r:id="rId7"/>
+    <p:sldId id="262" r:id="rId8"/>
+    <p:sldId id="263" r:id="rId9"/>
+    <p:sldId id="264" r:id="rId10"/>
+    <p:sldId id="265" r:id="rId11"/>
+    <p:sldId id="266" r:id="rId12"/>
   </p:sldIdLst>
   <p:sldSz cx="9144000" cy="5143500" type="screen16x9"/>
   <p:notesSz cx="6858000" cy="9144000"/>
@@ -741,8 +740,8 @@
         </p:nvSpPr>
         <p:spPr>
           <a:xfrm>
-            <a:off x="381300" y="685800"/>
-            <a:ext cx="6096075" cy="3429000"/>
+            <a:off x="381000" y="685800"/>
+            <a:ext cx="6096000" cy="3429000"/>
           </a:xfrm>
           <a:custGeom>
             <a:avLst/>
@@ -817,110 +816,6 @@
 </file>
 
 <file path=ppt/notesSlides/notesSlide10.xml><?xml version="1.0" encoding="utf-8"?>
-<p:notes xmlns:a="http://schemas.openxmlformats.org/drawingml/2006/main" xmlns:r="http://schemas.openxmlformats.org/officeDocument/2006/relationships" xmlns:p="http://schemas.openxmlformats.org/presentationml/2006/main" showMasterSp="0" showMasterPhAnim="0">
-  <p:cSld>
-    <p:spTree>
-      <p:nvGrpSpPr>
-        <p:cNvPr id="1" name="Shape 98"/>
-        <p:cNvGrpSpPr/>
-        <p:nvPr/>
-      </p:nvGrpSpPr>
-      <p:grpSpPr>
-        <a:xfrm>
-          <a:off x="0" y="0"/>
-          <a:ext cx="0" cy="0"/>
-          <a:chOff x="0" y="0"/>
-          <a:chExt cx="0" cy="0"/>
-        </a:xfrm>
-      </p:grpSpPr>
-      <p:sp>
-        <p:nvSpPr>
-          <p:cNvPr id="99" name="Google Shape;99;g31ab5136d0f_0_65:notes"/>
-          <p:cNvSpPr>
-            <a:spLocks noGrp="1" noRot="1" noChangeAspect="1"/>
-          </p:cNvSpPr>
-          <p:nvPr>
-            <p:ph type="sldImg" idx="2"/>
-          </p:nvPr>
-        </p:nvSpPr>
-        <p:spPr>
-          <a:xfrm>
-            <a:off x="381300" y="685800"/>
-            <a:ext cx="6096000" cy="3429000"/>
-          </a:xfrm>
-          <a:custGeom>
-            <a:avLst/>
-            <a:gdLst/>
-            <a:ahLst/>
-            <a:cxnLst/>
-            <a:rect l="l" t="t" r="r" b="b"/>
-            <a:pathLst>
-              <a:path w="120000" h="120000" extrusionOk="0">
-                <a:moveTo>
-                  <a:pt x="0" y="0"/>
-                </a:moveTo>
-                <a:lnTo>
-                  <a:pt x="120000" y="0"/>
-                </a:lnTo>
-                <a:lnTo>
-                  <a:pt x="120000" y="120000"/>
-                </a:lnTo>
-                <a:lnTo>
-                  <a:pt x="0" y="120000"/>
-                </a:lnTo>
-                <a:close/>
-              </a:path>
-            </a:pathLst>
-          </a:custGeom>
-        </p:spPr>
-      </p:sp>
-      <p:sp>
-        <p:nvSpPr>
-          <p:cNvPr id="100" name="Google Shape;100;g31ab5136d0f_0_65:notes"/>
-          <p:cNvSpPr txBox="1">
-            <a:spLocks noGrp="1"/>
-          </p:cNvSpPr>
-          <p:nvPr>
-            <p:ph type="body" idx="1"/>
-          </p:nvPr>
-        </p:nvSpPr>
-        <p:spPr>
-          <a:xfrm>
-            <a:off x="685800" y="4343400"/>
-            <a:ext cx="5486400" cy="4114800"/>
-          </a:xfrm>
-          <a:prstGeom prst="rect">
-            <a:avLst/>
-          </a:prstGeom>
-        </p:spPr>
-        <p:txBody>
-          <a:bodyPr spcFirstLastPara="1" wrap="square" lIns="91425" tIns="91425" rIns="91425" bIns="91425" anchor="t" anchorCtr="0">
-            <a:noAutofit/>
-          </a:bodyPr>
-          <a:lstStyle/>
-          <a:p>
-            <a:pPr marL="0" lvl="0" indent="0" algn="l" rtl="0">
-              <a:spcBef>
-                <a:spcPts val="0"/>
-              </a:spcBef>
-              <a:spcAft>
-                <a:spcPts val="0"/>
-              </a:spcAft>
-              <a:buNone/>
-            </a:pPr>
-            <a:endParaRPr/>
-          </a:p>
-        </p:txBody>
-      </p:sp>
-    </p:spTree>
-  </p:cSld>
-  <p:clrMapOvr>
-    <a:masterClrMapping/>
-  </p:clrMapOvr>
-</p:notes>
-</file>
-
-<file path=ppt/notesSlides/notesSlide11.xml><?xml version="1.0" encoding="utf-8"?>
 <p:notes xmlns:a="http://schemas.openxmlformats.org/drawingml/2006/main" xmlns:r="http://schemas.openxmlformats.org/officeDocument/2006/relationships" xmlns:p="http://schemas.openxmlformats.org/presentationml/2006/main" showMasterSp="0" showMasterPhAnim="0">
   <p:cSld>
     <p:spTree>
@@ -1024,7 +919,7 @@
 </p:notes>
 </file>
 
-<file path=ppt/notesSlides/notesSlide12.xml><?xml version="1.0" encoding="utf-8"?>
+<file path=ppt/notesSlides/notesSlide11.xml><?xml version="1.0" encoding="utf-8"?>
 <p:notes xmlns:a="http://schemas.openxmlformats.org/drawingml/2006/main" xmlns:r="http://schemas.openxmlformats.org/officeDocument/2006/relationships" xmlns:p="http://schemas.openxmlformats.org/presentationml/2006/main" showMasterSp="0" showMasterPhAnim="0">
   <p:cSld>
     <p:spTree>
@@ -1133,133 +1028,6 @@
   <p:cSld>
     <p:spTree>
       <p:nvGrpSpPr>
-        <p:cNvPr id="1" name="Shape 68">
-          <a:extLst>
-            <a:ext uri="{FF2B5EF4-FFF2-40B4-BE49-F238E27FC236}">
-              <a16:creationId xmlns:a16="http://schemas.microsoft.com/office/drawing/2014/main" id="{E071E2B9-77B6-0D20-2170-14F39DF349F3}"/>
-            </a:ext>
-          </a:extLst>
-        </p:cNvPr>
-        <p:cNvGrpSpPr/>
-        <p:nvPr/>
-      </p:nvGrpSpPr>
-      <p:grpSpPr>
-        <a:xfrm>
-          <a:off x="0" y="0"/>
-          <a:ext cx="0" cy="0"/>
-          <a:chOff x="0" y="0"/>
-          <a:chExt cx="0" cy="0"/>
-        </a:xfrm>
-      </p:grpSpPr>
-      <p:sp>
-        <p:nvSpPr>
-          <p:cNvPr id="69" name="Google Shape;69;g31ab5136d0f_0_15:notes">
-            <a:extLst>
-              <a:ext uri="{FF2B5EF4-FFF2-40B4-BE49-F238E27FC236}">
-                <a16:creationId xmlns:a16="http://schemas.microsoft.com/office/drawing/2014/main" id="{280692DA-1EE1-5614-6F95-DCEEAC8E0F3F}"/>
-              </a:ext>
-            </a:extLst>
-          </p:cNvPr>
-          <p:cNvSpPr>
-            <a:spLocks noGrp="1" noRot="1" noChangeAspect="1"/>
-          </p:cNvSpPr>
-          <p:nvPr>
-            <p:ph type="sldImg" idx="2"/>
-          </p:nvPr>
-        </p:nvSpPr>
-        <p:spPr>
-          <a:xfrm>
-            <a:off x="381000" y="685800"/>
-            <a:ext cx="6096000" cy="3429000"/>
-          </a:xfrm>
-          <a:custGeom>
-            <a:avLst/>
-            <a:gdLst/>
-            <a:ahLst/>
-            <a:cxnLst/>
-            <a:rect l="l" t="t" r="r" b="b"/>
-            <a:pathLst>
-              <a:path w="120000" h="120000" extrusionOk="0">
-                <a:moveTo>
-                  <a:pt x="0" y="0"/>
-                </a:moveTo>
-                <a:lnTo>
-                  <a:pt x="120000" y="0"/>
-                </a:lnTo>
-                <a:lnTo>
-                  <a:pt x="120000" y="120000"/>
-                </a:lnTo>
-                <a:lnTo>
-                  <a:pt x="0" y="120000"/>
-                </a:lnTo>
-                <a:close/>
-              </a:path>
-            </a:pathLst>
-          </a:custGeom>
-        </p:spPr>
-      </p:sp>
-      <p:sp>
-        <p:nvSpPr>
-          <p:cNvPr id="70" name="Google Shape;70;g31ab5136d0f_0_15:notes">
-            <a:extLst>
-              <a:ext uri="{FF2B5EF4-FFF2-40B4-BE49-F238E27FC236}">
-                <a16:creationId xmlns:a16="http://schemas.microsoft.com/office/drawing/2014/main" id="{CDCA81BE-4F4E-51A6-4101-C75897902EDA}"/>
-              </a:ext>
-            </a:extLst>
-          </p:cNvPr>
-          <p:cNvSpPr txBox="1">
-            <a:spLocks noGrp="1"/>
-          </p:cNvSpPr>
-          <p:nvPr>
-            <p:ph type="body" idx="1"/>
-          </p:nvPr>
-        </p:nvSpPr>
-        <p:spPr>
-          <a:xfrm>
-            <a:off x="685800" y="4343400"/>
-            <a:ext cx="5486400" cy="4114800"/>
-          </a:xfrm>
-          <a:prstGeom prst="rect">
-            <a:avLst/>
-          </a:prstGeom>
-        </p:spPr>
-        <p:txBody>
-          <a:bodyPr spcFirstLastPara="1" wrap="square" lIns="91425" tIns="91425" rIns="91425" bIns="91425" anchor="t" anchorCtr="0">
-            <a:noAutofit/>
-          </a:bodyPr>
-          <a:lstStyle/>
-          <a:p>
-            <a:pPr marL="0" lvl="0" indent="0" algn="l" rtl="0">
-              <a:spcBef>
-                <a:spcPts val="0"/>
-              </a:spcBef>
-              <a:spcAft>
-                <a:spcPts val="0"/>
-              </a:spcAft>
-              <a:buNone/>
-            </a:pPr>
-            <a:endParaRPr/>
-          </a:p>
-        </p:txBody>
-      </p:sp>
-    </p:spTree>
-    <p:extLst>
-      <p:ext uri="{BB962C8B-B14F-4D97-AF65-F5344CB8AC3E}">
-        <p14:creationId xmlns:p14="http://schemas.microsoft.com/office/powerpoint/2010/main" val="1141435011"/>
-      </p:ext>
-    </p:extLst>
-  </p:cSld>
-  <p:clrMapOvr>
-    <a:masterClrMapping/>
-  </p:clrMapOvr>
-</p:notes>
-</file>
-
-<file path=ppt/notesSlides/notesSlide3.xml><?xml version="1.0" encoding="utf-8"?>
-<p:notes xmlns:a="http://schemas.openxmlformats.org/drawingml/2006/main" xmlns:r="http://schemas.openxmlformats.org/officeDocument/2006/relationships" xmlns:p="http://schemas.openxmlformats.org/presentationml/2006/main" showMasterSp="0" showMasterPhAnim="0">
-  <p:cSld>
-    <p:spTree>
-      <p:nvGrpSpPr>
         <p:cNvPr id="1" name="Shape 56"/>
         <p:cNvGrpSpPr/>
         <p:nvPr/>
@@ -1359,7 +1127,7 @@
 </p:notes>
 </file>
 
-<file path=ppt/notesSlides/notesSlide4.xml><?xml version="1.0" encoding="utf-8"?>
+<file path=ppt/notesSlides/notesSlide3.xml><?xml version="1.0" encoding="utf-8"?>
 <p:notes xmlns:a="http://schemas.openxmlformats.org/drawingml/2006/main" xmlns:r="http://schemas.openxmlformats.org/officeDocument/2006/relationships" xmlns:p="http://schemas.openxmlformats.org/presentationml/2006/main" showMasterSp="0" showMasterPhAnim="0">
   <p:cSld>
     <p:spTree>
@@ -1463,7 +1231,7 @@
 </p:notes>
 </file>
 
-<file path=ppt/notesSlides/notesSlide5.xml><?xml version="1.0" encoding="utf-8"?>
+<file path=ppt/notesSlides/notesSlide4.xml><?xml version="1.0" encoding="utf-8"?>
 <p:notes xmlns:a="http://schemas.openxmlformats.org/drawingml/2006/main" xmlns:r="http://schemas.openxmlformats.org/officeDocument/2006/relationships" xmlns:p="http://schemas.openxmlformats.org/presentationml/2006/main" showMasterSp="0" showMasterPhAnim="0">
   <p:cSld>
     <p:spTree>
@@ -1567,7 +1335,7 @@
 </p:notes>
 </file>
 
-<file path=ppt/notesSlides/notesSlide6.xml><?xml version="1.0" encoding="utf-8"?>
+<file path=ppt/notesSlides/notesSlide5.xml><?xml version="1.0" encoding="utf-8"?>
 <p:notes xmlns:a="http://schemas.openxmlformats.org/drawingml/2006/main" xmlns:r="http://schemas.openxmlformats.org/officeDocument/2006/relationships" xmlns:p="http://schemas.openxmlformats.org/presentationml/2006/main" showMasterSp="0" showMasterPhAnim="0">
   <p:cSld>
     <p:spTree>
@@ -1671,7 +1439,7 @@
 </p:notes>
 </file>
 
-<file path=ppt/notesSlides/notesSlide7.xml><?xml version="1.0" encoding="utf-8"?>
+<file path=ppt/notesSlides/notesSlide6.xml><?xml version="1.0" encoding="utf-8"?>
 <p:notes xmlns:a="http://schemas.openxmlformats.org/drawingml/2006/main" xmlns:r="http://schemas.openxmlformats.org/officeDocument/2006/relationships" xmlns:p="http://schemas.openxmlformats.org/presentationml/2006/main" showMasterSp="0" showMasterPhAnim="0">
   <p:cSld>
     <p:spTree>
@@ -1775,7 +1543,7 @@
 </p:notes>
 </file>
 
-<file path=ppt/notesSlides/notesSlide8.xml><?xml version="1.0" encoding="utf-8"?>
+<file path=ppt/notesSlides/notesSlide7.xml><?xml version="1.0" encoding="utf-8"?>
 <p:notes xmlns:a="http://schemas.openxmlformats.org/drawingml/2006/main" xmlns:r="http://schemas.openxmlformats.org/officeDocument/2006/relationships" xmlns:p="http://schemas.openxmlformats.org/presentationml/2006/main" showMasterSp="0" showMasterPhAnim="0">
   <p:cSld>
     <p:spTree>
@@ -1879,7 +1647,7 @@
 </p:notes>
 </file>
 
-<file path=ppt/notesSlides/notesSlide9.xml><?xml version="1.0" encoding="utf-8"?>
+<file path=ppt/notesSlides/notesSlide8.xml><?xml version="1.0" encoding="utf-8"?>
 <p:notes xmlns:a="http://schemas.openxmlformats.org/drawingml/2006/main" xmlns:r="http://schemas.openxmlformats.org/officeDocument/2006/relationships" xmlns:p="http://schemas.openxmlformats.org/presentationml/2006/main" showMasterSp="0" showMasterPhAnim="0">
   <p:cSld>
     <p:spTree>
@@ -1940,6 +1708,110 @@
       <p:sp>
         <p:nvSpPr>
           <p:cNvPr id="94" name="Google Shape;94;g31ab5136d0f_0_44:notes"/>
+          <p:cNvSpPr txBox="1">
+            <a:spLocks noGrp="1"/>
+          </p:cNvSpPr>
+          <p:nvPr>
+            <p:ph type="body" idx="1"/>
+          </p:nvPr>
+        </p:nvSpPr>
+        <p:spPr>
+          <a:xfrm>
+            <a:off x="685800" y="4343400"/>
+            <a:ext cx="5486400" cy="4114800"/>
+          </a:xfrm>
+          <a:prstGeom prst="rect">
+            <a:avLst/>
+          </a:prstGeom>
+        </p:spPr>
+        <p:txBody>
+          <a:bodyPr spcFirstLastPara="1" wrap="square" lIns="91425" tIns="91425" rIns="91425" bIns="91425" anchor="t" anchorCtr="0">
+            <a:noAutofit/>
+          </a:bodyPr>
+          <a:lstStyle/>
+          <a:p>
+            <a:pPr marL="0" lvl="0" indent="0" algn="l" rtl="0">
+              <a:spcBef>
+                <a:spcPts val="0"/>
+              </a:spcBef>
+              <a:spcAft>
+                <a:spcPts val="0"/>
+              </a:spcAft>
+              <a:buNone/>
+            </a:pPr>
+            <a:endParaRPr/>
+          </a:p>
+        </p:txBody>
+      </p:sp>
+    </p:spTree>
+  </p:cSld>
+  <p:clrMapOvr>
+    <a:masterClrMapping/>
+  </p:clrMapOvr>
+</p:notes>
+</file>
+
+<file path=ppt/notesSlides/notesSlide9.xml><?xml version="1.0" encoding="utf-8"?>
+<p:notes xmlns:a="http://schemas.openxmlformats.org/drawingml/2006/main" xmlns:r="http://schemas.openxmlformats.org/officeDocument/2006/relationships" xmlns:p="http://schemas.openxmlformats.org/presentationml/2006/main" showMasterSp="0" showMasterPhAnim="0">
+  <p:cSld>
+    <p:spTree>
+      <p:nvGrpSpPr>
+        <p:cNvPr id="1" name="Shape 98"/>
+        <p:cNvGrpSpPr/>
+        <p:nvPr/>
+      </p:nvGrpSpPr>
+      <p:grpSpPr>
+        <a:xfrm>
+          <a:off x="0" y="0"/>
+          <a:ext cx="0" cy="0"/>
+          <a:chOff x="0" y="0"/>
+          <a:chExt cx="0" cy="0"/>
+        </a:xfrm>
+      </p:grpSpPr>
+      <p:sp>
+        <p:nvSpPr>
+          <p:cNvPr id="99" name="Google Shape;99;g31ab5136d0f_0_65:notes"/>
+          <p:cNvSpPr>
+            <a:spLocks noGrp="1" noRot="1" noChangeAspect="1"/>
+          </p:cNvSpPr>
+          <p:nvPr>
+            <p:ph type="sldImg" idx="2"/>
+          </p:nvPr>
+        </p:nvSpPr>
+        <p:spPr>
+          <a:xfrm>
+            <a:off x="381300" y="685800"/>
+            <a:ext cx="6096000" cy="3429000"/>
+          </a:xfrm>
+          <a:custGeom>
+            <a:avLst/>
+            <a:gdLst/>
+            <a:ahLst/>
+            <a:cxnLst/>
+            <a:rect l="l" t="t" r="r" b="b"/>
+            <a:pathLst>
+              <a:path w="120000" h="120000" extrusionOk="0">
+                <a:moveTo>
+                  <a:pt x="0" y="0"/>
+                </a:moveTo>
+                <a:lnTo>
+                  <a:pt x="120000" y="0"/>
+                </a:lnTo>
+                <a:lnTo>
+                  <a:pt x="120000" y="120000"/>
+                </a:lnTo>
+                <a:lnTo>
+                  <a:pt x="0" y="120000"/>
+                </a:lnTo>
+                <a:close/>
+              </a:path>
+            </a:pathLst>
+          </a:custGeom>
+        </p:spPr>
+      </p:sp>
+      <p:sp>
+        <p:nvSpPr>
+          <p:cNvPr id="100" name="Google Shape;100;g31ab5136d0f_0_65:notes"/>
           <p:cNvSpPr txBox="1">
             <a:spLocks noGrp="1"/>
           </p:cNvSpPr>
@@ -6784,7 +6656,7 @@
               <a:buNone/>
             </a:pPr>
             <a:r>
-              <a:rPr lang="en-GB">
+              <a:rPr lang="en-GB" dirty="0">
                 <a:latin typeface="Calibri"/>
                 <a:ea typeface="Calibri"/>
                 <a:cs typeface="Calibri"/>
@@ -6792,7 +6664,7 @@
               </a:rPr>
               <a:t>Fifteen Puzzle Game Project</a:t>
             </a:r>
-            <a:endParaRPr>
+            <a:endParaRPr dirty="0">
               <a:latin typeface="Calibri"/>
               <a:ea typeface="Calibri"/>
               <a:cs typeface="Calibri"/>
@@ -6836,15 +6708,350 @@
               <a:buNone/>
             </a:pPr>
             <a:r>
-              <a:rPr lang="en-GB">
+              <a:rPr lang="en-GB" dirty="0">
                 <a:latin typeface="Calibri"/>
                 <a:ea typeface="Calibri"/>
                 <a:cs typeface="Calibri"/>
                 <a:sym typeface="Calibri"/>
               </a:rPr>
-              <a:t>Ammar Abbkar, Abdinur Hussein, Caleb Thang</a:t>
+              <a:t>Ammar </a:t>
             </a:r>
-            <a:endParaRPr>
+            <a:r>
+              <a:rPr lang="en-GB" dirty="0" err="1">
+                <a:latin typeface="Calibri"/>
+                <a:ea typeface="Calibri"/>
+                <a:cs typeface="Calibri"/>
+                <a:sym typeface="Calibri"/>
+              </a:rPr>
+              <a:t>Abbkar</a:t>
+            </a:r>
+            <a:r>
+              <a:rPr lang="en-GB" dirty="0">
+                <a:latin typeface="Calibri"/>
+                <a:ea typeface="Calibri"/>
+                <a:cs typeface="Calibri"/>
+                <a:sym typeface="Calibri"/>
+              </a:rPr>
+              <a:t>, </a:t>
+            </a:r>
+            <a:r>
+              <a:rPr lang="en-GB" dirty="0" err="1">
+                <a:latin typeface="Calibri"/>
+                <a:ea typeface="Calibri"/>
+                <a:cs typeface="Calibri"/>
+                <a:sym typeface="Calibri"/>
+              </a:rPr>
+              <a:t>Abdinur</a:t>
+            </a:r>
+            <a:r>
+              <a:rPr lang="en-GB" dirty="0">
+                <a:latin typeface="Calibri"/>
+                <a:ea typeface="Calibri"/>
+                <a:cs typeface="Calibri"/>
+                <a:sym typeface="Calibri"/>
+              </a:rPr>
+              <a:t> Hussein, Caleb Thang</a:t>
+            </a:r>
+            <a:endParaRPr dirty="0">
+              <a:latin typeface="Calibri"/>
+              <a:ea typeface="Calibri"/>
+              <a:cs typeface="Calibri"/>
+              <a:sym typeface="Calibri"/>
+            </a:endParaRPr>
+          </a:p>
+        </p:txBody>
+      </p:sp>
+      <p:sp>
+        <p:nvSpPr>
+          <p:cNvPr id="2" name="Google Shape;55;p13">
+            <a:extLst>
+              <a:ext uri="{FF2B5EF4-FFF2-40B4-BE49-F238E27FC236}">
+                <a16:creationId xmlns:a16="http://schemas.microsoft.com/office/drawing/2014/main" id="{288E6F8F-25B6-F0C2-AAEA-094A5E54141A}"/>
+              </a:ext>
+            </a:extLst>
+          </p:cNvPr>
+          <p:cNvSpPr txBox="1">
+            <a:spLocks/>
+          </p:cNvSpPr>
+          <p:nvPr/>
+        </p:nvSpPr>
+        <p:spPr>
+          <a:xfrm>
+            <a:off x="311700" y="3606325"/>
+            <a:ext cx="8520600" cy="792600"/>
+          </a:xfrm>
+          <a:prstGeom prst="rect">
+            <a:avLst/>
+          </a:prstGeom>
+          <a:noFill/>
+          <a:ln>
+            <a:noFill/>
+          </a:ln>
+        </p:spPr>
+        <p:txBody>
+          <a:bodyPr spcFirstLastPara="1" wrap="square" lIns="91425" tIns="91425" rIns="91425" bIns="91425" anchor="t" anchorCtr="0">
+            <a:normAutofit/>
+          </a:bodyPr>
+          <a:lstStyle>
+            <a:defPPr marR="0" lvl="0" algn="l" rtl="0">
+              <a:lnSpc>
+                <a:spcPct val="100000"/>
+              </a:lnSpc>
+              <a:spcBef>
+                <a:spcPts val="0"/>
+              </a:spcBef>
+              <a:spcAft>
+                <a:spcPts val="0"/>
+              </a:spcAft>
+            </a:defPPr>
+            <a:lvl1pPr marL="457200" marR="0" lvl="0" indent="-342900" algn="ctr" rtl="0">
+              <a:lnSpc>
+                <a:spcPct val="100000"/>
+              </a:lnSpc>
+              <a:spcBef>
+                <a:spcPts val="0"/>
+              </a:spcBef>
+              <a:spcAft>
+                <a:spcPts val="0"/>
+              </a:spcAft>
+              <a:buClr>
+                <a:schemeClr val="dk2"/>
+              </a:buClr>
+              <a:buSzPts val="2800"/>
+              <a:buFont typeface="Arial"/>
+              <a:buNone/>
+              <a:defRPr sz="2800" b="0" i="0" u="none" strike="noStrike" cap="none">
+                <a:solidFill>
+                  <a:schemeClr val="dk2"/>
+                </a:solidFill>
+                <a:latin typeface="Arial"/>
+                <a:ea typeface="Arial"/>
+                <a:cs typeface="Arial"/>
+                <a:sym typeface="Arial"/>
+              </a:defRPr>
+            </a:lvl1pPr>
+            <a:lvl2pPr marL="914400" marR="0" lvl="1" indent="-317500" algn="ctr" rtl="0">
+              <a:lnSpc>
+                <a:spcPct val="100000"/>
+              </a:lnSpc>
+              <a:spcBef>
+                <a:spcPts val="0"/>
+              </a:spcBef>
+              <a:spcAft>
+                <a:spcPts val="0"/>
+              </a:spcAft>
+              <a:buClr>
+                <a:schemeClr val="dk2"/>
+              </a:buClr>
+              <a:buSzPts val="2800"/>
+              <a:buFont typeface="Arial"/>
+              <a:buNone/>
+              <a:defRPr sz="2800" b="0" i="0" u="none" strike="noStrike" cap="none">
+                <a:solidFill>
+                  <a:schemeClr val="dk2"/>
+                </a:solidFill>
+                <a:latin typeface="Arial"/>
+                <a:ea typeface="Arial"/>
+                <a:cs typeface="Arial"/>
+                <a:sym typeface="Arial"/>
+              </a:defRPr>
+            </a:lvl2pPr>
+            <a:lvl3pPr marL="1371600" marR="0" lvl="2" indent="-317500" algn="ctr" rtl="0">
+              <a:lnSpc>
+                <a:spcPct val="100000"/>
+              </a:lnSpc>
+              <a:spcBef>
+                <a:spcPts val="0"/>
+              </a:spcBef>
+              <a:spcAft>
+                <a:spcPts val="0"/>
+              </a:spcAft>
+              <a:buClr>
+                <a:schemeClr val="dk2"/>
+              </a:buClr>
+              <a:buSzPts val="2800"/>
+              <a:buFont typeface="Arial"/>
+              <a:buNone/>
+              <a:defRPr sz="2800" b="0" i="0" u="none" strike="noStrike" cap="none">
+                <a:solidFill>
+                  <a:schemeClr val="dk2"/>
+                </a:solidFill>
+                <a:latin typeface="Arial"/>
+                <a:ea typeface="Arial"/>
+                <a:cs typeface="Arial"/>
+                <a:sym typeface="Arial"/>
+              </a:defRPr>
+            </a:lvl3pPr>
+            <a:lvl4pPr marL="1828800" marR="0" lvl="3" indent="-317500" algn="ctr" rtl="0">
+              <a:lnSpc>
+                <a:spcPct val="100000"/>
+              </a:lnSpc>
+              <a:spcBef>
+                <a:spcPts val="0"/>
+              </a:spcBef>
+              <a:spcAft>
+                <a:spcPts val="0"/>
+              </a:spcAft>
+              <a:buClr>
+                <a:schemeClr val="dk2"/>
+              </a:buClr>
+              <a:buSzPts val="2800"/>
+              <a:buFont typeface="Arial"/>
+              <a:buNone/>
+              <a:defRPr sz="2800" b="0" i="0" u="none" strike="noStrike" cap="none">
+                <a:solidFill>
+                  <a:schemeClr val="dk2"/>
+                </a:solidFill>
+                <a:latin typeface="Arial"/>
+                <a:ea typeface="Arial"/>
+                <a:cs typeface="Arial"/>
+                <a:sym typeface="Arial"/>
+              </a:defRPr>
+            </a:lvl4pPr>
+            <a:lvl5pPr marL="2286000" marR="0" lvl="4" indent="-317500" algn="ctr" rtl="0">
+              <a:lnSpc>
+                <a:spcPct val="100000"/>
+              </a:lnSpc>
+              <a:spcBef>
+                <a:spcPts val="0"/>
+              </a:spcBef>
+              <a:spcAft>
+                <a:spcPts val="0"/>
+              </a:spcAft>
+              <a:buClr>
+                <a:schemeClr val="dk2"/>
+              </a:buClr>
+              <a:buSzPts val="2800"/>
+              <a:buFont typeface="Arial"/>
+              <a:buNone/>
+              <a:defRPr sz="2800" b="0" i="0" u="none" strike="noStrike" cap="none">
+                <a:solidFill>
+                  <a:schemeClr val="dk2"/>
+                </a:solidFill>
+                <a:latin typeface="Arial"/>
+                <a:ea typeface="Arial"/>
+                <a:cs typeface="Arial"/>
+                <a:sym typeface="Arial"/>
+              </a:defRPr>
+            </a:lvl5pPr>
+            <a:lvl6pPr marL="2743200" marR="0" lvl="5" indent="-317500" algn="ctr" rtl="0">
+              <a:lnSpc>
+                <a:spcPct val="100000"/>
+              </a:lnSpc>
+              <a:spcBef>
+                <a:spcPts val="0"/>
+              </a:spcBef>
+              <a:spcAft>
+                <a:spcPts val="0"/>
+              </a:spcAft>
+              <a:buClr>
+                <a:schemeClr val="dk2"/>
+              </a:buClr>
+              <a:buSzPts val="2800"/>
+              <a:buFont typeface="Arial"/>
+              <a:buNone/>
+              <a:defRPr sz="2800" b="0" i="0" u="none" strike="noStrike" cap="none">
+                <a:solidFill>
+                  <a:schemeClr val="dk2"/>
+                </a:solidFill>
+                <a:latin typeface="Arial"/>
+                <a:ea typeface="Arial"/>
+                <a:cs typeface="Arial"/>
+                <a:sym typeface="Arial"/>
+              </a:defRPr>
+            </a:lvl6pPr>
+            <a:lvl7pPr marL="3200400" marR="0" lvl="6" indent="-317500" algn="ctr" rtl="0">
+              <a:lnSpc>
+                <a:spcPct val="100000"/>
+              </a:lnSpc>
+              <a:spcBef>
+                <a:spcPts val="0"/>
+              </a:spcBef>
+              <a:spcAft>
+                <a:spcPts val="0"/>
+              </a:spcAft>
+              <a:buClr>
+                <a:schemeClr val="dk2"/>
+              </a:buClr>
+              <a:buSzPts val="2800"/>
+              <a:buFont typeface="Arial"/>
+              <a:buNone/>
+              <a:defRPr sz="2800" b="0" i="0" u="none" strike="noStrike" cap="none">
+                <a:solidFill>
+                  <a:schemeClr val="dk2"/>
+                </a:solidFill>
+                <a:latin typeface="Arial"/>
+                <a:ea typeface="Arial"/>
+                <a:cs typeface="Arial"/>
+                <a:sym typeface="Arial"/>
+              </a:defRPr>
+            </a:lvl7pPr>
+            <a:lvl8pPr marL="3657600" marR="0" lvl="7" indent="-317500" algn="ctr" rtl="0">
+              <a:lnSpc>
+                <a:spcPct val="100000"/>
+              </a:lnSpc>
+              <a:spcBef>
+                <a:spcPts val="0"/>
+              </a:spcBef>
+              <a:spcAft>
+                <a:spcPts val="0"/>
+              </a:spcAft>
+              <a:buClr>
+                <a:schemeClr val="dk2"/>
+              </a:buClr>
+              <a:buSzPts val="2800"/>
+              <a:buFont typeface="Arial"/>
+              <a:buNone/>
+              <a:defRPr sz="2800" b="0" i="0" u="none" strike="noStrike" cap="none">
+                <a:solidFill>
+                  <a:schemeClr val="dk2"/>
+                </a:solidFill>
+                <a:latin typeface="Arial"/>
+                <a:ea typeface="Arial"/>
+                <a:cs typeface="Arial"/>
+                <a:sym typeface="Arial"/>
+              </a:defRPr>
+            </a:lvl8pPr>
+            <a:lvl9pPr marL="4114800" marR="0" lvl="8" indent="-317500" algn="ctr" rtl="0">
+              <a:lnSpc>
+                <a:spcPct val="100000"/>
+              </a:lnSpc>
+              <a:spcBef>
+                <a:spcPts val="0"/>
+              </a:spcBef>
+              <a:spcAft>
+                <a:spcPts val="0"/>
+              </a:spcAft>
+              <a:buClr>
+                <a:schemeClr val="dk2"/>
+              </a:buClr>
+              <a:buSzPts val="2800"/>
+              <a:buFont typeface="Arial"/>
+              <a:buNone/>
+              <a:defRPr sz="2800" b="0" i="0" u="none" strike="noStrike" cap="none">
+                <a:solidFill>
+                  <a:schemeClr val="dk2"/>
+                </a:solidFill>
+                <a:latin typeface="Arial"/>
+                <a:ea typeface="Arial"/>
+                <a:cs typeface="Arial"/>
+                <a:sym typeface="Arial"/>
+              </a:defRPr>
+            </a:lvl9pPr>
+          </a:lstStyle>
+          <a:p>
+            <a:pPr marL="0" indent="0"/>
+            <a:r>
+              <a:rPr lang="en-US" sz="1400" b="0" i="0" dirty="0">
+                <a:solidFill>
+                  <a:srgbClr val="000000"/>
+                </a:solidFill>
+                <a:effectLst/>
+                <a:latin typeface="Times New Roman" panose="02020603050405020304" pitchFamily="18" charset="0"/>
+              </a:rPr>
+              <a:t>The goal of the fifteen puzzle is to rearrange its fifteen tiles by repeatedly sliding them into the empty space until they are in the correct order.</a:t>
+            </a:r>
+            <a:endParaRPr lang="en-GB" sz="1400" dirty="0">
               <a:latin typeface="Calibri"/>
               <a:ea typeface="Calibri"/>
               <a:cs typeface="Calibri"/>
@@ -6862,6 +7069,2544 @@
 </file>
 
 <file path=ppt/slides/slide10.xml><?xml version="1.0" encoding="utf-8"?>
+<p:sld xmlns:a="http://schemas.openxmlformats.org/drawingml/2006/main" xmlns:r="http://schemas.openxmlformats.org/officeDocument/2006/relationships" xmlns:p="http://schemas.openxmlformats.org/presentationml/2006/main">
+  <p:cSld>
+    <p:spTree>
+      <p:nvGrpSpPr>
+        <p:cNvPr id="1" name="Shape 107"/>
+        <p:cNvGrpSpPr/>
+        <p:nvPr/>
+      </p:nvGrpSpPr>
+      <p:grpSpPr>
+        <a:xfrm>
+          <a:off x="0" y="0"/>
+          <a:ext cx="0" cy="0"/>
+          <a:chOff x="0" y="0"/>
+          <a:chExt cx="0" cy="0"/>
+        </a:xfrm>
+      </p:grpSpPr>
+      <p:sp>
+        <p:nvSpPr>
+          <p:cNvPr id="108" name="Google Shape;108;p22"/>
+          <p:cNvSpPr txBox="1">
+            <a:spLocks noGrp="1"/>
+          </p:cNvSpPr>
+          <p:nvPr>
+            <p:ph type="title"/>
+          </p:nvPr>
+        </p:nvSpPr>
+        <p:spPr>
+          <a:xfrm>
+            <a:off x="311700" y="445025"/>
+            <a:ext cx="8520600" cy="572700"/>
+          </a:xfrm>
+          <a:prstGeom prst="rect">
+            <a:avLst/>
+          </a:prstGeom>
+        </p:spPr>
+        <p:txBody>
+          <a:bodyPr spcFirstLastPara="1" wrap="square" lIns="91425" tIns="91425" rIns="91425" bIns="91425" anchor="t" anchorCtr="0">
+            <a:noAutofit/>
+          </a:bodyPr>
+          <a:lstStyle/>
+          <a:p>
+            <a:pPr marL="0" lvl="0" indent="0" algn="l" rtl="0">
+              <a:spcBef>
+                <a:spcPts val="0"/>
+              </a:spcBef>
+              <a:spcAft>
+                <a:spcPts val="0"/>
+              </a:spcAft>
+              <a:buSzPts val="990"/>
+              <a:buNone/>
+            </a:pPr>
+            <a:r>
+              <a:rPr lang="en-GB" sz="2500">
+                <a:latin typeface="Calibri"/>
+                <a:ea typeface="Calibri"/>
+                <a:cs typeface="Calibri"/>
+                <a:sym typeface="Calibri"/>
+              </a:rPr>
+              <a:t>Key Features</a:t>
+            </a:r>
+            <a:endParaRPr sz="2500">
+              <a:latin typeface="Calibri"/>
+              <a:ea typeface="Calibri"/>
+              <a:cs typeface="Calibri"/>
+              <a:sym typeface="Calibri"/>
+            </a:endParaRPr>
+          </a:p>
+        </p:txBody>
+      </p:sp>
+      <p:sp>
+        <p:nvSpPr>
+          <p:cNvPr id="109" name="Google Shape;109;p22"/>
+          <p:cNvSpPr txBox="1">
+            <a:spLocks noGrp="1"/>
+          </p:cNvSpPr>
+          <p:nvPr>
+            <p:ph type="body" idx="1"/>
+          </p:nvPr>
+        </p:nvSpPr>
+        <p:spPr>
+          <a:xfrm>
+            <a:off x="311700" y="1152475"/>
+            <a:ext cx="8520600" cy="3416400"/>
+          </a:xfrm>
+          <a:prstGeom prst="rect">
+            <a:avLst/>
+          </a:prstGeom>
+        </p:spPr>
+        <p:txBody>
+          <a:bodyPr spcFirstLastPara="1" wrap="square" lIns="91425" tIns="91425" rIns="91425" bIns="91425" anchor="t" anchorCtr="0">
+            <a:normAutofit/>
+          </a:bodyPr>
+          <a:lstStyle/>
+          <a:p>
+            <a:pPr marL="0" lvl="0" indent="0" algn="l" rtl="0">
+              <a:spcBef>
+                <a:spcPts val="800"/>
+              </a:spcBef>
+              <a:spcAft>
+                <a:spcPts val="0"/>
+              </a:spcAft>
+              <a:buClr>
+                <a:schemeClr val="dk1"/>
+              </a:buClr>
+              <a:buSzPts val="1100"/>
+              <a:buFont typeface="Arial"/>
+              <a:buNone/>
+            </a:pPr>
+            <a:r>
+              <a:rPr lang="en-GB" sz="2200">
+                <a:solidFill>
+                  <a:schemeClr val="dk1"/>
+                </a:solidFill>
+                <a:latin typeface="Calibri"/>
+                <a:ea typeface="Calibri"/>
+                <a:cs typeface="Calibri"/>
+                <a:sym typeface="Calibri"/>
+              </a:rPr>
+              <a:t>•Dynamically updates movable pieces using JavaScript.</a:t>
+            </a:r>
+            <a:endParaRPr sz="2200">
+              <a:solidFill>
+                <a:schemeClr val="dk1"/>
+              </a:solidFill>
+              <a:latin typeface="Calibri"/>
+              <a:ea typeface="Calibri"/>
+              <a:cs typeface="Calibri"/>
+              <a:sym typeface="Calibri"/>
+            </a:endParaRPr>
+          </a:p>
+          <a:p>
+            <a:pPr marL="0" lvl="0" indent="0" algn="l" rtl="0">
+              <a:spcBef>
+                <a:spcPts val="800"/>
+              </a:spcBef>
+              <a:spcAft>
+                <a:spcPts val="0"/>
+              </a:spcAft>
+              <a:buClr>
+                <a:schemeClr val="dk1"/>
+              </a:buClr>
+              <a:buSzPts val="1100"/>
+              <a:buFont typeface="Arial"/>
+              <a:buNone/>
+            </a:pPr>
+            <a:r>
+              <a:rPr lang="en-GB" sz="2200">
+                <a:solidFill>
+                  <a:schemeClr val="dk1"/>
+                </a:solidFill>
+                <a:latin typeface="Calibri"/>
+                <a:ea typeface="Calibri"/>
+                <a:cs typeface="Calibri"/>
+                <a:sym typeface="Calibri"/>
+              </a:rPr>
+              <a:t>•Highlights best performance with saved metrics for moves and time.</a:t>
+            </a:r>
+            <a:endParaRPr sz="2200">
+              <a:solidFill>
+                <a:schemeClr val="dk1"/>
+              </a:solidFill>
+              <a:latin typeface="Calibri"/>
+              <a:ea typeface="Calibri"/>
+              <a:cs typeface="Calibri"/>
+              <a:sym typeface="Calibri"/>
+            </a:endParaRPr>
+          </a:p>
+          <a:p>
+            <a:pPr marL="0" lvl="0" indent="0" algn="l" rtl="0">
+              <a:spcBef>
+                <a:spcPts val="0"/>
+              </a:spcBef>
+              <a:spcAft>
+                <a:spcPts val="1200"/>
+              </a:spcAft>
+              <a:buNone/>
+            </a:pPr>
+            <a:endParaRPr/>
+          </a:p>
+        </p:txBody>
+      </p:sp>
+    </p:spTree>
+  </p:cSld>
+  <p:clrMapOvr>
+    <a:masterClrMapping/>
+  </p:clrMapOvr>
+</p:sld>
+</file>
+
+<file path=ppt/slides/slide11.xml><?xml version="1.0" encoding="utf-8"?>
+<p:sld xmlns:a="http://schemas.openxmlformats.org/drawingml/2006/main" xmlns:r="http://schemas.openxmlformats.org/officeDocument/2006/relationships" xmlns:p="http://schemas.openxmlformats.org/presentationml/2006/main">
+  <p:cSld>
+    <p:spTree>
+      <p:nvGrpSpPr>
+        <p:cNvPr id="1" name="Shape 113"/>
+        <p:cNvGrpSpPr/>
+        <p:nvPr/>
+      </p:nvGrpSpPr>
+      <p:grpSpPr>
+        <a:xfrm>
+          <a:off x="0" y="0"/>
+          <a:ext cx="0" cy="0"/>
+          <a:chOff x="0" y="0"/>
+          <a:chExt cx="0" cy="0"/>
+        </a:xfrm>
+      </p:grpSpPr>
+      <p:sp>
+        <p:nvSpPr>
+          <p:cNvPr id="114" name="Google Shape;114;p23"/>
+          <p:cNvSpPr txBox="1">
+            <a:spLocks noGrp="1"/>
+          </p:cNvSpPr>
+          <p:nvPr>
+            <p:ph type="title"/>
+          </p:nvPr>
+        </p:nvSpPr>
+        <p:spPr>
+          <a:xfrm>
+            <a:off x="311700" y="445025"/>
+            <a:ext cx="8520600" cy="572700"/>
+          </a:xfrm>
+          <a:prstGeom prst="rect">
+            <a:avLst/>
+          </a:prstGeom>
+        </p:spPr>
+        <p:txBody>
+          <a:bodyPr spcFirstLastPara="1" wrap="square" lIns="91425" tIns="91425" rIns="91425" bIns="91425" anchor="t" anchorCtr="0">
+            <a:normAutofit/>
+          </a:bodyPr>
+          <a:lstStyle/>
+          <a:p>
+            <a:pPr marL="0" lvl="0" indent="0" algn="l" rtl="0">
+              <a:spcBef>
+                <a:spcPts val="0"/>
+              </a:spcBef>
+              <a:spcAft>
+                <a:spcPts val="0"/>
+              </a:spcAft>
+              <a:buNone/>
+            </a:pPr>
+            <a:r>
+              <a:rPr lang="en-GB" sz="2500">
+                <a:latin typeface="Calibri"/>
+                <a:ea typeface="Calibri"/>
+                <a:cs typeface="Calibri"/>
+                <a:sym typeface="Calibri"/>
+              </a:rPr>
+              <a:t>Gameplay Demonstration</a:t>
+            </a:r>
+            <a:endParaRPr sz="2500">
+              <a:latin typeface="Calibri"/>
+              <a:ea typeface="Calibri"/>
+              <a:cs typeface="Calibri"/>
+              <a:sym typeface="Calibri"/>
+            </a:endParaRPr>
+          </a:p>
+        </p:txBody>
+      </p:sp>
+      <p:sp>
+        <p:nvSpPr>
+          <p:cNvPr id="115" name="Google Shape;115;p23"/>
+          <p:cNvSpPr txBox="1">
+            <a:spLocks noGrp="1"/>
+          </p:cNvSpPr>
+          <p:nvPr>
+            <p:ph type="body" idx="1"/>
+          </p:nvPr>
+        </p:nvSpPr>
+        <p:spPr>
+          <a:xfrm>
+            <a:off x="311700" y="1152475"/>
+            <a:ext cx="8520600" cy="3416400"/>
+          </a:xfrm>
+          <a:prstGeom prst="rect">
+            <a:avLst/>
+          </a:prstGeom>
+        </p:spPr>
+        <p:txBody>
+          <a:bodyPr spcFirstLastPara="1" wrap="square" lIns="91425" tIns="91425" rIns="91425" bIns="91425" anchor="t" anchorCtr="0">
+            <a:normAutofit/>
+          </a:bodyPr>
+          <a:lstStyle/>
+          <a:p>
+            <a:pPr marL="0" lvl="0" indent="0" algn="l" rtl="0">
+              <a:spcBef>
+                <a:spcPts val="800"/>
+              </a:spcBef>
+              <a:spcAft>
+                <a:spcPts val="0"/>
+              </a:spcAft>
+              <a:buClr>
+                <a:schemeClr val="dk1"/>
+              </a:buClr>
+              <a:buSzPts val="1100"/>
+              <a:buFont typeface="Arial"/>
+              <a:buNone/>
+            </a:pPr>
+            <a:r>
+              <a:rPr lang="en-GB" sz="2200">
+                <a:solidFill>
+                  <a:schemeClr val="dk1"/>
+                </a:solidFill>
+                <a:latin typeface="Calibri"/>
+                <a:ea typeface="Calibri"/>
+                <a:cs typeface="Calibri"/>
+                <a:sym typeface="Calibri"/>
+              </a:rPr>
+              <a:t>•Insert video or screenshots showing:</a:t>
+            </a:r>
+            <a:endParaRPr sz="2200">
+              <a:solidFill>
+                <a:schemeClr val="dk1"/>
+              </a:solidFill>
+              <a:latin typeface="Calibri"/>
+              <a:ea typeface="Calibri"/>
+              <a:cs typeface="Calibri"/>
+              <a:sym typeface="Calibri"/>
+            </a:endParaRPr>
+          </a:p>
+          <a:p>
+            <a:pPr marL="0" lvl="0" indent="0" algn="l" rtl="0">
+              <a:spcBef>
+                <a:spcPts val="800"/>
+              </a:spcBef>
+              <a:spcAft>
+                <a:spcPts val="0"/>
+              </a:spcAft>
+              <a:buClr>
+                <a:schemeClr val="dk1"/>
+              </a:buClr>
+              <a:buSzPts val="1100"/>
+              <a:buFont typeface="Arial"/>
+              <a:buNone/>
+            </a:pPr>
+            <a:r>
+              <a:rPr lang="en-GB" sz="2200">
+                <a:solidFill>
+                  <a:schemeClr val="dk1"/>
+                </a:solidFill>
+                <a:latin typeface="Calibri"/>
+                <a:ea typeface="Calibri"/>
+                <a:cs typeface="Calibri"/>
+                <a:sym typeface="Calibri"/>
+              </a:rPr>
+              <a:t>•Initial state of the puzzle.</a:t>
+            </a:r>
+            <a:endParaRPr sz="2200">
+              <a:solidFill>
+                <a:schemeClr val="dk1"/>
+              </a:solidFill>
+              <a:latin typeface="Calibri"/>
+              <a:ea typeface="Calibri"/>
+              <a:cs typeface="Calibri"/>
+              <a:sym typeface="Calibri"/>
+            </a:endParaRPr>
+          </a:p>
+          <a:p>
+            <a:pPr marL="0" lvl="0" indent="0" algn="l" rtl="0">
+              <a:spcBef>
+                <a:spcPts val="800"/>
+              </a:spcBef>
+              <a:spcAft>
+                <a:spcPts val="0"/>
+              </a:spcAft>
+              <a:buClr>
+                <a:schemeClr val="dk1"/>
+              </a:buClr>
+              <a:buSzPts val="1100"/>
+              <a:buFont typeface="Arial"/>
+              <a:buNone/>
+            </a:pPr>
+            <a:r>
+              <a:rPr lang="en-GB" sz="2200">
+                <a:solidFill>
+                  <a:schemeClr val="dk1"/>
+                </a:solidFill>
+                <a:latin typeface="Calibri"/>
+                <a:ea typeface="Calibri"/>
+                <a:cs typeface="Calibri"/>
+                <a:sym typeface="Calibri"/>
+              </a:rPr>
+              <a:t>•Interactive tile movement.</a:t>
+            </a:r>
+            <a:endParaRPr sz="2200">
+              <a:solidFill>
+                <a:schemeClr val="dk1"/>
+              </a:solidFill>
+              <a:latin typeface="Calibri"/>
+              <a:ea typeface="Calibri"/>
+              <a:cs typeface="Calibri"/>
+              <a:sym typeface="Calibri"/>
+            </a:endParaRPr>
+          </a:p>
+          <a:p>
+            <a:pPr marL="0" lvl="0" indent="0" algn="l" rtl="0">
+              <a:spcBef>
+                <a:spcPts val="800"/>
+              </a:spcBef>
+              <a:spcAft>
+                <a:spcPts val="0"/>
+              </a:spcAft>
+              <a:buClr>
+                <a:schemeClr val="dk1"/>
+              </a:buClr>
+              <a:buSzPts val="1100"/>
+              <a:buFont typeface="Arial"/>
+              <a:buNone/>
+            </a:pPr>
+            <a:r>
+              <a:rPr lang="en-GB" sz="2200">
+                <a:solidFill>
+                  <a:schemeClr val="dk1"/>
+                </a:solidFill>
+                <a:latin typeface="Calibri"/>
+                <a:ea typeface="Calibri"/>
+                <a:cs typeface="Calibri"/>
+                <a:sym typeface="Calibri"/>
+              </a:rPr>
+              <a:t>•Shuffle and win state.</a:t>
+            </a:r>
+            <a:endParaRPr sz="2200">
+              <a:solidFill>
+                <a:schemeClr val="dk1"/>
+              </a:solidFill>
+              <a:latin typeface="Calibri"/>
+              <a:ea typeface="Calibri"/>
+              <a:cs typeface="Calibri"/>
+              <a:sym typeface="Calibri"/>
+            </a:endParaRPr>
+          </a:p>
+          <a:p>
+            <a:pPr marL="0" lvl="0" indent="0" algn="l" rtl="0">
+              <a:spcBef>
+                <a:spcPts val="0"/>
+              </a:spcBef>
+              <a:spcAft>
+                <a:spcPts val="1200"/>
+              </a:spcAft>
+              <a:buNone/>
+            </a:pPr>
+            <a:endParaRPr/>
+          </a:p>
+        </p:txBody>
+      </p:sp>
+    </p:spTree>
+  </p:cSld>
+  <p:clrMapOvr>
+    <a:masterClrMapping/>
+  </p:clrMapOvr>
+</p:sld>
+</file>
+
+<file path=ppt/slides/slide2.xml><?xml version="1.0" encoding="utf-8"?>
+<p:sld xmlns:a="http://schemas.openxmlformats.org/drawingml/2006/main" xmlns:r="http://schemas.openxmlformats.org/officeDocument/2006/relationships" xmlns:p="http://schemas.openxmlformats.org/presentationml/2006/main">
+  <p:cSld>
+    <p:spTree>
+      <p:nvGrpSpPr>
+        <p:cNvPr id="1" name="Shape 59"/>
+        <p:cNvGrpSpPr/>
+        <p:nvPr/>
+      </p:nvGrpSpPr>
+      <p:grpSpPr>
+        <a:xfrm>
+          <a:off x="0" y="0"/>
+          <a:ext cx="0" cy="0"/>
+          <a:chOff x="0" y="0"/>
+          <a:chExt cx="0" cy="0"/>
+        </a:xfrm>
+      </p:grpSpPr>
+      <p:sp>
+        <p:nvSpPr>
+          <p:cNvPr id="60" name="Google Shape;60;p14"/>
+          <p:cNvSpPr txBox="1">
+            <a:spLocks noGrp="1"/>
+          </p:cNvSpPr>
+          <p:nvPr>
+            <p:ph type="title"/>
+          </p:nvPr>
+        </p:nvSpPr>
+        <p:spPr>
+          <a:xfrm>
+            <a:off x="311700" y="445025"/>
+            <a:ext cx="8520600" cy="572700"/>
+          </a:xfrm>
+          <a:prstGeom prst="rect">
+            <a:avLst/>
+          </a:prstGeom>
+        </p:spPr>
+        <p:txBody>
+          <a:bodyPr spcFirstLastPara="1" wrap="square" lIns="91425" tIns="91425" rIns="91425" bIns="91425" anchor="t" anchorCtr="0">
+            <a:normAutofit fontScale="90000"/>
+          </a:bodyPr>
+          <a:lstStyle/>
+          <a:p>
+            <a:r>
+              <a:rPr lang="en-US" dirty="0"/>
+              <a:t>Problem &amp; Objectives</a:t>
+            </a:r>
+            <a:endParaRPr dirty="0"/>
+          </a:p>
+        </p:txBody>
+      </p:sp>
+      <p:sp>
+        <p:nvSpPr>
+          <p:cNvPr id="61" name="Google Shape;61;p14"/>
+          <p:cNvSpPr txBox="1">
+            <a:spLocks noGrp="1"/>
+          </p:cNvSpPr>
+          <p:nvPr>
+            <p:ph type="body" idx="1"/>
+          </p:nvPr>
+        </p:nvSpPr>
+        <p:spPr>
+          <a:xfrm>
+            <a:off x="311700" y="1159950"/>
+            <a:ext cx="8520600" cy="3416400"/>
+          </a:xfrm>
+          <a:prstGeom prst="rect">
+            <a:avLst/>
+          </a:prstGeom>
+        </p:spPr>
+        <p:txBody>
+          <a:bodyPr spcFirstLastPara="1" wrap="square" lIns="91425" tIns="91425" rIns="91425" bIns="91425" anchor="t" anchorCtr="0">
+            <a:normAutofit fontScale="77500" lnSpcReduction="20000"/>
+          </a:bodyPr>
+          <a:lstStyle/>
+          <a:p>
+            <a:pPr marL="0" lvl="0" indent="0" algn="l" rtl="0">
+              <a:spcBef>
+                <a:spcPts val="800"/>
+              </a:spcBef>
+              <a:spcAft>
+                <a:spcPts val="0"/>
+              </a:spcAft>
+              <a:buClr>
+                <a:schemeClr val="dk1"/>
+              </a:buClr>
+              <a:buSzPct val="34375"/>
+              <a:buFont typeface="Arial"/>
+              <a:buNone/>
+            </a:pPr>
+            <a:r>
+              <a:rPr lang="en-GB" sz="3200" u="sng">
+                <a:solidFill>
+                  <a:schemeClr val="dk1"/>
+                </a:solidFill>
+                <a:latin typeface="Calibri"/>
+                <a:ea typeface="Calibri"/>
+                <a:cs typeface="Calibri"/>
+                <a:sym typeface="Calibri"/>
+              </a:rPr>
+              <a:t>Problem:</a:t>
+            </a:r>
+            <a:endParaRPr sz="3200" u="sng">
+              <a:solidFill>
+                <a:schemeClr val="dk1"/>
+              </a:solidFill>
+              <a:latin typeface="Calibri"/>
+              <a:ea typeface="Calibri"/>
+              <a:cs typeface="Calibri"/>
+              <a:sym typeface="Calibri"/>
+            </a:endParaRPr>
+          </a:p>
+          <a:p>
+            <a:pPr marL="0" lvl="0" indent="0" algn="l" rtl="0">
+              <a:spcBef>
+                <a:spcPts val="800"/>
+              </a:spcBef>
+              <a:spcAft>
+                <a:spcPts val="0"/>
+              </a:spcAft>
+              <a:buClr>
+                <a:schemeClr val="dk1"/>
+              </a:buClr>
+              <a:buSzPct val="34375"/>
+              <a:buFont typeface="Arial"/>
+              <a:buNone/>
+            </a:pPr>
+            <a:r>
+              <a:rPr lang="en-GB" sz="3200">
+                <a:solidFill>
+                  <a:schemeClr val="dk1"/>
+                </a:solidFill>
+                <a:latin typeface="Calibri"/>
+                <a:ea typeface="Calibri"/>
+                <a:cs typeface="Calibri"/>
+                <a:sym typeface="Calibri"/>
+              </a:rPr>
+              <a:t>•The fifteen puzzle challenges users to rearrange tiles in a grid to achieve the correct sequence by sliding tiles into an empty space.</a:t>
+            </a:r>
+            <a:endParaRPr sz="3200">
+              <a:solidFill>
+                <a:schemeClr val="dk1"/>
+              </a:solidFill>
+              <a:latin typeface="Calibri"/>
+              <a:ea typeface="Calibri"/>
+              <a:cs typeface="Calibri"/>
+              <a:sym typeface="Calibri"/>
+            </a:endParaRPr>
+          </a:p>
+          <a:p>
+            <a:pPr marL="0" lvl="0" indent="0" algn="l" rtl="0">
+              <a:spcBef>
+                <a:spcPts val="800"/>
+              </a:spcBef>
+              <a:spcAft>
+                <a:spcPts val="0"/>
+              </a:spcAft>
+              <a:buClr>
+                <a:schemeClr val="dk1"/>
+              </a:buClr>
+              <a:buSzPct val="34375"/>
+              <a:buFont typeface="Arial"/>
+              <a:buNone/>
+            </a:pPr>
+            <a:r>
+              <a:rPr lang="en-GB" sz="3200" u="sng">
+                <a:solidFill>
+                  <a:schemeClr val="dk1"/>
+                </a:solidFill>
+                <a:latin typeface="Calibri"/>
+                <a:ea typeface="Calibri"/>
+                <a:cs typeface="Calibri"/>
+                <a:sym typeface="Calibri"/>
+              </a:rPr>
+              <a:t>Objectives:</a:t>
+            </a:r>
+            <a:endParaRPr sz="3200" u="sng">
+              <a:solidFill>
+                <a:schemeClr val="dk1"/>
+              </a:solidFill>
+              <a:latin typeface="Calibri"/>
+              <a:ea typeface="Calibri"/>
+              <a:cs typeface="Calibri"/>
+              <a:sym typeface="Calibri"/>
+            </a:endParaRPr>
+          </a:p>
+          <a:p>
+            <a:pPr marL="0" lvl="0" indent="0" algn="l" rtl="0">
+              <a:spcBef>
+                <a:spcPts val="800"/>
+              </a:spcBef>
+              <a:spcAft>
+                <a:spcPts val="0"/>
+              </a:spcAft>
+              <a:buClr>
+                <a:schemeClr val="dk1"/>
+              </a:buClr>
+              <a:buSzPct val="34375"/>
+              <a:buFont typeface="Arial"/>
+              <a:buNone/>
+            </a:pPr>
+            <a:r>
+              <a:rPr lang="en-GB" sz="3200">
+                <a:solidFill>
+                  <a:schemeClr val="dk1"/>
+                </a:solidFill>
+                <a:latin typeface="Calibri"/>
+                <a:ea typeface="Calibri"/>
+                <a:cs typeface="Calibri"/>
+                <a:sym typeface="Calibri"/>
+              </a:rPr>
+              <a:t>•Develop an interactive web-based puzzle game.</a:t>
+            </a:r>
+            <a:endParaRPr sz="3200">
+              <a:solidFill>
+                <a:schemeClr val="dk1"/>
+              </a:solidFill>
+              <a:latin typeface="Calibri"/>
+              <a:ea typeface="Calibri"/>
+              <a:cs typeface="Calibri"/>
+              <a:sym typeface="Calibri"/>
+            </a:endParaRPr>
+          </a:p>
+          <a:p>
+            <a:pPr marL="0" lvl="0" indent="0" algn="l" rtl="0">
+              <a:spcBef>
+                <a:spcPts val="800"/>
+              </a:spcBef>
+              <a:spcAft>
+                <a:spcPts val="0"/>
+              </a:spcAft>
+              <a:buClr>
+                <a:schemeClr val="dk1"/>
+              </a:buClr>
+              <a:buSzPct val="34375"/>
+              <a:buFont typeface="Arial"/>
+              <a:buNone/>
+            </a:pPr>
+            <a:r>
+              <a:rPr lang="en-GB" sz="3200">
+                <a:solidFill>
+                  <a:schemeClr val="dk1"/>
+                </a:solidFill>
+                <a:latin typeface="Calibri"/>
+                <a:ea typeface="Calibri"/>
+                <a:cs typeface="Calibri"/>
+                <a:sym typeface="Calibri"/>
+              </a:rPr>
+              <a:t>•Implement a smooth user experience with accurate mechanics.</a:t>
+            </a:r>
+            <a:endParaRPr sz="3200">
+              <a:solidFill>
+                <a:schemeClr val="dk1"/>
+              </a:solidFill>
+              <a:latin typeface="Calibri"/>
+              <a:ea typeface="Calibri"/>
+              <a:cs typeface="Calibri"/>
+              <a:sym typeface="Calibri"/>
+            </a:endParaRPr>
+          </a:p>
+          <a:p>
+            <a:pPr marL="0" lvl="0" indent="0" algn="l" rtl="0">
+              <a:spcBef>
+                <a:spcPts val="0"/>
+              </a:spcBef>
+              <a:spcAft>
+                <a:spcPts val="1200"/>
+              </a:spcAft>
+              <a:buNone/>
+            </a:pPr>
+            <a:endParaRPr/>
+          </a:p>
+        </p:txBody>
+      </p:sp>
+    </p:spTree>
+  </p:cSld>
+  <p:clrMapOvr>
+    <a:masterClrMapping/>
+  </p:clrMapOvr>
+</p:sld>
+</file>
+
+<file path=ppt/slides/slide3.xml><?xml version="1.0" encoding="utf-8"?>
+<p:sld xmlns:a="http://schemas.openxmlformats.org/drawingml/2006/main" xmlns:r="http://schemas.openxmlformats.org/officeDocument/2006/relationships" xmlns:p="http://schemas.openxmlformats.org/presentationml/2006/main">
+  <p:cSld>
+    <p:spTree>
+      <p:nvGrpSpPr>
+        <p:cNvPr id="1" name="Shape 65"/>
+        <p:cNvGrpSpPr/>
+        <p:nvPr/>
+      </p:nvGrpSpPr>
+      <p:grpSpPr>
+        <a:xfrm>
+          <a:off x="0" y="0"/>
+          <a:ext cx="0" cy="0"/>
+          <a:chOff x="0" y="0"/>
+          <a:chExt cx="0" cy="0"/>
+        </a:xfrm>
+      </p:grpSpPr>
+      <p:sp>
+        <p:nvSpPr>
+          <p:cNvPr id="66" name="Google Shape;66;p15"/>
+          <p:cNvSpPr txBox="1">
+            <a:spLocks noGrp="1"/>
+          </p:cNvSpPr>
+          <p:nvPr>
+            <p:ph type="title"/>
+          </p:nvPr>
+        </p:nvSpPr>
+        <p:spPr>
+          <a:xfrm>
+            <a:off x="311700" y="445025"/>
+            <a:ext cx="8520600" cy="572700"/>
+          </a:xfrm>
+          <a:prstGeom prst="rect">
+            <a:avLst/>
+          </a:prstGeom>
+        </p:spPr>
+        <p:txBody>
+          <a:bodyPr spcFirstLastPara="1" wrap="square" lIns="91425" tIns="91425" rIns="91425" bIns="91425" anchor="t" anchorCtr="0">
+            <a:normAutofit/>
+          </a:bodyPr>
+          <a:lstStyle/>
+          <a:p>
+            <a:pPr marL="0" lvl="0" indent="0" algn="l" rtl="0">
+              <a:spcBef>
+                <a:spcPts val="0"/>
+              </a:spcBef>
+              <a:spcAft>
+                <a:spcPts val="0"/>
+              </a:spcAft>
+              <a:buNone/>
+            </a:pPr>
+            <a:r>
+              <a:rPr lang="en-GB" sz="2500">
+                <a:latin typeface="Calibri"/>
+                <a:ea typeface="Calibri"/>
+                <a:cs typeface="Calibri"/>
+                <a:sym typeface="Calibri"/>
+              </a:rPr>
+              <a:t>Development Roles</a:t>
+            </a:r>
+            <a:endParaRPr sz="2500">
+              <a:latin typeface="Calibri"/>
+              <a:ea typeface="Calibri"/>
+              <a:cs typeface="Calibri"/>
+              <a:sym typeface="Calibri"/>
+            </a:endParaRPr>
+          </a:p>
+        </p:txBody>
+      </p:sp>
+      <p:sp>
+        <p:nvSpPr>
+          <p:cNvPr id="67" name="Google Shape;67;p15"/>
+          <p:cNvSpPr txBox="1">
+            <a:spLocks noGrp="1"/>
+          </p:cNvSpPr>
+          <p:nvPr>
+            <p:ph type="body" idx="1"/>
+          </p:nvPr>
+        </p:nvSpPr>
+        <p:spPr>
+          <a:xfrm>
+            <a:off x="311700" y="1152475"/>
+            <a:ext cx="8520600" cy="3416400"/>
+          </a:xfrm>
+          <a:prstGeom prst="rect">
+            <a:avLst/>
+          </a:prstGeom>
+        </p:spPr>
+        <p:txBody>
+          <a:bodyPr spcFirstLastPara="1" wrap="square" lIns="91425" tIns="91425" rIns="91425" bIns="91425" anchor="t" anchorCtr="0">
+            <a:normAutofit/>
+          </a:bodyPr>
+          <a:lstStyle/>
+          <a:p>
+            <a:pPr marL="0" lvl="0" indent="0" algn="l" rtl="0">
+              <a:spcBef>
+                <a:spcPts val="800"/>
+              </a:spcBef>
+              <a:spcAft>
+                <a:spcPts val="0"/>
+              </a:spcAft>
+              <a:buClr>
+                <a:schemeClr val="dk1"/>
+              </a:buClr>
+              <a:buSzPts val="1100"/>
+              <a:buFont typeface="Arial"/>
+              <a:buNone/>
+            </a:pPr>
+            <a:r>
+              <a:rPr lang="en-GB" sz="2200">
+                <a:solidFill>
+                  <a:schemeClr val="dk1"/>
+                </a:solidFill>
+                <a:latin typeface="Calibri"/>
+                <a:ea typeface="Calibri"/>
+                <a:cs typeface="Calibri"/>
+                <a:sym typeface="Calibri"/>
+              </a:rPr>
+              <a:t>•Front-End Developer: Designed the UI with HTML and CSS.</a:t>
+            </a:r>
+            <a:endParaRPr sz="2200">
+              <a:solidFill>
+                <a:schemeClr val="dk1"/>
+              </a:solidFill>
+              <a:latin typeface="Calibri"/>
+              <a:ea typeface="Calibri"/>
+              <a:cs typeface="Calibri"/>
+              <a:sym typeface="Calibri"/>
+            </a:endParaRPr>
+          </a:p>
+          <a:p>
+            <a:pPr marL="0" lvl="0" indent="0" algn="l" rtl="0">
+              <a:spcBef>
+                <a:spcPts val="800"/>
+              </a:spcBef>
+              <a:spcAft>
+                <a:spcPts val="0"/>
+              </a:spcAft>
+              <a:buClr>
+                <a:schemeClr val="dk1"/>
+              </a:buClr>
+              <a:buSzPts val="1100"/>
+              <a:buFont typeface="Arial"/>
+              <a:buNone/>
+            </a:pPr>
+            <a:r>
+              <a:rPr lang="en-GB" sz="2200">
+                <a:solidFill>
+                  <a:schemeClr val="dk1"/>
+                </a:solidFill>
+                <a:latin typeface="Calibri"/>
+                <a:ea typeface="Calibri"/>
+                <a:cs typeface="Calibri"/>
+                <a:sym typeface="Calibri"/>
+              </a:rPr>
+              <a:t>•Game Logic Developer: Implemented the game mechanics in JavaScript.</a:t>
+            </a:r>
+            <a:endParaRPr sz="2200">
+              <a:solidFill>
+                <a:schemeClr val="dk1"/>
+              </a:solidFill>
+              <a:latin typeface="Calibri"/>
+              <a:ea typeface="Calibri"/>
+              <a:cs typeface="Calibri"/>
+              <a:sym typeface="Calibri"/>
+            </a:endParaRPr>
+          </a:p>
+          <a:p>
+            <a:pPr marL="0" lvl="0" indent="0" algn="l" rtl="0">
+              <a:spcBef>
+                <a:spcPts val="800"/>
+              </a:spcBef>
+              <a:spcAft>
+                <a:spcPts val="0"/>
+              </a:spcAft>
+              <a:buNone/>
+            </a:pPr>
+            <a:r>
+              <a:rPr lang="en-GB" sz="2200">
+                <a:solidFill>
+                  <a:schemeClr val="dk1"/>
+                </a:solidFill>
+                <a:latin typeface="Calibri"/>
+                <a:ea typeface="Calibri"/>
+                <a:cs typeface="Calibri"/>
+                <a:sym typeface="Calibri"/>
+              </a:rPr>
+              <a:t>•QA Tester: Ensured functional gameplay and UI responsiveness.</a:t>
+            </a:r>
+            <a:endParaRPr sz="2200">
+              <a:solidFill>
+                <a:schemeClr val="dk1"/>
+              </a:solidFill>
+              <a:latin typeface="Calibri"/>
+              <a:ea typeface="Calibri"/>
+              <a:cs typeface="Calibri"/>
+              <a:sym typeface="Calibri"/>
+            </a:endParaRPr>
+          </a:p>
+          <a:p>
+            <a:pPr marL="0" lvl="0" indent="0" algn="l" rtl="0">
+              <a:spcBef>
+                <a:spcPts val="0"/>
+              </a:spcBef>
+              <a:spcAft>
+                <a:spcPts val="1200"/>
+              </a:spcAft>
+              <a:buNone/>
+            </a:pPr>
+            <a:endParaRPr/>
+          </a:p>
+        </p:txBody>
+      </p:sp>
+    </p:spTree>
+  </p:cSld>
+  <p:clrMapOvr>
+    <a:masterClrMapping/>
+  </p:clrMapOvr>
+</p:sld>
+</file>
+
+<file path=ppt/slides/slide4.xml><?xml version="1.0" encoding="utf-8"?>
+<p:sld xmlns:a="http://schemas.openxmlformats.org/drawingml/2006/main" xmlns:r="http://schemas.openxmlformats.org/officeDocument/2006/relationships" xmlns:p="http://schemas.openxmlformats.org/presentationml/2006/main">
+  <p:cSld>
+    <p:spTree>
+      <p:nvGrpSpPr>
+        <p:cNvPr id="1" name="Shape 71"/>
+        <p:cNvGrpSpPr/>
+        <p:nvPr/>
+      </p:nvGrpSpPr>
+      <p:grpSpPr>
+        <a:xfrm>
+          <a:off x="0" y="0"/>
+          <a:ext cx="0" cy="0"/>
+          <a:chOff x="0" y="0"/>
+          <a:chExt cx="0" cy="0"/>
+        </a:xfrm>
+      </p:grpSpPr>
+      <p:sp>
+        <p:nvSpPr>
+          <p:cNvPr id="72" name="Google Shape;72;p16"/>
+          <p:cNvSpPr txBox="1">
+            <a:spLocks noGrp="1"/>
+          </p:cNvSpPr>
+          <p:nvPr>
+            <p:ph type="title"/>
+          </p:nvPr>
+        </p:nvSpPr>
+        <p:spPr>
+          <a:xfrm>
+            <a:off x="311700" y="445025"/>
+            <a:ext cx="8520600" cy="572700"/>
+          </a:xfrm>
+          <a:prstGeom prst="rect">
+            <a:avLst/>
+          </a:prstGeom>
+        </p:spPr>
+        <p:txBody>
+          <a:bodyPr spcFirstLastPara="1" wrap="square" lIns="91425" tIns="91425" rIns="91425" bIns="91425" anchor="t" anchorCtr="0">
+            <a:noAutofit/>
+          </a:bodyPr>
+          <a:lstStyle/>
+          <a:p>
+            <a:pPr marL="0" lvl="0" indent="0" algn="l" rtl="0">
+              <a:spcBef>
+                <a:spcPts val="0"/>
+              </a:spcBef>
+              <a:spcAft>
+                <a:spcPts val="0"/>
+              </a:spcAft>
+              <a:buSzPts val="990"/>
+              <a:buNone/>
+            </a:pPr>
+            <a:r>
+              <a:rPr lang="en-GB" sz="2500" dirty="0">
+                <a:latin typeface="Calibri"/>
+                <a:ea typeface="Calibri"/>
+                <a:cs typeface="Calibri"/>
+                <a:sym typeface="Calibri"/>
+              </a:rPr>
+              <a:t>Project Challenges</a:t>
+            </a:r>
+            <a:endParaRPr sz="2500" dirty="0">
+              <a:latin typeface="Calibri"/>
+              <a:ea typeface="Calibri"/>
+              <a:cs typeface="Calibri"/>
+              <a:sym typeface="Calibri"/>
+            </a:endParaRPr>
+          </a:p>
+        </p:txBody>
+      </p:sp>
+      <p:sp>
+        <p:nvSpPr>
+          <p:cNvPr id="73" name="Google Shape;73;p16"/>
+          <p:cNvSpPr txBox="1">
+            <a:spLocks noGrp="1"/>
+          </p:cNvSpPr>
+          <p:nvPr>
+            <p:ph type="body" idx="1"/>
+          </p:nvPr>
+        </p:nvSpPr>
+        <p:spPr>
+          <a:xfrm>
+            <a:off x="311700" y="1152475"/>
+            <a:ext cx="8520600" cy="3416400"/>
+          </a:xfrm>
+          <a:prstGeom prst="rect">
+            <a:avLst/>
+          </a:prstGeom>
+        </p:spPr>
+        <p:txBody>
+          <a:bodyPr spcFirstLastPara="1" wrap="square" lIns="91425" tIns="91425" rIns="91425" bIns="91425" anchor="t" anchorCtr="0">
+            <a:normAutofit/>
+          </a:bodyPr>
+          <a:lstStyle/>
+          <a:p>
+            <a:pPr marL="0" lvl="0" indent="0" algn="l" rtl="0">
+              <a:spcBef>
+                <a:spcPts val="800"/>
+              </a:spcBef>
+              <a:spcAft>
+                <a:spcPts val="0"/>
+              </a:spcAft>
+              <a:buClr>
+                <a:schemeClr val="dk1"/>
+              </a:buClr>
+              <a:buSzPts val="1100"/>
+              <a:buFont typeface="Arial"/>
+              <a:buNone/>
+            </a:pPr>
+            <a:r>
+              <a:rPr lang="en-GB" sz="2200" dirty="0">
+                <a:solidFill>
+                  <a:schemeClr val="dk1"/>
+                </a:solidFill>
+                <a:latin typeface="Calibri"/>
+                <a:ea typeface="Calibri"/>
+                <a:cs typeface="Calibri"/>
+                <a:sym typeface="Calibri"/>
+              </a:rPr>
+              <a:t>•Optimizing the tile movement animations for performance.</a:t>
+            </a:r>
+            <a:endParaRPr sz="2200" dirty="0">
+              <a:solidFill>
+                <a:schemeClr val="dk1"/>
+              </a:solidFill>
+              <a:latin typeface="Calibri"/>
+              <a:ea typeface="Calibri"/>
+              <a:cs typeface="Calibri"/>
+              <a:sym typeface="Calibri"/>
+            </a:endParaRPr>
+          </a:p>
+          <a:p>
+            <a:pPr marL="0" lvl="0" indent="0" algn="l" rtl="0">
+              <a:spcBef>
+                <a:spcPts val="800"/>
+              </a:spcBef>
+              <a:spcAft>
+                <a:spcPts val="0"/>
+              </a:spcAft>
+              <a:buClr>
+                <a:schemeClr val="dk1"/>
+              </a:buClr>
+              <a:buSzPts val="1100"/>
+              <a:buFont typeface="Arial"/>
+              <a:buNone/>
+            </a:pPr>
+            <a:r>
+              <a:rPr lang="en-GB" sz="2200" dirty="0">
+                <a:solidFill>
+                  <a:schemeClr val="dk1"/>
+                </a:solidFill>
+                <a:latin typeface="Calibri"/>
+                <a:ea typeface="Calibri"/>
+                <a:cs typeface="Calibri"/>
+                <a:sym typeface="Calibri"/>
+              </a:rPr>
+              <a:t>•Preventing edge-case bugs in tile movement logic.</a:t>
+            </a:r>
+            <a:endParaRPr sz="2200" dirty="0">
+              <a:solidFill>
+                <a:schemeClr val="dk1"/>
+              </a:solidFill>
+              <a:latin typeface="Calibri"/>
+              <a:ea typeface="Calibri"/>
+              <a:cs typeface="Calibri"/>
+              <a:sym typeface="Calibri"/>
+            </a:endParaRPr>
+          </a:p>
+          <a:p>
+            <a:pPr marL="0" lvl="0" indent="0" algn="l" rtl="0">
+              <a:spcBef>
+                <a:spcPts val="800"/>
+              </a:spcBef>
+              <a:spcAft>
+                <a:spcPts val="0"/>
+              </a:spcAft>
+              <a:buClr>
+                <a:schemeClr val="dk1"/>
+              </a:buClr>
+              <a:buSzPts val="1100"/>
+              <a:buFont typeface="Arial"/>
+              <a:buNone/>
+            </a:pPr>
+            <a:r>
+              <a:rPr lang="en-GB" sz="2200" dirty="0">
+                <a:solidFill>
+                  <a:schemeClr val="dk1"/>
+                </a:solidFill>
+                <a:latin typeface="Calibri"/>
+                <a:ea typeface="Calibri"/>
+                <a:cs typeface="Calibri"/>
+                <a:sym typeface="Calibri"/>
+              </a:rPr>
+              <a:t>•Achieving cross-browser compatibility.</a:t>
+            </a:r>
+            <a:endParaRPr sz="2200" dirty="0">
+              <a:solidFill>
+                <a:schemeClr val="dk1"/>
+              </a:solidFill>
+              <a:latin typeface="Calibri"/>
+              <a:ea typeface="Calibri"/>
+              <a:cs typeface="Calibri"/>
+              <a:sym typeface="Calibri"/>
+            </a:endParaRPr>
+          </a:p>
+          <a:p>
+            <a:pPr marL="0" lvl="0" indent="0" algn="l" rtl="0">
+              <a:spcBef>
+                <a:spcPts val="0"/>
+              </a:spcBef>
+              <a:spcAft>
+                <a:spcPts val="1200"/>
+              </a:spcAft>
+              <a:buNone/>
+            </a:pPr>
+            <a:endParaRPr sz="3200" dirty="0">
+              <a:solidFill>
+                <a:schemeClr val="dk1"/>
+              </a:solidFill>
+              <a:latin typeface="Calibri"/>
+              <a:ea typeface="Calibri"/>
+              <a:cs typeface="Calibri"/>
+              <a:sym typeface="Calibri"/>
+            </a:endParaRPr>
+          </a:p>
+        </p:txBody>
+      </p:sp>
+    </p:spTree>
+  </p:cSld>
+  <p:clrMapOvr>
+    <a:masterClrMapping/>
+  </p:clrMapOvr>
+</p:sld>
+</file>
+
+<file path=ppt/slides/slide5.xml><?xml version="1.0" encoding="utf-8"?>
+<p:sld xmlns:a="http://schemas.openxmlformats.org/drawingml/2006/main" xmlns:r="http://schemas.openxmlformats.org/officeDocument/2006/relationships" xmlns:p="http://schemas.openxmlformats.org/presentationml/2006/main">
+  <p:cSld>
+    <p:spTree>
+      <p:nvGrpSpPr>
+        <p:cNvPr id="1" name="Shape 77"/>
+        <p:cNvGrpSpPr/>
+        <p:nvPr/>
+      </p:nvGrpSpPr>
+      <p:grpSpPr>
+        <a:xfrm>
+          <a:off x="0" y="0"/>
+          <a:ext cx="0" cy="0"/>
+          <a:chOff x="0" y="0"/>
+          <a:chExt cx="0" cy="0"/>
+        </a:xfrm>
+      </p:grpSpPr>
+      <p:sp>
+        <p:nvSpPr>
+          <p:cNvPr id="78" name="Google Shape;78;p17"/>
+          <p:cNvSpPr txBox="1">
+            <a:spLocks noGrp="1"/>
+          </p:cNvSpPr>
+          <p:nvPr>
+            <p:ph type="title"/>
+          </p:nvPr>
+        </p:nvSpPr>
+        <p:spPr>
+          <a:xfrm>
+            <a:off x="311700" y="445025"/>
+            <a:ext cx="8520600" cy="572700"/>
+          </a:xfrm>
+          <a:prstGeom prst="rect">
+            <a:avLst/>
+          </a:prstGeom>
+        </p:spPr>
+        <p:txBody>
+          <a:bodyPr spcFirstLastPara="1" wrap="square" lIns="91425" tIns="91425" rIns="91425" bIns="91425" anchor="t" anchorCtr="0">
+            <a:normAutofit/>
+          </a:bodyPr>
+          <a:lstStyle/>
+          <a:p>
+            <a:pPr marL="0" lvl="0" indent="0" algn="l" rtl="0">
+              <a:spcBef>
+                <a:spcPts val="0"/>
+              </a:spcBef>
+              <a:spcAft>
+                <a:spcPts val="0"/>
+              </a:spcAft>
+              <a:buNone/>
+            </a:pPr>
+            <a:r>
+              <a:rPr lang="en-GB" sz="2500">
+                <a:latin typeface="Calibri"/>
+                <a:ea typeface="Calibri"/>
+                <a:cs typeface="Calibri"/>
+                <a:sym typeface="Calibri"/>
+              </a:rPr>
+              <a:t>Game Mechanics</a:t>
+            </a:r>
+            <a:endParaRPr sz="2500">
+              <a:latin typeface="Calibri"/>
+              <a:ea typeface="Calibri"/>
+              <a:cs typeface="Calibri"/>
+              <a:sym typeface="Calibri"/>
+            </a:endParaRPr>
+          </a:p>
+        </p:txBody>
+      </p:sp>
+      <p:sp>
+        <p:nvSpPr>
+          <p:cNvPr id="79" name="Google Shape;79;p17"/>
+          <p:cNvSpPr txBox="1">
+            <a:spLocks noGrp="1"/>
+          </p:cNvSpPr>
+          <p:nvPr>
+            <p:ph type="body" idx="1"/>
+          </p:nvPr>
+        </p:nvSpPr>
+        <p:spPr>
+          <a:xfrm>
+            <a:off x="311700" y="1152475"/>
+            <a:ext cx="8520600" cy="3416400"/>
+          </a:xfrm>
+          <a:prstGeom prst="rect">
+            <a:avLst/>
+          </a:prstGeom>
+        </p:spPr>
+        <p:txBody>
+          <a:bodyPr spcFirstLastPara="1" wrap="square" lIns="91425" tIns="91425" rIns="91425" bIns="91425" anchor="t" anchorCtr="0">
+            <a:normAutofit/>
+          </a:bodyPr>
+          <a:lstStyle/>
+          <a:p>
+            <a:pPr marL="0" lvl="0" indent="0" algn="l" rtl="0">
+              <a:spcBef>
+                <a:spcPts val="800"/>
+              </a:spcBef>
+              <a:spcAft>
+                <a:spcPts val="0"/>
+              </a:spcAft>
+              <a:buClr>
+                <a:schemeClr val="dk1"/>
+              </a:buClr>
+              <a:buSzPts val="1100"/>
+              <a:buFont typeface="Arial"/>
+              <a:buNone/>
+            </a:pPr>
+            <a:r>
+              <a:rPr lang="en-GB" sz="2200">
+                <a:solidFill>
+                  <a:schemeClr val="dk1"/>
+                </a:solidFill>
+                <a:latin typeface="Calibri"/>
+                <a:ea typeface="Calibri"/>
+                <a:cs typeface="Calibri"/>
+                <a:sym typeface="Calibri"/>
+              </a:rPr>
+              <a:t>•Players rearrange tiles into sequential order.</a:t>
+            </a:r>
+            <a:endParaRPr sz="2200">
+              <a:solidFill>
+                <a:schemeClr val="dk1"/>
+              </a:solidFill>
+              <a:latin typeface="Calibri"/>
+              <a:ea typeface="Calibri"/>
+              <a:cs typeface="Calibri"/>
+              <a:sym typeface="Calibri"/>
+            </a:endParaRPr>
+          </a:p>
+          <a:p>
+            <a:pPr marL="0" lvl="0" indent="0" algn="l" rtl="0">
+              <a:spcBef>
+                <a:spcPts val="800"/>
+              </a:spcBef>
+              <a:spcAft>
+                <a:spcPts val="0"/>
+              </a:spcAft>
+              <a:buClr>
+                <a:schemeClr val="dk1"/>
+              </a:buClr>
+              <a:buSzPts val="1100"/>
+              <a:buFont typeface="Arial"/>
+              <a:buNone/>
+            </a:pPr>
+            <a:r>
+              <a:rPr lang="en-GB" sz="2200">
+                <a:solidFill>
+                  <a:schemeClr val="dk1"/>
+                </a:solidFill>
+                <a:latin typeface="Calibri"/>
+                <a:ea typeface="Calibri"/>
+                <a:cs typeface="Calibri"/>
+                <a:sym typeface="Calibri"/>
+              </a:rPr>
+              <a:t>•A timer and move counter track performance.</a:t>
+            </a:r>
+            <a:endParaRPr sz="2200">
+              <a:solidFill>
+                <a:schemeClr val="dk1"/>
+              </a:solidFill>
+              <a:latin typeface="Calibri"/>
+              <a:ea typeface="Calibri"/>
+              <a:cs typeface="Calibri"/>
+              <a:sym typeface="Calibri"/>
+            </a:endParaRPr>
+          </a:p>
+          <a:p>
+            <a:pPr marL="0" lvl="0" indent="0" algn="l" rtl="0">
+              <a:spcBef>
+                <a:spcPts val="800"/>
+              </a:spcBef>
+              <a:spcAft>
+                <a:spcPts val="0"/>
+              </a:spcAft>
+              <a:buClr>
+                <a:schemeClr val="dk1"/>
+              </a:buClr>
+              <a:buSzPts val="1100"/>
+              <a:buFont typeface="Arial"/>
+              <a:buNone/>
+            </a:pPr>
+            <a:r>
+              <a:rPr lang="en-GB" sz="2200">
+                <a:solidFill>
+                  <a:schemeClr val="dk1"/>
+                </a:solidFill>
+                <a:latin typeface="Calibri"/>
+                <a:ea typeface="Calibri"/>
+                <a:cs typeface="Calibri"/>
+                <a:sym typeface="Calibri"/>
+              </a:rPr>
+              <a:t>•Features include a 'Shuffle' button to randomize the grid.</a:t>
+            </a:r>
+            <a:endParaRPr sz="2200">
+              <a:solidFill>
+                <a:schemeClr val="dk1"/>
+              </a:solidFill>
+              <a:latin typeface="Calibri"/>
+              <a:ea typeface="Calibri"/>
+              <a:cs typeface="Calibri"/>
+              <a:sym typeface="Calibri"/>
+            </a:endParaRPr>
+          </a:p>
+          <a:p>
+            <a:pPr marL="0" lvl="0" indent="0" algn="l" rtl="0">
+              <a:spcBef>
+                <a:spcPts val="0"/>
+              </a:spcBef>
+              <a:spcAft>
+                <a:spcPts val="1200"/>
+              </a:spcAft>
+              <a:buNone/>
+            </a:pPr>
+            <a:endParaRPr/>
+          </a:p>
+        </p:txBody>
+      </p:sp>
+    </p:spTree>
+  </p:cSld>
+  <p:clrMapOvr>
+    <a:masterClrMapping/>
+  </p:clrMapOvr>
+</p:sld>
+</file>
+
+<file path=ppt/slides/slide6.xml><?xml version="1.0" encoding="utf-8"?>
+<p:sld xmlns:a="http://schemas.openxmlformats.org/drawingml/2006/main" xmlns:r="http://schemas.openxmlformats.org/officeDocument/2006/relationships" xmlns:p="http://schemas.openxmlformats.org/presentationml/2006/main">
+  <p:cSld>
+    <p:spTree>
+      <p:nvGrpSpPr>
+        <p:cNvPr id="1" name="Shape 83"/>
+        <p:cNvGrpSpPr/>
+        <p:nvPr/>
+      </p:nvGrpSpPr>
+      <p:grpSpPr>
+        <a:xfrm>
+          <a:off x="0" y="0"/>
+          <a:ext cx="0" cy="0"/>
+          <a:chOff x="0" y="0"/>
+          <a:chExt cx="0" cy="0"/>
+        </a:xfrm>
+      </p:grpSpPr>
+      <p:sp>
+        <p:nvSpPr>
+          <p:cNvPr id="84" name="Google Shape;84;p18"/>
+          <p:cNvSpPr txBox="1">
+            <a:spLocks noGrp="1"/>
+          </p:cNvSpPr>
+          <p:nvPr>
+            <p:ph type="title"/>
+          </p:nvPr>
+        </p:nvSpPr>
+        <p:spPr>
+          <a:xfrm>
+            <a:off x="311700" y="445025"/>
+            <a:ext cx="8520600" cy="572700"/>
+          </a:xfrm>
+          <a:prstGeom prst="rect">
+            <a:avLst/>
+          </a:prstGeom>
+        </p:spPr>
+        <p:txBody>
+          <a:bodyPr spcFirstLastPara="1" wrap="square" lIns="91425" tIns="91425" rIns="91425" bIns="91425" anchor="t" anchorCtr="0">
+            <a:normAutofit/>
+          </a:bodyPr>
+          <a:lstStyle/>
+          <a:p>
+            <a:pPr marL="0" lvl="0" indent="0" algn="l" rtl="0">
+              <a:spcBef>
+                <a:spcPts val="0"/>
+              </a:spcBef>
+              <a:spcAft>
+                <a:spcPts val="0"/>
+              </a:spcAft>
+              <a:buNone/>
+            </a:pPr>
+            <a:r>
+              <a:rPr lang="en-GB" sz="2500">
+                <a:latin typeface="Calibri"/>
+                <a:ea typeface="Calibri"/>
+                <a:cs typeface="Calibri"/>
+                <a:sym typeface="Calibri"/>
+              </a:rPr>
+              <a:t>HTML Structure</a:t>
+            </a:r>
+            <a:endParaRPr sz="2500">
+              <a:latin typeface="Calibri"/>
+              <a:ea typeface="Calibri"/>
+              <a:cs typeface="Calibri"/>
+              <a:sym typeface="Calibri"/>
+            </a:endParaRPr>
+          </a:p>
+        </p:txBody>
+      </p:sp>
+      <p:sp>
+        <p:nvSpPr>
+          <p:cNvPr id="85" name="Google Shape;85;p18"/>
+          <p:cNvSpPr txBox="1">
+            <a:spLocks noGrp="1"/>
+          </p:cNvSpPr>
+          <p:nvPr>
+            <p:ph type="body" idx="1"/>
+          </p:nvPr>
+        </p:nvSpPr>
+        <p:spPr>
+          <a:xfrm>
+            <a:off x="311700" y="1152475"/>
+            <a:ext cx="8520600" cy="3416400"/>
+          </a:xfrm>
+          <a:prstGeom prst="rect">
+            <a:avLst/>
+          </a:prstGeom>
+        </p:spPr>
+        <p:txBody>
+          <a:bodyPr spcFirstLastPara="1" wrap="square" lIns="91425" tIns="91425" rIns="91425" bIns="91425" anchor="t" anchorCtr="0">
+            <a:normAutofit fontScale="85000" lnSpcReduction="20000"/>
+          </a:bodyPr>
+          <a:lstStyle/>
+          <a:p>
+            <a:pPr marL="0" lvl="0" indent="0" algn="l" rtl="0">
+              <a:spcBef>
+                <a:spcPts val="800"/>
+              </a:spcBef>
+              <a:spcAft>
+                <a:spcPts val="0"/>
+              </a:spcAft>
+              <a:buClr>
+                <a:schemeClr val="dk1"/>
+              </a:buClr>
+              <a:buSzPct val="39285"/>
+              <a:buFont typeface="Arial"/>
+              <a:buNone/>
+            </a:pPr>
+            <a:r>
+              <a:rPr lang="en-GB" sz="2800">
+                <a:solidFill>
+                  <a:schemeClr val="dk1"/>
+                </a:solidFill>
+                <a:latin typeface="Calibri"/>
+                <a:ea typeface="Calibri"/>
+                <a:cs typeface="Calibri"/>
+                <a:sym typeface="Calibri"/>
+              </a:rPr>
+              <a:t>•Displays the static structure, including the puzzle container and control buttons.</a:t>
+            </a:r>
+            <a:endParaRPr sz="2800">
+              <a:solidFill>
+                <a:schemeClr val="dk1"/>
+              </a:solidFill>
+              <a:latin typeface="Calibri"/>
+              <a:ea typeface="Calibri"/>
+              <a:cs typeface="Calibri"/>
+              <a:sym typeface="Calibri"/>
+            </a:endParaRPr>
+          </a:p>
+          <a:p>
+            <a:pPr marL="0" lvl="0" indent="0" algn="l" rtl="0">
+              <a:spcBef>
+                <a:spcPts val="800"/>
+              </a:spcBef>
+              <a:spcAft>
+                <a:spcPts val="0"/>
+              </a:spcAft>
+              <a:buClr>
+                <a:schemeClr val="dk1"/>
+              </a:buClr>
+              <a:buSzPct val="39285"/>
+              <a:buFont typeface="Arial"/>
+              <a:buNone/>
+            </a:pPr>
+            <a:r>
+              <a:rPr lang="en-GB" sz="2800">
+                <a:solidFill>
+                  <a:schemeClr val="dk1"/>
+                </a:solidFill>
+                <a:latin typeface="Calibri"/>
+                <a:ea typeface="Calibri"/>
+                <a:cs typeface="Calibri"/>
+                <a:sym typeface="Calibri"/>
+              </a:rPr>
+              <a:t>•Includes meta tags for responsive design.</a:t>
+            </a:r>
+            <a:endParaRPr sz="2800">
+              <a:solidFill>
+                <a:schemeClr val="dk1"/>
+              </a:solidFill>
+              <a:latin typeface="Calibri"/>
+              <a:ea typeface="Calibri"/>
+              <a:cs typeface="Calibri"/>
+              <a:sym typeface="Calibri"/>
+            </a:endParaRPr>
+          </a:p>
+          <a:p>
+            <a:pPr marL="0" lvl="0" indent="0" algn="l" rtl="0">
+              <a:spcBef>
+                <a:spcPts val="800"/>
+              </a:spcBef>
+              <a:spcAft>
+                <a:spcPts val="0"/>
+              </a:spcAft>
+              <a:buClr>
+                <a:schemeClr val="dk1"/>
+              </a:buClr>
+              <a:buSzPct val="39285"/>
+              <a:buFont typeface="Arial"/>
+              <a:buNone/>
+            </a:pPr>
+            <a:r>
+              <a:rPr lang="en-GB" sz="2800">
+                <a:solidFill>
+                  <a:schemeClr val="dk1"/>
+                </a:solidFill>
+                <a:latin typeface="Calibri"/>
+                <a:ea typeface="Calibri"/>
+                <a:cs typeface="Calibri"/>
+                <a:sym typeface="Calibri"/>
+              </a:rPr>
+              <a:t>•</a:t>
+            </a:r>
+            <a:endParaRPr sz="2800">
+              <a:solidFill>
+                <a:schemeClr val="dk1"/>
+              </a:solidFill>
+              <a:latin typeface="Calibri"/>
+              <a:ea typeface="Calibri"/>
+              <a:cs typeface="Calibri"/>
+              <a:sym typeface="Calibri"/>
+            </a:endParaRPr>
+          </a:p>
+          <a:p>
+            <a:pPr marL="0" lvl="0" indent="0" algn="l" rtl="0">
+              <a:spcBef>
+                <a:spcPts val="800"/>
+              </a:spcBef>
+              <a:spcAft>
+                <a:spcPts val="0"/>
+              </a:spcAft>
+              <a:buClr>
+                <a:schemeClr val="dk1"/>
+              </a:buClr>
+              <a:buSzPct val="39285"/>
+              <a:buFont typeface="Arial"/>
+              <a:buNone/>
+            </a:pPr>
+            <a:r>
+              <a:rPr lang="en-GB" sz="2800">
+                <a:solidFill>
+                  <a:schemeClr val="dk1"/>
+                </a:solidFill>
+                <a:latin typeface="Calibri"/>
+                <a:ea typeface="Calibri"/>
+                <a:cs typeface="Calibri"/>
+                <a:sym typeface="Calibri"/>
+              </a:rPr>
+              <a:t>•Code snippet:</a:t>
+            </a:r>
+            <a:endParaRPr sz="2800">
+              <a:solidFill>
+                <a:schemeClr val="dk1"/>
+              </a:solidFill>
+              <a:latin typeface="Calibri"/>
+              <a:ea typeface="Calibri"/>
+              <a:cs typeface="Calibri"/>
+              <a:sym typeface="Calibri"/>
+            </a:endParaRPr>
+          </a:p>
+          <a:p>
+            <a:pPr marL="0" lvl="0" indent="0" algn="l" rtl="0">
+              <a:spcBef>
+                <a:spcPts val="800"/>
+              </a:spcBef>
+              <a:spcAft>
+                <a:spcPts val="0"/>
+              </a:spcAft>
+              <a:buClr>
+                <a:schemeClr val="dk1"/>
+              </a:buClr>
+              <a:buSzPct val="39285"/>
+              <a:buFont typeface="Arial"/>
+              <a:buNone/>
+            </a:pPr>
+            <a:r>
+              <a:rPr lang="en-GB" sz="2800">
+                <a:solidFill>
+                  <a:schemeClr val="dk1"/>
+                </a:solidFill>
+                <a:latin typeface="Calibri"/>
+                <a:ea typeface="Calibri"/>
+                <a:cs typeface="Calibri"/>
+                <a:sym typeface="Calibri"/>
+              </a:rPr>
+              <a:t>•&lt;div id='puzzle-container'&gt;&lt;/div&gt;</a:t>
+            </a:r>
+            <a:endParaRPr sz="2800">
+              <a:solidFill>
+                <a:schemeClr val="dk1"/>
+              </a:solidFill>
+              <a:latin typeface="Calibri"/>
+              <a:ea typeface="Calibri"/>
+              <a:cs typeface="Calibri"/>
+              <a:sym typeface="Calibri"/>
+            </a:endParaRPr>
+          </a:p>
+          <a:p>
+            <a:pPr marL="0" lvl="0" indent="0" algn="l" rtl="0">
+              <a:spcBef>
+                <a:spcPts val="800"/>
+              </a:spcBef>
+              <a:spcAft>
+                <a:spcPts val="0"/>
+              </a:spcAft>
+              <a:buClr>
+                <a:schemeClr val="dk1"/>
+              </a:buClr>
+              <a:buSzPct val="39285"/>
+              <a:buFont typeface="Arial"/>
+              <a:buNone/>
+            </a:pPr>
+            <a:r>
+              <a:rPr lang="en-GB" sz="2800">
+                <a:solidFill>
+                  <a:schemeClr val="dk1"/>
+                </a:solidFill>
+                <a:latin typeface="Calibri"/>
+                <a:ea typeface="Calibri"/>
+                <a:cs typeface="Calibri"/>
+                <a:sym typeface="Calibri"/>
+              </a:rPr>
+              <a:t>•&lt;input type='button' id='shuffle' value='Shuffle' /&gt;</a:t>
+            </a:r>
+            <a:endParaRPr sz="2800">
+              <a:solidFill>
+                <a:schemeClr val="dk1"/>
+              </a:solidFill>
+              <a:latin typeface="Calibri"/>
+              <a:ea typeface="Calibri"/>
+              <a:cs typeface="Calibri"/>
+              <a:sym typeface="Calibri"/>
+            </a:endParaRPr>
+          </a:p>
+          <a:p>
+            <a:pPr marL="0" lvl="0" indent="0" algn="l" rtl="0">
+              <a:spcBef>
+                <a:spcPts val="0"/>
+              </a:spcBef>
+              <a:spcAft>
+                <a:spcPts val="1200"/>
+              </a:spcAft>
+              <a:buNone/>
+            </a:pPr>
+            <a:endParaRPr/>
+          </a:p>
+        </p:txBody>
+      </p:sp>
+    </p:spTree>
+  </p:cSld>
+  <p:clrMapOvr>
+    <a:masterClrMapping/>
+  </p:clrMapOvr>
+</p:sld>
+</file>
+
+<file path=ppt/slides/slide7.xml><?xml version="1.0" encoding="utf-8"?>
+<p:sld xmlns:a="http://schemas.openxmlformats.org/drawingml/2006/main" xmlns:r="http://schemas.openxmlformats.org/officeDocument/2006/relationships" xmlns:p="http://schemas.openxmlformats.org/presentationml/2006/main">
+  <p:cSld>
+    <p:spTree>
+      <p:nvGrpSpPr>
+        <p:cNvPr id="1" name="Shape 89"/>
+        <p:cNvGrpSpPr/>
+        <p:nvPr/>
+      </p:nvGrpSpPr>
+      <p:grpSpPr>
+        <a:xfrm>
+          <a:off x="0" y="0"/>
+          <a:ext cx="0" cy="0"/>
+          <a:chOff x="0" y="0"/>
+          <a:chExt cx="0" cy="0"/>
+        </a:xfrm>
+      </p:grpSpPr>
+      <p:sp>
+        <p:nvSpPr>
+          <p:cNvPr id="90" name="Google Shape;90;p19"/>
+          <p:cNvSpPr txBox="1">
+            <a:spLocks noGrp="1"/>
+          </p:cNvSpPr>
+          <p:nvPr>
+            <p:ph type="title"/>
+          </p:nvPr>
+        </p:nvSpPr>
+        <p:spPr>
+          <a:xfrm>
+            <a:off x="311700" y="445025"/>
+            <a:ext cx="8520600" cy="572700"/>
+          </a:xfrm>
+          <a:prstGeom prst="rect">
+            <a:avLst/>
+          </a:prstGeom>
+        </p:spPr>
+        <p:txBody>
+          <a:bodyPr spcFirstLastPara="1" wrap="square" lIns="91425" tIns="91425" rIns="91425" bIns="91425" anchor="t" anchorCtr="0">
+            <a:normAutofit/>
+          </a:bodyPr>
+          <a:lstStyle/>
+          <a:p>
+            <a:pPr marL="0" lvl="0" indent="0" algn="l" rtl="0">
+              <a:spcBef>
+                <a:spcPts val="0"/>
+              </a:spcBef>
+              <a:spcAft>
+                <a:spcPts val="0"/>
+              </a:spcAft>
+              <a:buNone/>
+            </a:pPr>
+            <a:r>
+              <a:rPr lang="en-GB" sz="2500">
+                <a:latin typeface="Calibri"/>
+                <a:ea typeface="Calibri"/>
+                <a:cs typeface="Calibri"/>
+                <a:sym typeface="Calibri"/>
+              </a:rPr>
+              <a:t>Styling the Puzzle</a:t>
+            </a:r>
+            <a:endParaRPr sz="2500">
+              <a:latin typeface="Calibri"/>
+              <a:ea typeface="Calibri"/>
+              <a:cs typeface="Calibri"/>
+              <a:sym typeface="Calibri"/>
+            </a:endParaRPr>
+          </a:p>
+        </p:txBody>
+      </p:sp>
+      <p:sp>
+        <p:nvSpPr>
+          <p:cNvPr id="91" name="Google Shape;91;p19"/>
+          <p:cNvSpPr txBox="1">
+            <a:spLocks noGrp="1"/>
+          </p:cNvSpPr>
+          <p:nvPr>
+            <p:ph type="body" idx="1"/>
+          </p:nvPr>
+        </p:nvSpPr>
+        <p:spPr>
+          <a:xfrm>
+            <a:off x="311700" y="1152475"/>
+            <a:ext cx="8520600" cy="3416400"/>
+          </a:xfrm>
+          <a:prstGeom prst="rect">
+            <a:avLst/>
+          </a:prstGeom>
+        </p:spPr>
+        <p:txBody>
+          <a:bodyPr spcFirstLastPara="1" wrap="square" lIns="91425" tIns="91425" rIns="91425" bIns="91425" anchor="t" anchorCtr="0">
+            <a:normAutofit fontScale="47500" lnSpcReduction="20000"/>
+          </a:bodyPr>
+          <a:lstStyle/>
+          <a:p>
+            <a:pPr marL="0" lvl="0" indent="0" algn="l" rtl="0">
+              <a:spcBef>
+                <a:spcPts val="800"/>
+              </a:spcBef>
+              <a:spcAft>
+                <a:spcPts val="0"/>
+              </a:spcAft>
+              <a:buClr>
+                <a:schemeClr val="dk1"/>
+              </a:buClr>
+              <a:buSzPct val="27500"/>
+              <a:buFont typeface="Arial"/>
+              <a:buNone/>
+            </a:pPr>
+            <a:r>
+              <a:rPr lang="en-GB" sz="4000">
+                <a:solidFill>
+                  <a:schemeClr val="dk1"/>
+                </a:solidFill>
+                <a:latin typeface="Calibri"/>
+                <a:ea typeface="Calibri"/>
+                <a:cs typeface="Calibri"/>
+                <a:sym typeface="Calibri"/>
+              </a:rPr>
+              <a:t>•Centralizes the puzzle container with consistent padding and size.</a:t>
+            </a:r>
+            <a:endParaRPr sz="4000">
+              <a:solidFill>
+                <a:schemeClr val="dk1"/>
+              </a:solidFill>
+              <a:latin typeface="Calibri"/>
+              <a:ea typeface="Calibri"/>
+              <a:cs typeface="Calibri"/>
+              <a:sym typeface="Calibri"/>
+            </a:endParaRPr>
+          </a:p>
+          <a:p>
+            <a:pPr marL="0" lvl="0" indent="0" algn="l" rtl="0">
+              <a:spcBef>
+                <a:spcPts val="800"/>
+              </a:spcBef>
+              <a:spcAft>
+                <a:spcPts val="0"/>
+              </a:spcAft>
+              <a:buClr>
+                <a:schemeClr val="dk1"/>
+              </a:buClr>
+              <a:buSzPct val="27500"/>
+              <a:buFont typeface="Arial"/>
+              <a:buNone/>
+            </a:pPr>
+            <a:r>
+              <a:rPr lang="en-GB" sz="4000">
+                <a:solidFill>
+                  <a:schemeClr val="dk1"/>
+                </a:solidFill>
+                <a:latin typeface="Calibri"/>
+                <a:ea typeface="Calibri"/>
+                <a:cs typeface="Calibri"/>
+                <a:sym typeface="Calibri"/>
+              </a:rPr>
+              <a:t>•Styles movable tiles to highlight interactivity.</a:t>
+            </a:r>
+            <a:endParaRPr sz="4000">
+              <a:solidFill>
+                <a:schemeClr val="dk1"/>
+              </a:solidFill>
+              <a:latin typeface="Calibri"/>
+              <a:ea typeface="Calibri"/>
+              <a:cs typeface="Calibri"/>
+              <a:sym typeface="Calibri"/>
+            </a:endParaRPr>
+          </a:p>
+          <a:p>
+            <a:pPr marL="0" lvl="0" indent="0" algn="l" rtl="0">
+              <a:spcBef>
+                <a:spcPts val="800"/>
+              </a:spcBef>
+              <a:spcAft>
+                <a:spcPts val="0"/>
+              </a:spcAft>
+              <a:buClr>
+                <a:schemeClr val="dk1"/>
+              </a:buClr>
+              <a:buSzPct val="27500"/>
+              <a:buFont typeface="Arial"/>
+              <a:buNone/>
+            </a:pPr>
+            <a:r>
+              <a:rPr lang="en-GB" sz="4000">
+                <a:solidFill>
+                  <a:schemeClr val="dk1"/>
+                </a:solidFill>
+                <a:latin typeface="Calibri"/>
+                <a:ea typeface="Calibri"/>
+                <a:cs typeface="Calibri"/>
+                <a:sym typeface="Calibri"/>
+              </a:rPr>
+              <a:t>•</a:t>
+            </a:r>
+            <a:endParaRPr sz="4000">
+              <a:solidFill>
+                <a:schemeClr val="dk1"/>
+              </a:solidFill>
+              <a:latin typeface="Calibri"/>
+              <a:ea typeface="Calibri"/>
+              <a:cs typeface="Calibri"/>
+              <a:sym typeface="Calibri"/>
+            </a:endParaRPr>
+          </a:p>
+          <a:p>
+            <a:pPr marL="0" lvl="0" indent="0" algn="l" rtl="0">
+              <a:spcBef>
+                <a:spcPts val="800"/>
+              </a:spcBef>
+              <a:spcAft>
+                <a:spcPts val="0"/>
+              </a:spcAft>
+              <a:buClr>
+                <a:schemeClr val="dk1"/>
+              </a:buClr>
+              <a:buSzPct val="27500"/>
+              <a:buFont typeface="Arial"/>
+              <a:buNone/>
+            </a:pPr>
+            <a:r>
+              <a:rPr lang="en-GB" sz="4000">
+                <a:solidFill>
+                  <a:schemeClr val="dk1"/>
+                </a:solidFill>
+                <a:latin typeface="Calibri"/>
+                <a:ea typeface="Calibri"/>
+                <a:cs typeface="Calibri"/>
+                <a:sym typeface="Calibri"/>
+              </a:rPr>
+              <a:t>•Key CSS Rule:</a:t>
+            </a:r>
+            <a:endParaRPr sz="4000">
+              <a:solidFill>
+                <a:schemeClr val="dk1"/>
+              </a:solidFill>
+              <a:latin typeface="Calibri"/>
+              <a:ea typeface="Calibri"/>
+              <a:cs typeface="Calibri"/>
+              <a:sym typeface="Calibri"/>
+            </a:endParaRPr>
+          </a:p>
+          <a:p>
+            <a:pPr marL="0" lvl="0" indent="0" algn="l" rtl="0">
+              <a:spcBef>
+                <a:spcPts val="800"/>
+              </a:spcBef>
+              <a:spcAft>
+                <a:spcPts val="0"/>
+              </a:spcAft>
+              <a:buClr>
+                <a:schemeClr val="dk1"/>
+              </a:buClr>
+              <a:buSzPct val="27500"/>
+              <a:buFont typeface="Arial"/>
+              <a:buNone/>
+            </a:pPr>
+            <a:r>
+              <a:rPr lang="en-GB" sz="4000">
+                <a:solidFill>
+                  <a:schemeClr val="dk1"/>
+                </a:solidFill>
+                <a:latin typeface="Calibri"/>
+                <a:ea typeface="Calibri"/>
+                <a:cs typeface="Calibri"/>
+                <a:sym typeface="Calibri"/>
+              </a:rPr>
+              <a:t>•puzzle-piece {</a:t>
+            </a:r>
+            <a:endParaRPr sz="4000">
+              <a:solidFill>
+                <a:schemeClr val="dk1"/>
+              </a:solidFill>
+              <a:latin typeface="Calibri"/>
+              <a:ea typeface="Calibri"/>
+              <a:cs typeface="Calibri"/>
+              <a:sym typeface="Calibri"/>
+            </a:endParaRPr>
+          </a:p>
+          <a:p>
+            <a:pPr marL="0" lvl="0" indent="0" algn="l" rtl="0">
+              <a:spcBef>
+                <a:spcPts val="800"/>
+              </a:spcBef>
+              <a:spcAft>
+                <a:spcPts val="0"/>
+              </a:spcAft>
+              <a:buClr>
+                <a:schemeClr val="dk1"/>
+              </a:buClr>
+              <a:buSzPct val="27500"/>
+              <a:buFont typeface="Arial"/>
+              <a:buNone/>
+            </a:pPr>
+            <a:r>
+              <a:rPr lang="en-GB" sz="4000">
+                <a:solidFill>
+                  <a:schemeClr val="dk1"/>
+                </a:solidFill>
+                <a:latin typeface="Calibri"/>
+                <a:ea typeface="Calibri"/>
+                <a:cs typeface="Calibri"/>
+                <a:sym typeface="Calibri"/>
+              </a:rPr>
+              <a:t>•  width: 96px;</a:t>
+            </a:r>
+            <a:endParaRPr sz="4000">
+              <a:solidFill>
+                <a:schemeClr val="dk1"/>
+              </a:solidFill>
+              <a:latin typeface="Calibri"/>
+              <a:ea typeface="Calibri"/>
+              <a:cs typeface="Calibri"/>
+              <a:sym typeface="Calibri"/>
+            </a:endParaRPr>
+          </a:p>
+          <a:p>
+            <a:pPr marL="0" lvl="0" indent="0" algn="l" rtl="0">
+              <a:spcBef>
+                <a:spcPts val="800"/>
+              </a:spcBef>
+              <a:spcAft>
+                <a:spcPts val="0"/>
+              </a:spcAft>
+              <a:buClr>
+                <a:schemeClr val="dk1"/>
+              </a:buClr>
+              <a:buSzPct val="27500"/>
+              <a:buFont typeface="Arial"/>
+              <a:buNone/>
+            </a:pPr>
+            <a:r>
+              <a:rPr lang="en-GB" sz="4000">
+                <a:solidFill>
+                  <a:schemeClr val="dk1"/>
+                </a:solidFill>
+                <a:latin typeface="Calibri"/>
+                <a:ea typeface="Calibri"/>
+                <a:cs typeface="Calibri"/>
+                <a:sym typeface="Calibri"/>
+              </a:rPr>
+              <a:t>•  height: 96px;</a:t>
+            </a:r>
+            <a:endParaRPr sz="4000">
+              <a:solidFill>
+                <a:schemeClr val="dk1"/>
+              </a:solidFill>
+              <a:latin typeface="Calibri"/>
+              <a:ea typeface="Calibri"/>
+              <a:cs typeface="Calibri"/>
+              <a:sym typeface="Calibri"/>
+            </a:endParaRPr>
+          </a:p>
+          <a:p>
+            <a:pPr marL="0" lvl="0" indent="0" algn="l" rtl="0">
+              <a:spcBef>
+                <a:spcPts val="800"/>
+              </a:spcBef>
+              <a:spcAft>
+                <a:spcPts val="0"/>
+              </a:spcAft>
+              <a:buClr>
+                <a:schemeClr val="dk1"/>
+              </a:buClr>
+              <a:buSzPct val="27500"/>
+              <a:buFont typeface="Arial"/>
+              <a:buNone/>
+            </a:pPr>
+            <a:r>
+              <a:rPr lang="en-GB" sz="4000">
+                <a:solidFill>
+                  <a:schemeClr val="dk1"/>
+                </a:solidFill>
+                <a:latin typeface="Calibri"/>
+                <a:ea typeface="Calibri"/>
+                <a:cs typeface="Calibri"/>
+                <a:sym typeface="Calibri"/>
+              </a:rPr>
+              <a:t>•  background-color: rgba(255, 255, 255, 0.9);</a:t>
+            </a:r>
+            <a:endParaRPr sz="4000">
+              <a:solidFill>
+                <a:schemeClr val="dk1"/>
+              </a:solidFill>
+              <a:latin typeface="Calibri"/>
+              <a:ea typeface="Calibri"/>
+              <a:cs typeface="Calibri"/>
+              <a:sym typeface="Calibri"/>
+            </a:endParaRPr>
+          </a:p>
+          <a:p>
+            <a:pPr marL="0" lvl="0" indent="0" algn="l" rtl="0">
+              <a:spcBef>
+                <a:spcPts val="0"/>
+              </a:spcBef>
+              <a:spcAft>
+                <a:spcPts val="1200"/>
+              </a:spcAft>
+              <a:buNone/>
+            </a:pPr>
+            <a:endParaRPr/>
+          </a:p>
+        </p:txBody>
+      </p:sp>
+    </p:spTree>
+  </p:cSld>
+  <p:clrMapOvr>
+    <a:masterClrMapping/>
+  </p:clrMapOvr>
+</p:sld>
+</file>
+
+<file path=ppt/slides/slide8.xml><?xml version="1.0" encoding="utf-8"?>
+<p:sld xmlns:a="http://schemas.openxmlformats.org/drawingml/2006/main" xmlns:r="http://schemas.openxmlformats.org/officeDocument/2006/relationships" xmlns:p="http://schemas.openxmlformats.org/presentationml/2006/main">
+  <p:cSld>
+    <p:spTree>
+      <p:nvGrpSpPr>
+        <p:cNvPr id="1" name="Shape 95"/>
+        <p:cNvGrpSpPr/>
+        <p:nvPr/>
+      </p:nvGrpSpPr>
+      <p:grpSpPr>
+        <a:xfrm>
+          <a:off x="0" y="0"/>
+          <a:ext cx="0" cy="0"/>
+          <a:chOff x="0" y="0"/>
+          <a:chExt cx="0" cy="0"/>
+        </a:xfrm>
+      </p:grpSpPr>
+      <p:sp>
+        <p:nvSpPr>
+          <p:cNvPr id="96" name="Google Shape;96;p20"/>
+          <p:cNvSpPr txBox="1">
+            <a:spLocks noGrp="1"/>
+          </p:cNvSpPr>
+          <p:nvPr>
+            <p:ph type="title"/>
+          </p:nvPr>
+        </p:nvSpPr>
+        <p:spPr>
+          <a:xfrm>
+            <a:off x="311700" y="469625"/>
+            <a:ext cx="8520600" cy="572700"/>
+          </a:xfrm>
+          <a:prstGeom prst="rect">
+            <a:avLst/>
+          </a:prstGeom>
+        </p:spPr>
+        <p:txBody>
+          <a:bodyPr spcFirstLastPara="1" wrap="square" lIns="91425" tIns="91425" rIns="91425" bIns="91425" anchor="t" anchorCtr="0">
+            <a:normAutofit/>
+          </a:bodyPr>
+          <a:lstStyle/>
+          <a:p>
+            <a:pPr marL="0" lvl="0" indent="0" algn="l" rtl="0">
+              <a:spcBef>
+                <a:spcPts val="0"/>
+              </a:spcBef>
+              <a:spcAft>
+                <a:spcPts val="0"/>
+              </a:spcAft>
+              <a:buNone/>
+            </a:pPr>
+            <a:r>
+              <a:rPr lang="en-GB" sz="2500">
+                <a:latin typeface="Calibri"/>
+                <a:ea typeface="Calibri"/>
+                <a:cs typeface="Calibri"/>
+                <a:sym typeface="Calibri"/>
+              </a:rPr>
+              <a:t>Game Logic Implementation</a:t>
+            </a:r>
+            <a:endParaRPr sz="2500">
+              <a:latin typeface="Calibri"/>
+              <a:ea typeface="Calibri"/>
+              <a:cs typeface="Calibri"/>
+              <a:sym typeface="Calibri"/>
+            </a:endParaRPr>
+          </a:p>
+        </p:txBody>
+      </p:sp>
+      <p:sp>
+        <p:nvSpPr>
+          <p:cNvPr id="97" name="Google Shape;97;p20"/>
+          <p:cNvSpPr txBox="1">
+            <a:spLocks noGrp="1"/>
+          </p:cNvSpPr>
+          <p:nvPr>
+            <p:ph type="body" idx="1"/>
+          </p:nvPr>
+        </p:nvSpPr>
+        <p:spPr>
+          <a:xfrm>
+            <a:off x="311700" y="1152475"/>
+            <a:ext cx="8520600" cy="3416400"/>
+          </a:xfrm>
+          <a:prstGeom prst="rect">
+            <a:avLst/>
+          </a:prstGeom>
+        </p:spPr>
+        <p:txBody>
+          <a:bodyPr spcFirstLastPara="1" wrap="square" lIns="91425" tIns="91425" rIns="91425" bIns="91425" anchor="t" anchorCtr="0">
+            <a:normAutofit fontScale="70000" lnSpcReduction="20000"/>
+          </a:bodyPr>
+          <a:lstStyle/>
+          <a:p>
+            <a:pPr marL="0" lvl="0" indent="0" algn="l" rtl="0">
+              <a:spcBef>
+                <a:spcPts val="800"/>
+              </a:spcBef>
+              <a:spcAft>
+                <a:spcPts val="0"/>
+              </a:spcAft>
+              <a:buClr>
+                <a:schemeClr val="dk1"/>
+              </a:buClr>
+              <a:buSzPct val="34375"/>
+              <a:buFont typeface="Arial"/>
+              <a:buNone/>
+            </a:pPr>
+            <a:r>
+              <a:rPr lang="en-GB" sz="3200">
+                <a:solidFill>
+                  <a:schemeClr val="dk1"/>
+                </a:solidFill>
+                <a:latin typeface="Calibri"/>
+                <a:ea typeface="Calibri"/>
+                <a:cs typeface="Calibri"/>
+                <a:sym typeface="Calibri"/>
+              </a:rPr>
+              <a:t>•Handles the grid's shuffle, movement, and win logic.</a:t>
+            </a:r>
+            <a:endParaRPr sz="3200">
+              <a:solidFill>
+                <a:schemeClr val="dk1"/>
+              </a:solidFill>
+              <a:latin typeface="Calibri"/>
+              <a:ea typeface="Calibri"/>
+              <a:cs typeface="Calibri"/>
+              <a:sym typeface="Calibri"/>
+            </a:endParaRPr>
+          </a:p>
+          <a:p>
+            <a:pPr marL="0" lvl="0" indent="0" algn="l" rtl="0">
+              <a:spcBef>
+                <a:spcPts val="800"/>
+              </a:spcBef>
+              <a:spcAft>
+                <a:spcPts val="0"/>
+              </a:spcAft>
+              <a:buClr>
+                <a:schemeClr val="dk1"/>
+              </a:buClr>
+              <a:buSzPct val="34375"/>
+              <a:buFont typeface="Arial"/>
+              <a:buNone/>
+            </a:pPr>
+            <a:r>
+              <a:rPr lang="en-GB" sz="3200">
+                <a:solidFill>
+                  <a:schemeClr val="dk1"/>
+                </a:solidFill>
+                <a:latin typeface="Calibri"/>
+                <a:ea typeface="Calibri"/>
+                <a:cs typeface="Calibri"/>
+                <a:sym typeface="Calibri"/>
+              </a:rPr>
+              <a:t>•Uses event listeners for interactivity.</a:t>
+            </a:r>
+            <a:endParaRPr sz="3200">
+              <a:solidFill>
+                <a:schemeClr val="dk1"/>
+              </a:solidFill>
+              <a:latin typeface="Calibri"/>
+              <a:ea typeface="Calibri"/>
+              <a:cs typeface="Calibri"/>
+              <a:sym typeface="Calibri"/>
+            </a:endParaRPr>
+          </a:p>
+          <a:p>
+            <a:pPr marL="0" lvl="0" indent="0" algn="l" rtl="0">
+              <a:spcBef>
+                <a:spcPts val="800"/>
+              </a:spcBef>
+              <a:spcAft>
+                <a:spcPts val="0"/>
+              </a:spcAft>
+              <a:buClr>
+                <a:schemeClr val="dk1"/>
+              </a:buClr>
+              <a:buSzPct val="34375"/>
+              <a:buFont typeface="Arial"/>
+              <a:buNone/>
+            </a:pPr>
+            <a:r>
+              <a:rPr lang="en-GB" sz="3200">
+                <a:solidFill>
+                  <a:schemeClr val="dk1"/>
+                </a:solidFill>
+                <a:latin typeface="Calibri"/>
+                <a:ea typeface="Calibri"/>
+                <a:cs typeface="Calibri"/>
+                <a:sym typeface="Calibri"/>
+              </a:rPr>
+              <a:t>•Key Function:</a:t>
+            </a:r>
+            <a:endParaRPr sz="3200">
+              <a:solidFill>
+                <a:schemeClr val="dk1"/>
+              </a:solidFill>
+              <a:latin typeface="Calibri"/>
+              <a:ea typeface="Calibri"/>
+              <a:cs typeface="Calibri"/>
+              <a:sym typeface="Calibri"/>
+            </a:endParaRPr>
+          </a:p>
+          <a:p>
+            <a:pPr marL="0" lvl="0" indent="0" algn="l" rtl="0">
+              <a:spcBef>
+                <a:spcPts val="800"/>
+              </a:spcBef>
+              <a:spcAft>
+                <a:spcPts val="0"/>
+              </a:spcAft>
+              <a:buClr>
+                <a:schemeClr val="dk1"/>
+              </a:buClr>
+              <a:buSzPct val="34375"/>
+              <a:buFont typeface="Arial"/>
+              <a:buNone/>
+            </a:pPr>
+            <a:r>
+              <a:rPr lang="en-GB" sz="3200">
+                <a:solidFill>
+                  <a:schemeClr val="dk1"/>
+                </a:solidFill>
+                <a:latin typeface="Calibri"/>
+                <a:ea typeface="Calibri"/>
+                <a:cs typeface="Calibri"/>
+                <a:sym typeface="Calibri"/>
+              </a:rPr>
+              <a:t>•function moveTile(row, col) {</a:t>
+            </a:r>
+            <a:endParaRPr sz="3200">
+              <a:solidFill>
+                <a:schemeClr val="dk1"/>
+              </a:solidFill>
+              <a:latin typeface="Calibri"/>
+              <a:ea typeface="Calibri"/>
+              <a:cs typeface="Calibri"/>
+              <a:sym typeface="Calibri"/>
+            </a:endParaRPr>
+          </a:p>
+          <a:p>
+            <a:pPr marL="0" lvl="0" indent="0" algn="l" rtl="0">
+              <a:spcBef>
+                <a:spcPts val="800"/>
+              </a:spcBef>
+              <a:spcAft>
+                <a:spcPts val="0"/>
+              </a:spcAft>
+              <a:buClr>
+                <a:schemeClr val="dk1"/>
+              </a:buClr>
+              <a:buSzPct val="34375"/>
+              <a:buFont typeface="Arial"/>
+              <a:buNone/>
+            </a:pPr>
+            <a:r>
+              <a:rPr lang="en-GB" sz="3200">
+                <a:solidFill>
+                  <a:schemeClr val="dk1"/>
+                </a:solidFill>
+                <a:latin typeface="Calibri"/>
+                <a:ea typeface="Calibri"/>
+                <a:cs typeface="Calibri"/>
+                <a:sym typeface="Calibri"/>
+              </a:rPr>
+              <a:t>•var value = board[row][col];</a:t>
+            </a:r>
+            <a:endParaRPr sz="3200">
+              <a:solidFill>
+                <a:schemeClr val="dk1"/>
+              </a:solidFill>
+              <a:latin typeface="Calibri"/>
+              <a:ea typeface="Calibri"/>
+              <a:cs typeface="Calibri"/>
+              <a:sym typeface="Calibri"/>
+            </a:endParaRPr>
+          </a:p>
+          <a:p>
+            <a:pPr marL="0" lvl="0" indent="0" algn="l" rtl="0">
+              <a:spcBef>
+                <a:spcPts val="800"/>
+              </a:spcBef>
+              <a:spcAft>
+                <a:spcPts val="0"/>
+              </a:spcAft>
+              <a:buClr>
+                <a:schemeClr val="dk1"/>
+              </a:buClr>
+              <a:buSzPct val="34375"/>
+              <a:buFont typeface="Arial"/>
+              <a:buNone/>
+            </a:pPr>
+            <a:r>
+              <a:rPr lang="en-GB" sz="3200">
+                <a:solidFill>
+                  <a:schemeClr val="dk1"/>
+                </a:solidFill>
+                <a:latin typeface="Calibri"/>
+                <a:ea typeface="Calibri"/>
+                <a:cs typeface="Calibri"/>
+                <a:sym typeface="Calibri"/>
+              </a:rPr>
+              <a:t>•board[row][col] = null;</a:t>
+            </a:r>
+            <a:endParaRPr sz="3200">
+              <a:solidFill>
+                <a:schemeClr val="dk1"/>
+              </a:solidFill>
+              <a:latin typeface="Calibri"/>
+              <a:ea typeface="Calibri"/>
+              <a:cs typeface="Calibri"/>
+              <a:sym typeface="Calibri"/>
+            </a:endParaRPr>
+          </a:p>
+          <a:p>
+            <a:pPr marL="0" lvl="0" indent="0" algn="l" rtl="0">
+              <a:spcBef>
+                <a:spcPts val="800"/>
+              </a:spcBef>
+              <a:spcAft>
+                <a:spcPts val="0"/>
+              </a:spcAft>
+              <a:buClr>
+                <a:schemeClr val="dk1"/>
+              </a:buClr>
+              <a:buSzPct val="34375"/>
+              <a:buFont typeface="Arial"/>
+              <a:buNone/>
+            </a:pPr>
+            <a:r>
+              <a:rPr lang="en-GB" sz="3200">
+                <a:solidFill>
+                  <a:schemeClr val="dk1"/>
+                </a:solidFill>
+                <a:latin typeface="Calibri"/>
+                <a:ea typeface="Calibri"/>
+                <a:cs typeface="Calibri"/>
+                <a:sym typeface="Calibri"/>
+              </a:rPr>
+              <a:t>•board[emptyTile.row][emptyTile.col] = value;</a:t>
+            </a:r>
+            <a:endParaRPr sz="3200">
+              <a:solidFill>
+                <a:schemeClr val="dk1"/>
+              </a:solidFill>
+              <a:latin typeface="Calibri"/>
+              <a:ea typeface="Calibri"/>
+              <a:cs typeface="Calibri"/>
+              <a:sym typeface="Calibri"/>
+            </a:endParaRPr>
+          </a:p>
+          <a:p>
+            <a:pPr marL="0" lvl="0" indent="0" algn="l" rtl="0">
+              <a:spcBef>
+                <a:spcPts val="0"/>
+              </a:spcBef>
+              <a:spcAft>
+                <a:spcPts val="1200"/>
+              </a:spcAft>
+              <a:buNone/>
+            </a:pPr>
+            <a:endParaRPr/>
+          </a:p>
+        </p:txBody>
+      </p:sp>
+    </p:spTree>
+  </p:cSld>
+  <p:clrMapOvr>
+    <a:masterClrMapping/>
+  </p:clrMapOvr>
+</p:sld>
+</file>
+
+<file path=ppt/slides/slide9.xml><?xml version="1.0" encoding="utf-8"?>
 <p:sld xmlns:a="http://schemas.openxmlformats.org/drawingml/2006/main" xmlns:r="http://schemas.openxmlformats.org/officeDocument/2006/relationships" xmlns:p="http://schemas.openxmlformats.org/presentationml/2006/main">
   <p:cSld>
     <p:spTree>
@@ -7093,2764 +9838,6 @@
               <a:t>•Mobile-friendly enhancements.</a:t>
             </a:r>
             <a:endParaRPr sz="2200">
-              <a:solidFill>
-                <a:schemeClr val="dk1"/>
-              </a:solidFill>
-              <a:latin typeface="Calibri"/>
-              <a:ea typeface="Calibri"/>
-              <a:cs typeface="Calibri"/>
-              <a:sym typeface="Calibri"/>
-            </a:endParaRPr>
-          </a:p>
-          <a:p>
-            <a:pPr marL="0" lvl="0" indent="0" algn="l" rtl="0">
-              <a:spcBef>
-                <a:spcPts val="0"/>
-              </a:spcBef>
-              <a:spcAft>
-                <a:spcPts val="1200"/>
-              </a:spcAft>
-              <a:buNone/>
-            </a:pPr>
-            <a:endParaRPr/>
-          </a:p>
-        </p:txBody>
-      </p:sp>
-    </p:spTree>
-  </p:cSld>
-  <p:clrMapOvr>
-    <a:masterClrMapping/>
-  </p:clrMapOvr>
-</p:sld>
-</file>
-
-<file path=ppt/slides/slide11.xml><?xml version="1.0" encoding="utf-8"?>
-<p:sld xmlns:a="http://schemas.openxmlformats.org/drawingml/2006/main" xmlns:r="http://schemas.openxmlformats.org/officeDocument/2006/relationships" xmlns:p="http://schemas.openxmlformats.org/presentationml/2006/main">
-  <p:cSld>
-    <p:spTree>
-      <p:nvGrpSpPr>
-        <p:cNvPr id="1" name="Shape 107"/>
-        <p:cNvGrpSpPr/>
-        <p:nvPr/>
-      </p:nvGrpSpPr>
-      <p:grpSpPr>
-        <a:xfrm>
-          <a:off x="0" y="0"/>
-          <a:ext cx="0" cy="0"/>
-          <a:chOff x="0" y="0"/>
-          <a:chExt cx="0" cy="0"/>
-        </a:xfrm>
-      </p:grpSpPr>
-      <p:sp>
-        <p:nvSpPr>
-          <p:cNvPr id="108" name="Google Shape;108;p22"/>
-          <p:cNvSpPr txBox="1">
-            <a:spLocks noGrp="1"/>
-          </p:cNvSpPr>
-          <p:nvPr>
-            <p:ph type="title"/>
-          </p:nvPr>
-        </p:nvSpPr>
-        <p:spPr>
-          <a:xfrm>
-            <a:off x="311700" y="445025"/>
-            <a:ext cx="8520600" cy="572700"/>
-          </a:xfrm>
-          <a:prstGeom prst="rect">
-            <a:avLst/>
-          </a:prstGeom>
-        </p:spPr>
-        <p:txBody>
-          <a:bodyPr spcFirstLastPara="1" wrap="square" lIns="91425" tIns="91425" rIns="91425" bIns="91425" anchor="t" anchorCtr="0">
-            <a:noAutofit/>
-          </a:bodyPr>
-          <a:lstStyle/>
-          <a:p>
-            <a:pPr marL="0" lvl="0" indent="0" algn="l" rtl="0">
-              <a:spcBef>
-                <a:spcPts val="0"/>
-              </a:spcBef>
-              <a:spcAft>
-                <a:spcPts val="0"/>
-              </a:spcAft>
-              <a:buSzPts val="990"/>
-              <a:buNone/>
-            </a:pPr>
-            <a:r>
-              <a:rPr lang="en-GB" sz="2500">
-                <a:latin typeface="Calibri"/>
-                <a:ea typeface="Calibri"/>
-                <a:cs typeface="Calibri"/>
-                <a:sym typeface="Calibri"/>
-              </a:rPr>
-              <a:t>Key Features</a:t>
-            </a:r>
-            <a:endParaRPr sz="2500">
-              <a:latin typeface="Calibri"/>
-              <a:ea typeface="Calibri"/>
-              <a:cs typeface="Calibri"/>
-              <a:sym typeface="Calibri"/>
-            </a:endParaRPr>
-          </a:p>
-        </p:txBody>
-      </p:sp>
-      <p:sp>
-        <p:nvSpPr>
-          <p:cNvPr id="109" name="Google Shape;109;p22"/>
-          <p:cNvSpPr txBox="1">
-            <a:spLocks noGrp="1"/>
-          </p:cNvSpPr>
-          <p:nvPr>
-            <p:ph type="body" idx="1"/>
-          </p:nvPr>
-        </p:nvSpPr>
-        <p:spPr>
-          <a:xfrm>
-            <a:off x="311700" y="1152475"/>
-            <a:ext cx="8520600" cy="3416400"/>
-          </a:xfrm>
-          <a:prstGeom prst="rect">
-            <a:avLst/>
-          </a:prstGeom>
-        </p:spPr>
-        <p:txBody>
-          <a:bodyPr spcFirstLastPara="1" wrap="square" lIns="91425" tIns="91425" rIns="91425" bIns="91425" anchor="t" anchorCtr="0">
-            <a:normAutofit/>
-          </a:bodyPr>
-          <a:lstStyle/>
-          <a:p>
-            <a:pPr marL="0" lvl="0" indent="0" algn="l" rtl="0">
-              <a:spcBef>
-                <a:spcPts val="800"/>
-              </a:spcBef>
-              <a:spcAft>
-                <a:spcPts val="0"/>
-              </a:spcAft>
-              <a:buClr>
-                <a:schemeClr val="dk1"/>
-              </a:buClr>
-              <a:buSzPts val="1100"/>
-              <a:buFont typeface="Arial"/>
-              <a:buNone/>
-            </a:pPr>
-            <a:r>
-              <a:rPr lang="en-GB" sz="2200">
-                <a:solidFill>
-                  <a:schemeClr val="dk1"/>
-                </a:solidFill>
-                <a:latin typeface="Calibri"/>
-                <a:ea typeface="Calibri"/>
-                <a:cs typeface="Calibri"/>
-                <a:sym typeface="Calibri"/>
-              </a:rPr>
-              <a:t>•Dynamically updates movable pieces using JavaScript.</a:t>
-            </a:r>
-            <a:endParaRPr sz="2200">
-              <a:solidFill>
-                <a:schemeClr val="dk1"/>
-              </a:solidFill>
-              <a:latin typeface="Calibri"/>
-              <a:ea typeface="Calibri"/>
-              <a:cs typeface="Calibri"/>
-              <a:sym typeface="Calibri"/>
-            </a:endParaRPr>
-          </a:p>
-          <a:p>
-            <a:pPr marL="0" lvl="0" indent="0" algn="l" rtl="0">
-              <a:spcBef>
-                <a:spcPts val="800"/>
-              </a:spcBef>
-              <a:spcAft>
-                <a:spcPts val="0"/>
-              </a:spcAft>
-              <a:buClr>
-                <a:schemeClr val="dk1"/>
-              </a:buClr>
-              <a:buSzPts val="1100"/>
-              <a:buFont typeface="Arial"/>
-              <a:buNone/>
-            </a:pPr>
-            <a:r>
-              <a:rPr lang="en-GB" sz="2200">
-                <a:solidFill>
-                  <a:schemeClr val="dk1"/>
-                </a:solidFill>
-                <a:latin typeface="Calibri"/>
-                <a:ea typeface="Calibri"/>
-                <a:cs typeface="Calibri"/>
-                <a:sym typeface="Calibri"/>
-              </a:rPr>
-              <a:t>•Highlights best performance with saved metrics for moves and time.</a:t>
-            </a:r>
-            <a:endParaRPr sz="2200">
-              <a:solidFill>
-                <a:schemeClr val="dk1"/>
-              </a:solidFill>
-              <a:latin typeface="Calibri"/>
-              <a:ea typeface="Calibri"/>
-              <a:cs typeface="Calibri"/>
-              <a:sym typeface="Calibri"/>
-            </a:endParaRPr>
-          </a:p>
-          <a:p>
-            <a:pPr marL="0" lvl="0" indent="0" algn="l" rtl="0">
-              <a:spcBef>
-                <a:spcPts val="0"/>
-              </a:spcBef>
-              <a:spcAft>
-                <a:spcPts val="1200"/>
-              </a:spcAft>
-              <a:buNone/>
-            </a:pPr>
-            <a:endParaRPr/>
-          </a:p>
-        </p:txBody>
-      </p:sp>
-    </p:spTree>
-  </p:cSld>
-  <p:clrMapOvr>
-    <a:masterClrMapping/>
-  </p:clrMapOvr>
-</p:sld>
-</file>
-
-<file path=ppt/slides/slide12.xml><?xml version="1.0" encoding="utf-8"?>
-<p:sld xmlns:a="http://schemas.openxmlformats.org/drawingml/2006/main" xmlns:r="http://schemas.openxmlformats.org/officeDocument/2006/relationships" xmlns:p="http://schemas.openxmlformats.org/presentationml/2006/main">
-  <p:cSld>
-    <p:spTree>
-      <p:nvGrpSpPr>
-        <p:cNvPr id="1" name="Shape 113"/>
-        <p:cNvGrpSpPr/>
-        <p:nvPr/>
-      </p:nvGrpSpPr>
-      <p:grpSpPr>
-        <a:xfrm>
-          <a:off x="0" y="0"/>
-          <a:ext cx="0" cy="0"/>
-          <a:chOff x="0" y="0"/>
-          <a:chExt cx="0" cy="0"/>
-        </a:xfrm>
-      </p:grpSpPr>
-      <p:sp>
-        <p:nvSpPr>
-          <p:cNvPr id="114" name="Google Shape;114;p23"/>
-          <p:cNvSpPr txBox="1">
-            <a:spLocks noGrp="1"/>
-          </p:cNvSpPr>
-          <p:nvPr>
-            <p:ph type="title"/>
-          </p:nvPr>
-        </p:nvSpPr>
-        <p:spPr>
-          <a:xfrm>
-            <a:off x="311700" y="445025"/>
-            <a:ext cx="8520600" cy="572700"/>
-          </a:xfrm>
-          <a:prstGeom prst="rect">
-            <a:avLst/>
-          </a:prstGeom>
-        </p:spPr>
-        <p:txBody>
-          <a:bodyPr spcFirstLastPara="1" wrap="square" lIns="91425" tIns="91425" rIns="91425" bIns="91425" anchor="t" anchorCtr="0">
-            <a:normAutofit/>
-          </a:bodyPr>
-          <a:lstStyle/>
-          <a:p>
-            <a:pPr marL="0" lvl="0" indent="0" algn="l" rtl="0">
-              <a:spcBef>
-                <a:spcPts val="0"/>
-              </a:spcBef>
-              <a:spcAft>
-                <a:spcPts val="0"/>
-              </a:spcAft>
-              <a:buNone/>
-            </a:pPr>
-            <a:r>
-              <a:rPr lang="en-GB" sz="2500">
-                <a:latin typeface="Calibri"/>
-                <a:ea typeface="Calibri"/>
-                <a:cs typeface="Calibri"/>
-                <a:sym typeface="Calibri"/>
-              </a:rPr>
-              <a:t>Gameplay Demonstration</a:t>
-            </a:r>
-            <a:endParaRPr sz="2500">
-              <a:latin typeface="Calibri"/>
-              <a:ea typeface="Calibri"/>
-              <a:cs typeface="Calibri"/>
-              <a:sym typeface="Calibri"/>
-            </a:endParaRPr>
-          </a:p>
-        </p:txBody>
-      </p:sp>
-      <p:sp>
-        <p:nvSpPr>
-          <p:cNvPr id="115" name="Google Shape;115;p23"/>
-          <p:cNvSpPr txBox="1">
-            <a:spLocks noGrp="1"/>
-          </p:cNvSpPr>
-          <p:nvPr>
-            <p:ph type="body" idx="1"/>
-          </p:nvPr>
-        </p:nvSpPr>
-        <p:spPr>
-          <a:xfrm>
-            <a:off x="311700" y="1152475"/>
-            <a:ext cx="8520600" cy="3416400"/>
-          </a:xfrm>
-          <a:prstGeom prst="rect">
-            <a:avLst/>
-          </a:prstGeom>
-        </p:spPr>
-        <p:txBody>
-          <a:bodyPr spcFirstLastPara="1" wrap="square" lIns="91425" tIns="91425" rIns="91425" bIns="91425" anchor="t" anchorCtr="0">
-            <a:normAutofit/>
-          </a:bodyPr>
-          <a:lstStyle/>
-          <a:p>
-            <a:pPr marL="0" lvl="0" indent="0" algn="l" rtl="0">
-              <a:spcBef>
-                <a:spcPts val="800"/>
-              </a:spcBef>
-              <a:spcAft>
-                <a:spcPts val="0"/>
-              </a:spcAft>
-              <a:buClr>
-                <a:schemeClr val="dk1"/>
-              </a:buClr>
-              <a:buSzPts val="1100"/>
-              <a:buFont typeface="Arial"/>
-              <a:buNone/>
-            </a:pPr>
-            <a:r>
-              <a:rPr lang="en-GB" sz="2200">
-                <a:solidFill>
-                  <a:schemeClr val="dk1"/>
-                </a:solidFill>
-                <a:latin typeface="Calibri"/>
-                <a:ea typeface="Calibri"/>
-                <a:cs typeface="Calibri"/>
-                <a:sym typeface="Calibri"/>
-              </a:rPr>
-              <a:t>•Insert video or screenshots showing:</a:t>
-            </a:r>
-            <a:endParaRPr sz="2200">
-              <a:solidFill>
-                <a:schemeClr val="dk1"/>
-              </a:solidFill>
-              <a:latin typeface="Calibri"/>
-              <a:ea typeface="Calibri"/>
-              <a:cs typeface="Calibri"/>
-              <a:sym typeface="Calibri"/>
-            </a:endParaRPr>
-          </a:p>
-          <a:p>
-            <a:pPr marL="0" lvl="0" indent="0" algn="l" rtl="0">
-              <a:spcBef>
-                <a:spcPts val="800"/>
-              </a:spcBef>
-              <a:spcAft>
-                <a:spcPts val="0"/>
-              </a:spcAft>
-              <a:buClr>
-                <a:schemeClr val="dk1"/>
-              </a:buClr>
-              <a:buSzPts val="1100"/>
-              <a:buFont typeface="Arial"/>
-              <a:buNone/>
-            </a:pPr>
-            <a:r>
-              <a:rPr lang="en-GB" sz="2200">
-                <a:solidFill>
-                  <a:schemeClr val="dk1"/>
-                </a:solidFill>
-                <a:latin typeface="Calibri"/>
-                <a:ea typeface="Calibri"/>
-                <a:cs typeface="Calibri"/>
-                <a:sym typeface="Calibri"/>
-              </a:rPr>
-              <a:t>•Initial state of the puzzle.</a:t>
-            </a:r>
-            <a:endParaRPr sz="2200">
-              <a:solidFill>
-                <a:schemeClr val="dk1"/>
-              </a:solidFill>
-              <a:latin typeface="Calibri"/>
-              <a:ea typeface="Calibri"/>
-              <a:cs typeface="Calibri"/>
-              <a:sym typeface="Calibri"/>
-            </a:endParaRPr>
-          </a:p>
-          <a:p>
-            <a:pPr marL="0" lvl="0" indent="0" algn="l" rtl="0">
-              <a:spcBef>
-                <a:spcPts val="800"/>
-              </a:spcBef>
-              <a:spcAft>
-                <a:spcPts val="0"/>
-              </a:spcAft>
-              <a:buClr>
-                <a:schemeClr val="dk1"/>
-              </a:buClr>
-              <a:buSzPts val="1100"/>
-              <a:buFont typeface="Arial"/>
-              <a:buNone/>
-            </a:pPr>
-            <a:r>
-              <a:rPr lang="en-GB" sz="2200">
-                <a:solidFill>
-                  <a:schemeClr val="dk1"/>
-                </a:solidFill>
-                <a:latin typeface="Calibri"/>
-                <a:ea typeface="Calibri"/>
-                <a:cs typeface="Calibri"/>
-                <a:sym typeface="Calibri"/>
-              </a:rPr>
-              <a:t>•Interactive tile movement.</a:t>
-            </a:r>
-            <a:endParaRPr sz="2200">
-              <a:solidFill>
-                <a:schemeClr val="dk1"/>
-              </a:solidFill>
-              <a:latin typeface="Calibri"/>
-              <a:ea typeface="Calibri"/>
-              <a:cs typeface="Calibri"/>
-              <a:sym typeface="Calibri"/>
-            </a:endParaRPr>
-          </a:p>
-          <a:p>
-            <a:pPr marL="0" lvl="0" indent="0" algn="l" rtl="0">
-              <a:spcBef>
-                <a:spcPts val="800"/>
-              </a:spcBef>
-              <a:spcAft>
-                <a:spcPts val="0"/>
-              </a:spcAft>
-              <a:buClr>
-                <a:schemeClr val="dk1"/>
-              </a:buClr>
-              <a:buSzPts val="1100"/>
-              <a:buFont typeface="Arial"/>
-              <a:buNone/>
-            </a:pPr>
-            <a:r>
-              <a:rPr lang="en-GB" sz="2200">
-                <a:solidFill>
-                  <a:schemeClr val="dk1"/>
-                </a:solidFill>
-                <a:latin typeface="Calibri"/>
-                <a:ea typeface="Calibri"/>
-                <a:cs typeface="Calibri"/>
-                <a:sym typeface="Calibri"/>
-              </a:rPr>
-              <a:t>•Shuffle and win state.</a:t>
-            </a:r>
-            <a:endParaRPr sz="2200">
-              <a:solidFill>
-                <a:schemeClr val="dk1"/>
-              </a:solidFill>
-              <a:latin typeface="Calibri"/>
-              <a:ea typeface="Calibri"/>
-              <a:cs typeface="Calibri"/>
-              <a:sym typeface="Calibri"/>
-            </a:endParaRPr>
-          </a:p>
-          <a:p>
-            <a:pPr marL="0" lvl="0" indent="0" algn="l" rtl="0">
-              <a:spcBef>
-                <a:spcPts val="0"/>
-              </a:spcBef>
-              <a:spcAft>
-                <a:spcPts val="1200"/>
-              </a:spcAft>
-              <a:buNone/>
-            </a:pPr>
-            <a:endParaRPr/>
-          </a:p>
-        </p:txBody>
-      </p:sp>
-    </p:spTree>
-  </p:cSld>
-  <p:clrMapOvr>
-    <a:masterClrMapping/>
-  </p:clrMapOvr>
-</p:sld>
-</file>
-
-<file path=ppt/slides/slide2.xml><?xml version="1.0" encoding="utf-8"?>
-<p:sld xmlns:a="http://schemas.openxmlformats.org/drawingml/2006/main" xmlns:r="http://schemas.openxmlformats.org/officeDocument/2006/relationships" xmlns:p="http://schemas.openxmlformats.org/presentationml/2006/main">
-  <p:cSld>
-    <p:spTree>
-      <p:nvGrpSpPr>
-        <p:cNvPr id="1" name="Shape 71">
-          <a:extLst>
-            <a:ext uri="{FF2B5EF4-FFF2-40B4-BE49-F238E27FC236}">
-              <a16:creationId xmlns:a16="http://schemas.microsoft.com/office/drawing/2014/main" id="{C8A9A09C-8208-230E-8D6B-1CC44B8517ED}"/>
-            </a:ext>
-          </a:extLst>
-        </p:cNvPr>
-        <p:cNvGrpSpPr/>
-        <p:nvPr/>
-      </p:nvGrpSpPr>
-      <p:grpSpPr>
-        <a:xfrm>
-          <a:off x="0" y="0"/>
-          <a:ext cx="0" cy="0"/>
-          <a:chOff x="0" y="0"/>
-          <a:chExt cx="0" cy="0"/>
-        </a:xfrm>
-      </p:grpSpPr>
-      <p:sp>
-        <p:nvSpPr>
-          <p:cNvPr id="72" name="Google Shape;72;p16">
-            <a:extLst>
-              <a:ext uri="{FF2B5EF4-FFF2-40B4-BE49-F238E27FC236}">
-                <a16:creationId xmlns:a16="http://schemas.microsoft.com/office/drawing/2014/main" id="{C240F059-AEA4-0025-48BB-D8E5960714DF}"/>
-              </a:ext>
-            </a:extLst>
-          </p:cNvPr>
-          <p:cNvSpPr txBox="1">
-            <a:spLocks noGrp="1"/>
-          </p:cNvSpPr>
-          <p:nvPr>
-            <p:ph type="title"/>
-          </p:nvPr>
-        </p:nvSpPr>
-        <p:spPr>
-          <a:xfrm>
-            <a:off x="311700" y="445025"/>
-            <a:ext cx="8520600" cy="572700"/>
-          </a:xfrm>
-          <a:prstGeom prst="rect">
-            <a:avLst/>
-          </a:prstGeom>
-        </p:spPr>
-        <p:txBody>
-          <a:bodyPr spcFirstLastPara="1" wrap="square" lIns="91425" tIns="91425" rIns="91425" bIns="91425" anchor="t" anchorCtr="0">
-            <a:noAutofit/>
-          </a:bodyPr>
-          <a:lstStyle/>
-          <a:p>
-            <a:pPr marL="0" lvl="0" indent="0" algn="l" rtl="0">
-              <a:spcBef>
-                <a:spcPts val="0"/>
-              </a:spcBef>
-              <a:spcAft>
-                <a:spcPts val="0"/>
-              </a:spcAft>
-              <a:buSzPts val="990"/>
-              <a:buNone/>
-            </a:pPr>
-            <a:r>
-              <a:rPr lang="en-GB" sz="2500" dirty="0">
-                <a:latin typeface="Calibri"/>
-                <a:ea typeface="Calibri"/>
-                <a:cs typeface="Calibri"/>
-                <a:sym typeface="Calibri"/>
-              </a:rPr>
-              <a:t>Codd Link</a:t>
-            </a:r>
-            <a:endParaRPr sz="2500" dirty="0">
-              <a:latin typeface="Calibri"/>
-              <a:ea typeface="Calibri"/>
-              <a:cs typeface="Calibri"/>
-              <a:sym typeface="Calibri"/>
-            </a:endParaRPr>
-          </a:p>
-        </p:txBody>
-      </p:sp>
-      <p:sp>
-        <p:nvSpPr>
-          <p:cNvPr id="73" name="Google Shape;73;p16">
-            <a:extLst>
-              <a:ext uri="{FF2B5EF4-FFF2-40B4-BE49-F238E27FC236}">
-                <a16:creationId xmlns:a16="http://schemas.microsoft.com/office/drawing/2014/main" id="{78E1B82E-B746-9D56-06EF-C0C63E61BEFA}"/>
-              </a:ext>
-            </a:extLst>
-          </p:cNvPr>
-          <p:cNvSpPr txBox="1">
-            <a:spLocks noGrp="1"/>
-          </p:cNvSpPr>
-          <p:nvPr>
-            <p:ph type="body" idx="1"/>
-          </p:nvPr>
-        </p:nvSpPr>
-        <p:spPr>
-          <a:xfrm>
-            <a:off x="311700" y="1152475"/>
-            <a:ext cx="8520600" cy="3416400"/>
-          </a:xfrm>
-          <a:prstGeom prst="rect">
-            <a:avLst/>
-          </a:prstGeom>
-        </p:spPr>
-        <p:txBody>
-          <a:bodyPr spcFirstLastPara="1" wrap="square" lIns="91425" tIns="91425" rIns="91425" bIns="91425" anchor="t" anchorCtr="0">
-            <a:normAutofit/>
-          </a:bodyPr>
-          <a:lstStyle/>
-          <a:p>
-            <a:pPr marL="342900">
-              <a:spcBef>
-                <a:spcPts val="800"/>
-              </a:spcBef>
-              <a:buClr>
-                <a:schemeClr val="dk1"/>
-              </a:buClr>
-              <a:buSzPts val="1100"/>
-            </a:pPr>
-            <a:r>
-              <a:rPr lang="en-GB" sz="2200" dirty="0">
-                <a:solidFill>
-                  <a:schemeClr val="dk1"/>
-                </a:solidFill>
-                <a:latin typeface="Calibri"/>
-                <a:ea typeface="Calibri"/>
-                <a:cs typeface="Calibri"/>
-                <a:sym typeface="Calibri"/>
-              </a:rPr>
-              <a:t>https://</a:t>
-            </a:r>
-            <a:r>
-              <a:rPr lang="en-GB" sz="2200" dirty="0" err="1">
-                <a:solidFill>
-                  <a:schemeClr val="dk1"/>
-                </a:solidFill>
-                <a:latin typeface="Calibri"/>
-                <a:ea typeface="Calibri"/>
-                <a:cs typeface="Calibri"/>
-                <a:sym typeface="Calibri"/>
-              </a:rPr>
-              <a:t>codd.cs.gsu.edu</a:t>
-            </a:r>
-            <a:r>
-              <a:rPr lang="en-GB" sz="2200" dirty="0">
-                <a:solidFill>
-                  <a:schemeClr val="dk1"/>
-                </a:solidFill>
-                <a:latin typeface="Calibri"/>
-                <a:ea typeface="Calibri"/>
-                <a:cs typeface="Calibri"/>
-                <a:sym typeface="Calibri"/>
-              </a:rPr>
-              <a:t>/~kle53/WP/PW/PW3/web_pro_project3_ammarteam/</a:t>
-            </a:r>
-            <a:r>
-              <a:rPr lang="en-GB" sz="2200" dirty="0" err="1">
-                <a:solidFill>
-                  <a:schemeClr val="dk1"/>
-                </a:solidFill>
-                <a:latin typeface="Calibri"/>
-                <a:ea typeface="Calibri"/>
-                <a:cs typeface="Calibri"/>
-                <a:sym typeface="Calibri"/>
-              </a:rPr>
-              <a:t>fifteen.html</a:t>
-            </a:r>
-            <a:endParaRPr lang="en-GB" sz="2200" dirty="0">
-              <a:solidFill>
-                <a:schemeClr val="dk1"/>
-              </a:solidFill>
-              <a:latin typeface="Calibri"/>
-              <a:ea typeface="Calibri"/>
-              <a:cs typeface="Calibri"/>
-              <a:sym typeface="Calibri"/>
-            </a:endParaRPr>
-          </a:p>
-          <a:p>
-            <a:pPr marL="0" lvl="0" indent="0" algn="l" rtl="0">
-              <a:spcBef>
-                <a:spcPts val="800"/>
-              </a:spcBef>
-              <a:spcAft>
-                <a:spcPts val="0"/>
-              </a:spcAft>
-              <a:buClr>
-                <a:schemeClr val="dk1"/>
-              </a:buClr>
-              <a:buSzPts val="1100"/>
-              <a:buFont typeface="Arial"/>
-              <a:buNone/>
-            </a:pPr>
-            <a:endParaRPr sz="3200" dirty="0">
-              <a:solidFill>
-                <a:schemeClr val="dk1"/>
-              </a:solidFill>
-              <a:latin typeface="Calibri"/>
-              <a:ea typeface="Calibri"/>
-              <a:cs typeface="Calibri"/>
-              <a:sym typeface="Calibri"/>
-            </a:endParaRPr>
-          </a:p>
-        </p:txBody>
-      </p:sp>
-    </p:spTree>
-    <p:extLst>
-      <p:ext uri="{BB962C8B-B14F-4D97-AF65-F5344CB8AC3E}">
-        <p14:creationId xmlns:p14="http://schemas.microsoft.com/office/powerpoint/2010/main" val="96541249"/>
-      </p:ext>
-    </p:extLst>
-  </p:cSld>
-  <p:clrMapOvr>
-    <a:masterClrMapping/>
-  </p:clrMapOvr>
-</p:sld>
-</file>
-
-<file path=ppt/slides/slide3.xml><?xml version="1.0" encoding="utf-8"?>
-<p:sld xmlns:a="http://schemas.openxmlformats.org/drawingml/2006/main" xmlns:r="http://schemas.openxmlformats.org/officeDocument/2006/relationships" xmlns:p="http://schemas.openxmlformats.org/presentationml/2006/main">
-  <p:cSld>
-    <p:spTree>
-      <p:nvGrpSpPr>
-        <p:cNvPr id="1" name="Shape 59"/>
-        <p:cNvGrpSpPr/>
-        <p:nvPr/>
-      </p:nvGrpSpPr>
-      <p:grpSpPr>
-        <a:xfrm>
-          <a:off x="0" y="0"/>
-          <a:ext cx="0" cy="0"/>
-          <a:chOff x="0" y="0"/>
-          <a:chExt cx="0" cy="0"/>
-        </a:xfrm>
-      </p:grpSpPr>
-      <p:sp>
-        <p:nvSpPr>
-          <p:cNvPr id="60" name="Google Shape;60;p14"/>
-          <p:cNvSpPr txBox="1">
-            <a:spLocks noGrp="1"/>
-          </p:cNvSpPr>
-          <p:nvPr>
-            <p:ph type="title"/>
-          </p:nvPr>
-        </p:nvSpPr>
-        <p:spPr>
-          <a:xfrm>
-            <a:off x="311700" y="445025"/>
-            <a:ext cx="8520600" cy="572700"/>
-          </a:xfrm>
-          <a:prstGeom prst="rect">
-            <a:avLst/>
-          </a:prstGeom>
-        </p:spPr>
-        <p:txBody>
-          <a:bodyPr spcFirstLastPara="1" wrap="square" lIns="91425" tIns="91425" rIns="91425" bIns="91425" anchor="t" anchorCtr="0">
-            <a:normAutofit fontScale="90000"/>
-          </a:bodyPr>
-          <a:lstStyle/>
-          <a:p>
-            <a:r>
-              <a:rPr lang="en-US" dirty="0"/>
-              <a:t>Problem &amp; Objectives</a:t>
-            </a:r>
-            <a:endParaRPr dirty="0"/>
-          </a:p>
-        </p:txBody>
-      </p:sp>
-      <p:sp>
-        <p:nvSpPr>
-          <p:cNvPr id="61" name="Google Shape;61;p14"/>
-          <p:cNvSpPr txBox="1">
-            <a:spLocks noGrp="1"/>
-          </p:cNvSpPr>
-          <p:nvPr>
-            <p:ph type="body" idx="1"/>
-          </p:nvPr>
-        </p:nvSpPr>
-        <p:spPr>
-          <a:xfrm>
-            <a:off x="311700" y="1159950"/>
-            <a:ext cx="8520600" cy="3416400"/>
-          </a:xfrm>
-          <a:prstGeom prst="rect">
-            <a:avLst/>
-          </a:prstGeom>
-        </p:spPr>
-        <p:txBody>
-          <a:bodyPr spcFirstLastPara="1" wrap="square" lIns="91425" tIns="91425" rIns="91425" bIns="91425" anchor="t" anchorCtr="0">
-            <a:normAutofit fontScale="77500" lnSpcReduction="20000"/>
-          </a:bodyPr>
-          <a:lstStyle/>
-          <a:p>
-            <a:pPr marL="0" lvl="0" indent="0" algn="l" rtl="0">
-              <a:spcBef>
-                <a:spcPts val="800"/>
-              </a:spcBef>
-              <a:spcAft>
-                <a:spcPts val="0"/>
-              </a:spcAft>
-              <a:buClr>
-                <a:schemeClr val="dk1"/>
-              </a:buClr>
-              <a:buSzPct val="34375"/>
-              <a:buFont typeface="Arial"/>
-              <a:buNone/>
-            </a:pPr>
-            <a:r>
-              <a:rPr lang="en-GB" sz="3200" u="sng">
-                <a:solidFill>
-                  <a:schemeClr val="dk1"/>
-                </a:solidFill>
-                <a:latin typeface="Calibri"/>
-                <a:ea typeface="Calibri"/>
-                <a:cs typeface="Calibri"/>
-                <a:sym typeface="Calibri"/>
-              </a:rPr>
-              <a:t>Problem:</a:t>
-            </a:r>
-            <a:endParaRPr sz="3200" u="sng">
-              <a:solidFill>
-                <a:schemeClr val="dk1"/>
-              </a:solidFill>
-              <a:latin typeface="Calibri"/>
-              <a:ea typeface="Calibri"/>
-              <a:cs typeface="Calibri"/>
-              <a:sym typeface="Calibri"/>
-            </a:endParaRPr>
-          </a:p>
-          <a:p>
-            <a:pPr marL="0" lvl="0" indent="0" algn="l" rtl="0">
-              <a:spcBef>
-                <a:spcPts val="800"/>
-              </a:spcBef>
-              <a:spcAft>
-                <a:spcPts val="0"/>
-              </a:spcAft>
-              <a:buClr>
-                <a:schemeClr val="dk1"/>
-              </a:buClr>
-              <a:buSzPct val="34375"/>
-              <a:buFont typeface="Arial"/>
-              <a:buNone/>
-            </a:pPr>
-            <a:r>
-              <a:rPr lang="en-GB" sz="3200">
-                <a:solidFill>
-                  <a:schemeClr val="dk1"/>
-                </a:solidFill>
-                <a:latin typeface="Calibri"/>
-                <a:ea typeface="Calibri"/>
-                <a:cs typeface="Calibri"/>
-                <a:sym typeface="Calibri"/>
-              </a:rPr>
-              <a:t>•The fifteen puzzle challenges users to rearrange tiles in a grid to achieve the correct sequence by sliding tiles into an empty space.</a:t>
-            </a:r>
-            <a:endParaRPr sz="3200">
-              <a:solidFill>
-                <a:schemeClr val="dk1"/>
-              </a:solidFill>
-              <a:latin typeface="Calibri"/>
-              <a:ea typeface="Calibri"/>
-              <a:cs typeface="Calibri"/>
-              <a:sym typeface="Calibri"/>
-            </a:endParaRPr>
-          </a:p>
-          <a:p>
-            <a:pPr marL="0" lvl="0" indent="0" algn="l" rtl="0">
-              <a:spcBef>
-                <a:spcPts val="800"/>
-              </a:spcBef>
-              <a:spcAft>
-                <a:spcPts val="0"/>
-              </a:spcAft>
-              <a:buClr>
-                <a:schemeClr val="dk1"/>
-              </a:buClr>
-              <a:buSzPct val="34375"/>
-              <a:buFont typeface="Arial"/>
-              <a:buNone/>
-            </a:pPr>
-            <a:r>
-              <a:rPr lang="en-GB" sz="3200" u="sng">
-                <a:solidFill>
-                  <a:schemeClr val="dk1"/>
-                </a:solidFill>
-                <a:latin typeface="Calibri"/>
-                <a:ea typeface="Calibri"/>
-                <a:cs typeface="Calibri"/>
-                <a:sym typeface="Calibri"/>
-              </a:rPr>
-              <a:t>Objectives:</a:t>
-            </a:r>
-            <a:endParaRPr sz="3200" u="sng">
-              <a:solidFill>
-                <a:schemeClr val="dk1"/>
-              </a:solidFill>
-              <a:latin typeface="Calibri"/>
-              <a:ea typeface="Calibri"/>
-              <a:cs typeface="Calibri"/>
-              <a:sym typeface="Calibri"/>
-            </a:endParaRPr>
-          </a:p>
-          <a:p>
-            <a:pPr marL="0" lvl="0" indent="0" algn="l" rtl="0">
-              <a:spcBef>
-                <a:spcPts val="800"/>
-              </a:spcBef>
-              <a:spcAft>
-                <a:spcPts val="0"/>
-              </a:spcAft>
-              <a:buClr>
-                <a:schemeClr val="dk1"/>
-              </a:buClr>
-              <a:buSzPct val="34375"/>
-              <a:buFont typeface="Arial"/>
-              <a:buNone/>
-            </a:pPr>
-            <a:r>
-              <a:rPr lang="en-GB" sz="3200">
-                <a:solidFill>
-                  <a:schemeClr val="dk1"/>
-                </a:solidFill>
-                <a:latin typeface="Calibri"/>
-                <a:ea typeface="Calibri"/>
-                <a:cs typeface="Calibri"/>
-                <a:sym typeface="Calibri"/>
-              </a:rPr>
-              <a:t>•Develop an interactive web-based puzzle game.</a:t>
-            </a:r>
-            <a:endParaRPr sz="3200">
-              <a:solidFill>
-                <a:schemeClr val="dk1"/>
-              </a:solidFill>
-              <a:latin typeface="Calibri"/>
-              <a:ea typeface="Calibri"/>
-              <a:cs typeface="Calibri"/>
-              <a:sym typeface="Calibri"/>
-            </a:endParaRPr>
-          </a:p>
-          <a:p>
-            <a:pPr marL="0" lvl="0" indent="0" algn="l" rtl="0">
-              <a:spcBef>
-                <a:spcPts val="800"/>
-              </a:spcBef>
-              <a:spcAft>
-                <a:spcPts val="0"/>
-              </a:spcAft>
-              <a:buClr>
-                <a:schemeClr val="dk1"/>
-              </a:buClr>
-              <a:buSzPct val="34375"/>
-              <a:buFont typeface="Arial"/>
-              <a:buNone/>
-            </a:pPr>
-            <a:r>
-              <a:rPr lang="en-GB" sz="3200">
-                <a:solidFill>
-                  <a:schemeClr val="dk1"/>
-                </a:solidFill>
-                <a:latin typeface="Calibri"/>
-                <a:ea typeface="Calibri"/>
-                <a:cs typeface="Calibri"/>
-                <a:sym typeface="Calibri"/>
-              </a:rPr>
-              <a:t>•Implement a smooth user experience with accurate mechanics.</a:t>
-            </a:r>
-            <a:endParaRPr sz="3200">
-              <a:solidFill>
-                <a:schemeClr val="dk1"/>
-              </a:solidFill>
-              <a:latin typeface="Calibri"/>
-              <a:ea typeface="Calibri"/>
-              <a:cs typeface="Calibri"/>
-              <a:sym typeface="Calibri"/>
-            </a:endParaRPr>
-          </a:p>
-          <a:p>
-            <a:pPr marL="0" lvl="0" indent="0" algn="l" rtl="0">
-              <a:spcBef>
-                <a:spcPts val="0"/>
-              </a:spcBef>
-              <a:spcAft>
-                <a:spcPts val="1200"/>
-              </a:spcAft>
-              <a:buNone/>
-            </a:pPr>
-            <a:endParaRPr/>
-          </a:p>
-        </p:txBody>
-      </p:sp>
-    </p:spTree>
-  </p:cSld>
-  <p:clrMapOvr>
-    <a:masterClrMapping/>
-  </p:clrMapOvr>
-</p:sld>
-</file>
-
-<file path=ppt/slides/slide4.xml><?xml version="1.0" encoding="utf-8"?>
-<p:sld xmlns:a="http://schemas.openxmlformats.org/drawingml/2006/main" xmlns:r="http://schemas.openxmlformats.org/officeDocument/2006/relationships" xmlns:p="http://schemas.openxmlformats.org/presentationml/2006/main">
-  <p:cSld>
-    <p:spTree>
-      <p:nvGrpSpPr>
-        <p:cNvPr id="1" name="Shape 65"/>
-        <p:cNvGrpSpPr/>
-        <p:nvPr/>
-      </p:nvGrpSpPr>
-      <p:grpSpPr>
-        <a:xfrm>
-          <a:off x="0" y="0"/>
-          <a:ext cx="0" cy="0"/>
-          <a:chOff x="0" y="0"/>
-          <a:chExt cx="0" cy="0"/>
-        </a:xfrm>
-      </p:grpSpPr>
-      <p:sp>
-        <p:nvSpPr>
-          <p:cNvPr id="66" name="Google Shape;66;p15"/>
-          <p:cNvSpPr txBox="1">
-            <a:spLocks noGrp="1"/>
-          </p:cNvSpPr>
-          <p:nvPr>
-            <p:ph type="title"/>
-          </p:nvPr>
-        </p:nvSpPr>
-        <p:spPr>
-          <a:xfrm>
-            <a:off x="311700" y="445025"/>
-            <a:ext cx="8520600" cy="572700"/>
-          </a:xfrm>
-          <a:prstGeom prst="rect">
-            <a:avLst/>
-          </a:prstGeom>
-        </p:spPr>
-        <p:txBody>
-          <a:bodyPr spcFirstLastPara="1" wrap="square" lIns="91425" tIns="91425" rIns="91425" bIns="91425" anchor="t" anchorCtr="0">
-            <a:normAutofit/>
-          </a:bodyPr>
-          <a:lstStyle/>
-          <a:p>
-            <a:pPr marL="0" lvl="0" indent="0" algn="l" rtl="0">
-              <a:spcBef>
-                <a:spcPts val="0"/>
-              </a:spcBef>
-              <a:spcAft>
-                <a:spcPts val="0"/>
-              </a:spcAft>
-              <a:buNone/>
-            </a:pPr>
-            <a:r>
-              <a:rPr lang="en-GB" sz="2500">
-                <a:latin typeface="Calibri"/>
-                <a:ea typeface="Calibri"/>
-                <a:cs typeface="Calibri"/>
-                <a:sym typeface="Calibri"/>
-              </a:rPr>
-              <a:t>Development Roles</a:t>
-            </a:r>
-            <a:endParaRPr sz="2500">
-              <a:latin typeface="Calibri"/>
-              <a:ea typeface="Calibri"/>
-              <a:cs typeface="Calibri"/>
-              <a:sym typeface="Calibri"/>
-            </a:endParaRPr>
-          </a:p>
-        </p:txBody>
-      </p:sp>
-      <p:sp>
-        <p:nvSpPr>
-          <p:cNvPr id="67" name="Google Shape;67;p15"/>
-          <p:cNvSpPr txBox="1">
-            <a:spLocks noGrp="1"/>
-          </p:cNvSpPr>
-          <p:nvPr>
-            <p:ph type="body" idx="1"/>
-          </p:nvPr>
-        </p:nvSpPr>
-        <p:spPr>
-          <a:xfrm>
-            <a:off x="311700" y="1152475"/>
-            <a:ext cx="8520600" cy="3416400"/>
-          </a:xfrm>
-          <a:prstGeom prst="rect">
-            <a:avLst/>
-          </a:prstGeom>
-        </p:spPr>
-        <p:txBody>
-          <a:bodyPr spcFirstLastPara="1" wrap="square" lIns="91425" tIns="91425" rIns="91425" bIns="91425" anchor="t" anchorCtr="0">
-            <a:normAutofit/>
-          </a:bodyPr>
-          <a:lstStyle/>
-          <a:p>
-            <a:pPr marL="0" lvl="0" indent="0" algn="l" rtl="0">
-              <a:spcBef>
-                <a:spcPts val="800"/>
-              </a:spcBef>
-              <a:spcAft>
-                <a:spcPts val="0"/>
-              </a:spcAft>
-              <a:buClr>
-                <a:schemeClr val="dk1"/>
-              </a:buClr>
-              <a:buSzPts val="1100"/>
-              <a:buFont typeface="Arial"/>
-              <a:buNone/>
-            </a:pPr>
-            <a:r>
-              <a:rPr lang="en-GB" sz="2200">
-                <a:solidFill>
-                  <a:schemeClr val="dk1"/>
-                </a:solidFill>
-                <a:latin typeface="Calibri"/>
-                <a:ea typeface="Calibri"/>
-                <a:cs typeface="Calibri"/>
-                <a:sym typeface="Calibri"/>
-              </a:rPr>
-              <a:t>•Front-End Developer: Designed the UI with HTML and CSS.</a:t>
-            </a:r>
-            <a:endParaRPr sz="2200">
-              <a:solidFill>
-                <a:schemeClr val="dk1"/>
-              </a:solidFill>
-              <a:latin typeface="Calibri"/>
-              <a:ea typeface="Calibri"/>
-              <a:cs typeface="Calibri"/>
-              <a:sym typeface="Calibri"/>
-            </a:endParaRPr>
-          </a:p>
-          <a:p>
-            <a:pPr marL="0" lvl="0" indent="0" algn="l" rtl="0">
-              <a:spcBef>
-                <a:spcPts val="800"/>
-              </a:spcBef>
-              <a:spcAft>
-                <a:spcPts val="0"/>
-              </a:spcAft>
-              <a:buClr>
-                <a:schemeClr val="dk1"/>
-              </a:buClr>
-              <a:buSzPts val="1100"/>
-              <a:buFont typeface="Arial"/>
-              <a:buNone/>
-            </a:pPr>
-            <a:r>
-              <a:rPr lang="en-GB" sz="2200">
-                <a:solidFill>
-                  <a:schemeClr val="dk1"/>
-                </a:solidFill>
-                <a:latin typeface="Calibri"/>
-                <a:ea typeface="Calibri"/>
-                <a:cs typeface="Calibri"/>
-                <a:sym typeface="Calibri"/>
-              </a:rPr>
-              <a:t>•Game Logic Developer: Implemented the game mechanics in JavaScript.</a:t>
-            </a:r>
-            <a:endParaRPr sz="2200">
-              <a:solidFill>
-                <a:schemeClr val="dk1"/>
-              </a:solidFill>
-              <a:latin typeface="Calibri"/>
-              <a:ea typeface="Calibri"/>
-              <a:cs typeface="Calibri"/>
-              <a:sym typeface="Calibri"/>
-            </a:endParaRPr>
-          </a:p>
-          <a:p>
-            <a:pPr marL="0" lvl="0" indent="0" algn="l" rtl="0">
-              <a:spcBef>
-                <a:spcPts val="800"/>
-              </a:spcBef>
-              <a:spcAft>
-                <a:spcPts val="0"/>
-              </a:spcAft>
-              <a:buNone/>
-            </a:pPr>
-            <a:r>
-              <a:rPr lang="en-GB" sz="2200">
-                <a:solidFill>
-                  <a:schemeClr val="dk1"/>
-                </a:solidFill>
-                <a:latin typeface="Calibri"/>
-                <a:ea typeface="Calibri"/>
-                <a:cs typeface="Calibri"/>
-                <a:sym typeface="Calibri"/>
-              </a:rPr>
-              <a:t>•QA Tester: Ensured functional gameplay and UI responsiveness.</a:t>
-            </a:r>
-            <a:endParaRPr sz="2200">
-              <a:solidFill>
-                <a:schemeClr val="dk1"/>
-              </a:solidFill>
-              <a:latin typeface="Calibri"/>
-              <a:ea typeface="Calibri"/>
-              <a:cs typeface="Calibri"/>
-              <a:sym typeface="Calibri"/>
-            </a:endParaRPr>
-          </a:p>
-          <a:p>
-            <a:pPr marL="0" lvl="0" indent="0" algn="l" rtl="0">
-              <a:spcBef>
-                <a:spcPts val="0"/>
-              </a:spcBef>
-              <a:spcAft>
-                <a:spcPts val="1200"/>
-              </a:spcAft>
-              <a:buNone/>
-            </a:pPr>
-            <a:endParaRPr/>
-          </a:p>
-        </p:txBody>
-      </p:sp>
-    </p:spTree>
-  </p:cSld>
-  <p:clrMapOvr>
-    <a:masterClrMapping/>
-  </p:clrMapOvr>
-</p:sld>
-</file>
-
-<file path=ppt/slides/slide5.xml><?xml version="1.0" encoding="utf-8"?>
-<p:sld xmlns:a="http://schemas.openxmlformats.org/drawingml/2006/main" xmlns:r="http://schemas.openxmlformats.org/officeDocument/2006/relationships" xmlns:p="http://schemas.openxmlformats.org/presentationml/2006/main">
-  <p:cSld>
-    <p:spTree>
-      <p:nvGrpSpPr>
-        <p:cNvPr id="1" name="Shape 71"/>
-        <p:cNvGrpSpPr/>
-        <p:nvPr/>
-      </p:nvGrpSpPr>
-      <p:grpSpPr>
-        <a:xfrm>
-          <a:off x="0" y="0"/>
-          <a:ext cx="0" cy="0"/>
-          <a:chOff x="0" y="0"/>
-          <a:chExt cx="0" cy="0"/>
-        </a:xfrm>
-      </p:grpSpPr>
-      <p:sp>
-        <p:nvSpPr>
-          <p:cNvPr id="72" name="Google Shape;72;p16"/>
-          <p:cNvSpPr txBox="1">
-            <a:spLocks noGrp="1"/>
-          </p:cNvSpPr>
-          <p:nvPr>
-            <p:ph type="title"/>
-          </p:nvPr>
-        </p:nvSpPr>
-        <p:spPr>
-          <a:xfrm>
-            <a:off x="311700" y="445025"/>
-            <a:ext cx="8520600" cy="572700"/>
-          </a:xfrm>
-          <a:prstGeom prst="rect">
-            <a:avLst/>
-          </a:prstGeom>
-        </p:spPr>
-        <p:txBody>
-          <a:bodyPr spcFirstLastPara="1" wrap="square" lIns="91425" tIns="91425" rIns="91425" bIns="91425" anchor="t" anchorCtr="0">
-            <a:noAutofit/>
-          </a:bodyPr>
-          <a:lstStyle/>
-          <a:p>
-            <a:pPr marL="0" lvl="0" indent="0" algn="l" rtl="0">
-              <a:spcBef>
-                <a:spcPts val="0"/>
-              </a:spcBef>
-              <a:spcAft>
-                <a:spcPts val="0"/>
-              </a:spcAft>
-              <a:buSzPts val="990"/>
-              <a:buNone/>
-            </a:pPr>
-            <a:r>
-              <a:rPr lang="en-GB" sz="2500" dirty="0">
-                <a:latin typeface="Calibri"/>
-                <a:ea typeface="Calibri"/>
-                <a:cs typeface="Calibri"/>
-                <a:sym typeface="Calibri"/>
-              </a:rPr>
-              <a:t>Project Challenges</a:t>
-            </a:r>
-            <a:endParaRPr sz="2500" dirty="0">
-              <a:latin typeface="Calibri"/>
-              <a:ea typeface="Calibri"/>
-              <a:cs typeface="Calibri"/>
-              <a:sym typeface="Calibri"/>
-            </a:endParaRPr>
-          </a:p>
-        </p:txBody>
-      </p:sp>
-      <p:sp>
-        <p:nvSpPr>
-          <p:cNvPr id="73" name="Google Shape;73;p16"/>
-          <p:cNvSpPr txBox="1">
-            <a:spLocks noGrp="1"/>
-          </p:cNvSpPr>
-          <p:nvPr>
-            <p:ph type="body" idx="1"/>
-          </p:nvPr>
-        </p:nvSpPr>
-        <p:spPr>
-          <a:xfrm>
-            <a:off x="311700" y="1152475"/>
-            <a:ext cx="8520600" cy="3416400"/>
-          </a:xfrm>
-          <a:prstGeom prst="rect">
-            <a:avLst/>
-          </a:prstGeom>
-        </p:spPr>
-        <p:txBody>
-          <a:bodyPr spcFirstLastPara="1" wrap="square" lIns="91425" tIns="91425" rIns="91425" bIns="91425" anchor="t" anchorCtr="0">
-            <a:normAutofit/>
-          </a:bodyPr>
-          <a:lstStyle/>
-          <a:p>
-            <a:pPr marL="0" lvl="0" indent="0" algn="l" rtl="0">
-              <a:spcBef>
-                <a:spcPts val="800"/>
-              </a:spcBef>
-              <a:spcAft>
-                <a:spcPts val="0"/>
-              </a:spcAft>
-              <a:buClr>
-                <a:schemeClr val="dk1"/>
-              </a:buClr>
-              <a:buSzPts val="1100"/>
-              <a:buFont typeface="Arial"/>
-              <a:buNone/>
-            </a:pPr>
-            <a:r>
-              <a:rPr lang="en-GB" sz="2200" dirty="0">
-                <a:solidFill>
-                  <a:schemeClr val="dk1"/>
-                </a:solidFill>
-                <a:latin typeface="Calibri"/>
-                <a:ea typeface="Calibri"/>
-                <a:cs typeface="Calibri"/>
-                <a:sym typeface="Calibri"/>
-              </a:rPr>
-              <a:t>•Optimizing the tile movement animations for performance.</a:t>
-            </a:r>
-            <a:endParaRPr sz="2200" dirty="0">
-              <a:solidFill>
-                <a:schemeClr val="dk1"/>
-              </a:solidFill>
-              <a:latin typeface="Calibri"/>
-              <a:ea typeface="Calibri"/>
-              <a:cs typeface="Calibri"/>
-              <a:sym typeface="Calibri"/>
-            </a:endParaRPr>
-          </a:p>
-          <a:p>
-            <a:pPr marL="0" lvl="0" indent="0" algn="l" rtl="0">
-              <a:spcBef>
-                <a:spcPts val="800"/>
-              </a:spcBef>
-              <a:spcAft>
-                <a:spcPts val="0"/>
-              </a:spcAft>
-              <a:buClr>
-                <a:schemeClr val="dk1"/>
-              </a:buClr>
-              <a:buSzPts val="1100"/>
-              <a:buFont typeface="Arial"/>
-              <a:buNone/>
-            </a:pPr>
-            <a:r>
-              <a:rPr lang="en-GB" sz="2200" dirty="0">
-                <a:solidFill>
-                  <a:schemeClr val="dk1"/>
-                </a:solidFill>
-                <a:latin typeface="Calibri"/>
-                <a:ea typeface="Calibri"/>
-                <a:cs typeface="Calibri"/>
-                <a:sym typeface="Calibri"/>
-              </a:rPr>
-              <a:t>•Preventing edge-case bugs in tile movement logic.</a:t>
-            </a:r>
-            <a:endParaRPr sz="2200" dirty="0">
-              <a:solidFill>
-                <a:schemeClr val="dk1"/>
-              </a:solidFill>
-              <a:latin typeface="Calibri"/>
-              <a:ea typeface="Calibri"/>
-              <a:cs typeface="Calibri"/>
-              <a:sym typeface="Calibri"/>
-            </a:endParaRPr>
-          </a:p>
-          <a:p>
-            <a:pPr marL="0" lvl="0" indent="0" algn="l" rtl="0">
-              <a:spcBef>
-                <a:spcPts val="800"/>
-              </a:spcBef>
-              <a:spcAft>
-                <a:spcPts val="0"/>
-              </a:spcAft>
-              <a:buClr>
-                <a:schemeClr val="dk1"/>
-              </a:buClr>
-              <a:buSzPts val="1100"/>
-              <a:buFont typeface="Arial"/>
-              <a:buNone/>
-            </a:pPr>
-            <a:r>
-              <a:rPr lang="en-GB" sz="2200" dirty="0">
-                <a:solidFill>
-                  <a:schemeClr val="dk1"/>
-                </a:solidFill>
-                <a:latin typeface="Calibri"/>
-                <a:ea typeface="Calibri"/>
-                <a:cs typeface="Calibri"/>
-                <a:sym typeface="Calibri"/>
-              </a:rPr>
-              <a:t>•Achieving cross-browser compatibility.</a:t>
-            </a:r>
-            <a:endParaRPr sz="2200" dirty="0">
-              <a:solidFill>
-                <a:schemeClr val="dk1"/>
-              </a:solidFill>
-              <a:latin typeface="Calibri"/>
-              <a:ea typeface="Calibri"/>
-              <a:cs typeface="Calibri"/>
-              <a:sym typeface="Calibri"/>
-            </a:endParaRPr>
-          </a:p>
-          <a:p>
-            <a:pPr marL="0" lvl="0" indent="0" algn="l" rtl="0">
-              <a:spcBef>
-                <a:spcPts val="0"/>
-              </a:spcBef>
-              <a:spcAft>
-                <a:spcPts val="1200"/>
-              </a:spcAft>
-              <a:buNone/>
-            </a:pPr>
-            <a:endParaRPr sz="3200" dirty="0">
-              <a:solidFill>
-                <a:schemeClr val="dk1"/>
-              </a:solidFill>
-              <a:latin typeface="Calibri"/>
-              <a:ea typeface="Calibri"/>
-              <a:cs typeface="Calibri"/>
-              <a:sym typeface="Calibri"/>
-            </a:endParaRPr>
-          </a:p>
-        </p:txBody>
-      </p:sp>
-    </p:spTree>
-  </p:cSld>
-  <p:clrMapOvr>
-    <a:masterClrMapping/>
-  </p:clrMapOvr>
-</p:sld>
-</file>
-
-<file path=ppt/slides/slide6.xml><?xml version="1.0" encoding="utf-8"?>
-<p:sld xmlns:a="http://schemas.openxmlformats.org/drawingml/2006/main" xmlns:r="http://schemas.openxmlformats.org/officeDocument/2006/relationships" xmlns:p="http://schemas.openxmlformats.org/presentationml/2006/main">
-  <p:cSld>
-    <p:spTree>
-      <p:nvGrpSpPr>
-        <p:cNvPr id="1" name="Shape 77"/>
-        <p:cNvGrpSpPr/>
-        <p:nvPr/>
-      </p:nvGrpSpPr>
-      <p:grpSpPr>
-        <a:xfrm>
-          <a:off x="0" y="0"/>
-          <a:ext cx="0" cy="0"/>
-          <a:chOff x="0" y="0"/>
-          <a:chExt cx="0" cy="0"/>
-        </a:xfrm>
-      </p:grpSpPr>
-      <p:sp>
-        <p:nvSpPr>
-          <p:cNvPr id="78" name="Google Shape;78;p17"/>
-          <p:cNvSpPr txBox="1">
-            <a:spLocks noGrp="1"/>
-          </p:cNvSpPr>
-          <p:nvPr>
-            <p:ph type="title"/>
-          </p:nvPr>
-        </p:nvSpPr>
-        <p:spPr>
-          <a:xfrm>
-            <a:off x="311700" y="445025"/>
-            <a:ext cx="8520600" cy="572700"/>
-          </a:xfrm>
-          <a:prstGeom prst="rect">
-            <a:avLst/>
-          </a:prstGeom>
-        </p:spPr>
-        <p:txBody>
-          <a:bodyPr spcFirstLastPara="1" wrap="square" lIns="91425" tIns="91425" rIns="91425" bIns="91425" anchor="t" anchorCtr="0">
-            <a:normAutofit/>
-          </a:bodyPr>
-          <a:lstStyle/>
-          <a:p>
-            <a:pPr marL="0" lvl="0" indent="0" algn="l" rtl="0">
-              <a:spcBef>
-                <a:spcPts val="0"/>
-              </a:spcBef>
-              <a:spcAft>
-                <a:spcPts val="0"/>
-              </a:spcAft>
-              <a:buNone/>
-            </a:pPr>
-            <a:r>
-              <a:rPr lang="en-GB" sz="2500">
-                <a:latin typeface="Calibri"/>
-                <a:ea typeface="Calibri"/>
-                <a:cs typeface="Calibri"/>
-                <a:sym typeface="Calibri"/>
-              </a:rPr>
-              <a:t>Game Mechanics</a:t>
-            </a:r>
-            <a:endParaRPr sz="2500">
-              <a:latin typeface="Calibri"/>
-              <a:ea typeface="Calibri"/>
-              <a:cs typeface="Calibri"/>
-              <a:sym typeface="Calibri"/>
-            </a:endParaRPr>
-          </a:p>
-        </p:txBody>
-      </p:sp>
-      <p:sp>
-        <p:nvSpPr>
-          <p:cNvPr id="79" name="Google Shape;79;p17"/>
-          <p:cNvSpPr txBox="1">
-            <a:spLocks noGrp="1"/>
-          </p:cNvSpPr>
-          <p:nvPr>
-            <p:ph type="body" idx="1"/>
-          </p:nvPr>
-        </p:nvSpPr>
-        <p:spPr>
-          <a:xfrm>
-            <a:off x="311700" y="1152475"/>
-            <a:ext cx="8520600" cy="3416400"/>
-          </a:xfrm>
-          <a:prstGeom prst="rect">
-            <a:avLst/>
-          </a:prstGeom>
-        </p:spPr>
-        <p:txBody>
-          <a:bodyPr spcFirstLastPara="1" wrap="square" lIns="91425" tIns="91425" rIns="91425" bIns="91425" anchor="t" anchorCtr="0">
-            <a:normAutofit/>
-          </a:bodyPr>
-          <a:lstStyle/>
-          <a:p>
-            <a:pPr marL="0" lvl="0" indent="0" algn="l" rtl="0">
-              <a:spcBef>
-                <a:spcPts val="800"/>
-              </a:spcBef>
-              <a:spcAft>
-                <a:spcPts val="0"/>
-              </a:spcAft>
-              <a:buClr>
-                <a:schemeClr val="dk1"/>
-              </a:buClr>
-              <a:buSzPts val="1100"/>
-              <a:buFont typeface="Arial"/>
-              <a:buNone/>
-            </a:pPr>
-            <a:r>
-              <a:rPr lang="en-GB" sz="2200">
-                <a:solidFill>
-                  <a:schemeClr val="dk1"/>
-                </a:solidFill>
-                <a:latin typeface="Calibri"/>
-                <a:ea typeface="Calibri"/>
-                <a:cs typeface="Calibri"/>
-                <a:sym typeface="Calibri"/>
-              </a:rPr>
-              <a:t>•Players rearrange tiles into sequential order.</a:t>
-            </a:r>
-            <a:endParaRPr sz="2200">
-              <a:solidFill>
-                <a:schemeClr val="dk1"/>
-              </a:solidFill>
-              <a:latin typeface="Calibri"/>
-              <a:ea typeface="Calibri"/>
-              <a:cs typeface="Calibri"/>
-              <a:sym typeface="Calibri"/>
-            </a:endParaRPr>
-          </a:p>
-          <a:p>
-            <a:pPr marL="0" lvl="0" indent="0" algn="l" rtl="0">
-              <a:spcBef>
-                <a:spcPts val="800"/>
-              </a:spcBef>
-              <a:spcAft>
-                <a:spcPts val="0"/>
-              </a:spcAft>
-              <a:buClr>
-                <a:schemeClr val="dk1"/>
-              </a:buClr>
-              <a:buSzPts val="1100"/>
-              <a:buFont typeface="Arial"/>
-              <a:buNone/>
-            </a:pPr>
-            <a:r>
-              <a:rPr lang="en-GB" sz="2200">
-                <a:solidFill>
-                  <a:schemeClr val="dk1"/>
-                </a:solidFill>
-                <a:latin typeface="Calibri"/>
-                <a:ea typeface="Calibri"/>
-                <a:cs typeface="Calibri"/>
-                <a:sym typeface="Calibri"/>
-              </a:rPr>
-              <a:t>•A timer and move counter track performance.</a:t>
-            </a:r>
-            <a:endParaRPr sz="2200">
-              <a:solidFill>
-                <a:schemeClr val="dk1"/>
-              </a:solidFill>
-              <a:latin typeface="Calibri"/>
-              <a:ea typeface="Calibri"/>
-              <a:cs typeface="Calibri"/>
-              <a:sym typeface="Calibri"/>
-            </a:endParaRPr>
-          </a:p>
-          <a:p>
-            <a:pPr marL="0" lvl="0" indent="0" algn="l" rtl="0">
-              <a:spcBef>
-                <a:spcPts val="800"/>
-              </a:spcBef>
-              <a:spcAft>
-                <a:spcPts val="0"/>
-              </a:spcAft>
-              <a:buClr>
-                <a:schemeClr val="dk1"/>
-              </a:buClr>
-              <a:buSzPts val="1100"/>
-              <a:buFont typeface="Arial"/>
-              <a:buNone/>
-            </a:pPr>
-            <a:r>
-              <a:rPr lang="en-GB" sz="2200">
-                <a:solidFill>
-                  <a:schemeClr val="dk1"/>
-                </a:solidFill>
-                <a:latin typeface="Calibri"/>
-                <a:ea typeface="Calibri"/>
-                <a:cs typeface="Calibri"/>
-                <a:sym typeface="Calibri"/>
-              </a:rPr>
-              <a:t>•Features include a 'Shuffle' button to randomize the grid.</a:t>
-            </a:r>
-            <a:endParaRPr sz="2200">
-              <a:solidFill>
-                <a:schemeClr val="dk1"/>
-              </a:solidFill>
-              <a:latin typeface="Calibri"/>
-              <a:ea typeface="Calibri"/>
-              <a:cs typeface="Calibri"/>
-              <a:sym typeface="Calibri"/>
-            </a:endParaRPr>
-          </a:p>
-          <a:p>
-            <a:pPr marL="0" lvl="0" indent="0" algn="l" rtl="0">
-              <a:spcBef>
-                <a:spcPts val="0"/>
-              </a:spcBef>
-              <a:spcAft>
-                <a:spcPts val="1200"/>
-              </a:spcAft>
-              <a:buNone/>
-            </a:pPr>
-            <a:endParaRPr/>
-          </a:p>
-        </p:txBody>
-      </p:sp>
-    </p:spTree>
-  </p:cSld>
-  <p:clrMapOvr>
-    <a:masterClrMapping/>
-  </p:clrMapOvr>
-</p:sld>
-</file>
-
-<file path=ppt/slides/slide7.xml><?xml version="1.0" encoding="utf-8"?>
-<p:sld xmlns:a="http://schemas.openxmlformats.org/drawingml/2006/main" xmlns:r="http://schemas.openxmlformats.org/officeDocument/2006/relationships" xmlns:p="http://schemas.openxmlformats.org/presentationml/2006/main">
-  <p:cSld>
-    <p:spTree>
-      <p:nvGrpSpPr>
-        <p:cNvPr id="1" name="Shape 83"/>
-        <p:cNvGrpSpPr/>
-        <p:nvPr/>
-      </p:nvGrpSpPr>
-      <p:grpSpPr>
-        <a:xfrm>
-          <a:off x="0" y="0"/>
-          <a:ext cx="0" cy="0"/>
-          <a:chOff x="0" y="0"/>
-          <a:chExt cx="0" cy="0"/>
-        </a:xfrm>
-      </p:grpSpPr>
-      <p:sp>
-        <p:nvSpPr>
-          <p:cNvPr id="84" name="Google Shape;84;p18"/>
-          <p:cNvSpPr txBox="1">
-            <a:spLocks noGrp="1"/>
-          </p:cNvSpPr>
-          <p:nvPr>
-            <p:ph type="title"/>
-          </p:nvPr>
-        </p:nvSpPr>
-        <p:spPr>
-          <a:xfrm>
-            <a:off x="311700" y="445025"/>
-            <a:ext cx="8520600" cy="572700"/>
-          </a:xfrm>
-          <a:prstGeom prst="rect">
-            <a:avLst/>
-          </a:prstGeom>
-        </p:spPr>
-        <p:txBody>
-          <a:bodyPr spcFirstLastPara="1" wrap="square" lIns="91425" tIns="91425" rIns="91425" bIns="91425" anchor="t" anchorCtr="0">
-            <a:normAutofit/>
-          </a:bodyPr>
-          <a:lstStyle/>
-          <a:p>
-            <a:pPr marL="0" lvl="0" indent="0" algn="l" rtl="0">
-              <a:spcBef>
-                <a:spcPts val="0"/>
-              </a:spcBef>
-              <a:spcAft>
-                <a:spcPts val="0"/>
-              </a:spcAft>
-              <a:buNone/>
-            </a:pPr>
-            <a:r>
-              <a:rPr lang="en-GB" sz="2500">
-                <a:latin typeface="Calibri"/>
-                <a:ea typeface="Calibri"/>
-                <a:cs typeface="Calibri"/>
-                <a:sym typeface="Calibri"/>
-              </a:rPr>
-              <a:t>HTML Structure</a:t>
-            </a:r>
-            <a:endParaRPr sz="2500">
-              <a:latin typeface="Calibri"/>
-              <a:ea typeface="Calibri"/>
-              <a:cs typeface="Calibri"/>
-              <a:sym typeface="Calibri"/>
-            </a:endParaRPr>
-          </a:p>
-        </p:txBody>
-      </p:sp>
-      <p:sp>
-        <p:nvSpPr>
-          <p:cNvPr id="85" name="Google Shape;85;p18"/>
-          <p:cNvSpPr txBox="1">
-            <a:spLocks noGrp="1"/>
-          </p:cNvSpPr>
-          <p:nvPr>
-            <p:ph type="body" idx="1"/>
-          </p:nvPr>
-        </p:nvSpPr>
-        <p:spPr>
-          <a:xfrm>
-            <a:off x="311700" y="1152475"/>
-            <a:ext cx="8520600" cy="3416400"/>
-          </a:xfrm>
-          <a:prstGeom prst="rect">
-            <a:avLst/>
-          </a:prstGeom>
-        </p:spPr>
-        <p:txBody>
-          <a:bodyPr spcFirstLastPara="1" wrap="square" lIns="91425" tIns="91425" rIns="91425" bIns="91425" anchor="t" anchorCtr="0">
-            <a:normAutofit fontScale="85000" lnSpcReduction="20000"/>
-          </a:bodyPr>
-          <a:lstStyle/>
-          <a:p>
-            <a:pPr marL="0" lvl="0" indent="0" algn="l" rtl="0">
-              <a:spcBef>
-                <a:spcPts val="800"/>
-              </a:spcBef>
-              <a:spcAft>
-                <a:spcPts val="0"/>
-              </a:spcAft>
-              <a:buClr>
-                <a:schemeClr val="dk1"/>
-              </a:buClr>
-              <a:buSzPct val="39285"/>
-              <a:buFont typeface="Arial"/>
-              <a:buNone/>
-            </a:pPr>
-            <a:r>
-              <a:rPr lang="en-GB" sz="2800">
-                <a:solidFill>
-                  <a:schemeClr val="dk1"/>
-                </a:solidFill>
-                <a:latin typeface="Calibri"/>
-                <a:ea typeface="Calibri"/>
-                <a:cs typeface="Calibri"/>
-                <a:sym typeface="Calibri"/>
-              </a:rPr>
-              <a:t>•Displays the static structure, including the puzzle container and control buttons.</a:t>
-            </a:r>
-            <a:endParaRPr sz="2800">
-              <a:solidFill>
-                <a:schemeClr val="dk1"/>
-              </a:solidFill>
-              <a:latin typeface="Calibri"/>
-              <a:ea typeface="Calibri"/>
-              <a:cs typeface="Calibri"/>
-              <a:sym typeface="Calibri"/>
-            </a:endParaRPr>
-          </a:p>
-          <a:p>
-            <a:pPr marL="0" lvl="0" indent="0" algn="l" rtl="0">
-              <a:spcBef>
-                <a:spcPts val="800"/>
-              </a:spcBef>
-              <a:spcAft>
-                <a:spcPts val="0"/>
-              </a:spcAft>
-              <a:buClr>
-                <a:schemeClr val="dk1"/>
-              </a:buClr>
-              <a:buSzPct val="39285"/>
-              <a:buFont typeface="Arial"/>
-              <a:buNone/>
-            </a:pPr>
-            <a:r>
-              <a:rPr lang="en-GB" sz="2800">
-                <a:solidFill>
-                  <a:schemeClr val="dk1"/>
-                </a:solidFill>
-                <a:latin typeface="Calibri"/>
-                <a:ea typeface="Calibri"/>
-                <a:cs typeface="Calibri"/>
-                <a:sym typeface="Calibri"/>
-              </a:rPr>
-              <a:t>•Includes meta tags for responsive design.</a:t>
-            </a:r>
-            <a:endParaRPr sz="2800">
-              <a:solidFill>
-                <a:schemeClr val="dk1"/>
-              </a:solidFill>
-              <a:latin typeface="Calibri"/>
-              <a:ea typeface="Calibri"/>
-              <a:cs typeface="Calibri"/>
-              <a:sym typeface="Calibri"/>
-            </a:endParaRPr>
-          </a:p>
-          <a:p>
-            <a:pPr marL="0" lvl="0" indent="0" algn="l" rtl="0">
-              <a:spcBef>
-                <a:spcPts val="800"/>
-              </a:spcBef>
-              <a:spcAft>
-                <a:spcPts val="0"/>
-              </a:spcAft>
-              <a:buClr>
-                <a:schemeClr val="dk1"/>
-              </a:buClr>
-              <a:buSzPct val="39285"/>
-              <a:buFont typeface="Arial"/>
-              <a:buNone/>
-            </a:pPr>
-            <a:r>
-              <a:rPr lang="en-GB" sz="2800">
-                <a:solidFill>
-                  <a:schemeClr val="dk1"/>
-                </a:solidFill>
-                <a:latin typeface="Calibri"/>
-                <a:ea typeface="Calibri"/>
-                <a:cs typeface="Calibri"/>
-                <a:sym typeface="Calibri"/>
-              </a:rPr>
-              <a:t>•</a:t>
-            </a:r>
-            <a:endParaRPr sz="2800">
-              <a:solidFill>
-                <a:schemeClr val="dk1"/>
-              </a:solidFill>
-              <a:latin typeface="Calibri"/>
-              <a:ea typeface="Calibri"/>
-              <a:cs typeface="Calibri"/>
-              <a:sym typeface="Calibri"/>
-            </a:endParaRPr>
-          </a:p>
-          <a:p>
-            <a:pPr marL="0" lvl="0" indent="0" algn="l" rtl="0">
-              <a:spcBef>
-                <a:spcPts val="800"/>
-              </a:spcBef>
-              <a:spcAft>
-                <a:spcPts val="0"/>
-              </a:spcAft>
-              <a:buClr>
-                <a:schemeClr val="dk1"/>
-              </a:buClr>
-              <a:buSzPct val="39285"/>
-              <a:buFont typeface="Arial"/>
-              <a:buNone/>
-            </a:pPr>
-            <a:r>
-              <a:rPr lang="en-GB" sz="2800">
-                <a:solidFill>
-                  <a:schemeClr val="dk1"/>
-                </a:solidFill>
-                <a:latin typeface="Calibri"/>
-                <a:ea typeface="Calibri"/>
-                <a:cs typeface="Calibri"/>
-                <a:sym typeface="Calibri"/>
-              </a:rPr>
-              <a:t>•Code snippet:</a:t>
-            </a:r>
-            <a:endParaRPr sz="2800">
-              <a:solidFill>
-                <a:schemeClr val="dk1"/>
-              </a:solidFill>
-              <a:latin typeface="Calibri"/>
-              <a:ea typeface="Calibri"/>
-              <a:cs typeface="Calibri"/>
-              <a:sym typeface="Calibri"/>
-            </a:endParaRPr>
-          </a:p>
-          <a:p>
-            <a:pPr marL="0" lvl="0" indent="0" algn="l" rtl="0">
-              <a:spcBef>
-                <a:spcPts val="800"/>
-              </a:spcBef>
-              <a:spcAft>
-                <a:spcPts val="0"/>
-              </a:spcAft>
-              <a:buClr>
-                <a:schemeClr val="dk1"/>
-              </a:buClr>
-              <a:buSzPct val="39285"/>
-              <a:buFont typeface="Arial"/>
-              <a:buNone/>
-            </a:pPr>
-            <a:r>
-              <a:rPr lang="en-GB" sz="2800">
-                <a:solidFill>
-                  <a:schemeClr val="dk1"/>
-                </a:solidFill>
-                <a:latin typeface="Calibri"/>
-                <a:ea typeface="Calibri"/>
-                <a:cs typeface="Calibri"/>
-                <a:sym typeface="Calibri"/>
-              </a:rPr>
-              <a:t>•&lt;div id='puzzle-container'&gt;&lt;/div&gt;</a:t>
-            </a:r>
-            <a:endParaRPr sz="2800">
-              <a:solidFill>
-                <a:schemeClr val="dk1"/>
-              </a:solidFill>
-              <a:latin typeface="Calibri"/>
-              <a:ea typeface="Calibri"/>
-              <a:cs typeface="Calibri"/>
-              <a:sym typeface="Calibri"/>
-            </a:endParaRPr>
-          </a:p>
-          <a:p>
-            <a:pPr marL="0" lvl="0" indent="0" algn="l" rtl="0">
-              <a:spcBef>
-                <a:spcPts val="800"/>
-              </a:spcBef>
-              <a:spcAft>
-                <a:spcPts val="0"/>
-              </a:spcAft>
-              <a:buClr>
-                <a:schemeClr val="dk1"/>
-              </a:buClr>
-              <a:buSzPct val="39285"/>
-              <a:buFont typeface="Arial"/>
-              <a:buNone/>
-            </a:pPr>
-            <a:r>
-              <a:rPr lang="en-GB" sz="2800">
-                <a:solidFill>
-                  <a:schemeClr val="dk1"/>
-                </a:solidFill>
-                <a:latin typeface="Calibri"/>
-                <a:ea typeface="Calibri"/>
-                <a:cs typeface="Calibri"/>
-                <a:sym typeface="Calibri"/>
-              </a:rPr>
-              <a:t>•&lt;input type='button' id='shuffle' value='Shuffle' /&gt;</a:t>
-            </a:r>
-            <a:endParaRPr sz="2800">
-              <a:solidFill>
-                <a:schemeClr val="dk1"/>
-              </a:solidFill>
-              <a:latin typeface="Calibri"/>
-              <a:ea typeface="Calibri"/>
-              <a:cs typeface="Calibri"/>
-              <a:sym typeface="Calibri"/>
-            </a:endParaRPr>
-          </a:p>
-          <a:p>
-            <a:pPr marL="0" lvl="0" indent="0" algn="l" rtl="0">
-              <a:spcBef>
-                <a:spcPts val="0"/>
-              </a:spcBef>
-              <a:spcAft>
-                <a:spcPts val="1200"/>
-              </a:spcAft>
-              <a:buNone/>
-            </a:pPr>
-            <a:endParaRPr/>
-          </a:p>
-        </p:txBody>
-      </p:sp>
-    </p:spTree>
-  </p:cSld>
-  <p:clrMapOvr>
-    <a:masterClrMapping/>
-  </p:clrMapOvr>
-</p:sld>
-</file>
-
-<file path=ppt/slides/slide8.xml><?xml version="1.0" encoding="utf-8"?>
-<p:sld xmlns:a="http://schemas.openxmlformats.org/drawingml/2006/main" xmlns:r="http://schemas.openxmlformats.org/officeDocument/2006/relationships" xmlns:p="http://schemas.openxmlformats.org/presentationml/2006/main">
-  <p:cSld>
-    <p:spTree>
-      <p:nvGrpSpPr>
-        <p:cNvPr id="1" name="Shape 89"/>
-        <p:cNvGrpSpPr/>
-        <p:nvPr/>
-      </p:nvGrpSpPr>
-      <p:grpSpPr>
-        <a:xfrm>
-          <a:off x="0" y="0"/>
-          <a:ext cx="0" cy="0"/>
-          <a:chOff x="0" y="0"/>
-          <a:chExt cx="0" cy="0"/>
-        </a:xfrm>
-      </p:grpSpPr>
-      <p:sp>
-        <p:nvSpPr>
-          <p:cNvPr id="90" name="Google Shape;90;p19"/>
-          <p:cNvSpPr txBox="1">
-            <a:spLocks noGrp="1"/>
-          </p:cNvSpPr>
-          <p:nvPr>
-            <p:ph type="title"/>
-          </p:nvPr>
-        </p:nvSpPr>
-        <p:spPr>
-          <a:xfrm>
-            <a:off x="311700" y="445025"/>
-            <a:ext cx="8520600" cy="572700"/>
-          </a:xfrm>
-          <a:prstGeom prst="rect">
-            <a:avLst/>
-          </a:prstGeom>
-        </p:spPr>
-        <p:txBody>
-          <a:bodyPr spcFirstLastPara="1" wrap="square" lIns="91425" tIns="91425" rIns="91425" bIns="91425" anchor="t" anchorCtr="0">
-            <a:normAutofit/>
-          </a:bodyPr>
-          <a:lstStyle/>
-          <a:p>
-            <a:pPr marL="0" lvl="0" indent="0" algn="l" rtl="0">
-              <a:spcBef>
-                <a:spcPts val="0"/>
-              </a:spcBef>
-              <a:spcAft>
-                <a:spcPts val="0"/>
-              </a:spcAft>
-              <a:buNone/>
-            </a:pPr>
-            <a:r>
-              <a:rPr lang="en-GB" sz="2500">
-                <a:latin typeface="Calibri"/>
-                <a:ea typeface="Calibri"/>
-                <a:cs typeface="Calibri"/>
-                <a:sym typeface="Calibri"/>
-              </a:rPr>
-              <a:t>Styling the Puzzle</a:t>
-            </a:r>
-            <a:endParaRPr sz="2500">
-              <a:latin typeface="Calibri"/>
-              <a:ea typeface="Calibri"/>
-              <a:cs typeface="Calibri"/>
-              <a:sym typeface="Calibri"/>
-            </a:endParaRPr>
-          </a:p>
-        </p:txBody>
-      </p:sp>
-      <p:sp>
-        <p:nvSpPr>
-          <p:cNvPr id="91" name="Google Shape;91;p19"/>
-          <p:cNvSpPr txBox="1">
-            <a:spLocks noGrp="1"/>
-          </p:cNvSpPr>
-          <p:nvPr>
-            <p:ph type="body" idx="1"/>
-          </p:nvPr>
-        </p:nvSpPr>
-        <p:spPr>
-          <a:xfrm>
-            <a:off x="311700" y="1152475"/>
-            <a:ext cx="8520600" cy="3416400"/>
-          </a:xfrm>
-          <a:prstGeom prst="rect">
-            <a:avLst/>
-          </a:prstGeom>
-        </p:spPr>
-        <p:txBody>
-          <a:bodyPr spcFirstLastPara="1" wrap="square" lIns="91425" tIns="91425" rIns="91425" bIns="91425" anchor="t" anchorCtr="0">
-            <a:normAutofit fontScale="47500" lnSpcReduction="20000"/>
-          </a:bodyPr>
-          <a:lstStyle/>
-          <a:p>
-            <a:pPr marL="0" lvl="0" indent="0" algn="l" rtl="0">
-              <a:spcBef>
-                <a:spcPts val="800"/>
-              </a:spcBef>
-              <a:spcAft>
-                <a:spcPts val="0"/>
-              </a:spcAft>
-              <a:buClr>
-                <a:schemeClr val="dk1"/>
-              </a:buClr>
-              <a:buSzPct val="27500"/>
-              <a:buFont typeface="Arial"/>
-              <a:buNone/>
-            </a:pPr>
-            <a:r>
-              <a:rPr lang="en-GB" sz="4000">
-                <a:solidFill>
-                  <a:schemeClr val="dk1"/>
-                </a:solidFill>
-                <a:latin typeface="Calibri"/>
-                <a:ea typeface="Calibri"/>
-                <a:cs typeface="Calibri"/>
-                <a:sym typeface="Calibri"/>
-              </a:rPr>
-              <a:t>•Centralizes the puzzle container with consistent padding and size.</a:t>
-            </a:r>
-            <a:endParaRPr sz="4000">
-              <a:solidFill>
-                <a:schemeClr val="dk1"/>
-              </a:solidFill>
-              <a:latin typeface="Calibri"/>
-              <a:ea typeface="Calibri"/>
-              <a:cs typeface="Calibri"/>
-              <a:sym typeface="Calibri"/>
-            </a:endParaRPr>
-          </a:p>
-          <a:p>
-            <a:pPr marL="0" lvl="0" indent="0" algn="l" rtl="0">
-              <a:spcBef>
-                <a:spcPts val="800"/>
-              </a:spcBef>
-              <a:spcAft>
-                <a:spcPts val="0"/>
-              </a:spcAft>
-              <a:buClr>
-                <a:schemeClr val="dk1"/>
-              </a:buClr>
-              <a:buSzPct val="27500"/>
-              <a:buFont typeface="Arial"/>
-              <a:buNone/>
-            </a:pPr>
-            <a:r>
-              <a:rPr lang="en-GB" sz="4000">
-                <a:solidFill>
-                  <a:schemeClr val="dk1"/>
-                </a:solidFill>
-                <a:latin typeface="Calibri"/>
-                <a:ea typeface="Calibri"/>
-                <a:cs typeface="Calibri"/>
-                <a:sym typeface="Calibri"/>
-              </a:rPr>
-              <a:t>•Styles movable tiles to highlight interactivity.</a:t>
-            </a:r>
-            <a:endParaRPr sz="4000">
-              <a:solidFill>
-                <a:schemeClr val="dk1"/>
-              </a:solidFill>
-              <a:latin typeface="Calibri"/>
-              <a:ea typeface="Calibri"/>
-              <a:cs typeface="Calibri"/>
-              <a:sym typeface="Calibri"/>
-            </a:endParaRPr>
-          </a:p>
-          <a:p>
-            <a:pPr marL="0" lvl="0" indent="0" algn="l" rtl="0">
-              <a:spcBef>
-                <a:spcPts val="800"/>
-              </a:spcBef>
-              <a:spcAft>
-                <a:spcPts val="0"/>
-              </a:spcAft>
-              <a:buClr>
-                <a:schemeClr val="dk1"/>
-              </a:buClr>
-              <a:buSzPct val="27500"/>
-              <a:buFont typeface="Arial"/>
-              <a:buNone/>
-            </a:pPr>
-            <a:r>
-              <a:rPr lang="en-GB" sz="4000">
-                <a:solidFill>
-                  <a:schemeClr val="dk1"/>
-                </a:solidFill>
-                <a:latin typeface="Calibri"/>
-                <a:ea typeface="Calibri"/>
-                <a:cs typeface="Calibri"/>
-                <a:sym typeface="Calibri"/>
-              </a:rPr>
-              <a:t>•</a:t>
-            </a:r>
-            <a:endParaRPr sz="4000">
-              <a:solidFill>
-                <a:schemeClr val="dk1"/>
-              </a:solidFill>
-              <a:latin typeface="Calibri"/>
-              <a:ea typeface="Calibri"/>
-              <a:cs typeface="Calibri"/>
-              <a:sym typeface="Calibri"/>
-            </a:endParaRPr>
-          </a:p>
-          <a:p>
-            <a:pPr marL="0" lvl="0" indent="0" algn="l" rtl="0">
-              <a:spcBef>
-                <a:spcPts val="800"/>
-              </a:spcBef>
-              <a:spcAft>
-                <a:spcPts val="0"/>
-              </a:spcAft>
-              <a:buClr>
-                <a:schemeClr val="dk1"/>
-              </a:buClr>
-              <a:buSzPct val="27500"/>
-              <a:buFont typeface="Arial"/>
-              <a:buNone/>
-            </a:pPr>
-            <a:r>
-              <a:rPr lang="en-GB" sz="4000">
-                <a:solidFill>
-                  <a:schemeClr val="dk1"/>
-                </a:solidFill>
-                <a:latin typeface="Calibri"/>
-                <a:ea typeface="Calibri"/>
-                <a:cs typeface="Calibri"/>
-                <a:sym typeface="Calibri"/>
-              </a:rPr>
-              <a:t>•Key CSS Rule:</a:t>
-            </a:r>
-            <a:endParaRPr sz="4000">
-              <a:solidFill>
-                <a:schemeClr val="dk1"/>
-              </a:solidFill>
-              <a:latin typeface="Calibri"/>
-              <a:ea typeface="Calibri"/>
-              <a:cs typeface="Calibri"/>
-              <a:sym typeface="Calibri"/>
-            </a:endParaRPr>
-          </a:p>
-          <a:p>
-            <a:pPr marL="0" lvl="0" indent="0" algn="l" rtl="0">
-              <a:spcBef>
-                <a:spcPts val="800"/>
-              </a:spcBef>
-              <a:spcAft>
-                <a:spcPts val="0"/>
-              </a:spcAft>
-              <a:buClr>
-                <a:schemeClr val="dk1"/>
-              </a:buClr>
-              <a:buSzPct val="27500"/>
-              <a:buFont typeface="Arial"/>
-              <a:buNone/>
-            </a:pPr>
-            <a:r>
-              <a:rPr lang="en-GB" sz="4000">
-                <a:solidFill>
-                  <a:schemeClr val="dk1"/>
-                </a:solidFill>
-                <a:latin typeface="Calibri"/>
-                <a:ea typeface="Calibri"/>
-                <a:cs typeface="Calibri"/>
-                <a:sym typeface="Calibri"/>
-              </a:rPr>
-              <a:t>•puzzle-piece {</a:t>
-            </a:r>
-            <a:endParaRPr sz="4000">
-              <a:solidFill>
-                <a:schemeClr val="dk1"/>
-              </a:solidFill>
-              <a:latin typeface="Calibri"/>
-              <a:ea typeface="Calibri"/>
-              <a:cs typeface="Calibri"/>
-              <a:sym typeface="Calibri"/>
-            </a:endParaRPr>
-          </a:p>
-          <a:p>
-            <a:pPr marL="0" lvl="0" indent="0" algn="l" rtl="0">
-              <a:spcBef>
-                <a:spcPts val="800"/>
-              </a:spcBef>
-              <a:spcAft>
-                <a:spcPts val="0"/>
-              </a:spcAft>
-              <a:buClr>
-                <a:schemeClr val="dk1"/>
-              </a:buClr>
-              <a:buSzPct val="27500"/>
-              <a:buFont typeface="Arial"/>
-              <a:buNone/>
-            </a:pPr>
-            <a:r>
-              <a:rPr lang="en-GB" sz="4000">
-                <a:solidFill>
-                  <a:schemeClr val="dk1"/>
-                </a:solidFill>
-                <a:latin typeface="Calibri"/>
-                <a:ea typeface="Calibri"/>
-                <a:cs typeface="Calibri"/>
-                <a:sym typeface="Calibri"/>
-              </a:rPr>
-              <a:t>•  width: 96px;</a:t>
-            </a:r>
-            <a:endParaRPr sz="4000">
-              <a:solidFill>
-                <a:schemeClr val="dk1"/>
-              </a:solidFill>
-              <a:latin typeface="Calibri"/>
-              <a:ea typeface="Calibri"/>
-              <a:cs typeface="Calibri"/>
-              <a:sym typeface="Calibri"/>
-            </a:endParaRPr>
-          </a:p>
-          <a:p>
-            <a:pPr marL="0" lvl="0" indent="0" algn="l" rtl="0">
-              <a:spcBef>
-                <a:spcPts val="800"/>
-              </a:spcBef>
-              <a:spcAft>
-                <a:spcPts val="0"/>
-              </a:spcAft>
-              <a:buClr>
-                <a:schemeClr val="dk1"/>
-              </a:buClr>
-              <a:buSzPct val="27500"/>
-              <a:buFont typeface="Arial"/>
-              <a:buNone/>
-            </a:pPr>
-            <a:r>
-              <a:rPr lang="en-GB" sz="4000">
-                <a:solidFill>
-                  <a:schemeClr val="dk1"/>
-                </a:solidFill>
-                <a:latin typeface="Calibri"/>
-                <a:ea typeface="Calibri"/>
-                <a:cs typeface="Calibri"/>
-                <a:sym typeface="Calibri"/>
-              </a:rPr>
-              <a:t>•  height: 96px;</a:t>
-            </a:r>
-            <a:endParaRPr sz="4000">
-              <a:solidFill>
-                <a:schemeClr val="dk1"/>
-              </a:solidFill>
-              <a:latin typeface="Calibri"/>
-              <a:ea typeface="Calibri"/>
-              <a:cs typeface="Calibri"/>
-              <a:sym typeface="Calibri"/>
-            </a:endParaRPr>
-          </a:p>
-          <a:p>
-            <a:pPr marL="0" lvl="0" indent="0" algn="l" rtl="0">
-              <a:spcBef>
-                <a:spcPts val="800"/>
-              </a:spcBef>
-              <a:spcAft>
-                <a:spcPts val="0"/>
-              </a:spcAft>
-              <a:buClr>
-                <a:schemeClr val="dk1"/>
-              </a:buClr>
-              <a:buSzPct val="27500"/>
-              <a:buFont typeface="Arial"/>
-              <a:buNone/>
-            </a:pPr>
-            <a:r>
-              <a:rPr lang="en-GB" sz="4000">
-                <a:solidFill>
-                  <a:schemeClr val="dk1"/>
-                </a:solidFill>
-                <a:latin typeface="Calibri"/>
-                <a:ea typeface="Calibri"/>
-                <a:cs typeface="Calibri"/>
-                <a:sym typeface="Calibri"/>
-              </a:rPr>
-              <a:t>•  background-color: rgba(255, 255, 255, 0.9);</a:t>
-            </a:r>
-            <a:endParaRPr sz="4000">
-              <a:solidFill>
-                <a:schemeClr val="dk1"/>
-              </a:solidFill>
-              <a:latin typeface="Calibri"/>
-              <a:ea typeface="Calibri"/>
-              <a:cs typeface="Calibri"/>
-              <a:sym typeface="Calibri"/>
-            </a:endParaRPr>
-          </a:p>
-          <a:p>
-            <a:pPr marL="0" lvl="0" indent="0" algn="l" rtl="0">
-              <a:spcBef>
-                <a:spcPts val="0"/>
-              </a:spcBef>
-              <a:spcAft>
-                <a:spcPts val="1200"/>
-              </a:spcAft>
-              <a:buNone/>
-            </a:pPr>
-            <a:endParaRPr/>
-          </a:p>
-        </p:txBody>
-      </p:sp>
-    </p:spTree>
-  </p:cSld>
-  <p:clrMapOvr>
-    <a:masterClrMapping/>
-  </p:clrMapOvr>
-</p:sld>
-</file>
-
-<file path=ppt/slides/slide9.xml><?xml version="1.0" encoding="utf-8"?>
-<p:sld xmlns:a="http://schemas.openxmlformats.org/drawingml/2006/main" xmlns:r="http://schemas.openxmlformats.org/officeDocument/2006/relationships" xmlns:p="http://schemas.openxmlformats.org/presentationml/2006/main">
-  <p:cSld>
-    <p:spTree>
-      <p:nvGrpSpPr>
-        <p:cNvPr id="1" name="Shape 95"/>
-        <p:cNvGrpSpPr/>
-        <p:nvPr/>
-      </p:nvGrpSpPr>
-      <p:grpSpPr>
-        <a:xfrm>
-          <a:off x="0" y="0"/>
-          <a:ext cx="0" cy="0"/>
-          <a:chOff x="0" y="0"/>
-          <a:chExt cx="0" cy="0"/>
-        </a:xfrm>
-      </p:grpSpPr>
-      <p:sp>
-        <p:nvSpPr>
-          <p:cNvPr id="96" name="Google Shape;96;p20"/>
-          <p:cNvSpPr txBox="1">
-            <a:spLocks noGrp="1"/>
-          </p:cNvSpPr>
-          <p:nvPr>
-            <p:ph type="title"/>
-          </p:nvPr>
-        </p:nvSpPr>
-        <p:spPr>
-          <a:xfrm>
-            <a:off x="311700" y="469625"/>
-            <a:ext cx="8520600" cy="572700"/>
-          </a:xfrm>
-          <a:prstGeom prst="rect">
-            <a:avLst/>
-          </a:prstGeom>
-        </p:spPr>
-        <p:txBody>
-          <a:bodyPr spcFirstLastPara="1" wrap="square" lIns="91425" tIns="91425" rIns="91425" bIns="91425" anchor="t" anchorCtr="0">
-            <a:normAutofit/>
-          </a:bodyPr>
-          <a:lstStyle/>
-          <a:p>
-            <a:pPr marL="0" lvl="0" indent="0" algn="l" rtl="0">
-              <a:spcBef>
-                <a:spcPts val="0"/>
-              </a:spcBef>
-              <a:spcAft>
-                <a:spcPts val="0"/>
-              </a:spcAft>
-              <a:buNone/>
-            </a:pPr>
-            <a:r>
-              <a:rPr lang="en-GB" sz="2500">
-                <a:latin typeface="Calibri"/>
-                <a:ea typeface="Calibri"/>
-                <a:cs typeface="Calibri"/>
-                <a:sym typeface="Calibri"/>
-              </a:rPr>
-              <a:t>Game Logic Implementation</a:t>
-            </a:r>
-            <a:endParaRPr sz="2500">
-              <a:latin typeface="Calibri"/>
-              <a:ea typeface="Calibri"/>
-              <a:cs typeface="Calibri"/>
-              <a:sym typeface="Calibri"/>
-            </a:endParaRPr>
-          </a:p>
-        </p:txBody>
-      </p:sp>
-      <p:sp>
-        <p:nvSpPr>
-          <p:cNvPr id="97" name="Google Shape;97;p20"/>
-          <p:cNvSpPr txBox="1">
-            <a:spLocks noGrp="1"/>
-          </p:cNvSpPr>
-          <p:nvPr>
-            <p:ph type="body" idx="1"/>
-          </p:nvPr>
-        </p:nvSpPr>
-        <p:spPr>
-          <a:xfrm>
-            <a:off x="311700" y="1152475"/>
-            <a:ext cx="8520600" cy="3416400"/>
-          </a:xfrm>
-          <a:prstGeom prst="rect">
-            <a:avLst/>
-          </a:prstGeom>
-        </p:spPr>
-        <p:txBody>
-          <a:bodyPr spcFirstLastPara="1" wrap="square" lIns="91425" tIns="91425" rIns="91425" bIns="91425" anchor="t" anchorCtr="0">
-            <a:normAutofit fontScale="70000" lnSpcReduction="20000"/>
-          </a:bodyPr>
-          <a:lstStyle/>
-          <a:p>
-            <a:pPr marL="0" lvl="0" indent="0" algn="l" rtl="0">
-              <a:spcBef>
-                <a:spcPts val="800"/>
-              </a:spcBef>
-              <a:spcAft>
-                <a:spcPts val="0"/>
-              </a:spcAft>
-              <a:buClr>
-                <a:schemeClr val="dk1"/>
-              </a:buClr>
-              <a:buSzPct val="34375"/>
-              <a:buFont typeface="Arial"/>
-              <a:buNone/>
-            </a:pPr>
-            <a:r>
-              <a:rPr lang="en-GB" sz="3200">
-                <a:solidFill>
-                  <a:schemeClr val="dk1"/>
-                </a:solidFill>
-                <a:latin typeface="Calibri"/>
-                <a:ea typeface="Calibri"/>
-                <a:cs typeface="Calibri"/>
-                <a:sym typeface="Calibri"/>
-              </a:rPr>
-              <a:t>•Handles the grid's shuffle, movement, and win logic.</a:t>
-            </a:r>
-            <a:endParaRPr sz="3200">
-              <a:solidFill>
-                <a:schemeClr val="dk1"/>
-              </a:solidFill>
-              <a:latin typeface="Calibri"/>
-              <a:ea typeface="Calibri"/>
-              <a:cs typeface="Calibri"/>
-              <a:sym typeface="Calibri"/>
-            </a:endParaRPr>
-          </a:p>
-          <a:p>
-            <a:pPr marL="0" lvl="0" indent="0" algn="l" rtl="0">
-              <a:spcBef>
-                <a:spcPts val="800"/>
-              </a:spcBef>
-              <a:spcAft>
-                <a:spcPts val="0"/>
-              </a:spcAft>
-              <a:buClr>
-                <a:schemeClr val="dk1"/>
-              </a:buClr>
-              <a:buSzPct val="34375"/>
-              <a:buFont typeface="Arial"/>
-              <a:buNone/>
-            </a:pPr>
-            <a:r>
-              <a:rPr lang="en-GB" sz="3200">
-                <a:solidFill>
-                  <a:schemeClr val="dk1"/>
-                </a:solidFill>
-                <a:latin typeface="Calibri"/>
-                <a:ea typeface="Calibri"/>
-                <a:cs typeface="Calibri"/>
-                <a:sym typeface="Calibri"/>
-              </a:rPr>
-              <a:t>•Uses event listeners for interactivity.</a:t>
-            </a:r>
-            <a:endParaRPr sz="3200">
-              <a:solidFill>
-                <a:schemeClr val="dk1"/>
-              </a:solidFill>
-              <a:latin typeface="Calibri"/>
-              <a:ea typeface="Calibri"/>
-              <a:cs typeface="Calibri"/>
-              <a:sym typeface="Calibri"/>
-            </a:endParaRPr>
-          </a:p>
-          <a:p>
-            <a:pPr marL="0" lvl="0" indent="0" algn="l" rtl="0">
-              <a:spcBef>
-                <a:spcPts val="800"/>
-              </a:spcBef>
-              <a:spcAft>
-                <a:spcPts val="0"/>
-              </a:spcAft>
-              <a:buClr>
-                <a:schemeClr val="dk1"/>
-              </a:buClr>
-              <a:buSzPct val="34375"/>
-              <a:buFont typeface="Arial"/>
-              <a:buNone/>
-            </a:pPr>
-            <a:r>
-              <a:rPr lang="en-GB" sz="3200">
-                <a:solidFill>
-                  <a:schemeClr val="dk1"/>
-                </a:solidFill>
-                <a:latin typeface="Calibri"/>
-                <a:ea typeface="Calibri"/>
-                <a:cs typeface="Calibri"/>
-                <a:sym typeface="Calibri"/>
-              </a:rPr>
-              <a:t>•Key Function:</a:t>
-            </a:r>
-            <a:endParaRPr sz="3200">
-              <a:solidFill>
-                <a:schemeClr val="dk1"/>
-              </a:solidFill>
-              <a:latin typeface="Calibri"/>
-              <a:ea typeface="Calibri"/>
-              <a:cs typeface="Calibri"/>
-              <a:sym typeface="Calibri"/>
-            </a:endParaRPr>
-          </a:p>
-          <a:p>
-            <a:pPr marL="0" lvl="0" indent="0" algn="l" rtl="0">
-              <a:spcBef>
-                <a:spcPts val="800"/>
-              </a:spcBef>
-              <a:spcAft>
-                <a:spcPts val="0"/>
-              </a:spcAft>
-              <a:buClr>
-                <a:schemeClr val="dk1"/>
-              </a:buClr>
-              <a:buSzPct val="34375"/>
-              <a:buFont typeface="Arial"/>
-              <a:buNone/>
-            </a:pPr>
-            <a:r>
-              <a:rPr lang="en-GB" sz="3200">
-                <a:solidFill>
-                  <a:schemeClr val="dk1"/>
-                </a:solidFill>
-                <a:latin typeface="Calibri"/>
-                <a:ea typeface="Calibri"/>
-                <a:cs typeface="Calibri"/>
-                <a:sym typeface="Calibri"/>
-              </a:rPr>
-              <a:t>•function moveTile(row, col) {</a:t>
-            </a:r>
-            <a:endParaRPr sz="3200">
-              <a:solidFill>
-                <a:schemeClr val="dk1"/>
-              </a:solidFill>
-              <a:latin typeface="Calibri"/>
-              <a:ea typeface="Calibri"/>
-              <a:cs typeface="Calibri"/>
-              <a:sym typeface="Calibri"/>
-            </a:endParaRPr>
-          </a:p>
-          <a:p>
-            <a:pPr marL="0" lvl="0" indent="0" algn="l" rtl="0">
-              <a:spcBef>
-                <a:spcPts val="800"/>
-              </a:spcBef>
-              <a:spcAft>
-                <a:spcPts val="0"/>
-              </a:spcAft>
-              <a:buClr>
-                <a:schemeClr val="dk1"/>
-              </a:buClr>
-              <a:buSzPct val="34375"/>
-              <a:buFont typeface="Arial"/>
-              <a:buNone/>
-            </a:pPr>
-            <a:r>
-              <a:rPr lang="en-GB" sz="3200">
-                <a:solidFill>
-                  <a:schemeClr val="dk1"/>
-                </a:solidFill>
-                <a:latin typeface="Calibri"/>
-                <a:ea typeface="Calibri"/>
-                <a:cs typeface="Calibri"/>
-                <a:sym typeface="Calibri"/>
-              </a:rPr>
-              <a:t>•var value = board[row][col];</a:t>
-            </a:r>
-            <a:endParaRPr sz="3200">
-              <a:solidFill>
-                <a:schemeClr val="dk1"/>
-              </a:solidFill>
-              <a:latin typeface="Calibri"/>
-              <a:ea typeface="Calibri"/>
-              <a:cs typeface="Calibri"/>
-              <a:sym typeface="Calibri"/>
-            </a:endParaRPr>
-          </a:p>
-          <a:p>
-            <a:pPr marL="0" lvl="0" indent="0" algn="l" rtl="0">
-              <a:spcBef>
-                <a:spcPts val="800"/>
-              </a:spcBef>
-              <a:spcAft>
-                <a:spcPts val="0"/>
-              </a:spcAft>
-              <a:buClr>
-                <a:schemeClr val="dk1"/>
-              </a:buClr>
-              <a:buSzPct val="34375"/>
-              <a:buFont typeface="Arial"/>
-              <a:buNone/>
-            </a:pPr>
-            <a:r>
-              <a:rPr lang="en-GB" sz="3200">
-                <a:solidFill>
-                  <a:schemeClr val="dk1"/>
-                </a:solidFill>
-                <a:latin typeface="Calibri"/>
-                <a:ea typeface="Calibri"/>
-                <a:cs typeface="Calibri"/>
-                <a:sym typeface="Calibri"/>
-              </a:rPr>
-              <a:t>•board[row][col] = null;</a:t>
-            </a:r>
-            <a:endParaRPr sz="3200">
-              <a:solidFill>
-                <a:schemeClr val="dk1"/>
-              </a:solidFill>
-              <a:latin typeface="Calibri"/>
-              <a:ea typeface="Calibri"/>
-              <a:cs typeface="Calibri"/>
-              <a:sym typeface="Calibri"/>
-            </a:endParaRPr>
-          </a:p>
-          <a:p>
-            <a:pPr marL="0" lvl="0" indent="0" algn="l" rtl="0">
-              <a:spcBef>
-                <a:spcPts val="800"/>
-              </a:spcBef>
-              <a:spcAft>
-                <a:spcPts val="0"/>
-              </a:spcAft>
-              <a:buClr>
-                <a:schemeClr val="dk1"/>
-              </a:buClr>
-              <a:buSzPct val="34375"/>
-              <a:buFont typeface="Arial"/>
-              <a:buNone/>
-            </a:pPr>
-            <a:r>
-              <a:rPr lang="en-GB" sz="3200">
-                <a:solidFill>
-                  <a:schemeClr val="dk1"/>
-                </a:solidFill>
-                <a:latin typeface="Calibri"/>
-                <a:ea typeface="Calibri"/>
-                <a:cs typeface="Calibri"/>
-                <a:sym typeface="Calibri"/>
-              </a:rPr>
-              <a:t>•board[emptyTile.row][emptyTile.col] = value;</a:t>
-            </a:r>
-            <a:endParaRPr sz="3200">
               <a:solidFill>
                 <a:schemeClr val="dk1"/>
               </a:solidFill>
